--- a/Prezentace_2.pptx
+++ b/Prezentace_2.pptx
@@ -8,20 +8,27 @@
     <p:sldId id="256" r:id="rId2"/>
     <p:sldId id="271" r:id="rId3"/>
     <p:sldId id="272" r:id="rId4"/>
-    <p:sldId id="263" r:id="rId5"/>
-    <p:sldId id="257" r:id="rId6"/>
-    <p:sldId id="261" r:id="rId7"/>
-    <p:sldId id="259" r:id="rId8"/>
-    <p:sldId id="266" r:id="rId9"/>
-    <p:sldId id="264" r:id="rId10"/>
-    <p:sldId id="265" r:id="rId11"/>
-    <p:sldId id="268" r:id="rId12"/>
-    <p:sldId id="269" r:id="rId13"/>
-    <p:sldId id="273" r:id="rId14"/>
-    <p:sldId id="274" r:id="rId15"/>
-    <p:sldId id="270" r:id="rId16"/>
-    <p:sldId id="276" r:id="rId17"/>
-    <p:sldId id="275" r:id="rId18"/>
+    <p:sldId id="277" r:id="rId5"/>
+    <p:sldId id="263" r:id="rId6"/>
+    <p:sldId id="257" r:id="rId7"/>
+    <p:sldId id="261" r:id="rId8"/>
+    <p:sldId id="259" r:id="rId9"/>
+    <p:sldId id="279" r:id="rId10"/>
+    <p:sldId id="266" r:id="rId11"/>
+    <p:sldId id="264" r:id="rId12"/>
+    <p:sldId id="284" r:id="rId13"/>
+    <p:sldId id="286" r:id="rId14"/>
+    <p:sldId id="285" r:id="rId15"/>
+    <p:sldId id="280" r:id="rId16"/>
+    <p:sldId id="281" r:id="rId17"/>
+    <p:sldId id="283" r:id="rId18"/>
+    <p:sldId id="290" r:id="rId19"/>
+    <p:sldId id="287" r:id="rId20"/>
+    <p:sldId id="289" r:id="rId21"/>
+    <p:sldId id="288" r:id="rId22"/>
+    <p:sldId id="291" r:id="rId23"/>
+    <p:sldId id="292" r:id="rId24"/>
+    <p:sldId id="275" r:id="rId25"/>
   </p:sldIdLst>
   <p:sldSz cx="12192000" cy="6858000"/>
   <p:notesSz cx="6858000" cy="9144000"/>
@@ -259,7 +266,7 @@
           <a:p>
             <a:fld id="{10280380-A66F-4D95-ACA2-7D4D5E660D3C}" type="datetimeFigureOut">
               <a:rPr lang="cs-CZ" smtClean="0"/>
-              <a:t>08.05.2019</a:t>
+              <a:t>12.05.2019</a:t>
             </a:fld>
             <a:endParaRPr lang="cs-CZ"/>
           </a:p>
@@ -429,7 +436,7 @@
           <a:p>
             <a:fld id="{10280380-A66F-4D95-ACA2-7D4D5E660D3C}" type="datetimeFigureOut">
               <a:rPr lang="cs-CZ" smtClean="0"/>
-              <a:t>08.05.2019</a:t>
+              <a:t>12.05.2019</a:t>
             </a:fld>
             <a:endParaRPr lang="cs-CZ"/>
           </a:p>
@@ -609,7 +616,7 @@
           <a:p>
             <a:fld id="{10280380-A66F-4D95-ACA2-7D4D5E660D3C}" type="datetimeFigureOut">
               <a:rPr lang="cs-CZ" smtClean="0"/>
-              <a:t>08.05.2019</a:t>
+              <a:t>12.05.2019</a:t>
             </a:fld>
             <a:endParaRPr lang="cs-CZ"/>
           </a:p>
@@ -779,7 +786,7 @@
           <a:p>
             <a:fld id="{10280380-A66F-4D95-ACA2-7D4D5E660D3C}" type="datetimeFigureOut">
               <a:rPr lang="cs-CZ" smtClean="0"/>
-              <a:t>08.05.2019</a:t>
+              <a:t>12.05.2019</a:t>
             </a:fld>
             <a:endParaRPr lang="cs-CZ"/>
           </a:p>
@@ -1025,7 +1032,7 @@
           <a:p>
             <a:fld id="{10280380-A66F-4D95-ACA2-7D4D5E660D3C}" type="datetimeFigureOut">
               <a:rPr lang="cs-CZ" smtClean="0"/>
-              <a:t>08.05.2019</a:t>
+              <a:t>12.05.2019</a:t>
             </a:fld>
             <a:endParaRPr lang="cs-CZ"/>
           </a:p>
@@ -1257,7 +1264,7 @@
           <a:p>
             <a:fld id="{10280380-A66F-4D95-ACA2-7D4D5E660D3C}" type="datetimeFigureOut">
               <a:rPr lang="cs-CZ" smtClean="0"/>
-              <a:t>08.05.2019</a:t>
+              <a:t>12.05.2019</a:t>
             </a:fld>
             <a:endParaRPr lang="cs-CZ"/>
           </a:p>
@@ -1624,7 +1631,7 @@
           <a:p>
             <a:fld id="{10280380-A66F-4D95-ACA2-7D4D5E660D3C}" type="datetimeFigureOut">
               <a:rPr lang="cs-CZ" smtClean="0"/>
-              <a:t>08.05.2019</a:t>
+              <a:t>12.05.2019</a:t>
             </a:fld>
             <a:endParaRPr lang="cs-CZ"/>
           </a:p>
@@ -1742,7 +1749,7 @@
           <a:p>
             <a:fld id="{10280380-A66F-4D95-ACA2-7D4D5E660D3C}" type="datetimeFigureOut">
               <a:rPr lang="cs-CZ" smtClean="0"/>
-              <a:t>08.05.2019</a:t>
+              <a:t>12.05.2019</a:t>
             </a:fld>
             <a:endParaRPr lang="cs-CZ"/>
           </a:p>
@@ -1837,7 +1844,7 @@
           <a:p>
             <a:fld id="{10280380-A66F-4D95-ACA2-7D4D5E660D3C}" type="datetimeFigureOut">
               <a:rPr lang="cs-CZ" smtClean="0"/>
-              <a:t>08.05.2019</a:t>
+              <a:t>12.05.2019</a:t>
             </a:fld>
             <a:endParaRPr lang="cs-CZ"/>
           </a:p>
@@ -2114,7 +2121,7 @@
           <a:p>
             <a:fld id="{10280380-A66F-4D95-ACA2-7D4D5E660D3C}" type="datetimeFigureOut">
               <a:rPr lang="cs-CZ" smtClean="0"/>
-              <a:t>08.05.2019</a:t>
+              <a:t>12.05.2019</a:t>
             </a:fld>
             <a:endParaRPr lang="cs-CZ"/>
           </a:p>
@@ -2371,7 +2378,7 @@
           <a:p>
             <a:fld id="{10280380-A66F-4D95-ACA2-7D4D5E660D3C}" type="datetimeFigureOut">
               <a:rPr lang="cs-CZ" smtClean="0"/>
-              <a:t>08.05.2019</a:t>
+              <a:t>12.05.2019</a:t>
             </a:fld>
             <a:endParaRPr lang="cs-CZ"/>
           </a:p>
@@ -2584,7 +2591,7 @@
           <a:p>
             <a:fld id="{10280380-A66F-4D95-ACA2-7D4D5E660D3C}" type="datetimeFigureOut">
               <a:rPr lang="cs-CZ" smtClean="0"/>
-              <a:t>08.05.2019</a:t>
+              <a:t>12.05.2019</a:t>
             </a:fld>
             <a:endParaRPr lang="cs-CZ"/>
           </a:p>
@@ -3095,7 +3102,7 @@
                 <a:ea typeface="+mj-ea"/>
                 <a:cs typeface="+mj-cs"/>
               </a:rPr>
-              <a:t>DUHÁ </a:t>
+              <a:t>DRUHÁ </a:t>
             </a:r>
             <a:r>
               <a:rPr lang="en-US" sz="5400" kern="1200" dirty="0">
@@ -4059,12 +4066,8 @@
           <a:p>
             <a:pPr algn="l"/>
             <a:r>
-              <a:rPr lang="en-US" sz="2000" b="1" dirty="0"/>
-              <a:t>Tomáš Cink	Jana </a:t>
-            </a:r>
-            <a:r>
-              <a:rPr lang="en-US" sz="2000" b="1" dirty="0" err="1"/>
-              <a:t>Bláhová</a:t>
+              <a:rPr lang="cs-CZ" sz="2000" b="1" dirty="0"/>
+              <a:t>		Tomáš Cink</a:t>
             </a:r>
             <a:endParaRPr lang="en-US" sz="2000" b="1" dirty="0"/>
           </a:p>
@@ -4084,678 +4087,6 @@
 </file>
 
 <file path=ppt/slides/slide10.xml><?xml version="1.0" encoding="utf-8"?>
-<p:sld xmlns:a="http://schemas.openxmlformats.org/drawingml/2006/main" xmlns:r="http://schemas.openxmlformats.org/officeDocument/2006/relationships" xmlns:p="http://schemas.openxmlformats.org/presentationml/2006/main">
-  <p:cSld>
-    <p:bg>
-      <p:bgPr>
-        <a:solidFill>
-          <a:schemeClr val="bg1">
-            <a:tint val="95000"/>
-            <a:satMod val="170000"/>
-          </a:schemeClr>
-        </a:solidFill>
-        <a:effectLst/>
-      </p:bgPr>
-    </p:bg>
-    <p:spTree>
-      <p:nvGrpSpPr>
-        <p:cNvPr id="1" name=""/>
-        <p:cNvGrpSpPr/>
-        <p:nvPr/>
-      </p:nvGrpSpPr>
-      <p:grpSpPr>
-        <a:xfrm>
-          <a:off x="0" y="0"/>
-          <a:ext cx="0" cy="0"/>
-          <a:chOff x="0" y="0"/>
-          <a:chExt cx="0" cy="0"/>
-        </a:xfrm>
-      </p:grpSpPr>
-      <p:sp>
-        <p:nvSpPr>
-          <p:cNvPr id="24" name="Rectangle 23">
-            <a:extLst>
-              <a:ext uri="{FF2B5EF4-FFF2-40B4-BE49-F238E27FC236}">
-                <a16:creationId xmlns:a16="http://schemas.microsoft.com/office/drawing/2014/main" id="{5B32A67F-3598-4A13-8552-DA884FFCCE57}"/>
-              </a:ext>
-              <a:ext uri="{C183D7F6-B498-43B3-948B-1728B52AA6E4}">
-                <adec:decorative xmlns:adec="http://schemas.microsoft.com/office/drawing/2017/decorative" val="1"/>
-              </a:ext>
-            </a:extLst>
-          </p:cNvPr>
-          <p:cNvSpPr>
-            <a:spLocks noGrp="1" noRot="1" noChangeAspect="1" noMove="1" noResize="1" noEditPoints="1" noAdjustHandles="1" noChangeArrowheads="1" noChangeShapeType="1" noTextEdit="1"/>
-          </p:cNvSpPr>
-          <p:nvPr>
-            <p:extLst>
-              <p:ext uri="{386F3935-93C4-4BCD-93E2-E3B085C9AB24}">
-                <p16:designElem xmlns:p16="http://schemas.microsoft.com/office/powerpoint/2015/main" val="1"/>
-              </p:ext>
-            </p:extLst>
-          </p:nvPr>
-        </p:nvSpPr>
-        <p:spPr>
-          <a:xfrm>
-            <a:off x="0" y="0"/>
-            <a:ext cx="12192000" cy="6858000"/>
-          </a:xfrm>
-          <a:prstGeom prst="rect">
-            <a:avLst/>
-          </a:prstGeom>
-          <a:solidFill>
-            <a:schemeClr val="tx1">
-              <a:lumMod val="75000"/>
-              <a:lumOff val="25000"/>
-            </a:schemeClr>
-          </a:solidFill>
-          <a:ln>
-            <a:noFill/>
-          </a:ln>
-        </p:spPr>
-        <p:style>
-          <a:lnRef idx="2">
-            <a:schemeClr val="accent1">
-              <a:shade val="50000"/>
-            </a:schemeClr>
-          </a:lnRef>
-          <a:fillRef idx="1">
-            <a:schemeClr val="accent1"/>
-          </a:fillRef>
-          <a:effectRef idx="0">
-            <a:schemeClr val="accent1"/>
-          </a:effectRef>
-          <a:fontRef idx="minor">
-            <a:schemeClr val="lt1"/>
-          </a:fontRef>
-        </p:style>
-        <p:txBody>
-          <a:bodyPr rtlCol="0" anchor="ctr"/>
-          <a:lstStyle/>
-          <a:p>
-            <a:pPr algn="ctr"/>
-            <a:endParaRPr lang="en-US"/>
-          </a:p>
-        </p:txBody>
-      </p:sp>
-      <p:sp>
-        <p:nvSpPr>
-          <p:cNvPr id="12" name="Nadpis 1">
-            <a:extLst>
-              <a:ext uri="{FF2B5EF4-FFF2-40B4-BE49-F238E27FC236}">
-                <a16:creationId xmlns:a16="http://schemas.microsoft.com/office/drawing/2014/main" id="{F90899F7-421C-4F94-AFB8-395D5E1CF0DD}"/>
-              </a:ext>
-            </a:extLst>
-          </p:cNvPr>
-          <p:cNvSpPr>
-            <a:spLocks noGrp="1"/>
-          </p:cNvSpPr>
-          <p:nvPr>
-            <p:ph type="title"/>
-          </p:nvPr>
-        </p:nvSpPr>
-        <p:spPr>
-          <a:xfrm>
-            <a:off x="641919" y="544777"/>
-            <a:ext cx="4573475" cy="2076333"/>
-          </a:xfrm>
-        </p:spPr>
-        <p:txBody>
-          <a:bodyPr vert="horz" lIns="91440" tIns="45720" rIns="91440" bIns="45720" rtlCol="0" anchor="t">
-            <a:normAutofit/>
-          </a:bodyPr>
-          <a:lstStyle/>
-          <a:p>
-            <a:r>
-              <a:rPr lang="cs-CZ" sz="4800" kern="1200" dirty="0">
-                <a:solidFill>
-                  <a:schemeClr val="bg1"/>
-                </a:solidFill>
-                <a:latin typeface="+mj-lt"/>
-                <a:ea typeface="+mj-ea"/>
-                <a:cs typeface="+mj-cs"/>
-              </a:rPr>
-              <a:t>Obsluha tlačítek</a:t>
-            </a:r>
-            <a:endParaRPr lang="en-US" sz="4800" kern="1200" dirty="0">
-              <a:solidFill>
-                <a:schemeClr val="bg1"/>
-              </a:solidFill>
-              <a:latin typeface="+mj-lt"/>
-              <a:ea typeface="+mj-ea"/>
-              <a:cs typeface="+mj-cs"/>
-            </a:endParaRPr>
-          </a:p>
-        </p:txBody>
-      </p:sp>
-      <p:sp>
-        <p:nvSpPr>
-          <p:cNvPr id="26" name="Freeform: Shape 25">
-            <a:extLst>
-              <a:ext uri="{FF2B5EF4-FFF2-40B4-BE49-F238E27FC236}">
-                <a16:creationId xmlns:a16="http://schemas.microsoft.com/office/drawing/2014/main" id="{BCC55ACC-A2F6-403C-A3A4-D59B3734D45F}"/>
-              </a:ext>
-              <a:ext uri="{C183D7F6-B498-43B3-948B-1728B52AA6E4}">
-                <adec:decorative xmlns:adec="http://schemas.microsoft.com/office/drawing/2017/decorative" val="1"/>
-              </a:ext>
-            </a:extLst>
-          </p:cNvPr>
-          <p:cNvSpPr>
-            <a:spLocks noGrp="1" noRot="1" noChangeAspect="1" noMove="1" noResize="1" noEditPoints="1" noAdjustHandles="1" noChangeArrowheads="1" noChangeShapeType="1" noTextEdit="1"/>
-          </p:cNvSpPr>
-          <p:nvPr>
-            <p:extLst>
-              <p:ext uri="{386F3935-93C4-4BCD-93E2-E3B085C9AB24}">
-                <p16:designElem xmlns:p16="http://schemas.microsoft.com/office/powerpoint/2015/main" val="1"/>
-              </p:ext>
-            </p:extLst>
-          </p:nvPr>
-        </p:nvSpPr>
-        <p:spPr>
-          <a:xfrm>
-            <a:off x="5857312" y="381000"/>
-            <a:ext cx="6334689" cy="6477000"/>
-          </a:xfrm>
-          <a:custGeom>
-            <a:avLst/>
-            <a:gdLst>
-              <a:gd name="connsiteX0" fmla="*/ 3561588 w 6334689"/>
-              <a:gd name="connsiteY0" fmla="*/ 0 h 6477000"/>
-              <a:gd name="connsiteX1" fmla="*/ 6309883 w 6334689"/>
-              <a:gd name="connsiteY1" fmla="*/ 1296087 h 6477000"/>
-              <a:gd name="connsiteX2" fmla="*/ 6334689 w 6334689"/>
-              <a:gd name="connsiteY2" fmla="*/ 1329261 h 6477000"/>
-              <a:gd name="connsiteX3" fmla="*/ 6334689 w 6334689"/>
-              <a:gd name="connsiteY3" fmla="*/ 5793916 h 6477000"/>
-              <a:gd name="connsiteX4" fmla="*/ 6309883 w 6334689"/>
-              <a:gd name="connsiteY4" fmla="*/ 5827089 h 6477000"/>
-              <a:gd name="connsiteX5" fmla="*/ 5760467 w 6334689"/>
-              <a:gd name="connsiteY5" fmla="*/ 6363539 h 6477000"/>
-              <a:gd name="connsiteX6" fmla="*/ 5607796 w 6334689"/>
-              <a:gd name="connsiteY6" fmla="*/ 6477000 h 6477000"/>
-              <a:gd name="connsiteX7" fmla="*/ 1519571 w 6334689"/>
-              <a:gd name="connsiteY7" fmla="*/ 6477000 h 6477000"/>
-              <a:gd name="connsiteX8" fmla="*/ 1296088 w 6334689"/>
-              <a:gd name="connsiteY8" fmla="*/ 6309883 h 6477000"/>
-              <a:gd name="connsiteX9" fmla="*/ 0 w 6334689"/>
-              <a:gd name="connsiteY9" fmla="*/ 3561588 h 6477000"/>
-              <a:gd name="connsiteX10" fmla="*/ 3561588 w 6334689"/>
-              <a:gd name="connsiteY10" fmla="*/ 0 h 6477000"/>
-            </a:gdLst>
-            <a:ahLst/>
-            <a:cxnLst>
-              <a:cxn ang="0">
-                <a:pos x="connsiteX0" y="connsiteY0"/>
-              </a:cxn>
-              <a:cxn ang="0">
-                <a:pos x="connsiteX1" y="connsiteY1"/>
-              </a:cxn>
-              <a:cxn ang="0">
-                <a:pos x="connsiteX2" y="connsiteY2"/>
-              </a:cxn>
-              <a:cxn ang="0">
-                <a:pos x="connsiteX3" y="connsiteY3"/>
-              </a:cxn>
-              <a:cxn ang="0">
-                <a:pos x="connsiteX4" y="connsiteY4"/>
-              </a:cxn>
-              <a:cxn ang="0">
-                <a:pos x="connsiteX5" y="connsiteY5"/>
-              </a:cxn>
-              <a:cxn ang="0">
-                <a:pos x="connsiteX6" y="connsiteY6"/>
-              </a:cxn>
-              <a:cxn ang="0">
-                <a:pos x="connsiteX7" y="connsiteY7"/>
-              </a:cxn>
-              <a:cxn ang="0">
-                <a:pos x="connsiteX8" y="connsiteY8"/>
-              </a:cxn>
-              <a:cxn ang="0">
-                <a:pos x="connsiteX9" y="connsiteY9"/>
-              </a:cxn>
-              <a:cxn ang="0">
-                <a:pos x="connsiteX10" y="connsiteY10"/>
-              </a:cxn>
-            </a:cxnLst>
-            <a:rect l="l" t="t" r="r" b="b"/>
-            <a:pathLst>
-              <a:path w="6334689" h="6477000">
-                <a:moveTo>
-                  <a:pt x="3561588" y="0"/>
-                </a:moveTo>
-                <a:cubicBezTo>
-                  <a:pt x="4668032" y="0"/>
-                  <a:pt x="5656635" y="504534"/>
-                  <a:pt x="6309883" y="1296087"/>
-                </a:cubicBezTo>
-                <a:lnTo>
-                  <a:pt x="6334689" y="1329261"/>
-                </a:lnTo>
-                <a:lnTo>
-                  <a:pt x="6334689" y="5793916"/>
-                </a:lnTo>
-                <a:lnTo>
-                  <a:pt x="6309883" y="5827089"/>
-                </a:lnTo>
-                <a:cubicBezTo>
-                  <a:pt x="6146571" y="6024977"/>
-                  <a:pt x="5962299" y="6204927"/>
-                  <a:pt x="5760467" y="6363539"/>
-                </a:cubicBezTo>
-                <a:lnTo>
-                  <a:pt x="5607796" y="6477000"/>
-                </a:lnTo>
-                <a:lnTo>
-                  <a:pt x="1519571" y="6477000"/>
-                </a:lnTo>
-                <a:lnTo>
-                  <a:pt x="1296088" y="6309883"/>
-                </a:lnTo>
-                <a:cubicBezTo>
-                  <a:pt x="504535" y="5656635"/>
-                  <a:pt x="0" y="4668032"/>
-                  <a:pt x="0" y="3561588"/>
-                </a:cubicBezTo>
-                <a:cubicBezTo>
-                  <a:pt x="0" y="1594577"/>
-                  <a:pt x="1594577" y="0"/>
-                  <a:pt x="3561588" y="0"/>
-                </a:cubicBezTo>
-                <a:close/>
-              </a:path>
-            </a:pathLst>
-          </a:custGeom>
-          <a:solidFill>
-            <a:schemeClr val="bg1">
-              <a:alpha val="80000"/>
-            </a:schemeClr>
-          </a:solidFill>
-          <a:ln>
-            <a:noFill/>
-          </a:ln>
-        </p:spPr>
-        <p:style>
-          <a:lnRef idx="2">
-            <a:schemeClr val="accent1">
-              <a:shade val="50000"/>
-            </a:schemeClr>
-          </a:lnRef>
-          <a:fillRef idx="1">
-            <a:schemeClr val="accent1"/>
-          </a:fillRef>
-          <a:effectRef idx="0">
-            <a:schemeClr val="accent1"/>
-          </a:effectRef>
-          <a:fontRef idx="minor">
-            <a:schemeClr val="lt1"/>
-          </a:fontRef>
-        </p:style>
-        <p:txBody>
-          <a:bodyPr rtlCol="0" anchor="ctr"/>
-          <a:lstStyle/>
-          <a:p>
-            <a:pPr marL="0" marR="0" lvl="0" indent="0" algn="ctr" defTabSz="914400" rtl="0" eaLnBrk="1" fontAlgn="auto" latinLnBrk="0" hangingPunct="1">
-              <a:lnSpc>
-                <a:spcPct val="100000"/>
-              </a:lnSpc>
-              <a:spcBef>
-                <a:spcPts val="0"/>
-              </a:spcBef>
-              <a:spcAft>
-                <a:spcPts val="0"/>
-              </a:spcAft>
-              <a:buClrTx/>
-              <a:buSzTx/>
-              <a:buFontTx/>
-              <a:buNone/>
-              <a:tabLst/>
-              <a:defRPr/>
-            </a:pPr>
-            <a:endParaRPr kumimoji="0" lang="en-US" sz="1800" b="0" i="0" u="none" strike="noStrike" kern="1200" cap="none" spc="0" normalizeH="0" baseline="0" noProof="0">
-              <a:ln>
-                <a:noFill/>
-              </a:ln>
-              <a:solidFill>
-                <a:prstClr val="white"/>
-              </a:solidFill>
-              <a:effectLst/>
-              <a:uLnTx/>
-              <a:uFillTx/>
-              <a:latin typeface="Calibri" panose="020F0502020204030204"/>
-              <a:ea typeface="+mn-ea"/>
-              <a:cs typeface="+mn-cs"/>
-            </a:endParaRPr>
-          </a:p>
-        </p:txBody>
-      </p:sp>
-      <p:sp>
-        <p:nvSpPr>
-          <p:cNvPr id="28" name="Freeform: Shape 27">
-            <a:extLst>
-              <a:ext uri="{FF2B5EF4-FFF2-40B4-BE49-F238E27FC236}">
-                <a16:creationId xmlns:a16="http://schemas.microsoft.com/office/drawing/2014/main" id="{598EBA13-C937-430B-9523-439FE21096E6}"/>
-              </a:ext>
-              <a:ext uri="{C183D7F6-B498-43B3-948B-1728B52AA6E4}">
-                <adec:decorative xmlns:adec="http://schemas.microsoft.com/office/drawing/2017/decorative" val="1"/>
-              </a:ext>
-            </a:extLst>
-          </p:cNvPr>
-          <p:cNvSpPr>
-            <a:spLocks noGrp="1" noRot="1" noChangeAspect="1" noMove="1" noResize="1" noEditPoints="1" noAdjustHandles="1" noChangeArrowheads="1" noChangeShapeType="1" noTextEdit="1"/>
-          </p:cNvSpPr>
-          <p:nvPr>
-            <p:extLst>
-              <p:ext uri="{386F3935-93C4-4BCD-93E2-E3B085C9AB24}">
-                <p16:designElem xmlns:p16="http://schemas.microsoft.com/office/powerpoint/2015/main" val="1"/>
-              </p:ext>
-            </p:extLst>
-          </p:nvPr>
-        </p:nvSpPr>
-        <p:spPr>
-          <a:xfrm>
-            <a:off x="6021086" y="544777"/>
-            <a:ext cx="6170914" cy="6313225"/>
-          </a:xfrm>
-          <a:custGeom>
-            <a:avLst/>
-            <a:gdLst>
-              <a:gd name="connsiteX0" fmla="*/ 3397813 w 6170914"/>
-              <a:gd name="connsiteY0" fmla="*/ 0 h 6313225"/>
-              <a:gd name="connsiteX1" fmla="*/ 6019731 w 6170914"/>
-              <a:gd name="connsiteY1" fmla="*/ 1236489 h 6313225"/>
-              <a:gd name="connsiteX2" fmla="*/ 6170914 w 6170914"/>
-              <a:gd name="connsiteY2" fmla="*/ 1438663 h 6313225"/>
-              <a:gd name="connsiteX3" fmla="*/ 6170914 w 6170914"/>
-              <a:gd name="connsiteY3" fmla="*/ 5356963 h 6313225"/>
-              <a:gd name="connsiteX4" fmla="*/ 6019731 w 6170914"/>
-              <a:gd name="connsiteY4" fmla="*/ 5559138 h 6313225"/>
-              <a:gd name="connsiteX5" fmla="*/ 5194591 w 6170914"/>
-              <a:gd name="connsiteY5" fmla="*/ 6282226 h 6313225"/>
-              <a:gd name="connsiteX6" fmla="*/ 5141791 w 6170914"/>
-              <a:gd name="connsiteY6" fmla="*/ 6313225 h 6313225"/>
-              <a:gd name="connsiteX7" fmla="*/ 1659199 w 6170914"/>
-              <a:gd name="connsiteY7" fmla="*/ 6313225 h 6313225"/>
-              <a:gd name="connsiteX8" fmla="*/ 1498064 w 6170914"/>
-              <a:gd name="connsiteY8" fmla="*/ 6215333 h 6313225"/>
-              <a:gd name="connsiteX9" fmla="*/ 0 w 6170914"/>
-              <a:gd name="connsiteY9" fmla="*/ 3397813 h 6313225"/>
-              <a:gd name="connsiteX10" fmla="*/ 3397813 w 6170914"/>
-              <a:gd name="connsiteY10" fmla="*/ 0 h 6313225"/>
-            </a:gdLst>
-            <a:ahLst/>
-            <a:cxnLst>
-              <a:cxn ang="0">
-                <a:pos x="connsiteX0" y="connsiteY0"/>
-              </a:cxn>
-              <a:cxn ang="0">
-                <a:pos x="connsiteX1" y="connsiteY1"/>
-              </a:cxn>
-              <a:cxn ang="0">
-                <a:pos x="connsiteX2" y="connsiteY2"/>
-              </a:cxn>
-              <a:cxn ang="0">
-                <a:pos x="connsiteX3" y="connsiteY3"/>
-              </a:cxn>
-              <a:cxn ang="0">
-                <a:pos x="connsiteX4" y="connsiteY4"/>
-              </a:cxn>
-              <a:cxn ang="0">
-                <a:pos x="connsiteX5" y="connsiteY5"/>
-              </a:cxn>
-              <a:cxn ang="0">
-                <a:pos x="connsiteX6" y="connsiteY6"/>
-              </a:cxn>
-              <a:cxn ang="0">
-                <a:pos x="connsiteX7" y="connsiteY7"/>
-              </a:cxn>
-              <a:cxn ang="0">
-                <a:pos x="connsiteX8" y="connsiteY8"/>
-              </a:cxn>
-              <a:cxn ang="0">
-                <a:pos x="connsiteX9" y="connsiteY9"/>
-              </a:cxn>
-              <a:cxn ang="0">
-                <a:pos x="connsiteX10" y="connsiteY10"/>
-              </a:cxn>
-            </a:cxnLst>
-            <a:rect l="l" t="t" r="r" b="b"/>
-            <a:pathLst>
-              <a:path w="6170914" h="6313225">
-                <a:moveTo>
-                  <a:pt x="3397813" y="0"/>
-                </a:moveTo>
-                <a:cubicBezTo>
-                  <a:pt x="4453378" y="0"/>
-                  <a:pt x="5396522" y="481334"/>
-                  <a:pt x="6019731" y="1236489"/>
-                </a:cubicBezTo>
-                <a:lnTo>
-                  <a:pt x="6170914" y="1438663"/>
-                </a:lnTo>
-                <a:lnTo>
-                  <a:pt x="6170914" y="5356963"/>
-                </a:lnTo>
-                <a:lnTo>
-                  <a:pt x="6019731" y="5559138"/>
-                </a:lnTo>
-                <a:cubicBezTo>
-                  <a:pt x="5786028" y="5842321"/>
-                  <a:pt x="5507333" y="6086998"/>
-                  <a:pt x="5194591" y="6282226"/>
-                </a:cubicBezTo>
-                <a:lnTo>
-                  <a:pt x="5141791" y="6313225"/>
-                </a:lnTo>
-                <a:lnTo>
-                  <a:pt x="1659199" y="6313225"/>
-                </a:lnTo>
-                <a:lnTo>
-                  <a:pt x="1498064" y="6215333"/>
-                </a:lnTo>
-                <a:cubicBezTo>
-                  <a:pt x="594240" y="5604721"/>
-                  <a:pt x="0" y="4570663"/>
-                  <a:pt x="0" y="3397813"/>
-                </a:cubicBezTo>
-                <a:cubicBezTo>
-                  <a:pt x="0" y="1521253"/>
-                  <a:pt x="1521253" y="0"/>
-                  <a:pt x="3397813" y="0"/>
-                </a:cubicBezTo>
-                <a:close/>
-              </a:path>
-            </a:pathLst>
-          </a:custGeom>
-          <a:solidFill>
-            <a:schemeClr val="bg1"/>
-          </a:solidFill>
-          <a:ln>
-            <a:noFill/>
-          </a:ln>
-        </p:spPr>
-        <p:style>
-          <a:lnRef idx="2">
-            <a:schemeClr val="accent1">
-              <a:shade val="50000"/>
-            </a:schemeClr>
-          </a:lnRef>
-          <a:fillRef idx="1">
-            <a:schemeClr val="accent1"/>
-          </a:fillRef>
-          <a:effectRef idx="0">
-            <a:schemeClr val="accent1"/>
-          </a:effectRef>
-          <a:fontRef idx="minor">
-            <a:schemeClr val="lt1"/>
-          </a:fontRef>
-        </p:style>
-        <p:txBody>
-          <a:bodyPr rtlCol="0" anchor="ctr"/>
-          <a:lstStyle/>
-          <a:p>
-            <a:pPr marL="0" marR="0" lvl="0" indent="0" algn="ctr" defTabSz="914400" rtl="0" eaLnBrk="1" fontAlgn="auto" latinLnBrk="0" hangingPunct="1">
-              <a:lnSpc>
-                <a:spcPct val="100000"/>
-              </a:lnSpc>
-              <a:spcBef>
-                <a:spcPts val="0"/>
-              </a:spcBef>
-              <a:spcAft>
-                <a:spcPts val="0"/>
-              </a:spcAft>
-              <a:buClrTx/>
-              <a:buSzTx/>
-              <a:buFontTx/>
-              <a:buNone/>
-              <a:tabLst/>
-              <a:defRPr/>
-            </a:pPr>
-            <a:endParaRPr kumimoji="0" lang="en-US" sz="1800" b="0" i="0" u="none" strike="noStrike" kern="1200" cap="none" spc="0" normalizeH="0" baseline="0" noProof="0">
-              <a:ln>
-                <a:noFill/>
-              </a:ln>
-              <a:solidFill>
-                <a:prstClr val="white"/>
-              </a:solidFill>
-              <a:effectLst/>
-              <a:uLnTx/>
-              <a:uFillTx/>
-              <a:latin typeface="Calibri" panose="020F0502020204030204"/>
-              <a:ea typeface="+mn-ea"/>
-              <a:cs typeface="+mn-cs"/>
-            </a:endParaRPr>
-          </a:p>
-        </p:txBody>
-      </p:sp>
-      <p:pic>
-        <p:nvPicPr>
-          <p:cNvPr id="10" name="Obrázek 9">
-            <a:extLst>
-              <a:ext uri="{FF2B5EF4-FFF2-40B4-BE49-F238E27FC236}">
-                <a16:creationId xmlns:a16="http://schemas.microsoft.com/office/drawing/2014/main" id="{E5610133-A364-4B62-876D-F1551851BE39}"/>
-              </a:ext>
-            </a:extLst>
-          </p:cNvPr>
-          <p:cNvPicPr>
-            <a:picLocks noChangeAspect="1"/>
-          </p:cNvPicPr>
-          <p:nvPr/>
-        </p:nvPicPr>
-        <p:blipFill>
-          <a:blip r:embed="rId2">
-            <a:extLst>
-              <a:ext uri="{28A0092B-C50C-407E-A947-70E740481C1C}">
-                <a14:useLocalDpi xmlns:a14="http://schemas.microsoft.com/office/drawing/2010/main" val="0"/>
-              </a:ext>
-            </a:extLst>
-          </a:blip>
-          <a:stretch>
-            <a:fillRect/>
-          </a:stretch>
-        </p:blipFill>
-        <p:spPr>
-          <a:xfrm>
-            <a:off x="5611193" y="262979"/>
-            <a:ext cx="6580807" cy="1923621"/>
-          </a:xfrm>
-          <a:prstGeom prst="rect">
-            <a:avLst/>
-          </a:prstGeom>
-        </p:spPr>
-      </p:pic>
-      <p:pic>
-        <p:nvPicPr>
-          <p:cNvPr id="9" name="Obrázek 8">
-            <a:extLst>
-              <a:ext uri="{FF2B5EF4-FFF2-40B4-BE49-F238E27FC236}">
-                <a16:creationId xmlns:a16="http://schemas.microsoft.com/office/drawing/2014/main" id="{A84C8787-5CB7-4660-B135-F6CE1D7F0727}"/>
-              </a:ext>
-            </a:extLst>
-          </p:cNvPr>
-          <p:cNvPicPr>
-            <a:picLocks noChangeAspect="1"/>
-          </p:cNvPicPr>
-          <p:nvPr/>
-        </p:nvPicPr>
-        <p:blipFill>
-          <a:blip r:embed="rId3">
-            <a:extLst>
-              <a:ext uri="{28A0092B-C50C-407E-A947-70E740481C1C}">
-                <a14:useLocalDpi xmlns:a14="http://schemas.microsoft.com/office/drawing/2010/main" val="0"/>
-              </a:ext>
-            </a:extLst>
-          </a:blip>
-          <a:stretch>
-            <a:fillRect/>
-          </a:stretch>
-        </p:blipFill>
-        <p:spPr>
-          <a:xfrm>
-            <a:off x="4922738" y="2109693"/>
-            <a:ext cx="7269262" cy="3047420"/>
-          </a:xfrm>
-          <a:prstGeom prst="rect">
-            <a:avLst/>
-          </a:prstGeom>
-        </p:spPr>
-      </p:pic>
-      <p:pic>
-        <p:nvPicPr>
-          <p:cNvPr id="7" name="Zástupný obsah 4">
-            <a:extLst>
-              <a:ext uri="{FF2B5EF4-FFF2-40B4-BE49-F238E27FC236}">
-                <a16:creationId xmlns:a16="http://schemas.microsoft.com/office/drawing/2014/main" id="{3A858809-2BD3-48A3-B504-831883841CE0}"/>
-              </a:ext>
-            </a:extLst>
-          </p:cNvPr>
-          <p:cNvPicPr>
-            <a:picLocks noChangeAspect="1"/>
-          </p:cNvPicPr>
-          <p:nvPr/>
-        </p:nvPicPr>
-        <p:blipFill>
-          <a:blip r:embed="rId4">
-            <a:extLst>
-              <a:ext uri="{28A0092B-C50C-407E-A947-70E740481C1C}">
-                <a14:useLocalDpi xmlns:a14="http://schemas.microsoft.com/office/drawing/2010/main" val="0"/>
-              </a:ext>
-            </a:extLst>
-          </a:blip>
-          <a:stretch>
-            <a:fillRect/>
-          </a:stretch>
-        </p:blipFill>
-        <p:spPr>
-          <a:xfrm>
-            <a:off x="4345655" y="5157115"/>
-            <a:ext cx="7846346" cy="1700885"/>
-          </a:xfrm>
-          <a:prstGeom prst="rect">
-            <a:avLst/>
-          </a:prstGeom>
-          <a:effectLst>
-            <a:outerShdw blurRad="50800" dir="14400000">
-              <a:srgbClr val="000000">
-                <a:alpha val="40000"/>
-              </a:srgbClr>
-            </a:outerShdw>
-          </a:effectLst>
-        </p:spPr>
-      </p:pic>
-    </p:spTree>
-    <p:extLst>
-      <p:ext uri="{BB962C8B-B14F-4D97-AF65-F5344CB8AC3E}">
-        <p14:creationId xmlns:p14="http://schemas.microsoft.com/office/powerpoint/2010/main" val="3177209515"/>
-      </p:ext>
-    </p:extLst>
-  </p:cSld>
-  <p:clrMapOvr>
-    <a:masterClrMapping/>
-  </p:clrMapOvr>
-</p:sld>
-</file>
-
-<file path=ppt/slides/slide11.xml><?xml version="1.0" encoding="utf-8"?>
 <p:sld xmlns:a="http://schemas.openxmlformats.org/drawingml/2006/main" xmlns:r="http://schemas.openxmlformats.org/officeDocument/2006/relationships" xmlns:p="http://schemas.openxmlformats.org/presentationml/2006/main">
   <p:cSld>
     <p:bg>
@@ -5151,7 +4482,7 @@
                   </a:schemeClr>
                 </a:solidFill>
               </a:rPr>
-              <a:t>IMPLEMENTACE</a:t>
+              <a:t>Seznam Zboží</a:t>
             </a:r>
           </a:p>
         </p:txBody>
@@ -5159,7 +4490,7 @@
     </p:spTree>
     <p:extLst>
       <p:ext uri="{BB962C8B-B14F-4D97-AF65-F5344CB8AC3E}">
-        <p14:creationId xmlns:p14="http://schemas.microsoft.com/office/powerpoint/2010/main" val="1073210707"/>
+        <p14:creationId xmlns:p14="http://schemas.microsoft.com/office/powerpoint/2010/main" val="2169742599"/>
       </p:ext>
     </p:extLst>
   </p:cSld>
@@ -5169,7 +4500,7 @@
 </p:sld>
 </file>
 
-<file path=ppt/slides/slide12.xml><?xml version="1.0" encoding="utf-8"?>
+<file path=ppt/slides/slide11.xml><?xml version="1.0" encoding="utf-8"?>
 <p:sld xmlns:a="http://schemas.openxmlformats.org/drawingml/2006/main" xmlns:r="http://schemas.openxmlformats.org/officeDocument/2006/relationships" xmlns:p="http://schemas.openxmlformats.org/presentationml/2006/main">
   <p:cSld>
     <p:bg>
@@ -5393,10 +4724,10 @@
       </p:cxnSp>
       <p:pic>
         <p:nvPicPr>
-          <p:cNvPr id="3" name="Obrázek 2">
+          <p:cNvPr id="11" name="Obrázek 10" descr="Obsah obrázku snímek obrazovky&#10;&#10;Popis byl vytvořen automaticky">
             <a:extLst>
               <a:ext uri="{FF2B5EF4-FFF2-40B4-BE49-F238E27FC236}">
-                <a16:creationId xmlns:a16="http://schemas.microsoft.com/office/drawing/2014/main" id="{4FB3DDA7-C368-40CA-ADD9-ED88055BD919}"/>
+                <a16:creationId xmlns:a16="http://schemas.microsoft.com/office/drawing/2014/main" id="{96F835E0-867D-4F81-8F2B-FC89C0DD1F9A}"/>
               </a:ext>
             </a:extLst>
           </p:cNvPr>
@@ -5406,15 +4737,21 @@
           <p:nvPr/>
         </p:nvPicPr>
         <p:blipFill>
-          <a:blip r:embed="rId2"/>
+          <a:blip r:embed="rId2">
+            <a:extLst>
+              <a:ext uri="{28A0092B-C50C-407E-A947-70E740481C1C}">
+                <a14:useLocalDpi xmlns:a14="http://schemas.microsoft.com/office/drawing/2010/main" val="0"/>
+              </a:ext>
+            </a:extLst>
+          </a:blip>
           <a:stretch>
             <a:fillRect/>
           </a:stretch>
         </p:blipFill>
         <p:spPr>
           <a:xfrm>
-            <a:off x="8779144" y="2251757"/>
-            <a:ext cx="2650484" cy="4345667"/>
+            <a:off x="8379779" y="1265612"/>
+            <a:ext cx="3199502" cy="5335211"/>
           </a:xfrm>
           <a:prstGeom prst="rect">
             <a:avLst/>
@@ -5423,10 +4760,10 @@
       </p:pic>
       <p:pic>
         <p:nvPicPr>
-          <p:cNvPr id="8" name="Obrázek 7">
+          <p:cNvPr id="19" name="Obrázek 18" descr="Obsah obrázku snímek obrazovky&#10;&#10;Popis byl vytvořen automaticky">
             <a:extLst>
               <a:ext uri="{FF2B5EF4-FFF2-40B4-BE49-F238E27FC236}">
-                <a16:creationId xmlns:a16="http://schemas.microsoft.com/office/drawing/2014/main" id="{905F7BED-06D1-4C37-A64A-5AD8F557EC9E}"/>
+                <a16:creationId xmlns:a16="http://schemas.microsoft.com/office/drawing/2014/main" id="{0512255B-FA61-4C6A-BFE3-F207D2998704}"/>
               </a:ext>
             </a:extLst>
           </p:cNvPr>
@@ -5436,15 +4773,21 @@
           <p:nvPr/>
         </p:nvPicPr>
         <p:blipFill>
-          <a:blip r:embed="rId3"/>
+          <a:blip r:embed="rId3">
+            <a:extLst>
+              <a:ext uri="{28A0092B-C50C-407E-A947-70E740481C1C}">
+                <a14:useLocalDpi xmlns:a14="http://schemas.microsoft.com/office/drawing/2010/main" val="0"/>
+              </a:ext>
+            </a:extLst>
+          </a:blip>
           <a:stretch>
             <a:fillRect/>
           </a:stretch>
         </p:blipFill>
         <p:spPr>
           <a:xfrm>
-            <a:off x="1026226" y="2251756"/>
-            <a:ext cx="2477859" cy="4369920"/>
+            <a:off x="4493579" y="1289425"/>
+            <a:ext cx="3204842" cy="5287586"/>
           </a:xfrm>
           <a:prstGeom prst="rect">
             <a:avLst/>
@@ -5453,10 +4796,10 @@
       </p:pic>
       <p:pic>
         <p:nvPicPr>
-          <p:cNvPr id="11" name="Obrázek 10">
+          <p:cNvPr id="25" name="Obrázek 24" descr="Obsah obrázku snímek obrazovky&#10;&#10;Popis byl vytvořen automaticky">
             <a:extLst>
               <a:ext uri="{FF2B5EF4-FFF2-40B4-BE49-F238E27FC236}">
-                <a16:creationId xmlns:a16="http://schemas.microsoft.com/office/drawing/2014/main" id="{E4EFFCE0-E93B-49C9-8BA3-5088DA22E98A}"/>
+                <a16:creationId xmlns:a16="http://schemas.microsoft.com/office/drawing/2014/main" id="{86237681-7076-48C7-806A-8D49A61ADF12}"/>
               </a:ext>
             </a:extLst>
           </p:cNvPr>
@@ -5466,15 +4809,21 @@
           <p:nvPr/>
         </p:nvPicPr>
         <p:blipFill>
-          <a:blip r:embed="rId4"/>
+          <a:blip r:embed="rId4">
+            <a:extLst>
+              <a:ext uri="{28A0092B-C50C-407E-A947-70E740481C1C}">
+                <a14:useLocalDpi xmlns:a14="http://schemas.microsoft.com/office/drawing/2010/main" val="0"/>
+              </a:ext>
+            </a:extLst>
+          </a:blip>
           <a:stretch>
             <a:fillRect/>
           </a:stretch>
         </p:blipFill>
         <p:spPr>
           <a:xfrm>
-            <a:off x="4857070" y="2239348"/>
-            <a:ext cx="2477859" cy="4358077"/>
+            <a:off x="584748" y="1289425"/>
+            <a:ext cx="3227473" cy="5335211"/>
           </a:xfrm>
           <a:prstGeom prst="rect">
             <a:avLst/>
@@ -5484,7 +4833,7 @@
     </p:spTree>
     <p:extLst>
       <p:ext uri="{BB962C8B-B14F-4D97-AF65-F5344CB8AC3E}">
-        <p14:creationId xmlns:p14="http://schemas.microsoft.com/office/powerpoint/2010/main" val="4077043725"/>
+        <p14:creationId xmlns:p14="http://schemas.microsoft.com/office/powerpoint/2010/main" val="1744304987"/>
       </p:ext>
     </p:extLst>
   </p:cSld>
@@ -5494,20 +4843,9 @@
 </p:sld>
 </file>
 
-<file path=ppt/slides/slide13.xml><?xml version="1.0" encoding="utf-8"?>
+<file path=ppt/slides/slide12.xml><?xml version="1.0" encoding="utf-8"?>
 <p:sld xmlns:a="http://schemas.openxmlformats.org/drawingml/2006/main" xmlns:r="http://schemas.openxmlformats.org/officeDocument/2006/relationships" xmlns:p="http://schemas.openxmlformats.org/presentationml/2006/main">
   <p:cSld>
-    <p:bg>
-      <p:bgPr>
-        <a:solidFill>
-          <a:schemeClr val="bg1">
-            <a:tint val="95000"/>
-            <a:satMod val="170000"/>
-          </a:schemeClr>
-        </a:solidFill>
-        <a:effectLst/>
-      </p:bgPr>
-    </p:bg>
     <p:spTree>
       <p:nvGrpSpPr>
         <p:cNvPr id="1" name=""/>
@@ -5522,55 +4860,21 @@
           <a:chExt cx="0" cy="0"/>
         </a:xfrm>
       </p:grpSpPr>
-      <p:sp>
-        <p:nvSpPr>
-          <p:cNvPr id="2" name="Nadpis 1">
-            <a:extLst>
-              <a:ext uri="{FF2B5EF4-FFF2-40B4-BE49-F238E27FC236}">
-                <a16:creationId xmlns:a16="http://schemas.microsoft.com/office/drawing/2014/main" id="{857B6C76-6EEA-4448-9D2C-EB4BCA2563C8}"/>
-              </a:ext>
-            </a:extLst>
-          </p:cNvPr>
-          <p:cNvSpPr>
-            <a:spLocks noGrp="1"/>
-          </p:cNvSpPr>
-          <p:nvPr>
-            <p:ph type="title"/>
-          </p:nvPr>
-        </p:nvSpPr>
-        <p:spPr>
-          <a:xfrm>
-            <a:off x="237422" y="321735"/>
-            <a:ext cx="5458817" cy="957767"/>
-          </a:xfrm>
-        </p:spPr>
-        <p:txBody>
-          <a:bodyPr vert="horz" lIns="91440" tIns="45720" rIns="91440" bIns="45720" rtlCol="0" anchor="b">
-            <a:normAutofit/>
-          </a:bodyPr>
-          <a:lstStyle/>
-          <a:p>
-            <a:pPr algn="ctr"/>
-            <a:r>
-              <a:rPr lang="cs-CZ" sz="6000" dirty="0"/>
-              <a:t>Třídy</a:t>
-            </a:r>
-          </a:p>
-        </p:txBody>
-      </p:sp>
       <p:pic>
         <p:nvPicPr>
-          <p:cNvPr id="8" name="Obrázek 7">
+          <p:cNvPr id="6" name="Zástupný obsah 5" descr="Obsah obrázku snímek obrazovky, text&#10;&#10;Popis byl vytvořen automaticky">
             <a:extLst>
               <a:ext uri="{FF2B5EF4-FFF2-40B4-BE49-F238E27FC236}">
-                <a16:creationId xmlns:a16="http://schemas.microsoft.com/office/drawing/2014/main" id="{FF3953E2-ABEE-45CB-BD31-111D825C3F52}"/>
+                <a16:creationId xmlns:a16="http://schemas.microsoft.com/office/drawing/2014/main" id="{9C7F1D90-455F-4A52-9DF3-CF13CB163C53}"/>
               </a:ext>
             </a:extLst>
           </p:cNvPr>
           <p:cNvPicPr>
-            <a:picLocks noChangeAspect="1"/>
+            <a:picLocks noGrp="1" noChangeAspect="1"/>
           </p:cNvPicPr>
-          <p:nvPr/>
+          <p:nvPr>
+            <p:ph idx="1"/>
+          </p:nvPr>
         </p:nvPicPr>
         <p:blipFill>
           <a:blip r:embed="rId2">
@@ -5586,132 +4890,27 @@
         </p:blipFill>
         <p:spPr>
           <a:xfrm>
-            <a:off x="237423" y="1894018"/>
-            <a:ext cx="5458816" cy="3251206"/>
+            <a:off x="1697254" y="206003"/>
+            <a:ext cx="8797491" cy="6445993"/>
           </a:xfrm>
-          <a:prstGeom prst="rect">
-            <a:avLst/>
-          </a:prstGeom>
-        </p:spPr>
-      </p:pic>
-      <p:cxnSp>
-        <p:nvCxnSpPr>
-          <p:cNvPr id="27" name="Straight Connector 26">
-            <a:extLst>
-              <a:ext uri="{FF2B5EF4-FFF2-40B4-BE49-F238E27FC236}">
-                <a16:creationId xmlns:a16="http://schemas.microsoft.com/office/drawing/2014/main" id="{3D83F26F-C55B-4A92-9AFF-4894D14E27C5}"/>
-              </a:ext>
-              <a:ext uri="{C183D7F6-B498-43B3-948B-1728B52AA6E4}">
-                <adec:decorative xmlns:adec="http://schemas.microsoft.com/office/drawing/2017/decorative" val="1"/>
-              </a:ext>
-            </a:extLst>
-          </p:cNvPr>
-          <p:cNvCxnSpPr>
-            <a:cxnSpLocks noGrp="1" noRot="1" noChangeAspect="1" noMove="1" noResize="1" noEditPoints="1" noAdjustHandles="1" noChangeArrowheads="1" noChangeShapeType="1"/>
-          </p:cNvCxnSpPr>
-          <p:nvPr>
-            <p:extLst>
-              <p:ext uri="{386F3935-93C4-4BCD-93E2-E3B085C9AB24}">
-                <p16:designElem xmlns:p16="http://schemas.microsoft.com/office/powerpoint/2015/main" val="1"/>
-              </p:ext>
-            </p:extLst>
-          </p:nvPr>
-        </p:nvCxnSpPr>
-        <p:spPr>
-          <a:xfrm>
-            <a:off x="6096000" y="1253414"/>
-            <a:ext cx="0" cy="2120900"/>
-          </a:xfrm>
-          <a:prstGeom prst="line">
-            <a:avLst/>
-          </a:prstGeom>
-          <a:ln w="19050">
-            <a:solidFill>
-              <a:schemeClr val="tx1">
-                <a:lumMod val="75000"/>
-                <a:lumOff val="25000"/>
-              </a:schemeClr>
-            </a:solidFill>
-          </a:ln>
-        </p:spPr>
-        <p:style>
-          <a:lnRef idx="1">
-            <a:schemeClr val="accent1"/>
-          </a:lnRef>
-          <a:fillRef idx="0">
-            <a:schemeClr val="accent1"/>
-          </a:fillRef>
-          <a:effectRef idx="0">
-            <a:schemeClr val="accent1"/>
-          </a:effectRef>
-          <a:fontRef idx="minor">
-            <a:schemeClr val="tx1"/>
-          </a:fontRef>
-        </p:style>
-      </p:cxnSp>
-      <p:pic>
-        <p:nvPicPr>
-          <p:cNvPr id="11" name="Obrázek 10">
-            <a:extLst>
-              <a:ext uri="{FF2B5EF4-FFF2-40B4-BE49-F238E27FC236}">
-                <a16:creationId xmlns:a16="http://schemas.microsoft.com/office/drawing/2014/main" id="{B8EF6786-DB08-4E84-8962-687DD40B143C}"/>
-              </a:ext>
-            </a:extLst>
-          </p:cNvPr>
-          <p:cNvPicPr>
-            <a:picLocks noChangeAspect="1"/>
-          </p:cNvPicPr>
-          <p:nvPr/>
-        </p:nvPicPr>
-        <p:blipFill>
-          <a:blip r:embed="rId3">
-            <a:extLst>
-              <a:ext uri="{28A0092B-C50C-407E-A947-70E740481C1C}">
-                <a14:useLocalDpi xmlns:a14="http://schemas.microsoft.com/office/drawing/2010/main" val="0"/>
-              </a:ext>
-            </a:extLst>
-          </a:blip>
-          <a:stretch>
-            <a:fillRect/>
-          </a:stretch>
-        </p:blipFill>
-        <p:spPr>
-          <a:xfrm>
-            <a:off x="6495762" y="231113"/>
-            <a:ext cx="5708227" cy="6395773"/>
-          </a:xfrm>
-          <a:prstGeom prst="rect">
-            <a:avLst/>
-          </a:prstGeom>
         </p:spPr>
       </p:pic>
     </p:spTree>
     <p:extLst>
       <p:ext uri="{BB962C8B-B14F-4D97-AF65-F5344CB8AC3E}">
-        <p14:creationId xmlns:p14="http://schemas.microsoft.com/office/powerpoint/2010/main" val="1642559327"/>
+        <p14:creationId xmlns:p14="http://schemas.microsoft.com/office/powerpoint/2010/main" val="1507409147"/>
       </p:ext>
     </p:extLst>
   </p:cSld>
   <p:clrMapOvr>
-    <a:overrideClrMapping bg1="dk1" tx1="lt1" bg2="dk2" tx2="lt2" accent1="accent1" accent2="accent2" accent3="accent3" accent4="accent4" accent5="accent5" accent6="accent6" hlink="hlink" folHlink="folHlink"/>
+    <a:masterClrMapping/>
   </p:clrMapOvr>
 </p:sld>
 </file>
 
-<file path=ppt/slides/slide14.xml><?xml version="1.0" encoding="utf-8"?>
+<file path=ppt/slides/slide13.xml><?xml version="1.0" encoding="utf-8"?>
 <p:sld xmlns:a="http://schemas.openxmlformats.org/drawingml/2006/main" xmlns:r="http://schemas.openxmlformats.org/officeDocument/2006/relationships" xmlns:p="http://schemas.openxmlformats.org/presentationml/2006/main">
   <p:cSld>
-    <p:bg>
-      <p:bgPr>
-        <a:solidFill>
-          <a:schemeClr val="bg1">
-            <a:tint val="95000"/>
-            <a:satMod val="170000"/>
-          </a:schemeClr>
-        </a:solidFill>
-        <a:effectLst/>
-      </p:bgPr>
-    </p:bg>
     <p:spTree>
       <p:nvGrpSpPr>
         <p:cNvPr id="1" name=""/>
@@ -5726,553 +4925,110 @@
           <a:chExt cx="0" cy="0"/>
         </a:xfrm>
       </p:grpSpPr>
-      <p:sp>
-        <p:nvSpPr>
-          <p:cNvPr id="24" name="Rectangle 23">
-            <a:extLst>
-              <a:ext uri="{FF2B5EF4-FFF2-40B4-BE49-F238E27FC236}">
-                <a16:creationId xmlns:a16="http://schemas.microsoft.com/office/drawing/2014/main" id="{5B32A67F-3598-4A13-8552-DA884FFCCE57}"/>
-              </a:ext>
-              <a:ext uri="{C183D7F6-B498-43B3-948B-1728B52AA6E4}">
-                <adec:decorative xmlns:adec="http://schemas.microsoft.com/office/drawing/2017/decorative" val="1"/>
-              </a:ext>
-            </a:extLst>
-          </p:cNvPr>
-          <p:cNvSpPr>
-            <a:spLocks noGrp="1" noRot="1" noChangeAspect="1" noMove="1" noResize="1" noEditPoints="1" noAdjustHandles="1" noChangeArrowheads="1" noChangeShapeType="1" noTextEdit="1"/>
-          </p:cNvSpPr>
-          <p:nvPr>
-            <p:extLst>
-              <p:ext uri="{386F3935-93C4-4BCD-93E2-E3B085C9AB24}">
-                <p16:designElem xmlns:p16="http://schemas.microsoft.com/office/powerpoint/2015/main" val="1"/>
-              </p:ext>
-            </p:extLst>
-          </p:nvPr>
-        </p:nvSpPr>
-        <p:spPr>
-          <a:xfrm>
-            <a:off x="0" y="0"/>
-            <a:ext cx="12192000" cy="6858000"/>
-          </a:xfrm>
-          <a:prstGeom prst="rect">
-            <a:avLst/>
-          </a:prstGeom>
-          <a:solidFill>
-            <a:schemeClr val="tx1">
-              <a:lumMod val="75000"/>
-              <a:lumOff val="25000"/>
-            </a:schemeClr>
-          </a:solidFill>
-          <a:ln>
-            <a:noFill/>
-          </a:ln>
-        </p:spPr>
-        <p:style>
-          <a:lnRef idx="2">
-            <a:schemeClr val="accent1">
-              <a:shade val="50000"/>
-            </a:schemeClr>
-          </a:lnRef>
-          <a:fillRef idx="1">
-            <a:schemeClr val="accent1"/>
-          </a:fillRef>
-          <a:effectRef idx="0">
-            <a:schemeClr val="accent1"/>
-          </a:effectRef>
-          <a:fontRef idx="minor">
-            <a:schemeClr val="lt1"/>
-          </a:fontRef>
-        </p:style>
-        <p:txBody>
-          <a:bodyPr rtlCol="0" anchor="ctr"/>
-          <a:lstStyle/>
-          <a:p>
-            <a:pPr algn="ctr"/>
-            <a:endParaRPr lang="en-US"/>
-          </a:p>
-        </p:txBody>
-      </p:sp>
-      <p:sp>
-        <p:nvSpPr>
-          <p:cNvPr id="12" name="Nadpis 1">
-            <a:extLst>
-              <a:ext uri="{FF2B5EF4-FFF2-40B4-BE49-F238E27FC236}">
-                <a16:creationId xmlns:a16="http://schemas.microsoft.com/office/drawing/2014/main" id="{F90899F7-421C-4F94-AFB8-395D5E1CF0DD}"/>
-              </a:ext>
-            </a:extLst>
-          </p:cNvPr>
-          <p:cNvSpPr>
-            <a:spLocks noGrp="1"/>
-          </p:cNvSpPr>
-          <p:nvPr>
-            <p:ph type="title"/>
-          </p:nvPr>
-        </p:nvSpPr>
-        <p:spPr>
-          <a:xfrm>
-            <a:off x="641919" y="544777"/>
-            <a:ext cx="4573475" cy="2076333"/>
-          </a:xfrm>
-        </p:spPr>
-        <p:txBody>
-          <a:bodyPr vert="horz" lIns="91440" tIns="45720" rIns="91440" bIns="45720" rtlCol="0" anchor="t">
-            <a:normAutofit/>
-          </a:bodyPr>
-          <a:lstStyle/>
-          <a:p>
-            <a:r>
-              <a:rPr lang="cs-CZ" sz="4800" dirty="0">
-                <a:solidFill>
-                  <a:schemeClr val="bg1"/>
-                </a:solidFill>
-              </a:rPr>
-              <a:t>Hlavní okno</a:t>
-            </a:r>
-            <a:endParaRPr lang="en-US" sz="4800" kern="1200" dirty="0">
-              <a:solidFill>
-                <a:schemeClr val="bg1"/>
-              </a:solidFill>
-              <a:latin typeface="+mj-lt"/>
-              <a:ea typeface="+mj-ea"/>
-              <a:cs typeface="+mj-cs"/>
-            </a:endParaRPr>
-          </a:p>
-        </p:txBody>
-      </p:sp>
-      <p:sp>
-        <p:nvSpPr>
-          <p:cNvPr id="26" name="Freeform: Shape 25">
-            <a:extLst>
-              <a:ext uri="{FF2B5EF4-FFF2-40B4-BE49-F238E27FC236}">
-                <a16:creationId xmlns:a16="http://schemas.microsoft.com/office/drawing/2014/main" id="{BCC55ACC-A2F6-403C-A3A4-D59B3734D45F}"/>
-              </a:ext>
-              <a:ext uri="{C183D7F6-B498-43B3-948B-1728B52AA6E4}">
-                <adec:decorative xmlns:adec="http://schemas.microsoft.com/office/drawing/2017/decorative" val="1"/>
-              </a:ext>
-            </a:extLst>
-          </p:cNvPr>
-          <p:cNvSpPr>
-            <a:spLocks noGrp="1" noRot="1" noChangeAspect="1" noMove="1" noResize="1" noEditPoints="1" noAdjustHandles="1" noChangeArrowheads="1" noChangeShapeType="1" noTextEdit="1"/>
-          </p:cNvSpPr>
-          <p:nvPr>
-            <p:extLst>
-              <p:ext uri="{386F3935-93C4-4BCD-93E2-E3B085C9AB24}">
-                <p16:designElem xmlns:p16="http://schemas.microsoft.com/office/powerpoint/2015/main" val="1"/>
-              </p:ext>
-            </p:extLst>
-          </p:nvPr>
-        </p:nvSpPr>
-        <p:spPr>
-          <a:xfrm>
-            <a:off x="5857312" y="381000"/>
-            <a:ext cx="6334689" cy="6477000"/>
-          </a:xfrm>
-          <a:custGeom>
-            <a:avLst/>
-            <a:gdLst>
-              <a:gd name="connsiteX0" fmla="*/ 3561588 w 6334689"/>
-              <a:gd name="connsiteY0" fmla="*/ 0 h 6477000"/>
-              <a:gd name="connsiteX1" fmla="*/ 6309883 w 6334689"/>
-              <a:gd name="connsiteY1" fmla="*/ 1296087 h 6477000"/>
-              <a:gd name="connsiteX2" fmla="*/ 6334689 w 6334689"/>
-              <a:gd name="connsiteY2" fmla="*/ 1329261 h 6477000"/>
-              <a:gd name="connsiteX3" fmla="*/ 6334689 w 6334689"/>
-              <a:gd name="connsiteY3" fmla="*/ 5793916 h 6477000"/>
-              <a:gd name="connsiteX4" fmla="*/ 6309883 w 6334689"/>
-              <a:gd name="connsiteY4" fmla="*/ 5827089 h 6477000"/>
-              <a:gd name="connsiteX5" fmla="*/ 5760467 w 6334689"/>
-              <a:gd name="connsiteY5" fmla="*/ 6363539 h 6477000"/>
-              <a:gd name="connsiteX6" fmla="*/ 5607796 w 6334689"/>
-              <a:gd name="connsiteY6" fmla="*/ 6477000 h 6477000"/>
-              <a:gd name="connsiteX7" fmla="*/ 1519571 w 6334689"/>
-              <a:gd name="connsiteY7" fmla="*/ 6477000 h 6477000"/>
-              <a:gd name="connsiteX8" fmla="*/ 1296088 w 6334689"/>
-              <a:gd name="connsiteY8" fmla="*/ 6309883 h 6477000"/>
-              <a:gd name="connsiteX9" fmla="*/ 0 w 6334689"/>
-              <a:gd name="connsiteY9" fmla="*/ 3561588 h 6477000"/>
-              <a:gd name="connsiteX10" fmla="*/ 3561588 w 6334689"/>
-              <a:gd name="connsiteY10" fmla="*/ 0 h 6477000"/>
-            </a:gdLst>
-            <a:ahLst/>
-            <a:cxnLst>
-              <a:cxn ang="0">
-                <a:pos x="connsiteX0" y="connsiteY0"/>
-              </a:cxn>
-              <a:cxn ang="0">
-                <a:pos x="connsiteX1" y="connsiteY1"/>
-              </a:cxn>
-              <a:cxn ang="0">
-                <a:pos x="connsiteX2" y="connsiteY2"/>
-              </a:cxn>
-              <a:cxn ang="0">
-                <a:pos x="connsiteX3" y="connsiteY3"/>
-              </a:cxn>
-              <a:cxn ang="0">
-                <a:pos x="connsiteX4" y="connsiteY4"/>
-              </a:cxn>
-              <a:cxn ang="0">
-                <a:pos x="connsiteX5" y="connsiteY5"/>
-              </a:cxn>
-              <a:cxn ang="0">
-                <a:pos x="connsiteX6" y="connsiteY6"/>
-              </a:cxn>
-              <a:cxn ang="0">
-                <a:pos x="connsiteX7" y="connsiteY7"/>
-              </a:cxn>
-              <a:cxn ang="0">
-                <a:pos x="connsiteX8" y="connsiteY8"/>
-              </a:cxn>
-              <a:cxn ang="0">
-                <a:pos x="connsiteX9" y="connsiteY9"/>
-              </a:cxn>
-              <a:cxn ang="0">
-                <a:pos x="connsiteX10" y="connsiteY10"/>
-              </a:cxn>
-            </a:cxnLst>
-            <a:rect l="l" t="t" r="r" b="b"/>
-            <a:pathLst>
-              <a:path w="6334689" h="6477000">
-                <a:moveTo>
-                  <a:pt x="3561588" y="0"/>
-                </a:moveTo>
-                <a:cubicBezTo>
-                  <a:pt x="4668032" y="0"/>
-                  <a:pt x="5656635" y="504534"/>
-                  <a:pt x="6309883" y="1296087"/>
-                </a:cubicBezTo>
-                <a:lnTo>
-                  <a:pt x="6334689" y="1329261"/>
-                </a:lnTo>
-                <a:lnTo>
-                  <a:pt x="6334689" y="5793916"/>
-                </a:lnTo>
-                <a:lnTo>
-                  <a:pt x="6309883" y="5827089"/>
-                </a:lnTo>
-                <a:cubicBezTo>
-                  <a:pt x="6146571" y="6024977"/>
-                  <a:pt x="5962299" y="6204927"/>
-                  <a:pt x="5760467" y="6363539"/>
-                </a:cubicBezTo>
-                <a:lnTo>
-                  <a:pt x="5607796" y="6477000"/>
-                </a:lnTo>
-                <a:lnTo>
-                  <a:pt x="1519571" y="6477000"/>
-                </a:lnTo>
-                <a:lnTo>
-                  <a:pt x="1296088" y="6309883"/>
-                </a:lnTo>
-                <a:cubicBezTo>
-                  <a:pt x="504535" y="5656635"/>
-                  <a:pt x="0" y="4668032"/>
-                  <a:pt x="0" y="3561588"/>
-                </a:cubicBezTo>
-                <a:cubicBezTo>
-                  <a:pt x="0" y="1594577"/>
-                  <a:pt x="1594577" y="0"/>
-                  <a:pt x="3561588" y="0"/>
-                </a:cubicBezTo>
-                <a:close/>
-              </a:path>
-            </a:pathLst>
-          </a:custGeom>
-          <a:solidFill>
-            <a:schemeClr val="bg1">
-              <a:alpha val="80000"/>
-            </a:schemeClr>
-          </a:solidFill>
-          <a:ln>
-            <a:noFill/>
-          </a:ln>
-        </p:spPr>
-        <p:style>
-          <a:lnRef idx="2">
-            <a:schemeClr val="accent1">
-              <a:shade val="50000"/>
-            </a:schemeClr>
-          </a:lnRef>
-          <a:fillRef idx="1">
-            <a:schemeClr val="accent1"/>
-          </a:fillRef>
-          <a:effectRef idx="0">
-            <a:schemeClr val="accent1"/>
-          </a:effectRef>
-          <a:fontRef idx="minor">
-            <a:schemeClr val="lt1"/>
-          </a:fontRef>
-        </p:style>
-        <p:txBody>
-          <a:bodyPr rtlCol="0" anchor="ctr"/>
-          <a:lstStyle/>
-          <a:p>
-            <a:pPr marL="0" marR="0" lvl="0" indent="0" algn="ctr" defTabSz="914400" rtl="0" eaLnBrk="1" fontAlgn="auto" latinLnBrk="0" hangingPunct="1">
-              <a:lnSpc>
-                <a:spcPct val="100000"/>
-              </a:lnSpc>
-              <a:spcBef>
-                <a:spcPts val="0"/>
-              </a:spcBef>
-              <a:spcAft>
-                <a:spcPts val="0"/>
-              </a:spcAft>
-              <a:buClrTx/>
-              <a:buSzTx/>
-              <a:buFontTx/>
-              <a:buNone/>
-              <a:tabLst/>
-              <a:defRPr/>
-            </a:pPr>
-            <a:endParaRPr kumimoji="0" lang="en-US" sz="1800" b="0" i="0" u="none" strike="noStrike" kern="1200" cap="none" spc="0" normalizeH="0" baseline="0" noProof="0">
-              <a:ln>
-                <a:noFill/>
-              </a:ln>
-              <a:solidFill>
-                <a:prstClr val="white"/>
-              </a:solidFill>
-              <a:effectLst/>
-              <a:uLnTx/>
-              <a:uFillTx/>
-              <a:latin typeface="Calibri" panose="020F0502020204030204"/>
-              <a:ea typeface="+mn-ea"/>
-              <a:cs typeface="+mn-cs"/>
-            </a:endParaRPr>
-          </a:p>
-        </p:txBody>
-      </p:sp>
-      <p:sp>
-        <p:nvSpPr>
-          <p:cNvPr id="28" name="Freeform: Shape 27">
-            <a:extLst>
-              <a:ext uri="{FF2B5EF4-FFF2-40B4-BE49-F238E27FC236}">
-                <a16:creationId xmlns:a16="http://schemas.microsoft.com/office/drawing/2014/main" id="{598EBA13-C937-430B-9523-439FE21096E6}"/>
-              </a:ext>
-              <a:ext uri="{C183D7F6-B498-43B3-948B-1728B52AA6E4}">
-                <adec:decorative xmlns:adec="http://schemas.microsoft.com/office/drawing/2017/decorative" val="1"/>
-              </a:ext>
-            </a:extLst>
-          </p:cNvPr>
-          <p:cNvSpPr>
-            <a:spLocks noGrp="1" noRot="1" noChangeAspect="1" noMove="1" noResize="1" noEditPoints="1" noAdjustHandles="1" noChangeArrowheads="1" noChangeShapeType="1" noTextEdit="1"/>
-          </p:cNvSpPr>
-          <p:nvPr>
-            <p:extLst>
-              <p:ext uri="{386F3935-93C4-4BCD-93E2-E3B085C9AB24}">
-                <p16:designElem xmlns:p16="http://schemas.microsoft.com/office/powerpoint/2015/main" val="1"/>
-              </p:ext>
-            </p:extLst>
-          </p:nvPr>
-        </p:nvSpPr>
-        <p:spPr>
-          <a:xfrm>
-            <a:off x="6021086" y="544777"/>
-            <a:ext cx="6170914" cy="6313225"/>
-          </a:xfrm>
-          <a:custGeom>
-            <a:avLst/>
-            <a:gdLst>
-              <a:gd name="connsiteX0" fmla="*/ 3397813 w 6170914"/>
-              <a:gd name="connsiteY0" fmla="*/ 0 h 6313225"/>
-              <a:gd name="connsiteX1" fmla="*/ 6019731 w 6170914"/>
-              <a:gd name="connsiteY1" fmla="*/ 1236489 h 6313225"/>
-              <a:gd name="connsiteX2" fmla="*/ 6170914 w 6170914"/>
-              <a:gd name="connsiteY2" fmla="*/ 1438663 h 6313225"/>
-              <a:gd name="connsiteX3" fmla="*/ 6170914 w 6170914"/>
-              <a:gd name="connsiteY3" fmla="*/ 5356963 h 6313225"/>
-              <a:gd name="connsiteX4" fmla="*/ 6019731 w 6170914"/>
-              <a:gd name="connsiteY4" fmla="*/ 5559138 h 6313225"/>
-              <a:gd name="connsiteX5" fmla="*/ 5194591 w 6170914"/>
-              <a:gd name="connsiteY5" fmla="*/ 6282226 h 6313225"/>
-              <a:gd name="connsiteX6" fmla="*/ 5141791 w 6170914"/>
-              <a:gd name="connsiteY6" fmla="*/ 6313225 h 6313225"/>
-              <a:gd name="connsiteX7" fmla="*/ 1659199 w 6170914"/>
-              <a:gd name="connsiteY7" fmla="*/ 6313225 h 6313225"/>
-              <a:gd name="connsiteX8" fmla="*/ 1498064 w 6170914"/>
-              <a:gd name="connsiteY8" fmla="*/ 6215333 h 6313225"/>
-              <a:gd name="connsiteX9" fmla="*/ 0 w 6170914"/>
-              <a:gd name="connsiteY9" fmla="*/ 3397813 h 6313225"/>
-              <a:gd name="connsiteX10" fmla="*/ 3397813 w 6170914"/>
-              <a:gd name="connsiteY10" fmla="*/ 0 h 6313225"/>
-            </a:gdLst>
-            <a:ahLst/>
-            <a:cxnLst>
-              <a:cxn ang="0">
-                <a:pos x="connsiteX0" y="connsiteY0"/>
-              </a:cxn>
-              <a:cxn ang="0">
-                <a:pos x="connsiteX1" y="connsiteY1"/>
-              </a:cxn>
-              <a:cxn ang="0">
-                <a:pos x="connsiteX2" y="connsiteY2"/>
-              </a:cxn>
-              <a:cxn ang="0">
-                <a:pos x="connsiteX3" y="connsiteY3"/>
-              </a:cxn>
-              <a:cxn ang="0">
-                <a:pos x="connsiteX4" y="connsiteY4"/>
-              </a:cxn>
-              <a:cxn ang="0">
-                <a:pos x="connsiteX5" y="connsiteY5"/>
-              </a:cxn>
-              <a:cxn ang="0">
-                <a:pos x="connsiteX6" y="connsiteY6"/>
-              </a:cxn>
-              <a:cxn ang="0">
-                <a:pos x="connsiteX7" y="connsiteY7"/>
-              </a:cxn>
-              <a:cxn ang="0">
-                <a:pos x="connsiteX8" y="connsiteY8"/>
-              </a:cxn>
-              <a:cxn ang="0">
-                <a:pos x="connsiteX9" y="connsiteY9"/>
-              </a:cxn>
-              <a:cxn ang="0">
-                <a:pos x="connsiteX10" y="connsiteY10"/>
-              </a:cxn>
-            </a:cxnLst>
-            <a:rect l="l" t="t" r="r" b="b"/>
-            <a:pathLst>
-              <a:path w="6170914" h="6313225">
-                <a:moveTo>
-                  <a:pt x="3397813" y="0"/>
-                </a:moveTo>
-                <a:cubicBezTo>
-                  <a:pt x="4453378" y="0"/>
-                  <a:pt x="5396522" y="481334"/>
-                  <a:pt x="6019731" y="1236489"/>
-                </a:cubicBezTo>
-                <a:lnTo>
-                  <a:pt x="6170914" y="1438663"/>
-                </a:lnTo>
-                <a:lnTo>
-                  <a:pt x="6170914" y="5356963"/>
-                </a:lnTo>
-                <a:lnTo>
-                  <a:pt x="6019731" y="5559138"/>
-                </a:lnTo>
-                <a:cubicBezTo>
-                  <a:pt x="5786028" y="5842321"/>
-                  <a:pt x="5507333" y="6086998"/>
-                  <a:pt x="5194591" y="6282226"/>
-                </a:cubicBezTo>
-                <a:lnTo>
-                  <a:pt x="5141791" y="6313225"/>
-                </a:lnTo>
-                <a:lnTo>
-                  <a:pt x="1659199" y="6313225"/>
-                </a:lnTo>
-                <a:lnTo>
-                  <a:pt x="1498064" y="6215333"/>
-                </a:lnTo>
-                <a:cubicBezTo>
-                  <a:pt x="594240" y="5604721"/>
-                  <a:pt x="0" y="4570663"/>
-                  <a:pt x="0" y="3397813"/>
-                </a:cubicBezTo>
-                <a:cubicBezTo>
-                  <a:pt x="0" y="1521253"/>
-                  <a:pt x="1521253" y="0"/>
-                  <a:pt x="3397813" y="0"/>
-                </a:cubicBezTo>
-                <a:close/>
-              </a:path>
-            </a:pathLst>
-          </a:custGeom>
-          <a:solidFill>
-            <a:schemeClr val="bg1"/>
-          </a:solidFill>
-          <a:ln>
-            <a:noFill/>
-          </a:ln>
-        </p:spPr>
-        <p:style>
-          <a:lnRef idx="2">
-            <a:schemeClr val="accent1">
-              <a:shade val="50000"/>
-            </a:schemeClr>
-          </a:lnRef>
-          <a:fillRef idx="1">
-            <a:schemeClr val="accent1"/>
-          </a:fillRef>
-          <a:effectRef idx="0">
-            <a:schemeClr val="accent1"/>
-          </a:effectRef>
-          <a:fontRef idx="minor">
-            <a:schemeClr val="lt1"/>
-          </a:fontRef>
-        </p:style>
-        <p:txBody>
-          <a:bodyPr rtlCol="0" anchor="ctr"/>
-          <a:lstStyle/>
-          <a:p>
-            <a:pPr marL="0" marR="0" lvl="0" indent="0" algn="ctr" defTabSz="914400" rtl="0" eaLnBrk="1" fontAlgn="auto" latinLnBrk="0" hangingPunct="1">
-              <a:lnSpc>
-                <a:spcPct val="100000"/>
-              </a:lnSpc>
-              <a:spcBef>
-                <a:spcPts val="0"/>
-              </a:spcBef>
-              <a:spcAft>
-                <a:spcPts val="0"/>
-              </a:spcAft>
-              <a:buClrTx/>
-              <a:buSzTx/>
-              <a:buFontTx/>
-              <a:buNone/>
-              <a:tabLst/>
-              <a:defRPr/>
-            </a:pPr>
-            <a:endParaRPr kumimoji="0" lang="en-US" sz="1800" b="0" i="0" u="none" strike="noStrike" kern="1200" cap="none" spc="0" normalizeH="0" baseline="0" noProof="0">
-              <a:ln>
-                <a:noFill/>
-              </a:ln>
-              <a:solidFill>
-                <a:prstClr val="white"/>
-              </a:solidFill>
-              <a:effectLst/>
-              <a:uLnTx/>
-              <a:uFillTx/>
-              <a:latin typeface="Calibri" panose="020F0502020204030204"/>
-              <a:ea typeface="+mn-ea"/>
-              <a:cs typeface="+mn-cs"/>
-            </a:endParaRPr>
-          </a:p>
-        </p:txBody>
-      </p:sp>
       <p:pic>
         <p:nvPicPr>
-          <p:cNvPr id="6" name="Obrázek 5">
+          <p:cNvPr id="6" name="Zástupný obsah 5" descr="Obsah obrázku snímek obrazovky&#10;&#10;Popis byl vytvořen automaticky">
             <a:extLst>
               <a:ext uri="{FF2B5EF4-FFF2-40B4-BE49-F238E27FC236}">
-                <a16:creationId xmlns:a16="http://schemas.microsoft.com/office/drawing/2014/main" id="{3F9C3C55-E7AB-4FCC-90CD-698F2A3F0731}"/>
+                <a16:creationId xmlns:a16="http://schemas.microsoft.com/office/drawing/2014/main" id="{1CA0DD3E-0BB3-4ACE-8ED7-A1117C92D0E9}"/>
               </a:ext>
             </a:extLst>
           </p:cNvPr>
           <p:cNvPicPr>
-            <a:picLocks noChangeAspect="1"/>
+            <a:picLocks noGrp="1" noChangeAspect="1"/>
           </p:cNvPicPr>
-          <p:nvPr/>
+          <p:nvPr>
+            <p:ph idx="1"/>
+          </p:nvPr>
         </p:nvPicPr>
         <p:blipFill>
-          <a:blip r:embed="rId2"/>
+          <a:blip r:embed="rId2">
+            <a:extLst>
+              <a:ext uri="{28A0092B-C50C-407E-A947-70E740481C1C}">
+                <a14:useLocalDpi xmlns:a14="http://schemas.microsoft.com/office/drawing/2010/main" val="0"/>
+              </a:ext>
+            </a:extLst>
+          </a:blip>
           <a:stretch>
             <a:fillRect/>
           </a:stretch>
         </p:blipFill>
         <p:spPr>
           <a:xfrm>
-            <a:off x="5850276" y="0"/>
-            <a:ext cx="6341724" cy="6858000"/>
+            <a:off x="-31126" y="1620456"/>
+            <a:ext cx="12232652" cy="4175568"/>
           </a:xfrm>
-          <a:prstGeom prst="rect">
-            <a:avLst/>
-          </a:prstGeom>
         </p:spPr>
       </p:pic>
     </p:spTree>
     <p:extLst>
       <p:ext uri="{BB962C8B-B14F-4D97-AF65-F5344CB8AC3E}">
-        <p14:creationId xmlns:p14="http://schemas.microsoft.com/office/powerpoint/2010/main" val="2966358235"/>
+        <p14:creationId xmlns:p14="http://schemas.microsoft.com/office/powerpoint/2010/main" val="256195325"/>
+      </p:ext>
+    </p:extLst>
+  </p:cSld>
+  <p:clrMapOvr>
+    <a:masterClrMapping/>
+  </p:clrMapOvr>
+</p:sld>
+</file>
+
+<file path=ppt/slides/slide14.xml><?xml version="1.0" encoding="utf-8"?>
+<p:sld xmlns:a="http://schemas.openxmlformats.org/drawingml/2006/main" xmlns:r="http://schemas.openxmlformats.org/officeDocument/2006/relationships" xmlns:p="http://schemas.openxmlformats.org/presentationml/2006/main">
+  <p:cSld>
+    <p:spTree>
+      <p:nvGrpSpPr>
+        <p:cNvPr id="1" name=""/>
+        <p:cNvGrpSpPr/>
+        <p:nvPr/>
+      </p:nvGrpSpPr>
+      <p:grpSpPr>
+        <a:xfrm>
+          <a:off x="0" y="0"/>
+          <a:ext cx="0" cy="0"/>
+          <a:chOff x="0" y="0"/>
+          <a:chExt cx="0" cy="0"/>
+        </a:xfrm>
+      </p:grpSpPr>
+      <p:pic>
+        <p:nvPicPr>
+          <p:cNvPr id="6" name="Zástupný obsah 5" descr="Obsah obrázku snímek obrazovky&#10;&#10;Popis byl vytvořen automaticky">
+            <a:extLst>
+              <a:ext uri="{FF2B5EF4-FFF2-40B4-BE49-F238E27FC236}">
+                <a16:creationId xmlns:a16="http://schemas.microsoft.com/office/drawing/2014/main" id="{123A5182-4B58-4B1C-B60F-0498A4FCF0E5}"/>
+              </a:ext>
+            </a:extLst>
+          </p:cNvPr>
+          <p:cNvPicPr>
+            <a:picLocks noGrp="1" noChangeAspect="1"/>
+          </p:cNvPicPr>
+          <p:nvPr>
+            <p:ph idx="1"/>
+          </p:nvPr>
+        </p:nvPicPr>
+        <p:blipFill>
+          <a:blip r:embed="rId2">
+            <a:extLst>
+              <a:ext uri="{28A0092B-C50C-407E-A947-70E740481C1C}">
+                <a14:useLocalDpi xmlns:a14="http://schemas.microsoft.com/office/drawing/2010/main" val="0"/>
+              </a:ext>
+            </a:extLst>
+          </a:blip>
+          <a:stretch>
+            <a:fillRect/>
+          </a:stretch>
+        </p:blipFill>
+        <p:spPr>
+          <a:xfrm>
+            <a:off x="5679" y="1400537"/>
+            <a:ext cx="12186005" cy="4574467"/>
+          </a:xfrm>
+        </p:spPr>
+      </p:pic>
+    </p:spTree>
+    <p:extLst>
+      <p:ext uri="{BB962C8B-B14F-4D97-AF65-F5344CB8AC3E}">
+        <p14:creationId xmlns:p14="http://schemas.microsoft.com/office/powerpoint/2010/main" val="3900774560"/>
       </p:ext>
     </p:extLst>
   </p:cSld>
@@ -6309,7 +5065,7 @@
       </p:grpSpPr>
       <p:sp>
         <p:nvSpPr>
-          <p:cNvPr id="33" name="Rectangle 32">
+          <p:cNvPr id="20" name="Rectangle 19">
             <a:extLst>
               <a:ext uri="{FF2B5EF4-FFF2-40B4-BE49-F238E27FC236}">
                 <a16:creationId xmlns:a16="http://schemas.microsoft.com/office/drawing/2014/main" id="{823AC064-BC96-4F32-8AE1-B2FD38754823}"/>
@@ -6403,10 +5159,10 @@
       </p:sp>
       <p:sp>
         <p:nvSpPr>
-          <p:cNvPr id="12" name="Nadpis 1">
+          <p:cNvPr id="2" name="Nadpis 1">
             <a:extLst>
               <a:ext uri="{FF2B5EF4-FFF2-40B4-BE49-F238E27FC236}">
-                <a16:creationId xmlns:a16="http://schemas.microsoft.com/office/drawing/2014/main" id="{F90899F7-421C-4F94-AFB8-395D5E1CF0DD}"/>
+                <a16:creationId xmlns:a16="http://schemas.microsoft.com/office/drawing/2014/main" id="{857B6C76-6EEA-4448-9D2C-EB4BCA2563C8}"/>
               </a:ext>
             </a:extLst>
           </p:cNvPr>
@@ -6439,15 +5195,7 @@
                 <a:ea typeface="+mj-ea"/>
                 <a:cs typeface="+mj-cs"/>
               </a:rPr>
-              <a:t>Obsluha tlačítka při přidáv</a:t>
-            </a:r>
-            <a:r>
-              <a:rPr lang="cs-CZ" sz="5400" dirty="0">
-                <a:solidFill>
-                  <a:srgbClr val="FFFFFF"/>
-                </a:solidFill>
-              </a:rPr>
-              <a:t>ání</a:t>
+              <a:t>Přidávání položek</a:t>
             </a:r>
             <a:endParaRPr lang="en-US" sz="5400" kern="1200" dirty="0">
               <a:solidFill>
@@ -6462,7 +5210,7 @@
       </p:sp>
       <p:cxnSp>
         <p:nvCxnSpPr>
-          <p:cNvPr id="35" name="Straight Connector 34">
+          <p:cNvPr id="22" name="Straight Connector 21">
             <a:extLst>
               <a:ext uri="{FF2B5EF4-FFF2-40B4-BE49-F238E27FC236}">
                 <a16:creationId xmlns:a16="http://schemas.microsoft.com/office/drawing/2014/main" id="{7E7C77BC-7138-40B1-A15B-20F57A494629}"/>
@@ -6514,10 +5262,10 @@
       </p:cxnSp>
       <p:pic>
         <p:nvPicPr>
-          <p:cNvPr id="11" name="Obrázek 10">
+          <p:cNvPr id="4" name="Obrázek 3" descr="Obsah obrázku snímek obrazovky&#10;&#10;Popis byl vytvořen automaticky">
             <a:extLst>
               <a:ext uri="{FF2B5EF4-FFF2-40B4-BE49-F238E27FC236}">
-                <a16:creationId xmlns:a16="http://schemas.microsoft.com/office/drawing/2014/main" id="{FD0F99B2-3F22-41A7-8455-345085355BBC}"/>
+                <a16:creationId xmlns:a16="http://schemas.microsoft.com/office/drawing/2014/main" id="{2C56102B-2EC1-48E6-890B-6142ECDAD70A}"/>
               </a:ext>
             </a:extLst>
           </p:cNvPr>
@@ -6540,8 +5288,80 @@
         </p:blipFill>
         <p:spPr>
           <a:xfrm>
-            <a:off x="526073" y="2262811"/>
-            <a:ext cx="11139854" cy="4595189"/>
+            <a:off x="4505337" y="1315792"/>
+            <a:ext cx="3175126" cy="5267639"/>
+          </a:xfrm>
+          <a:prstGeom prst="rect">
+            <a:avLst/>
+          </a:prstGeom>
+        </p:spPr>
+      </p:pic>
+      <p:pic>
+        <p:nvPicPr>
+          <p:cNvPr id="6" name="Obrázek 5" descr="Obsah obrázku snímek obrazovky&#10;&#10;Popis byl vytvořen automaticky">
+            <a:extLst>
+              <a:ext uri="{FF2B5EF4-FFF2-40B4-BE49-F238E27FC236}">
+                <a16:creationId xmlns:a16="http://schemas.microsoft.com/office/drawing/2014/main" id="{C222F967-4952-46BE-A96A-6E51DEB2EB3F}"/>
+              </a:ext>
+            </a:extLst>
+          </p:cNvPr>
+          <p:cNvPicPr>
+            <a:picLocks noChangeAspect="1"/>
+          </p:cNvPicPr>
+          <p:nvPr/>
+        </p:nvPicPr>
+        <p:blipFill>
+          <a:blip r:embed="rId3">
+            <a:extLst>
+              <a:ext uri="{28A0092B-C50C-407E-A947-70E740481C1C}">
+                <a14:useLocalDpi xmlns:a14="http://schemas.microsoft.com/office/drawing/2010/main" val="0"/>
+              </a:ext>
+            </a:extLst>
+          </a:blip>
+          <a:stretch>
+            <a:fillRect/>
+          </a:stretch>
+        </p:blipFill>
+        <p:spPr>
+          <a:xfrm>
+            <a:off x="8394637" y="1315792"/>
+            <a:ext cx="3175126" cy="5257044"/>
+          </a:xfrm>
+          <a:prstGeom prst="rect">
+            <a:avLst/>
+          </a:prstGeom>
+        </p:spPr>
+      </p:pic>
+      <p:pic>
+        <p:nvPicPr>
+          <p:cNvPr id="8" name="Obrázek 7" descr="Obsah obrázku snímek obrazovky&#10;&#10;Popis byl vytvořen automaticky">
+            <a:extLst>
+              <a:ext uri="{FF2B5EF4-FFF2-40B4-BE49-F238E27FC236}">
+                <a16:creationId xmlns:a16="http://schemas.microsoft.com/office/drawing/2014/main" id="{6E8968CA-307B-4B4D-851F-BADB4794DF89}"/>
+              </a:ext>
+            </a:extLst>
+          </p:cNvPr>
+          <p:cNvPicPr>
+            <a:picLocks noChangeAspect="1"/>
+          </p:cNvPicPr>
+          <p:nvPr/>
+        </p:nvPicPr>
+        <p:blipFill>
+          <a:blip r:embed="rId4">
+            <a:extLst>
+              <a:ext uri="{28A0092B-C50C-407E-A947-70E740481C1C}">
+                <a14:useLocalDpi xmlns:a14="http://schemas.microsoft.com/office/drawing/2010/main" val="0"/>
+              </a:ext>
+            </a:extLst>
+          </a:blip>
+          <a:stretch>
+            <a:fillRect/>
+          </a:stretch>
+        </p:blipFill>
+        <p:spPr>
+          <a:xfrm>
+            <a:off x="622237" y="1315792"/>
+            <a:ext cx="3175127" cy="5246557"/>
           </a:xfrm>
           <a:prstGeom prst="rect">
             <a:avLst/>
@@ -6551,7 +5371,7 @@
     </p:spTree>
     <p:extLst>
       <p:ext uri="{BB962C8B-B14F-4D97-AF65-F5344CB8AC3E}">
-        <p14:creationId xmlns:p14="http://schemas.microsoft.com/office/powerpoint/2010/main" val="2607348449"/>
+        <p14:creationId xmlns:p14="http://schemas.microsoft.com/office/powerpoint/2010/main" val="3465594249"/>
       </p:ext>
     </p:extLst>
   </p:cSld>
@@ -6564,17 +5384,6 @@
 <file path=ppt/slides/slide16.xml><?xml version="1.0" encoding="utf-8"?>
 <p:sld xmlns:a="http://schemas.openxmlformats.org/drawingml/2006/main" xmlns:r="http://schemas.openxmlformats.org/officeDocument/2006/relationships" xmlns:p="http://schemas.openxmlformats.org/presentationml/2006/main">
   <p:cSld>
-    <p:bg>
-      <p:bgPr>
-        <a:solidFill>
-          <a:schemeClr val="bg1">
-            <a:tint val="95000"/>
-            <a:satMod val="170000"/>
-          </a:schemeClr>
-        </a:solidFill>
-        <a:effectLst/>
-      </p:bgPr>
-    </p:bg>
     <p:spTree>
       <p:nvGrpSpPr>
         <p:cNvPr id="1" name=""/>
@@ -6589,623 +5398,45 @@
           <a:chExt cx="0" cy="0"/>
         </a:xfrm>
       </p:grpSpPr>
-      <p:sp>
-        <p:nvSpPr>
-          <p:cNvPr id="40" name="Rectangle 39">
-            <a:extLst>
-              <a:ext uri="{FF2B5EF4-FFF2-40B4-BE49-F238E27FC236}">
-                <a16:creationId xmlns:a16="http://schemas.microsoft.com/office/drawing/2014/main" id="{5B32A67F-3598-4A13-8552-DA884FFCCE57}"/>
-              </a:ext>
-              <a:ext uri="{C183D7F6-B498-43B3-948B-1728B52AA6E4}">
-                <adec:decorative xmlns:adec="http://schemas.microsoft.com/office/drawing/2017/decorative" val="1"/>
-              </a:ext>
-            </a:extLst>
-          </p:cNvPr>
-          <p:cNvSpPr>
-            <a:spLocks noGrp="1" noRot="1" noChangeAspect="1" noMove="1" noResize="1" noEditPoints="1" noAdjustHandles="1" noChangeArrowheads="1" noChangeShapeType="1" noTextEdit="1"/>
-          </p:cNvSpPr>
-          <p:nvPr>
-            <p:extLst>
-              <p:ext uri="{386F3935-93C4-4BCD-93E2-E3B085C9AB24}">
-                <p16:designElem xmlns:p16="http://schemas.microsoft.com/office/powerpoint/2015/main" val="1"/>
-              </p:ext>
-            </p:extLst>
-          </p:nvPr>
-        </p:nvSpPr>
-        <p:spPr>
-          <a:xfrm>
-            <a:off x="0" y="0"/>
-            <a:ext cx="12192000" cy="6858000"/>
-          </a:xfrm>
-          <a:prstGeom prst="rect">
-            <a:avLst/>
-          </a:prstGeom>
-          <a:solidFill>
-            <a:schemeClr val="tx1">
-              <a:lumMod val="75000"/>
-              <a:lumOff val="25000"/>
-            </a:schemeClr>
-          </a:solidFill>
-          <a:ln>
-            <a:noFill/>
-          </a:ln>
-        </p:spPr>
-        <p:style>
-          <a:lnRef idx="2">
-            <a:schemeClr val="accent1">
-              <a:shade val="50000"/>
-            </a:schemeClr>
-          </a:lnRef>
-          <a:fillRef idx="1">
-            <a:schemeClr val="accent1"/>
-          </a:fillRef>
-          <a:effectRef idx="0">
-            <a:schemeClr val="accent1"/>
-          </a:effectRef>
-          <a:fontRef idx="minor">
-            <a:schemeClr val="lt1"/>
-          </a:fontRef>
-        </p:style>
-        <p:txBody>
-          <a:bodyPr rtlCol="0" anchor="ctr"/>
-          <a:lstStyle/>
-          <a:p>
-            <a:pPr algn="ctr"/>
-            <a:endParaRPr lang="en-US"/>
-          </a:p>
-        </p:txBody>
-      </p:sp>
-      <p:sp>
-        <p:nvSpPr>
-          <p:cNvPr id="12" name="Nadpis 1">
-            <a:extLst>
-              <a:ext uri="{FF2B5EF4-FFF2-40B4-BE49-F238E27FC236}">
-                <a16:creationId xmlns:a16="http://schemas.microsoft.com/office/drawing/2014/main" id="{F90899F7-421C-4F94-AFB8-395D5E1CF0DD}"/>
-              </a:ext>
-            </a:extLst>
-          </p:cNvPr>
-          <p:cNvSpPr>
-            <a:spLocks noGrp="1"/>
-          </p:cNvSpPr>
-          <p:nvPr>
-            <p:ph type="title"/>
-          </p:nvPr>
-        </p:nvSpPr>
-        <p:spPr>
-          <a:xfrm>
-            <a:off x="640802" y="405660"/>
-            <a:ext cx="3831855" cy="2076333"/>
-          </a:xfrm>
-        </p:spPr>
-        <p:txBody>
-          <a:bodyPr vert="horz" lIns="91440" tIns="45720" rIns="91440" bIns="45720" rtlCol="0" anchor="t">
-            <a:normAutofit/>
-          </a:bodyPr>
-          <a:lstStyle/>
-          <a:p>
-            <a:r>
-              <a:rPr lang="cs-CZ" sz="4800" kern="1200" dirty="0">
-                <a:solidFill>
-                  <a:schemeClr val="bg1"/>
-                </a:solidFill>
-                <a:latin typeface="+mj-lt"/>
-                <a:ea typeface="+mj-ea"/>
-                <a:cs typeface="+mj-cs"/>
-              </a:rPr>
-              <a:t>Vlastní</a:t>
-            </a:r>
-            <a:r>
-              <a:rPr lang="en-US" sz="4800" kern="1200" dirty="0">
-                <a:solidFill>
-                  <a:schemeClr val="bg1"/>
-                </a:solidFill>
-                <a:latin typeface="+mj-lt"/>
-                <a:ea typeface="+mj-ea"/>
-                <a:cs typeface="+mj-cs"/>
-              </a:rPr>
-              <a:t> </a:t>
-            </a:r>
-            <a:r>
-              <a:rPr lang="cs-CZ" sz="4800" kern="1200" dirty="0">
-                <a:solidFill>
-                  <a:schemeClr val="bg1"/>
-                </a:solidFill>
-                <a:latin typeface="+mj-lt"/>
-                <a:ea typeface="+mj-ea"/>
-                <a:cs typeface="+mj-cs"/>
-              </a:rPr>
-              <a:t>vzhled</a:t>
-            </a:r>
-            <a:r>
-              <a:rPr lang="cs-CZ" sz="4800" dirty="0">
-                <a:solidFill>
-                  <a:schemeClr val="bg1"/>
-                </a:solidFill>
-              </a:rPr>
-              <a:t> </a:t>
-            </a:r>
-            <a:br>
-              <a:rPr lang="cs-CZ" sz="4800" dirty="0">
-                <a:solidFill>
-                  <a:schemeClr val="bg1"/>
-                </a:solidFill>
-              </a:rPr>
-            </a:br>
-            <a:r>
-              <a:rPr lang="cs-CZ" sz="4800" dirty="0">
-                <a:solidFill>
-                  <a:schemeClr val="bg1"/>
-                </a:solidFill>
-              </a:rPr>
-              <a:t>pro</a:t>
-            </a:r>
-            <a:r>
-              <a:rPr lang="en-US" sz="4800" kern="1200" dirty="0">
-                <a:solidFill>
-                  <a:schemeClr val="bg1"/>
-                </a:solidFill>
-                <a:latin typeface="+mj-lt"/>
-                <a:ea typeface="+mj-ea"/>
-                <a:cs typeface="+mj-cs"/>
-              </a:rPr>
-              <a:t> </a:t>
-            </a:r>
-            <a:r>
-              <a:rPr lang="en-US" sz="4800" kern="1200" dirty="0" err="1">
-                <a:solidFill>
-                  <a:schemeClr val="bg1"/>
-                </a:solidFill>
-                <a:latin typeface="+mj-lt"/>
-                <a:ea typeface="+mj-ea"/>
-                <a:cs typeface="+mj-cs"/>
-              </a:rPr>
-              <a:t>listview</a:t>
-            </a:r>
-            <a:endParaRPr lang="en-US" sz="4800" kern="1200" dirty="0">
-              <a:solidFill>
-                <a:schemeClr val="bg1"/>
-              </a:solidFill>
-              <a:latin typeface="+mj-lt"/>
-              <a:ea typeface="+mj-ea"/>
-              <a:cs typeface="+mj-cs"/>
-            </a:endParaRPr>
-          </a:p>
-        </p:txBody>
-      </p:sp>
-      <p:sp>
-        <p:nvSpPr>
-          <p:cNvPr id="42" name="Freeform: Shape 41">
-            <a:extLst>
-              <a:ext uri="{FF2B5EF4-FFF2-40B4-BE49-F238E27FC236}">
-                <a16:creationId xmlns:a16="http://schemas.microsoft.com/office/drawing/2014/main" id="{BCC55ACC-A2F6-403C-A3A4-D59B3734D45F}"/>
-              </a:ext>
-              <a:ext uri="{C183D7F6-B498-43B3-948B-1728B52AA6E4}">
-                <adec:decorative xmlns:adec="http://schemas.microsoft.com/office/drawing/2017/decorative" val="1"/>
-              </a:ext>
-            </a:extLst>
-          </p:cNvPr>
-          <p:cNvSpPr>
-            <a:spLocks noGrp="1" noRot="1" noChangeAspect="1" noMove="1" noResize="1" noEditPoints="1" noAdjustHandles="1" noChangeArrowheads="1" noChangeShapeType="1" noTextEdit="1"/>
-          </p:cNvSpPr>
-          <p:nvPr>
-            <p:extLst>
-              <p:ext uri="{386F3935-93C4-4BCD-93E2-E3B085C9AB24}">
-                <p16:designElem xmlns:p16="http://schemas.microsoft.com/office/powerpoint/2015/main" val="1"/>
-              </p:ext>
-            </p:extLst>
-          </p:nvPr>
-        </p:nvSpPr>
-        <p:spPr>
-          <a:xfrm>
-            <a:off x="5857312" y="381000"/>
-            <a:ext cx="6334689" cy="6477000"/>
-          </a:xfrm>
-          <a:custGeom>
-            <a:avLst/>
-            <a:gdLst>
-              <a:gd name="connsiteX0" fmla="*/ 3561588 w 6334689"/>
-              <a:gd name="connsiteY0" fmla="*/ 0 h 6477000"/>
-              <a:gd name="connsiteX1" fmla="*/ 6309883 w 6334689"/>
-              <a:gd name="connsiteY1" fmla="*/ 1296087 h 6477000"/>
-              <a:gd name="connsiteX2" fmla="*/ 6334689 w 6334689"/>
-              <a:gd name="connsiteY2" fmla="*/ 1329261 h 6477000"/>
-              <a:gd name="connsiteX3" fmla="*/ 6334689 w 6334689"/>
-              <a:gd name="connsiteY3" fmla="*/ 5793916 h 6477000"/>
-              <a:gd name="connsiteX4" fmla="*/ 6309883 w 6334689"/>
-              <a:gd name="connsiteY4" fmla="*/ 5827089 h 6477000"/>
-              <a:gd name="connsiteX5" fmla="*/ 5760467 w 6334689"/>
-              <a:gd name="connsiteY5" fmla="*/ 6363539 h 6477000"/>
-              <a:gd name="connsiteX6" fmla="*/ 5607796 w 6334689"/>
-              <a:gd name="connsiteY6" fmla="*/ 6477000 h 6477000"/>
-              <a:gd name="connsiteX7" fmla="*/ 1519571 w 6334689"/>
-              <a:gd name="connsiteY7" fmla="*/ 6477000 h 6477000"/>
-              <a:gd name="connsiteX8" fmla="*/ 1296088 w 6334689"/>
-              <a:gd name="connsiteY8" fmla="*/ 6309883 h 6477000"/>
-              <a:gd name="connsiteX9" fmla="*/ 0 w 6334689"/>
-              <a:gd name="connsiteY9" fmla="*/ 3561588 h 6477000"/>
-              <a:gd name="connsiteX10" fmla="*/ 3561588 w 6334689"/>
-              <a:gd name="connsiteY10" fmla="*/ 0 h 6477000"/>
-            </a:gdLst>
-            <a:ahLst/>
-            <a:cxnLst>
-              <a:cxn ang="0">
-                <a:pos x="connsiteX0" y="connsiteY0"/>
-              </a:cxn>
-              <a:cxn ang="0">
-                <a:pos x="connsiteX1" y="connsiteY1"/>
-              </a:cxn>
-              <a:cxn ang="0">
-                <a:pos x="connsiteX2" y="connsiteY2"/>
-              </a:cxn>
-              <a:cxn ang="0">
-                <a:pos x="connsiteX3" y="connsiteY3"/>
-              </a:cxn>
-              <a:cxn ang="0">
-                <a:pos x="connsiteX4" y="connsiteY4"/>
-              </a:cxn>
-              <a:cxn ang="0">
-                <a:pos x="connsiteX5" y="connsiteY5"/>
-              </a:cxn>
-              <a:cxn ang="0">
-                <a:pos x="connsiteX6" y="connsiteY6"/>
-              </a:cxn>
-              <a:cxn ang="0">
-                <a:pos x="connsiteX7" y="connsiteY7"/>
-              </a:cxn>
-              <a:cxn ang="0">
-                <a:pos x="connsiteX8" y="connsiteY8"/>
-              </a:cxn>
-              <a:cxn ang="0">
-                <a:pos x="connsiteX9" y="connsiteY9"/>
-              </a:cxn>
-              <a:cxn ang="0">
-                <a:pos x="connsiteX10" y="connsiteY10"/>
-              </a:cxn>
-            </a:cxnLst>
-            <a:rect l="l" t="t" r="r" b="b"/>
-            <a:pathLst>
-              <a:path w="6334689" h="6477000">
-                <a:moveTo>
-                  <a:pt x="3561588" y="0"/>
-                </a:moveTo>
-                <a:cubicBezTo>
-                  <a:pt x="4668032" y="0"/>
-                  <a:pt x="5656635" y="504534"/>
-                  <a:pt x="6309883" y="1296087"/>
-                </a:cubicBezTo>
-                <a:lnTo>
-                  <a:pt x="6334689" y="1329261"/>
-                </a:lnTo>
-                <a:lnTo>
-                  <a:pt x="6334689" y="5793916"/>
-                </a:lnTo>
-                <a:lnTo>
-                  <a:pt x="6309883" y="5827089"/>
-                </a:lnTo>
-                <a:cubicBezTo>
-                  <a:pt x="6146571" y="6024977"/>
-                  <a:pt x="5962299" y="6204927"/>
-                  <a:pt x="5760467" y="6363539"/>
-                </a:cubicBezTo>
-                <a:lnTo>
-                  <a:pt x="5607796" y="6477000"/>
-                </a:lnTo>
-                <a:lnTo>
-                  <a:pt x="1519571" y="6477000"/>
-                </a:lnTo>
-                <a:lnTo>
-                  <a:pt x="1296088" y="6309883"/>
-                </a:lnTo>
-                <a:cubicBezTo>
-                  <a:pt x="504535" y="5656635"/>
-                  <a:pt x="0" y="4668032"/>
-                  <a:pt x="0" y="3561588"/>
-                </a:cubicBezTo>
-                <a:cubicBezTo>
-                  <a:pt x="0" y="1594577"/>
-                  <a:pt x="1594577" y="0"/>
-                  <a:pt x="3561588" y="0"/>
-                </a:cubicBezTo>
-                <a:close/>
-              </a:path>
-            </a:pathLst>
-          </a:custGeom>
-          <a:solidFill>
-            <a:schemeClr val="bg1">
-              <a:alpha val="80000"/>
-            </a:schemeClr>
-          </a:solidFill>
-          <a:ln>
-            <a:noFill/>
-          </a:ln>
-        </p:spPr>
-        <p:style>
-          <a:lnRef idx="2">
-            <a:schemeClr val="accent1">
-              <a:shade val="50000"/>
-            </a:schemeClr>
-          </a:lnRef>
-          <a:fillRef idx="1">
-            <a:schemeClr val="accent1"/>
-          </a:fillRef>
-          <a:effectRef idx="0">
-            <a:schemeClr val="accent1"/>
-          </a:effectRef>
-          <a:fontRef idx="minor">
-            <a:schemeClr val="lt1"/>
-          </a:fontRef>
-        </p:style>
-        <p:txBody>
-          <a:bodyPr rtlCol="0" anchor="ctr"/>
-          <a:lstStyle/>
-          <a:p>
-            <a:pPr marL="0" marR="0" lvl="0" indent="0" algn="ctr" defTabSz="914400" rtl="0" eaLnBrk="1" fontAlgn="auto" latinLnBrk="0" hangingPunct="1">
-              <a:lnSpc>
-                <a:spcPct val="100000"/>
-              </a:lnSpc>
-              <a:spcBef>
-                <a:spcPts val="0"/>
-              </a:spcBef>
-              <a:spcAft>
-                <a:spcPts val="0"/>
-              </a:spcAft>
-              <a:buClrTx/>
-              <a:buSzTx/>
-              <a:buFontTx/>
-              <a:buNone/>
-              <a:tabLst/>
-              <a:defRPr/>
-            </a:pPr>
-            <a:endParaRPr kumimoji="0" lang="en-US" sz="1800" b="0" i="0" u="none" strike="noStrike" kern="1200" cap="none" spc="0" normalizeH="0" baseline="0" noProof="0">
-              <a:ln>
-                <a:noFill/>
-              </a:ln>
-              <a:solidFill>
-                <a:prstClr val="white"/>
-              </a:solidFill>
-              <a:effectLst/>
-              <a:uLnTx/>
-              <a:uFillTx/>
-              <a:latin typeface="Calibri" panose="020F0502020204030204"/>
-              <a:ea typeface="+mn-ea"/>
-              <a:cs typeface="+mn-cs"/>
-            </a:endParaRPr>
-          </a:p>
-        </p:txBody>
-      </p:sp>
-      <p:sp>
-        <p:nvSpPr>
-          <p:cNvPr id="44" name="Freeform: Shape 43">
-            <a:extLst>
-              <a:ext uri="{FF2B5EF4-FFF2-40B4-BE49-F238E27FC236}">
-                <a16:creationId xmlns:a16="http://schemas.microsoft.com/office/drawing/2014/main" id="{598EBA13-C937-430B-9523-439FE21096E6}"/>
-              </a:ext>
-              <a:ext uri="{C183D7F6-B498-43B3-948B-1728B52AA6E4}">
-                <adec:decorative xmlns:adec="http://schemas.microsoft.com/office/drawing/2017/decorative" val="1"/>
-              </a:ext>
-            </a:extLst>
-          </p:cNvPr>
-          <p:cNvSpPr>
-            <a:spLocks noGrp="1" noRot="1" noChangeAspect="1" noMove="1" noResize="1" noEditPoints="1" noAdjustHandles="1" noChangeArrowheads="1" noChangeShapeType="1" noTextEdit="1"/>
-          </p:cNvSpPr>
-          <p:nvPr>
-            <p:extLst>
-              <p:ext uri="{386F3935-93C4-4BCD-93E2-E3B085C9AB24}">
-                <p16:designElem xmlns:p16="http://schemas.microsoft.com/office/powerpoint/2015/main" val="1"/>
-              </p:ext>
-            </p:extLst>
-          </p:nvPr>
-        </p:nvSpPr>
-        <p:spPr>
-          <a:xfrm>
-            <a:off x="6021086" y="544777"/>
-            <a:ext cx="6170914" cy="6313225"/>
-          </a:xfrm>
-          <a:custGeom>
-            <a:avLst/>
-            <a:gdLst>
-              <a:gd name="connsiteX0" fmla="*/ 3397813 w 6170914"/>
-              <a:gd name="connsiteY0" fmla="*/ 0 h 6313225"/>
-              <a:gd name="connsiteX1" fmla="*/ 6019731 w 6170914"/>
-              <a:gd name="connsiteY1" fmla="*/ 1236489 h 6313225"/>
-              <a:gd name="connsiteX2" fmla="*/ 6170914 w 6170914"/>
-              <a:gd name="connsiteY2" fmla="*/ 1438663 h 6313225"/>
-              <a:gd name="connsiteX3" fmla="*/ 6170914 w 6170914"/>
-              <a:gd name="connsiteY3" fmla="*/ 5356963 h 6313225"/>
-              <a:gd name="connsiteX4" fmla="*/ 6019731 w 6170914"/>
-              <a:gd name="connsiteY4" fmla="*/ 5559138 h 6313225"/>
-              <a:gd name="connsiteX5" fmla="*/ 5194591 w 6170914"/>
-              <a:gd name="connsiteY5" fmla="*/ 6282226 h 6313225"/>
-              <a:gd name="connsiteX6" fmla="*/ 5141791 w 6170914"/>
-              <a:gd name="connsiteY6" fmla="*/ 6313225 h 6313225"/>
-              <a:gd name="connsiteX7" fmla="*/ 1659199 w 6170914"/>
-              <a:gd name="connsiteY7" fmla="*/ 6313225 h 6313225"/>
-              <a:gd name="connsiteX8" fmla="*/ 1498064 w 6170914"/>
-              <a:gd name="connsiteY8" fmla="*/ 6215333 h 6313225"/>
-              <a:gd name="connsiteX9" fmla="*/ 0 w 6170914"/>
-              <a:gd name="connsiteY9" fmla="*/ 3397813 h 6313225"/>
-              <a:gd name="connsiteX10" fmla="*/ 3397813 w 6170914"/>
-              <a:gd name="connsiteY10" fmla="*/ 0 h 6313225"/>
-            </a:gdLst>
-            <a:ahLst/>
-            <a:cxnLst>
-              <a:cxn ang="0">
-                <a:pos x="connsiteX0" y="connsiteY0"/>
-              </a:cxn>
-              <a:cxn ang="0">
-                <a:pos x="connsiteX1" y="connsiteY1"/>
-              </a:cxn>
-              <a:cxn ang="0">
-                <a:pos x="connsiteX2" y="connsiteY2"/>
-              </a:cxn>
-              <a:cxn ang="0">
-                <a:pos x="connsiteX3" y="connsiteY3"/>
-              </a:cxn>
-              <a:cxn ang="0">
-                <a:pos x="connsiteX4" y="connsiteY4"/>
-              </a:cxn>
-              <a:cxn ang="0">
-                <a:pos x="connsiteX5" y="connsiteY5"/>
-              </a:cxn>
-              <a:cxn ang="0">
-                <a:pos x="connsiteX6" y="connsiteY6"/>
-              </a:cxn>
-              <a:cxn ang="0">
-                <a:pos x="connsiteX7" y="connsiteY7"/>
-              </a:cxn>
-              <a:cxn ang="0">
-                <a:pos x="connsiteX8" y="connsiteY8"/>
-              </a:cxn>
-              <a:cxn ang="0">
-                <a:pos x="connsiteX9" y="connsiteY9"/>
-              </a:cxn>
-              <a:cxn ang="0">
-                <a:pos x="connsiteX10" y="connsiteY10"/>
-              </a:cxn>
-            </a:cxnLst>
-            <a:rect l="l" t="t" r="r" b="b"/>
-            <a:pathLst>
-              <a:path w="6170914" h="6313225">
-                <a:moveTo>
-                  <a:pt x="3397813" y="0"/>
-                </a:moveTo>
-                <a:cubicBezTo>
-                  <a:pt x="4453378" y="0"/>
-                  <a:pt x="5396522" y="481334"/>
-                  <a:pt x="6019731" y="1236489"/>
-                </a:cubicBezTo>
-                <a:lnTo>
-                  <a:pt x="6170914" y="1438663"/>
-                </a:lnTo>
-                <a:lnTo>
-                  <a:pt x="6170914" y="5356963"/>
-                </a:lnTo>
-                <a:lnTo>
-                  <a:pt x="6019731" y="5559138"/>
-                </a:lnTo>
-                <a:cubicBezTo>
-                  <a:pt x="5786028" y="5842321"/>
-                  <a:pt x="5507333" y="6086998"/>
-                  <a:pt x="5194591" y="6282226"/>
-                </a:cubicBezTo>
-                <a:lnTo>
-                  <a:pt x="5141791" y="6313225"/>
-                </a:lnTo>
-                <a:lnTo>
-                  <a:pt x="1659199" y="6313225"/>
-                </a:lnTo>
-                <a:lnTo>
-                  <a:pt x="1498064" y="6215333"/>
-                </a:lnTo>
-                <a:cubicBezTo>
-                  <a:pt x="594240" y="5604721"/>
-                  <a:pt x="0" y="4570663"/>
-                  <a:pt x="0" y="3397813"/>
-                </a:cubicBezTo>
-                <a:cubicBezTo>
-                  <a:pt x="0" y="1521253"/>
-                  <a:pt x="1521253" y="0"/>
-                  <a:pt x="3397813" y="0"/>
-                </a:cubicBezTo>
-                <a:close/>
-              </a:path>
-            </a:pathLst>
-          </a:custGeom>
-          <a:solidFill>
-            <a:schemeClr val="bg1"/>
-          </a:solidFill>
-          <a:ln>
-            <a:noFill/>
-          </a:ln>
-        </p:spPr>
-        <p:style>
-          <a:lnRef idx="2">
-            <a:schemeClr val="accent1">
-              <a:shade val="50000"/>
-            </a:schemeClr>
-          </a:lnRef>
-          <a:fillRef idx="1">
-            <a:schemeClr val="accent1"/>
-          </a:fillRef>
-          <a:effectRef idx="0">
-            <a:schemeClr val="accent1"/>
-          </a:effectRef>
-          <a:fontRef idx="minor">
-            <a:schemeClr val="lt1"/>
-          </a:fontRef>
-        </p:style>
-        <p:txBody>
-          <a:bodyPr rtlCol="0" anchor="ctr"/>
-          <a:lstStyle/>
-          <a:p>
-            <a:pPr marL="0" marR="0" lvl="0" indent="0" algn="ctr" defTabSz="914400" rtl="0" eaLnBrk="1" fontAlgn="auto" latinLnBrk="0" hangingPunct="1">
-              <a:lnSpc>
-                <a:spcPct val="100000"/>
-              </a:lnSpc>
-              <a:spcBef>
-                <a:spcPts val="0"/>
-              </a:spcBef>
-              <a:spcAft>
-                <a:spcPts val="0"/>
-              </a:spcAft>
-              <a:buClrTx/>
-              <a:buSzTx/>
-              <a:buFontTx/>
-              <a:buNone/>
-              <a:tabLst/>
-              <a:defRPr/>
-            </a:pPr>
-            <a:endParaRPr kumimoji="0" lang="en-US" sz="1800" b="0" i="0" u="none" strike="noStrike" kern="1200" cap="none" spc="0" normalizeH="0" baseline="0" noProof="0">
-              <a:ln>
-                <a:noFill/>
-              </a:ln>
-              <a:solidFill>
-                <a:prstClr val="white"/>
-              </a:solidFill>
-              <a:effectLst/>
-              <a:uLnTx/>
-              <a:uFillTx/>
-              <a:latin typeface="Calibri" panose="020F0502020204030204"/>
-              <a:ea typeface="+mn-ea"/>
-              <a:cs typeface="+mn-cs"/>
-            </a:endParaRPr>
-          </a:p>
-        </p:txBody>
-      </p:sp>
       <p:pic>
         <p:nvPicPr>
-          <p:cNvPr id="2" name="Obrázek 1">
+          <p:cNvPr id="5" name="Zástupný obsah 4" descr="Obsah obrázku snímek obrazovky, text&#10;&#10;Popis byl vytvořen automaticky">
             <a:extLst>
               <a:ext uri="{FF2B5EF4-FFF2-40B4-BE49-F238E27FC236}">
-                <a16:creationId xmlns:a16="http://schemas.microsoft.com/office/drawing/2014/main" id="{F2BE809A-3667-4FBE-99A4-E91FAFC60C99}"/>
+                <a16:creationId xmlns:a16="http://schemas.microsoft.com/office/drawing/2014/main" id="{8C4682DF-91EF-4653-A2CC-97384576B24C}"/>
               </a:ext>
             </a:extLst>
           </p:cNvPr>
           <p:cNvPicPr>
-            <a:picLocks noChangeAspect="1"/>
+            <a:picLocks noGrp="1" noChangeAspect="1"/>
           </p:cNvPicPr>
-          <p:nvPr/>
+          <p:nvPr>
+            <p:ph idx="1"/>
+          </p:nvPr>
         </p:nvPicPr>
         <p:blipFill>
-          <a:blip r:embed="rId2"/>
+          <a:blip r:embed="rId2">
+            <a:extLst>
+              <a:ext uri="{28A0092B-C50C-407E-A947-70E740481C1C}">
+                <a14:useLocalDpi xmlns:a14="http://schemas.microsoft.com/office/drawing/2010/main" val="0"/>
+              </a:ext>
+            </a:extLst>
+          </a:blip>
           <a:stretch>
             <a:fillRect/>
           </a:stretch>
         </p:blipFill>
         <p:spPr>
           <a:xfrm>
-            <a:off x="5378148" y="44147"/>
-            <a:ext cx="6813853" cy="6813853"/>
+            <a:off x="1579569" y="653339"/>
+            <a:ext cx="9032861" cy="5551321"/>
           </a:xfrm>
-          <a:prstGeom prst="rect">
-            <a:avLst/>
-          </a:prstGeom>
         </p:spPr>
       </p:pic>
     </p:spTree>
     <p:extLst>
       <p:ext uri="{BB962C8B-B14F-4D97-AF65-F5344CB8AC3E}">
-        <p14:creationId xmlns:p14="http://schemas.microsoft.com/office/powerpoint/2010/main" val="2993639656"/>
+        <p14:creationId xmlns:p14="http://schemas.microsoft.com/office/powerpoint/2010/main" val="343888511"/>
       </p:ext>
     </p:extLst>
   </p:cSld>
@@ -7216,6 +5447,202 @@
 </file>
 
 <file path=ppt/slides/slide17.xml><?xml version="1.0" encoding="utf-8"?>
+<p:sld xmlns:a="http://schemas.openxmlformats.org/drawingml/2006/main" xmlns:r="http://schemas.openxmlformats.org/officeDocument/2006/relationships" xmlns:p="http://schemas.openxmlformats.org/presentationml/2006/main">
+  <p:cSld>
+    <p:spTree>
+      <p:nvGrpSpPr>
+        <p:cNvPr id="1" name=""/>
+        <p:cNvGrpSpPr/>
+        <p:nvPr/>
+      </p:nvGrpSpPr>
+      <p:grpSpPr>
+        <a:xfrm>
+          <a:off x="0" y="0"/>
+          <a:ext cx="0" cy="0"/>
+          <a:chOff x="0" y="0"/>
+          <a:chExt cx="0" cy="0"/>
+        </a:xfrm>
+      </p:grpSpPr>
+      <p:pic>
+        <p:nvPicPr>
+          <p:cNvPr id="3" name="Obrázek 2" descr="Obsah obrázku snímek obrazovky&#10;&#10;Popis byl vytvořen automaticky">
+            <a:extLst>
+              <a:ext uri="{FF2B5EF4-FFF2-40B4-BE49-F238E27FC236}">
+                <a16:creationId xmlns:a16="http://schemas.microsoft.com/office/drawing/2014/main" id="{3631A881-4DC0-4FFA-BA3E-E0DDFF587EE6}"/>
+              </a:ext>
+            </a:extLst>
+          </p:cNvPr>
+          <p:cNvPicPr>
+            <a:picLocks noChangeAspect="1"/>
+          </p:cNvPicPr>
+          <p:nvPr/>
+        </p:nvPicPr>
+        <p:blipFill>
+          <a:blip r:embed="rId2">
+            <a:extLst>
+              <a:ext uri="{28A0092B-C50C-407E-A947-70E740481C1C}">
+                <a14:useLocalDpi xmlns:a14="http://schemas.microsoft.com/office/drawing/2010/main" val="0"/>
+              </a:ext>
+            </a:extLst>
+          </a:blip>
+          <a:stretch>
+            <a:fillRect/>
+          </a:stretch>
+        </p:blipFill>
+        <p:spPr>
+          <a:xfrm>
+            <a:off x="2857019" y="115503"/>
+            <a:ext cx="6479485" cy="6628553"/>
+          </a:xfrm>
+          <a:prstGeom prst="rect">
+            <a:avLst/>
+          </a:prstGeom>
+        </p:spPr>
+      </p:pic>
+    </p:spTree>
+    <p:extLst>
+      <p:ext uri="{BB962C8B-B14F-4D97-AF65-F5344CB8AC3E}">
+        <p14:creationId xmlns:p14="http://schemas.microsoft.com/office/powerpoint/2010/main" val="823029258"/>
+      </p:ext>
+    </p:extLst>
+  </p:cSld>
+  <p:clrMapOvr>
+    <a:masterClrMapping/>
+  </p:clrMapOvr>
+</p:sld>
+</file>
+
+<file path=ppt/slides/slide18.xml><?xml version="1.0" encoding="utf-8"?>
+<p:sld xmlns:a="http://schemas.openxmlformats.org/drawingml/2006/main" xmlns:r="http://schemas.openxmlformats.org/officeDocument/2006/relationships" xmlns:p="http://schemas.openxmlformats.org/presentationml/2006/main">
+  <p:cSld>
+    <p:spTree>
+      <p:nvGrpSpPr>
+        <p:cNvPr id="1" name=""/>
+        <p:cNvGrpSpPr/>
+        <p:nvPr/>
+      </p:nvGrpSpPr>
+      <p:grpSpPr>
+        <a:xfrm>
+          <a:off x="0" y="0"/>
+          <a:ext cx="0" cy="0"/>
+          <a:chOff x="0" y="0"/>
+          <a:chExt cx="0" cy="0"/>
+        </a:xfrm>
+      </p:grpSpPr>
+      <p:pic>
+        <p:nvPicPr>
+          <p:cNvPr id="5" name="Zástupný obsah 4" descr="Obsah obrázku snímek obrazovky, text&#10;&#10;Popis byl vytvořen automaticky">
+            <a:extLst>
+              <a:ext uri="{FF2B5EF4-FFF2-40B4-BE49-F238E27FC236}">
+                <a16:creationId xmlns:a16="http://schemas.microsoft.com/office/drawing/2014/main" id="{9B2F3A90-6E6A-4579-825D-AFB72AC247D4}"/>
+              </a:ext>
+            </a:extLst>
+          </p:cNvPr>
+          <p:cNvPicPr>
+            <a:picLocks noGrp="1" noChangeAspect="1"/>
+          </p:cNvPicPr>
+          <p:nvPr>
+            <p:ph idx="1"/>
+          </p:nvPr>
+        </p:nvPicPr>
+        <p:blipFill>
+          <a:blip r:embed="rId2">
+            <a:extLst>
+              <a:ext uri="{28A0092B-C50C-407E-A947-70E740481C1C}">
+                <a14:useLocalDpi xmlns:a14="http://schemas.microsoft.com/office/drawing/2010/main" val="0"/>
+              </a:ext>
+            </a:extLst>
+          </a:blip>
+          <a:stretch>
+            <a:fillRect/>
+          </a:stretch>
+        </p:blipFill>
+        <p:spPr>
+          <a:xfrm>
+            <a:off x="1495960" y="204802"/>
+            <a:ext cx="9200079" cy="6448395"/>
+          </a:xfrm>
+        </p:spPr>
+      </p:pic>
+    </p:spTree>
+    <p:extLst>
+      <p:ext uri="{BB962C8B-B14F-4D97-AF65-F5344CB8AC3E}">
+        <p14:creationId xmlns:p14="http://schemas.microsoft.com/office/powerpoint/2010/main" val="2600117420"/>
+      </p:ext>
+    </p:extLst>
+  </p:cSld>
+  <p:clrMapOvr>
+    <a:masterClrMapping/>
+  </p:clrMapOvr>
+</p:sld>
+</file>
+
+<file path=ppt/slides/slide19.xml><?xml version="1.0" encoding="utf-8"?>
+<p:sld xmlns:a="http://schemas.openxmlformats.org/drawingml/2006/main" xmlns:r="http://schemas.openxmlformats.org/officeDocument/2006/relationships" xmlns:p="http://schemas.openxmlformats.org/presentationml/2006/main">
+  <p:cSld>
+    <p:spTree>
+      <p:nvGrpSpPr>
+        <p:cNvPr id="1" name=""/>
+        <p:cNvGrpSpPr/>
+        <p:nvPr/>
+      </p:nvGrpSpPr>
+      <p:grpSpPr>
+        <a:xfrm>
+          <a:off x="0" y="0"/>
+          <a:ext cx="0" cy="0"/>
+          <a:chOff x="0" y="0"/>
+          <a:chExt cx="0" cy="0"/>
+        </a:xfrm>
+      </p:grpSpPr>
+      <p:pic>
+        <p:nvPicPr>
+          <p:cNvPr id="5" name="Zástupný obsah 4" descr="Obsah obrázku snímek obrazovky, text&#10;&#10;Popis byl vytvořen automaticky">
+            <a:extLst>
+              <a:ext uri="{FF2B5EF4-FFF2-40B4-BE49-F238E27FC236}">
+                <a16:creationId xmlns:a16="http://schemas.microsoft.com/office/drawing/2014/main" id="{1D12AD3B-9B35-4E7D-ACF0-7FC19758501D}"/>
+              </a:ext>
+            </a:extLst>
+          </p:cNvPr>
+          <p:cNvPicPr>
+            <a:picLocks noGrp="1" noChangeAspect="1"/>
+          </p:cNvPicPr>
+          <p:nvPr>
+            <p:ph idx="1"/>
+          </p:nvPr>
+        </p:nvPicPr>
+        <p:blipFill>
+          <a:blip r:embed="rId2">
+            <a:extLst>
+              <a:ext uri="{28A0092B-C50C-407E-A947-70E740481C1C}">
+                <a14:useLocalDpi xmlns:a14="http://schemas.microsoft.com/office/drawing/2010/main" val="0"/>
+              </a:ext>
+            </a:extLst>
+          </a:blip>
+          <a:stretch>
+            <a:fillRect/>
+          </a:stretch>
+        </p:blipFill>
+        <p:spPr>
+          <a:xfrm>
+            <a:off x="517002" y="38111"/>
+            <a:ext cx="11157995" cy="6781778"/>
+          </a:xfrm>
+        </p:spPr>
+      </p:pic>
+    </p:spTree>
+    <p:extLst>
+      <p:ext uri="{BB962C8B-B14F-4D97-AF65-F5344CB8AC3E}">
+        <p14:creationId xmlns:p14="http://schemas.microsoft.com/office/powerpoint/2010/main" val="2520313894"/>
+      </p:ext>
+    </p:extLst>
+  </p:cSld>
+  <p:clrMapOvr>
+    <a:masterClrMapping/>
+  </p:clrMapOvr>
+</p:sld>
+</file>
+
+<file path=ppt/slides/slide2.xml><?xml version="1.0" encoding="utf-8"?>
 <p:sld xmlns:a="http://schemas.openxmlformats.org/drawingml/2006/main" xmlns:r="http://schemas.openxmlformats.org/officeDocument/2006/relationships" xmlns:p="http://schemas.openxmlformats.org/presentationml/2006/main">
   <p:cSld>
     <p:bg>
@@ -7591,8 +6018,8 @@
         </p:nvSpPr>
         <p:spPr>
           <a:xfrm>
-            <a:off x="1953768" y="1441938"/>
-            <a:ext cx="8284464" cy="3974124"/>
+            <a:off x="2555631" y="1441938"/>
+            <a:ext cx="7080738" cy="3974124"/>
           </a:xfrm>
         </p:spPr>
         <p:txBody>
@@ -7603,7 +6030,7 @@
           <a:p>
             <a:pPr algn="ctr"/>
             <a:r>
-              <a:rPr lang="cs-CZ" sz="6600" dirty="0">
+              <a:rPr lang="cs-CZ" sz="5400" dirty="0">
                 <a:solidFill>
                   <a:schemeClr val="bg1">
                     <a:lumMod val="95000"/>
@@ -7611,7 +6038,7 @@
                   </a:schemeClr>
                 </a:solidFill>
               </a:rPr>
-              <a:t>Děkujeme za pozornost</a:t>
+              <a:t>XML</a:t>
             </a:r>
           </a:p>
         </p:txBody>
@@ -7619,7 +6046,7 @@
     </p:spTree>
     <p:extLst>
       <p:ext uri="{BB962C8B-B14F-4D97-AF65-F5344CB8AC3E}">
-        <p14:creationId xmlns:p14="http://schemas.microsoft.com/office/powerpoint/2010/main" val="3197011055"/>
+        <p14:creationId xmlns:p14="http://schemas.microsoft.com/office/powerpoint/2010/main" val="650120860"/>
       </p:ext>
     </p:extLst>
   </p:cSld>
@@ -7629,7 +6056,317 @@
 </p:sld>
 </file>
 
-<file path=ppt/slides/slide2.xml><?xml version="1.0" encoding="utf-8"?>
+<file path=ppt/slides/slide20.xml><?xml version="1.0" encoding="utf-8"?>
+<p:sld xmlns:a="http://schemas.openxmlformats.org/drawingml/2006/main" xmlns:r="http://schemas.openxmlformats.org/officeDocument/2006/relationships" xmlns:p="http://schemas.openxmlformats.org/presentationml/2006/main">
+  <p:cSld>
+    <p:spTree>
+      <p:nvGrpSpPr>
+        <p:cNvPr id="1" name=""/>
+        <p:cNvGrpSpPr/>
+        <p:nvPr/>
+      </p:nvGrpSpPr>
+      <p:grpSpPr>
+        <a:xfrm>
+          <a:off x="0" y="0"/>
+          <a:ext cx="0" cy="0"/>
+          <a:chOff x="0" y="0"/>
+          <a:chExt cx="0" cy="0"/>
+        </a:xfrm>
+      </p:grpSpPr>
+      <p:pic>
+        <p:nvPicPr>
+          <p:cNvPr id="5" name="Zástupný obsah 4" descr="Obsah obrázku snímek obrazovky, text&#10;&#10;Popis byl vytvořen automaticky">
+            <a:extLst>
+              <a:ext uri="{FF2B5EF4-FFF2-40B4-BE49-F238E27FC236}">
+                <a16:creationId xmlns:a16="http://schemas.microsoft.com/office/drawing/2014/main" id="{2983C82D-474C-47DD-B989-640495520872}"/>
+              </a:ext>
+            </a:extLst>
+          </p:cNvPr>
+          <p:cNvPicPr>
+            <a:picLocks noGrp="1" noChangeAspect="1"/>
+          </p:cNvPicPr>
+          <p:nvPr>
+            <p:ph idx="1"/>
+          </p:nvPr>
+        </p:nvPicPr>
+        <p:blipFill>
+          <a:blip r:embed="rId2">
+            <a:extLst>
+              <a:ext uri="{28A0092B-C50C-407E-A947-70E740481C1C}">
+                <a14:useLocalDpi xmlns:a14="http://schemas.microsoft.com/office/drawing/2010/main" val="0"/>
+              </a:ext>
+            </a:extLst>
+          </a:blip>
+          <a:stretch>
+            <a:fillRect/>
+          </a:stretch>
+        </p:blipFill>
+        <p:spPr>
+          <a:xfrm>
+            <a:off x="2478911" y="7002"/>
+            <a:ext cx="7234177" cy="6843996"/>
+          </a:xfrm>
+        </p:spPr>
+      </p:pic>
+    </p:spTree>
+    <p:extLst>
+      <p:ext uri="{BB962C8B-B14F-4D97-AF65-F5344CB8AC3E}">
+        <p14:creationId xmlns:p14="http://schemas.microsoft.com/office/powerpoint/2010/main" val="1136285908"/>
+      </p:ext>
+    </p:extLst>
+  </p:cSld>
+  <p:clrMapOvr>
+    <a:masterClrMapping/>
+  </p:clrMapOvr>
+</p:sld>
+</file>
+
+<file path=ppt/slides/slide21.xml><?xml version="1.0" encoding="utf-8"?>
+<p:sld xmlns:a="http://schemas.openxmlformats.org/drawingml/2006/main" xmlns:r="http://schemas.openxmlformats.org/officeDocument/2006/relationships" xmlns:p="http://schemas.openxmlformats.org/presentationml/2006/main">
+  <p:cSld>
+    <p:spTree>
+      <p:nvGrpSpPr>
+        <p:cNvPr id="1" name=""/>
+        <p:cNvGrpSpPr/>
+        <p:nvPr/>
+      </p:nvGrpSpPr>
+      <p:grpSpPr>
+        <a:xfrm>
+          <a:off x="0" y="0"/>
+          <a:ext cx="0" cy="0"/>
+          <a:chOff x="0" y="0"/>
+          <a:chExt cx="0" cy="0"/>
+        </a:xfrm>
+      </p:grpSpPr>
+      <p:pic>
+        <p:nvPicPr>
+          <p:cNvPr id="5" name="Zástupný obsah 4" descr="Obsah obrázku snímek obrazovky, text&#10;&#10;Popis byl vytvořen automaticky">
+            <a:extLst>
+              <a:ext uri="{FF2B5EF4-FFF2-40B4-BE49-F238E27FC236}">
+                <a16:creationId xmlns:a16="http://schemas.microsoft.com/office/drawing/2014/main" id="{D8B1186D-8325-44DC-9FCF-FED3897B13BE}"/>
+              </a:ext>
+            </a:extLst>
+          </p:cNvPr>
+          <p:cNvPicPr>
+            <a:picLocks noGrp="1" noChangeAspect="1"/>
+          </p:cNvPicPr>
+          <p:nvPr>
+            <p:ph idx="1"/>
+          </p:nvPr>
+        </p:nvPicPr>
+        <p:blipFill>
+          <a:blip r:embed="rId2">
+            <a:extLst>
+              <a:ext uri="{28A0092B-C50C-407E-A947-70E740481C1C}">
+                <a14:useLocalDpi xmlns:a14="http://schemas.microsoft.com/office/drawing/2010/main" val="0"/>
+              </a:ext>
+            </a:extLst>
+          </a:blip>
+          <a:stretch>
+            <a:fillRect/>
+          </a:stretch>
+        </p:blipFill>
+        <p:spPr>
+          <a:xfrm>
+            <a:off x="39770" y="829425"/>
+            <a:ext cx="12112460" cy="5199150"/>
+          </a:xfrm>
+        </p:spPr>
+      </p:pic>
+    </p:spTree>
+    <p:extLst>
+      <p:ext uri="{BB962C8B-B14F-4D97-AF65-F5344CB8AC3E}">
+        <p14:creationId xmlns:p14="http://schemas.microsoft.com/office/powerpoint/2010/main" val="2374307267"/>
+      </p:ext>
+    </p:extLst>
+  </p:cSld>
+  <p:clrMapOvr>
+    <a:masterClrMapping/>
+  </p:clrMapOvr>
+</p:sld>
+</file>
+
+<file path=ppt/slides/slide22.xml><?xml version="1.0" encoding="utf-8"?>
+<p:sld xmlns:a="http://schemas.openxmlformats.org/drawingml/2006/main" xmlns:r="http://schemas.openxmlformats.org/officeDocument/2006/relationships" xmlns:p="http://schemas.openxmlformats.org/presentationml/2006/main">
+  <p:cSld>
+    <p:spTree>
+      <p:nvGrpSpPr>
+        <p:cNvPr id="1" name=""/>
+        <p:cNvGrpSpPr/>
+        <p:nvPr/>
+      </p:nvGrpSpPr>
+      <p:grpSpPr>
+        <a:xfrm>
+          <a:off x="0" y="0"/>
+          <a:ext cx="0" cy="0"/>
+          <a:chOff x="0" y="0"/>
+          <a:chExt cx="0" cy="0"/>
+        </a:xfrm>
+      </p:grpSpPr>
+      <p:sp>
+        <p:nvSpPr>
+          <p:cNvPr id="2" name="Nadpis 1">
+            <a:extLst>
+              <a:ext uri="{FF2B5EF4-FFF2-40B4-BE49-F238E27FC236}">
+                <a16:creationId xmlns:a16="http://schemas.microsoft.com/office/drawing/2014/main" id="{302BFF21-6375-449B-B9FD-1C4620AC8571}"/>
+              </a:ext>
+            </a:extLst>
+          </p:cNvPr>
+          <p:cNvSpPr>
+            <a:spLocks noGrp="1"/>
+          </p:cNvSpPr>
+          <p:nvPr>
+            <p:ph type="title"/>
+          </p:nvPr>
+        </p:nvSpPr>
+        <p:spPr/>
+        <p:txBody>
+          <a:bodyPr/>
+          <a:lstStyle/>
+          <a:p>
+            <a:endParaRPr lang="cs-CZ"/>
+          </a:p>
+        </p:txBody>
+      </p:sp>
+      <p:pic>
+        <p:nvPicPr>
+          <p:cNvPr id="5" name="Zástupný obsah 4" descr="Obsah obrázku snímek obrazovky, text&#10;&#10;Popis byl vytvořen automaticky">
+            <a:extLst>
+              <a:ext uri="{FF2B5EF4-FFF2-40B4-BE49-F238E27FC236}">
+                <a16:creationId xmlns:a16="http://schemas.microsoft.com/office/drawing/2014/main" id="{9EFA2C8A-FF2D-4F5A-911A-0AD938454799}"/>
+              </a:ext>
+            </a:extLst>
+          </p:cNvPr>
+          <p:cNvPicPr>
+            <a:picLocks noGrp="1" noChangeAspect="1"/>
+          </p:cNvPicPr>
+          <p:nvPr>
+            <p:ph idx="1"/>
+          </p:nvPr>
+        </p:nvPicPr>
+        <p:blipFill>
+          <a:blip r:embed="rId2">
+            <a:extLst>
+              <a:ext uri="{28A0092B-C50C-407E-A947-70E740481C1C}">
+                <a14:useLocalDpi xmlns:a14="http://schemas.microsoft.com/office/drawing/2010/main" val="0"/>
+              </a:ext>
+            </a:extLst>
+          </a:blip>
+          <a:stretch>
+            <a:fillRect/>
+          </a:stretch>
+        </p:blipFill>
+        <p:spPr>
+          <a:xfrm>
+            <a:off x="1" y="373794"/>
+            <a:ext cx="12191999" cy="6110411"/>
+          </a:xfrm>
+        </p:spPr>
+      </p:pic>
+    </p:spTree>
+    <p:extLst>
+      <p:ext uri="{BB962C8B-B14F-4D97-AF65-F5344CB8AC3E}">
+        <p14:creationId xmlns:p14="http://schemas.microsoft.com/office/powerpoint/2010/main" val="25119416"/>
+      </p:ext>
+    </p:extLst>
+  </p:cSld>
+  <p:clrMapOvr>
+    <a:masterClrMapping/>
+  </p:clrMapOvr>
+</p:sld>
+</file>
+
+<file path=ppt/slides/slide23.xml><?xml version="1.0" encoding="utf-8"?>
+<p:sld xmlns:a="http://schemas.openxmlformats.org/drawingml/2006/main" xmlns:r="http://schemas.openxmlformats.org/officeDocument/2006/relationships" xmlns:p="http://schemas.openxmlformats.org/presentationml/2006/main">
+  <p:cSld>
+    <p:spTree>
+      <p:nvGrpSpPr>
+        <p:cNvPr id="1" name=""/>
+        <p:cNvGrpSpPr/>
+        <p:nvPr/>
+      </p:nvGrpSpPr>
+      <p:grpSpPr>
+        <a:xfrm>
+          <a:off x="0" y="0"/>
+          <a:ext cx="0" cy="0"/>
+          <a:chOff x="0" y="0"/>
+          <a:chExt cx="0" cy="0"/>
+        </a:xfrm>
+      </p:grpSpPr>
+      <p:sp>
+        <p:nvSpPr>
+          <p:cNvPr id="2" name="Nadpis 1">
+            <a:extLst>
+              <a:ext uri="{FF2B5EF4-FFF2-40B4-BE49-F238E27FC236}">
+                <a16:creationId xmlns:a16="http://schemas.microsoft.com/office/drawing/2014/main" id="{302BFF21-6375-449B-B9FD-1C4620AC8571}"/>
+              </a:ext>
+            </a:extLst>
+          </p:cNvPr>
+          <p:cNvSpPr>
+            <a:spLocks noGrp="1"/>
+          </p:cNvSpPr>
+          <p:nvPr>
+            <p:ph type="title"/>
+          </p:nvPr>
+        </p:nvSpPr>
+        <p:spPr/>
+        <p:txBody>
+          <a:bodyPr/>
+          <a:lstStyle/>
+          <a:p>
+            <a:endParaRPr lang="cs-CZ"/>
+          </a:p>
+        </p:txBody>
+      </p:sp>
+      <p:pic>
+        <p:nvPicPr>
+          <p:cNvPr id="5" name="Zástupný obsah 4" descr="Obsah obrázku snímek obrazovky&#10;&#10;Popis byl vytvořen automaticky">
+            <a:extLst>
+              <a:ext uri="{FF2B5EF4-FFF2-40B4-BE49-F238E27FC236}">
+                <a16:creationId xmlns:a16="http://schemas.microsoft.com/office/drawing/2014/main" id="{5FF58200-5E7D-4E52-A542-0D0E8D813B62}"/>
+              </a:ext>
+            </a:extLst>
+          </p:cNvPr>
+          <p:cNvPicPr>
+            <a:picLocks noGrp="1" noChangeAspect="1"/>
+          </p:cNvPicPr>
+          <p:nvPr>
+            <p:ph idx="1"/>
+          </p:nvPr>
+        </p:nvPicPr>
+        <p:blipFill>
+          <a:blip r:embed="rId2">
+            <a:extLst>
+              <a:ext uri="{28A0092B-C50C-407E-A947-70E740481C1C}">
+                <a14:useLocalDpi xmlns:a14="http://schemas.microsoft.com/office/drawing/2010/main" val="0"/>
+              </a:ext>
+            </a:extLst>
+          </a:blip>
+          <a:stretch>
+            <a:fillRect/>
+          </a:stretch>
+        </p:blipFill>
+        <p:spPr>
+          <a:xfrm>
+            <a:off x="0" y="365125"/>
+            <a:ext cx="12192000" cy="6124576"/>
+          </a:xfrm>
+        </p:spPr>
+      </p:pic>
+    </p:spTree>
+    <p:extLst>
+      <p:ext uri="{BB962C8B-B14F-4D97-AF65-F5344CB8AC3E}">
+        <p14:creationId xmlns:p14="http://schemas.microsoft.com/office/powerpoint/2010/main" val="1146919858"/>
+      </p:ext>
+    </p:extLst>
+  </p:cSld>
+  <p:clrMapOvr>
+    <a:masterClrMapping/>
+  </p:clrMapOvr>
+</p:sld>
+</file>
+
+<file path=ppt/slides/slide24.xml><?xml version="1.0" encoding="utf-8"?>
 <p:sld xmlns:a="http://schemas.openxmlformats.org/drawingml/2006/main" xmlns:r="http://schemas.openxmlformats.org/officeDocument/2006/relationships" xmlns:p="http://schemas.openxmlformats.org/presentationml/2006/main">
   <p:cSld>
     <p:bg>
@@ -8005,8 +6742,8 @@
         </p:nvSpPr>
         <p:spPr>
           <a:xfrm>
-            <a:off x="2555631" y="1441938"/>
-            <a:ext cx="7080738" cy="3974124"/>
+            <a:off x="1953768" y="1441938"/>
+            <a:ext cx="8284464" cy="3974124"/>
           </a:xfrm>
         </p:spPr>
         <p:txBody>
@@ -8017,7 +6754,7 @@
           <a:p>
             <a:pPr algn="ctr"/>
             <a:r>
-              <a:rPr lang="cs-CZ" sz="5400" dirty="0">
+              <a:rPr lang="cs-CZ" sz="6600" dirty="0">
                 <a:solidFill>
                   <a:schemeClr val="bg1">
                     <a:lumMod val="95000"/>
@@ -8025,7 +6762,7 @@
                   </a:schemeClr>
                 </a:solidFill>
               </a:rPr>
-              <a:t>XML</a:t>
+              <a:t>Děkujeme za pozornost</a:t>
             </a:r>
           </a:p>
         </p:txBody>
@@ -8033,7 +6770,7 @@
     </p:spTree>
     <p:extLst>
       <p:ext uri="{BB962C8B-B14F-4D97-AF65-F5344CB8AC3E}">
-        <p14:creationId xmlns:p14="http://schemas.microsoft.com/office/powerpoint/2010/main" val="650120860"/>
+        <p14:creationId xmlns:p14="http://schemas.microsoft.com/office/powerpoint/2010/main" val="3197011055"/>
       </p:ext>
     </p:extLst>
   </p:cSld>
@@ -8191,6 +6928,17 @@
           <a:lstStyle/>
           <a:p>
             <a:pPr algn="ctr"/>
+            <a:r>
+              <a:rPr lang="cs-CZ" sz="5400" kern="1200" dirty="0">
+                <a:solidFill>
+                  <a:srgbClr val="FFFFFF"/>
+                </a:solidFill>
+                <a:latin typeface="+mj-lt"/>
+                <a:ea typeface="+mj-ea"/>
+                <a:cs typeface="+mj-cs"/>
+              </a:rPr>
+              <a:t>Aplikace</a:t>
+            </a:r>
             <a:endParaRPr lang="en-US" sz="5400" kern="1200" dirty="0">
               <a:solidFill>
                 <a:srgbClr val="FFFFFF"/>
@@ -8310,6 +7058,78 @@
           </a:p>
         </p:txBody>
       </p:sp>
+      <p:pic>
+        <p:nvPicPr>
+          <p:cNvPr id="4" name="Obrázek 3" descr="Obsah obrázku snímek obrazovky&#10;&#10;Popis byl vytvořen automaticky">
+            <a:extLst>
+              <a:ext uri="{FF2B5EF4-FFF2-40B4-BE49-F238E27FC236}">
+                <a16:creationId xmlns:a16="http://schemas.microsoft.com/office/drawing/2014/main" id="{0F9BC654-BE76-4781-ACAE-4BFD13CBFA79}"/>
+              </a:ext>
+            </a:extLst>
+          </p:cNvPr>
+          <p:cNvPicPr>
+            <a:picLocks noChangeAspect="1"/>
+          </p:cNvPicPr>
+          <p:nvPr/>
+        </p:nvPicPr>
+        <p:blipFill>
+          <a:blip r:embed="rId2">
+            <a:extLst>
+              <a:ext uri="{28A0092B-C50C-407E-A947-70E740481C1C}">
+                <a14:useLocalDpi xmlns:a14="http://schemas.microsoft.com/office/drawing/2010/main" val="0"/>
+              </a:ext>
+            </a:extLst>
+          </a:blip>
+          <a:stretch>
+            <a:fillRect/>
+          </a:stretch>
+        </p:blipFill>
+        <p:spPr>
+          <a:xfrm>
+            <a:off x="2097255" y="1623329"/>
+            <a:ext cx="2973438" cy="4915583"/>
+          </a:xfrm>
+          <a:prstGeom prst="rect">
+            <a:avLst/>
+          </a:prstGeom>
+        </p:spPr>
+      </p:pic>
+      <p:pic>
+        <p:nvPicPr>
+          <p:cNvPr id="6" name="Obrázek 5" descr="Obsah obrázku text&#10;&#10;Popis byl vytvořen automaticky">
+            <a:extLst>
+              <a:ext uri="{FF2B5EF4-FFF2-40B4-BE49-F238E27FC236}">
+                <a16:creationId xmlns:a16="http://schemas.microsoft.com/office/drawing/2014/main" id="{3D444669-CD5C-4A6C-9B30-4BB5BBB29B51}"/>
+              </a:ext>
+            </a:extLst>
+          </p:cNvPr>
+          <p:cNvPicPr>
+            <a:picLocks noChangeAspect="1"/>
+          </p:cNvPicPr>
+          <p:nvPr/>
+        </p:nvPicPr>
+        <p:blipFill>
+          <a:blip r:embed="rId3">
+            <a:extLst>
+              <a:ext uri="{28A0092B-C50C-407E-A947-70E740481C1C}">
+                <a14:useLocalDpi xmlns:a14="http://schemas.microsoft.com/office/drawing/2010/main" val="0"/>
+              </a:ext>
+            </a:extLst>
+          </a:blip>
+          <a:stretch>
+            <a:fillRect/>
+          </a:stretch>
+        </p:blipFill>
+        <p:spPr>
+          <a:xfrm>
+            <a:off x="5221750" y="1623328"/>
+            <a:ext cx="4942582" cy="4915573"/>
+          </a:xfrm>
+          <a:prstGeom prst="rect">
+            <a:avLst/>
+          </a:prstGeom>
+        </p:spPr>
+      </p:pic>
     </p:spTree>
     <p:extLst>
       <p:ext uri="{BB962C8B-B14F-4D97-AF65-F5344CB8AC3E}">
@@ -8324,6 +7144,416 @@
 </file>
 
 <file path=ppt/slides/slide4.xml><?xml version="1.0" encoding="utf-8"?>
+<p:sld xmlns:a="http://schemas.openxmlformats.org/drawingml/2006/main" xmlns:r="http://schemas.openxmlformats.org/officeDocument/2006/relationships" xmlns:p="http://schemas.openxmlformats.org/presentationml/2006/main">
+  <p:cSld>
+    <p:bg>
+      <p:bgPr>
+        <a:solidFill>
+          <a:schemeClr val="bg1">
+            <a:tint val="95000"/>
+            <a:satMod val="170000"/>
+          </a:schemeClr>
+        </a:solidFill>
+        <a:effectLst/>
+      </p:bgPr>
+    </p:bg>
+    <p:spTree>
+      <p:nvGrpSpPr>
+        <p:cNvPr id="1" name=""/>
+        <p:cNvGrpSpPr/>
+        <p:nvPr/>
+      </p:nvGrpSpPr>
+      <p:grpSpPr>
+        <a:xfrm>
+          <a:off x="0" y="0"/>
+          <a:ext cx="0" cy="0"/>
+          <a:chOff x="0" y="0"/>
+          <a:chExt cx="0" cy="0"/>
+        </a:xfrm>
+      </p:grpSpPr>
+      <p:sp>
+        <p:nvSpPr>
+          <p:cNvPr id="16" name="Nadpis 1">
+            <a:extLst>
+              <a:ext uri="{FF2B5EF4-FFF2-40B4-BE49-F238E27FC236}">
+                <a16:creationId xmlns:a16="http://schemas.microsoft.com/office/drawing/2014/main" id="{41D0CB60-F0D9-48DC-8C0D-78A43512DF8F}"/>
+              </a:ext>
+            </a:extLst>
+          </p:cNvPr>
+          <p:cNvSpPr txBox="1">
+            <a:spLocks/>
+          </p:cNvSpPr>
+          <p:nvPr/>
+        </p:nvSpPr>
+        <p:spPr>
+          <a:xfrm>
+            <a:off x="762001" y="803325"/>
+            <a:ext cx="5314536" cy="1325563"/>
+          </a:xfrm>
+          <a:prstGeom prst="rect">
+            <a:avLst/>
+          </a:prstGeom>
+        </p:spPr>
+        <p:txBody>
+          <a:bodyPr vert="horz" lIns="91440" tIns="45720" rIns="91440" bIns="45720" rtlCol="0" anchor="ctr">
+            <a:normAutofit/>
+          </a:bodyPr>
+          <a:lstStyle>
+            <a:lvl1pPr algn="l" defTabSz="914400" rtl="0" eaLnBrk="1" latinLnBrk="0" hangingPunct="1">
+              <a:lnSpc>
+                <a:spcPct val="90000"/>
+              </a:lnSpc>
+              <a:spcBef>
+                <a:spcPct val="0"/>
+              </a:spcBef>
+              <a:buNone/>
+              <a:defRPr sz="4400" kern="1200">
+                <a:solidFill>
+                  <a:schemeClr val="tx1"/>
+                </a:solidFill>
+                <a:latin typeface="+mj-lt"/>
+                <a:ea typeface="+mj-ea"/>
+                <a:cs typeface="+mj-cs"/>
+              </a:defRPr>
+            </a:lvl1pPr>
+          </a:lstStyle>
+          <a:p>
+            <a:pPr>
+              <a:spcAft>
+                <a:spcPts val="600"/>
+              </a:spcAft>
+            </a:pPr>
+            <a:r>
+              <a:rPr lang="en-US"/>
+              <a:t>Zpracování xml</a:t>
+            </a:r>
+          </a:p>
+        </p:txBody>
+      </p:sp>
+      <p:sp>
+        <p:nvSpPr>
+          <p:cNvPr id="24" name="Freeform: Shape 23">
+            <a:extLst>
+              <a:ext uri="{FF2B5EF4-FFF2-40B4-BE49-F238E27FC236}">
+                <a16:creationId xmlns:a16="http://schemas.microsoft.com/office/drawing/2014/main" id="{CF62D2A7-8207-488C-9F46-316BA81A16C8}"/>
+              </a:ext>
+              <a:ext uri="{C183D7F6-B498-43B3-948B-1728B52AA6E4}">
+                <adec:decorative xmlns:adec="http://schemas.microsoft.com/office/drawing/2017/decorative" val="1"/>
+              </a:ext>
+            </a:extLst>
+          </p:cNvPr>
+          <p:cNvSpPr>
+            <a:spLocks noGrp="1" noRot="1" noChangeAspect="1" noMove="1" noResize="1" noEditPoints="1" noAdjustHandles="1" noChangeArrowheads="1" noChangeShapeType="1" noTextEdit="1"/>
+          </p:cNvSpPr>
+          <p:nvPr>
+            <p:extLst>
+              <p:ext uri="{386F3935-93C4-4BCD-93E2-E3B085C9AB24}">
+                <p16:designElem xmlns:p16="http://schemas.microsoft.com/office/powerpoint/2015/main" val="1"/>
+              </p:ext>
+            </p:extLst>
+          </p:nvPr>
+        </p:nvSpPr>
+        <p:spPr>
+          <a:xfrm flipH="1">
+            <a:off x="6582780" y="-2008"/>
+            <a:ext cx="5609220" cy="5840278"/>
+          </a:xfrm>
+          <a:custGeom>
+            <a:avLst/>
+            <a:gdLst>
+              <a:gd name="connsiteX0" fmla="*/ 0 w 5609220"/>
+              <a:gd name="connsiteY0" fmla="*/ 0 h 5840278"/>
+              <a:gd name="connsiteX1" fmla="*/ 4637091 w 5609220"/>
+              <a:gd name="connsiteY1" fmla="*/ 0 h 5840278"/>
+              <a:gd name="connsiteX2" fmla="*/ 4822569 w 5609220"/>
+              <a:gd name="connsiteY2" fmla="*/ 204077 h 5840278"/>
+              <a:gd name="connsiteX3" fmla="*/ 5609220 w 5609220"/>
+              <a:gd name="connsiteY3" fmla="*/ 2395363 h 5840278"/>
+              <a:gd name="connsiteX4" fmla="*/ 2164305 w 5609220"/>
+              <a:gd name="connsiteY4" fmla="*/ 5840278 h 5840278"/>
+              <a:gd name="connsiteX5" fmla="*/ 238220 w 5609220"/>
+              <a:gd name="connsiteY5" fmla="*/ 5251941 h 5840278"/>
+              <a:gd name="connsiteX6" fmla="*/ 0 w 5609220"/>
+              <a:gd name="connsiteY6" fmla="*/ 5073803 h 5840278"/>
+            </a:gdLst>
+            <a:ahLst/>
+            <a:cxnLst>
+              <a:cxn ang="0">
+                <a:pos x="connsiteX0" y="connsiteY0"/>
+              </a:cxn>
+              <a:cxn ang="0">
+                <a:pos x="connsiteX1" y="connsiteY1"/>
+              </a:cxn>
+              <a:cxn ang="0">
+                <a:pos x="connsiteX2" y="connsiteY2"/>
+              </a:cxn>
+              <a:cxn ang="0">
+                <a:pos x="connsiteX3" y="connsiteY3"/>
+              </a:cxn>
+              <a:cxn ang="0">
+                <a:pos x="connsiteX4" y="connsiteY4"/>
+              </a:cxn>
+              <a:cxn ang="0">
+                <a:pos x="connsiteX5" y="connsiteY5"/>
+              </a:cxn>
+              <a:cxn ang="0">
+                <a:pos x="connsiteX6" y="connsiteY6"/>
+              </a:cxn>
+            </a:cxnLst>
+            <a:rect l="l" t="t" r="r" b="b"/>
+            <a:pathLst>
+              <a:path w="5609220" h="5840278">
+                <a:moveTo>
+                  <a:pt x="0" y="0"/>
+                </a:moveTo>
+                <a:lnTo>
+                  <a:pt x="4637091" y="0"/>
+                </a:lnTo>
+                <a:lnTo>
+                  <a:pt x="4822569" y="204077"/>
+                </a:lnTo>
+                <a:cubicBezTo>
+                  <a:pt x="5314007" y="799562"/>
+                  <a:pt x="5609220" y="1562987"/>
+                  <a:pt x="5609220" y="2395363"/>
+                </a:cubicBezTo>
+                <a:cubicBezTo>
+                  <a:pt x="5609220" y="4297937"/>
+                  <a:pt x="4066879" y="5840278"/>
+                  <a:pt x="2164305" y="5840278"/>
+                </a:cubicBezTo>
+                <a:cubicBezTo>
+                  <a:pt x="1450840" y="5840278"/>
+                  <a:pt x="788032" y="5623387"/>
+                  <a:pt x="238220" y="5251941"/>
+                </a:cubicBezTo>
+                <a:lnTo>
+                  <a:pt x="0" y="5073803"/>
+                </a:lnTo>
+                <a:close/>
+              </a:path>
+            </a:pathLst>
+          </a:custGeom>
+          <a:solidFill>
+            <a:srgbClr val="FFFFFF">
+              <a:alpha val="80000"/>
+            </a:srgbClr>
+          </a:solidFill>
+          <a:ln>
+            <a:noFill/>
+          </a:ln>
+        </p:spPr>
+        <p:style>
+          <a:lnRef idx="2">
+            <a:schemeClr val="accent1">
+              <a:shade val="50000"/>
+            </a:schemeClr>
+          </a:lnRef>
+          <a:fillRef idx="1">
+            <a:schemeClr val="accent1"/>
+          </a:fillRef>
+          <a:effectRef idx="0">
+            <a:schemeClr val="accent1"/>
+          </a:effectRef>
+          <a:fontRef idx="minor">
+            <a:schemeClr val="lt1"/>
+          </a:fontRef>
+        </p:style>
+        <p:txBody>
+          <a:bodyPr rtlCol="0" anchor="ctr"/>
+          <a:lstStyle/>
+          <a:p>
+            <a:pPr marL="0" marR="0" lvl="0" indent="0" algn="ctr" defTabSz="914400" rtl="0" eaLnBrk="1" fontAlgn="auto" latinLnBrk="0" hangingPunct="1">
+              <a:lnSpc>
+                <a:spcPct val="100000"/>
+              </a:lnSpc>
+              <a:spcBef>
+                <a:spcPts val="0"/>
+              </a:spcBef>
+              <a:spcAft>
+                <a:spcPts val="0"/>
+              </a:spcAft>
+              <a:buClrTx/>
+              <a:buSzTx/>
+              <a:buFontTx/>
+              <a:buNone/>
+              <a:tabLst/>
+              <a:defRPr/>
+            </a:pPr>
+            <a:endParaRPr kumimoji="0" lang="en-US" sz="1800" b="0" i="0" u="none" strike="noStrike" kern="1200" cap="none" spc="0" normalizeH="0" baseline="0" noProof="0">
+              <a:ln>
+                <a:noFill/>
+              </a:ln>
+              <a:solidFill>
+                <a:prstClr val="white"/>
+              </a:solidFill>
+              <a:effectLst/>
+              <a:uLnTx/>
+              <a:uFillTx/>
+              <a:latin typeface="Calibri" panose="020F0502020204030204"/>
+              <a:ea typeface="+mn-ea"/>
+              <a:cs typeface="+mn-cs"/>
+            </a:endParaRPr>
+          </a:p>
+        </p:txBody>
+      </p:sp>
+      <p:pic>
+        <p:nvPicPr>
+          <p:cNvPr id="18" name="Zástupný obsah 2" descr="Obsah obrázku snímek obrazovky, text&#10;&#10;Popis byl vytvořen automaticky">
+            <a:extLst>
+              <a:ext uri="{FF2B5EF4-FFF2-40B4-BE49-F238E27FC236}">
+                <a16:creationId xmlns:a16="http://schemas.microsoft.com/office/drawing/2014/main" id="{86580180-A695-4A73-94D9-87AEA484A0CC}"/>
+              </a:ext>
+            </a:extLst>
+          </p:cNvPr>
+          <p:cNvPicPr>
+            <a:picLocks noChangeAspect="1"/>
+          </p:cNvPicPr>
+          <p:nvPr/>
+        </p:nvPicPr>
+        <p:blipFill rotWithShape="1">
+          <a:blip r:embed="rId2">
+            <a:extLst>
+              <a:ext uri="{28A0092B-C50C-407E-A947-70E740481C1C}">
+                <a14:useLocalDpi xmlns:a14="http://schemas.microsoft.com/office/drawing/2010/main" val="0"/>
+              </a:ext>
+            </a:extLst>
+          </a:blip>
+          <a:srcRect r="4010" b="2"/>
+          <a:stretch/>
+        </p:blipFill>
+        <p:spPr>
+          <a:xfrm>
+            <a:off x="6750141" y="-2"/>
+            <a:ext cx="5441859" cy="5654940"/>
+          </a:xfrm>
+          <a:custGeom>
+            <a:avLst/>
+            <a:gdLst>
+              <a:gd name="connsiteX0" fmla="*/ 1041368 w 5441859"/>
+              <a:gd name="connsiteY0" fmla="*/ 0 h 5654940"/>
+              <a:gd name="connsiteX1" fmla="*/ 5441859 w 5441859"/>
+              <a:gd name="connsiteY1" fmla="*/ 0 h 5654940"/>
+              <a:gd name="connsiteX2" fmla="*/ 5441859 w 5441859"/>
+              <a:gd name="connsiteY2" fmla="*/ 4820612 h 5654940"/>
+              <a:gd name="connsiteX3" fmla="*/ 5285166 w 5441859"/>
+              <a:gd name="connsiteY3" fmla="*/ 4957981 h 5654940"/>
+              <a:gd name="connsiteX4" fmla="*/ 3267719 w 5441859"/>
+              <a:gd name="connsiteY4" fmla="*/ 5654940 h 5654940"/>
+              <a:gd name="connsiteX5" fmla="*/ 0 w 5441859"/>
+              <a:gd name="connsiteY5" fmla="*/ 2387221 h 5654940"/>
+              <a:gd name="connsiteX6" fmla="*/ 957093 w 5441859"/>
+              <a:gd name="connsiteY6" fmla="*/ 76595 h 5654940"/>
+            </a:gdLst>
+            <a:ahLst/>
+            <a:cxnLst>
+              <a:cxn ang="0">
+                <a:pos x="connsiteX0" y="connsiteY0"/>
+              </a:cxn>
+              <a:cxn ang="0">
+                <a:pos x="connsiteX1" y="connsiteY1"/>
+              </a:cxn>
+              <a:cxn ang="0">
+                <a:pos x="connsiteX2" y="connsiteY2"/>
+              </a:cxn>
+              <a:cxn ang="0">
+                <a:pos x="connsiteX3" y="connsiteY3"/>
+              </a:cxn>
+              <a:cxn ang="0">
+                <a:pos x="connsiteX4" y="connsiteY4"/>
+              </a:cxn>
+              <a:cxn ang="0">
+                <a:pos x="connsiteX5" y="connsiteY5"/>
+              </a:cxn>
+              <a:cxn ang="0">
+                <a:pos x="connsiteX6" y="connsiteY6"/>
+              </a:cxn>
+            </a:cxnLst>
+            <a:rect l="l" t="t" r="r" b="b"/>
+            <a:pathLst>
+              <a:path w="5441859" h="5654940">
+                <a:moveTo>
+                  <a:pt x="1041368" y="0"/>
+                </a:moveTo>
+                <a:lnTo>
+                  <a:pt x="5441859" y="0"/>
+                </a:lnTo>
+                <a:lnTo>
+                  <a:pt x="5441859" y="4820612"/>
+                </a:lnTo>
+                <a:lnTo>
+                  <a:pt x="5285166" y="4957981"/>
+                </a:lnTo>
+                <a:cubicBezTo>
+                  <a:pt x="4729628" y="5394557"/>
+                  <a:pt x="4029081" y="5654940"/>
+                  <a:pt x="3267719" y="5654940"/>
+                </a:cubicBezTo>
+                <a:cubicBezTo>
+                  <a:pt x="1463008" y="5654940"/>
+                  <a:pt x="0" y="4191932"/>
+                  <a:pt x="0" y="2387221"/>
+                </a:cubicBezTo>
+                <a:cubicBezTo>
+                  <a:pt x="0" y="1484866"/>
+                  <a:pt x="365752" y="667936"/>
+                  <a:pt x="957093" y="76595"/>
+                </a:cubicBezTo>
+                <a:close/>
+              </a:path>
+            </a:pathLst>
+          </a:custGeom>
+        </p:spPr>
+      </p:pic>
+      <p:pic>
+        <p:nvPicPr>
+          <p:cNvPr id="3" name="Zástupný obsah 2" descr="Obsah obrázku snímek obrazovky, text&#10;&#10;Popis byl vytvořen automaticky">
+            <a:extLst>
+              <a:ext uri="{FF2B5EF4-FFF2-40B4-BE49-F238E27FC236}">
+                <a16:creationId xmlns:a16="http://schemas.microsoft.com/office/drawing/2014/main" id="{86580180-A695-4A73-94D9-87AEA484A0CC}"/>
+              </a:ext>
+            </a:extLst>
+          </p:cNvPr>
+          <p:cNvPicPr>
+            <a:picLocks noGrp="1" noChangeAspect="1"/>
+          </p:cNvPicPr>
+          <p:nvPr>
+            <p:ph idx="1"/>
+          </p:nvPr>
+        </p:nvPicPr>
+        <p:blipFill>
+          <a:blip r:embed="rId2">
+            <a:extLst>
+              <a:ext uri="{28A0092B-C50C-407E-A947-70E740481C1C}">
+                <a14:useLocalDpi xmlns:a14="http://schemas.microsoft.com/office/drawing/2010/main" val="0"/>
+              </a:ext>
+            </a:extLst>
+          </a:blip>
+          <a:stretch>
+            <a:fillRect/>
+          </a:stretch>
+        </p:blipFill>
+        <p:spPr>
+          <a:xfrm>
+            <a:off x="4543124" y="0"/>
+            <a:ext cx="7648876" cy="6873019"/>
+          </a:xfrm>
+        </p:spPr>
+      </p:pic>
+    </p:spTree>
+    <p:extLst>
+      <p:ext uri="{BB962C8B-B14F-4D97-AF65-F5344CB8AC3E}">
+        <p14:creationId xmlns:p14="http://schemas.microsoft.com/office/powerpoint/2010/main" val="3268037598"/>
+      </p:ext>
+    </p:extLst>
+  </p:cSld>
+  <p:clrMapOvr>
+    <a:overrideClrMapping bg1="dk1" tx1="lt1" bg2="dk2" tx2="lt2" accent1="accent1" accent2="accent2" accent3="accent3" accent4="accent4" accent5="accent5" accent6="accent6" hlink="hlink" folHlink="folHlink"/>
+  </p:clrMapOvr>
+</p:sld>
+</file>
+
+<file path=ppt/slides/slide5.xml><?xml version="1.0" encoding="utf-8"?>
 <p:sld xmlns:a="http://schemas.openxmlformats.org/drawingml/2006/main" xmlns:r="http://schemas.openxmlformats.org/officeDocument/2006/relationships" xmlns:p="http://schemas.openxmlformats.org/presentationml/2006/main">
   <p:cSld>
     <p:bg>
@@ -8745,16 +7975,13 @@
 </p:sld>
 </file>
 
-<file path=ppt/slides/slide5.xml><?xml version="1.0" encoding="utf-8"?>
+<file path=ppt/slides/slide6.xml><?xml version="1.0" encoding="utf-8"?>
 <p:sld xmlns:a="http://schemas.openxmlformats.org/drawingml/2006/main" xmlns:r="http://schemas.openxmlformats.org/officeDocument/2006/relationships" xmlns:p="http://schemas.openxmlformats.org/presentationml/2006/main">
   <p:cSld>
     <p:bg>
       <p:bgPr>
         <a:solidFill>
-          <a:schemeClr val="bg1">
-            <a:tint val="95000"/>
-            <a:satMod val="170000"/>
-          </a:schemeClr>
+          <a:schemeClr val="bg1"/>
         </a:solidFill>
         <a:effectLst/>
       </p:bgPr>
@@ -8775,10 +8002,10 @@
       </p:grpSpPr>
       <p:sp>
         <p:nvSpPr>
-          <p:cNvPr id="24" name="Rectangle 23">
+          <p:cNvPr id="33" name="Rectangle 32">
             <a:extLst>
               <a:ext uri="{FF2B5EF4-FFF2-40B4-BE49-F238E27FC236}">
-                <a16:creationId xmlns:a16="http://schemas.microsoft.com/office/drawing/2014/main" id="{5B32A67F-3598-4A13-8552-DA884FFCCE57}"/>
+                <a16:creationId xmlns:a16="http://schemas.microsoft.com/office/drawing/2014/main" id="{823AC064-BC96-4F32-8AE1-B2FD38754823}"/>
               </a:ext>
               <a:ext uri="{C183D7F6-B498-43B3-948B-1728B52AA6E4}">
                 <adec:decorative xmlns:adec="http://schemas.microsoft.com/office/drawing/2017/decorative" val="1"/>
@@ -8796,22 +8023,21 @@
             </p:extLst>
           </p:nvPr>
         </p:nvSpPr>
-        <p:spPr>
+        <p:spPr bwMode="ltGray">
           <a:xfrm>
-            <a:off x="0" y="0"/>
-            <a:ext cx="12192000" cy="6858000"/>
+            <a:off x="396882" y="280374"/>
+            <a:ext cx="11438793" cy="1844256"/>
           </a:xfrm>
           <a:prstGeom prst="rect">
             <a:avLst/>
           </a:prstGeom>
           <a:solidFill>
-            <a:schemeClr val="tx1">
-              <a:lumMod val="75000"/>
-              <a:lumOff val="25000"/>
-            </a:schemeClr>
+            <a:srgbClr val="404040"/>
           </a:solidFill>
-          <a:ln>
-            <a:noFill/>
+          <a:ln w="127000" cap="sq" cmpd="thinThick">
+            <a:solidFill>
+              <a:srgbClr val="404040"/>
+            </a:solidFill>
           </a:ln>
         </p:spPr>
         <p:style>
@@ -8857,45 +8083,43 @@
         </p:nvSpPr>
         <p:spPr>
           <a:xfrm>
-            <a:off x="804673" y="3320859"/>
-            <a:ext cx="4573475" cy="2076333"/>
+            <a:off x="546351" y="433545"/>
+            <a:ext cx="11139854" cy="930447"/>
           </a:xfrm>
         </p:spPr>
         <p:txBody>
-          <a:bodyPr vert="horz" lIns="91440" tIns="45720" rIns="91440" bIns="45720" rtlCol="0" anchor="t">
+          <a:bodyPr vert="horz" lIns="91440" tIns="45720" rIns="91440" bIns="45720" rtlCol="0" anchor="b">
             <a:normAutofit/>
           </a:bodyPr>
           <a:lstStyle/>
           <a:p>
+            <a:pPr algn="ctr"/>
             <a:r>
-              <a:rPr lang="en-US" sz="4800" kern="1200">
+              <a:rPr lang="en-US" sz="5400">
                 <a:solidFill>
-                  <a:schemeClr val="bg1"/>
+                  <a:srgbClr val="FFFFFF"/>
                 </a:solidFill>
-                <a:latin typeface="+mj-lt"/>
-                <a:ea typeface="+mj-ea"/>
-                <a:cs typeface="+mj-cs"/>
               </a:rPr>
               <a:t>APLIKACE</a:t>
             </a:r>
           </a:p>
         </p:txBody>
       </p:sp>
-      <p:sp>
-        <p:nvSpPr>
-          <p:cNvPr id="26" name="Freeform: Shape 25">
+      <p:cxnSp>
+        <p:nvCxnSpPr>
+          <p:cNvPr id="35" name="Straight Connector 34">
             <a:extLst>
               <a:ext uri="{FF2B5EF4-FFF2-40B4-BE49-F238E27FC236}">
-                <a16:creationId xmlns:a16="http://schemas.microsoft.com/office/drawing/2014/main" id="{BCC55ACC-A2F6-403C-A3A4-D59B3734D45F}"/>
+                <a16:creationId xmlns:a16="http://schemas.microsoft.com/office/drawing/2014/main" id="{7E7C77BC-7138-40B1-A15B-20F57A494629}"/>
               </a:ext>
               <a:ext uri="{C183D7F6-B498-43B3-948B-1728B52AA6E4}">
                 <adec:decorative xmlns:adec="http://schemas.microsoft.com/office/drawing/2017/decorative" val="1"/>
               </a:ext>
             </a:extLst>
           </p:cNvPr>
-          <p:cNvSpPr>
-            <a:spLocks noGrp="1" noRot="1" noChangeAspect="1" noMove="1" noResize="1" noEditPoints="1" noAdjustHandles="1" noChangeArrowheads="1" noChangeShapeType="1" noTextEdit="1"/>
-          </p:cNvSpPr>
+          <p:cNvCxnSpPr>
+            <a:cxnSpLocks noGrp="1" noRot="1" noChangeAspect="1" noMove="1" noResize="1" noEditPoints="1" noAdjustHandles="1" noChangeArrowheads="1" noChangeShapeType="1"/>
+          </p:cNvCxnSpPr>
           <p:nvPr>
             <p:extLst>
               <p:ext uri="{386F3935-93C4-4BCD-93E2-E3B085C9AB24}">
@@ -8903,200 +8127,87 @@
               </p:ext>
             </p:extLst>
           </p:nvPr>
-        </p:nvSpPr>
+        </p:nvCxnSpPr>
         <p:spPr>
           <a:xfrm>
-            <a:off x="5857312" y="381000"/>
-            <a:ext cx="6334689" cy="6477000"/>
+            <a:off x="2230078" y="1522292"/>
+            <a:ext cx="7772400" cy="0"/>
           </a:xfrm>
-          <a:custGeom>
+          <a:prstGeom prst="line">
             <a:avLst/>
-            <a:gdLst>
-              <a:gd name="connsiteX0" fmla="*/ 3561588 w 6334689"/>
-              <a:gd name="connsiteY0" fmla="*/ 0 h 6477000"/>
-              <a:gd name="connsiteX1" fmla="*/ 6309883 w 6334689"/>
-              <a:gd name="connsiteY1" fmla="*/ 1296087 h 6477000"/>
-              <a:gd name="connsiteX2" fmla="*/ 6334689 w 6334689"/>
-              <a:gd name="connsiteY2" fmla="*/ 1329261 h 6477000"/>
-              <a:gd name="connsiteX3" fmla="*/ 6334689 w 6334689"/>
-              <a:gd name="connsiteY3" fmla="*/ 5793916 h 6477000"/>
-              <a:gd name="connsiteX4" fmla="*/ 6309883 w 6334689"/>
-              <a:gd name="connsiteY4" fmla="*/ 5827089 h 6477000"/>
-              <a:gd name="connsiteX5" fmla="*/ 5760467 w 6334689"/>
-              <a:gd name="connsiteY5" fmla="*/ 6363539 h 6477000"/>
-              <a:gd name="connsiteX6" fmla="*/ 5607796 w 6334689"/>
-              <a:gd name="connsiteY6" fmla="*/ 6477000 h 6477000"/>
-              <a:gd name="connsiteX7" fmla="*/ 1519571 w 6334689"/>
-              <a:gd name="connsiteY7" fmla="*/ 6477000 h 6477000"/>
-              <a:gd name="connsiteX8" fmla="*/ 1296088 w 6334689"/>
-              <a:gd name="connsiteY8" fmla="*/ 6309883 h 6477000"/>
-              <a:gd name="connsiteX9" fmla="*/ 0 w 6334689"/>
-              <a:gd name="connsiteY9" fmla="*/ 3561588 h 6477000"/>
-              <a:gd name="connsiteX10" fmla="*/ 3561588 w 6334689"/>
-              <a:gd name="connsiteY10" fmla="*/ 0 h 6477000"/>
-            </a:gdLst>
-            <a:ahLst/>
-            <a:cxnLst>
-              <a:cxn ang="0">
-                <a:pos x="connsiteX0" y="connsiteY0"/>
-              </a:cxn>
-              <a:cxn ang="0">
-                <a:pos x="connsiteX1" y="connsiteY1"/>
-              </a:cxn>
-              <a:cxn ang="0">
-                <a:pos x="connsiteX2" y="connsiteY2"/>
-              </a:cxn>
-              <a:cxn ang="0">
-                <a:pos x="connsiteX3" y="connsiteY3"/>
-              </a:cxn>
-              <a:cxn ang="0">
-                <a:pos x="connsiteX4" y="connsiteY4"/>
-              </a:cxn>
-              <a:cxn ang="0">
-                <a:pos x="connsiteX5" y="connsiteY5"/>
-              </a:cxn>
-              <a:cxn ang="0">
-                <a:pos x="connsiteX6" y="connsiteY6"/>
-              </a:cxn>
-              <a:cxn ang="0">
-                <a:pos x="connsiteX7" y="connsiteY7"/>
-              </a:cxn>
-              <a:cxn ang="0">
-                <a:pos x="connsiteX8" y="connsiteY8"/>
-              </a:cxn>
-              <a:cxn ang="0">
-                <a:pos x="connsiteX9" y="connsiteY9"/>
-              </a:cxn>
-              <a:cxn ang="0">
-                <a:pos x="connsiteX10" y="connsiteY10"/>
-              </a:cxn>
-            </a:cxnLst>
-            <a:rect l="l" t="t" r="r" b="b"/>
-            <a:pathLst>
-              <a:path w="6334689" h="6477000">
-                <a:moveTo>
-                  <a:pt x="3561588" y="0"/>
-                </a:moveTo>
-                <a:cubicBezTo>
-                  <a:pt x="4668032" y="0"/>
-                  <a:pt x="5656635" y="504534"/>
-                  <a:pt x="6309883" y="1296087"/>
-                </a:cubicBezTo>
-                <a:lnTo>
-                  <a:pt x="6334689" y="1329261"/>
-                </a:lnTo>
-                <a:lnTo>
-                  <a:pt x="6334689" y="5793916"/>
-                </a:lnTo>
-                <a:lnTo>
-                  <a:pt x="6309883" y="5827089"/>
-                </a:lnTo>
-                <a:cubicBezTo>
-                  <a:pt x="6146571" y="6024977"/>
-                  <a:pt x="5962299" y="6204927"/>
-                  <a:pt x="5760467" y="6363539"/>
-                </a:cubicBezTo>
-                <a:lnTo>
-                  <a:pt x="5607796" y="6477000"/>
-                </a:lnTo>
-                <a:lnTo>
-                  <a:pt x="1519571" y="6477000"/>
-                </a:lnTo>
-                <a:lnTo>
-                  <a:pt x="1296088" y="6309883"/>
-                </a:lnTo>
-                <a:cubicBezTo>
-                  <a:pt x="504535" y="5656635"/>
-                  <a:pt x="0" y="4668032"/>
-                  <a:pt x="0" y="3561588"/>
-                </a:cubicBezTo>
-                <a:cubicBezTo>
-                  <a:pt x="0" y="1594577"/>
-                  <a:pt x="1594577" y="0"/>
-                  <a:pt x="3561588" y="0"/>
-                </a:cubicBezTo>
-                <a:close/>
-              </a:path>
-            </a:pathLst>
-          </a:custGeom>
-          <a:solidFill>
-            <a:schemeClr val="bg1">
-              <a:alpha val="80000"/>
-            </a:schemeClr>
-          </a:solidFill>
-          <a:ln>
-            <a:noFill/>
+          </a:prstGeom>
+          <a:ln w="22225">
+            <a:solidFill>
+              <a:srgbClr val="D9D9D9"/>
+            </a:solidFill>
           </a:ln>
         </p:spPr>
         <p:style>
-          <a:lnRef idx="2">
-            <a:schemeClr val="accent1">
-              <a:shade val="50000"/>
-            </a:schemeClr>
+          <a:lnRef idx="1">
+            <a:schemeClr val="accent1"/>
           </a:lnRef>
-          <a:fillRef idx="1">
+          <a:fillRef idx="0">
             <a:schemeClr val="accent1"/>
           </a:fillRef>
           <a:effectRef idx="0">
             <a:schemeClr val="accent1"/>
           </a:effectRef>
           <a:fontRef idx="minor">
-            <a:schemeClr val="lt1"/>
+            <a:schemeClr val="tx1"/>
           </a:fontRef>
         </p:style>
-        <p:txBody>
-          <a:bodyPr rtlCol="0" anchor="ctr"/>
-          <a:lstStyle/>
-          <a:p>
-            <a:pPr marL="0" marR="0" lvl="0" indent="0" algn="ctr" defTabSz="914400" rtl="0" eaLnBrk="1" fontAlgn="auto" latinLnBrk="0" hangingPunct="1">
-              <a:lnSpc>
-                <a:spcPct val="100000"/>
-              </a:lnSpc>
-              <a:spcBef>
-                <a:spcPts val="0"/>
-              </a:spcBef>
-              <a:spcAft>
-                <a:spcPts val="0"/>
-              </a:spcAft>
-              <a:buClrTx/>
-              <a:buSzTx/>
-              <a:buFontTx/>
-              <a:buNone/>
-              <a:tabLst/>
-              <a:defRPr/>
-            </a:pPr>
-            <a:endParaRPr kumimoji="0" lang="en-US" sz="1800" b="0" i="0" u="none" strike="noStrike" kern="1200" cap="none" spc="0" normalizeH="0" baseline="0" noProof="0">
-              <a:ln>
-                <a:noFill/>
-              </a:ln>
-              <a:solidFill>
-                <a:prstClr val="white"/>
-              </a:solidFill>
-              <a:effectLst/>
-              <a:uLnTx/>
-              <a:uFillTx/>
-              <a:latin typeface="Calibri" panose="020F0502020204030204"/>
-              <a:ea typeface="+mn-ea"/>
-              <a:cs typeface="+mn-cs"/>
-            </a:endParaRPr>
-          </a:p>
-        </p:txBody>
-      </p:sp>
-      <p:sp>
-        <p:nvSpPr>
-          <p:cNvPr id="28" name="Freeform: Shape 27">
+      </p:cxnSp>
+      <p:pic>
+        <p:nvPicPr>
+          <p:cNvPr id="3" name="Obrázek 2" descr="Obsah obrázku snímek obrazovky&#10;&#10;Popis byl vytvořen automaticky">
             <a:extLst>
               <a:ext uri="{FF2B5EF4-FFF2-40B4-BE49-F238E27FC236}">
-                <a16:creationId xmlns:a16="http://schemas.microsoft.com/office/drawing/2014/main" id="{598EBA13-C937-430B-9523-439FE21096E6}"/>
+                <a16:creationId xmlns:a16="http://schemas.microsoft.com/office/drawing/2014/main" id="{364A89AA-3BC7-4085-9448-25ED62A1C6ED}"/>
+              </a:ext>
+            </a:extLst>
+          </p:cNvPr>
+          <p:cNvPicPr>
+            <a:picLocks noChangeAspect="1"/>
+          </p:cNvPicPr>
+          <p:nvPr/>
+        </p:nvPicPr>
+        <p:blipFill>
+          <a:blip r:embed="rId2">
+            <a:extLst>
+              <a:ext uri="{28A0092B-C50C-407E-A947-70E740481C1C}">
+                <a14:useLocalDpi xmlns:a14="http://schemas.microsoft.com/office/drawing/2010/main" val="0"/>
+              </a:ext>
+            </a:extLst>
+          </a:blip>
+          <a:stretch>
+            <a:fillRect/>
+          </a:stretch>
+        </p:blipFill>
+        <p:spPr>
+          <a:xfrm>
+            <a:off x="1850239" y="1657184"/>
+            <a:ext cx="2884199" cy="4767272"/>
+          </a:xfrm>
+          <a:prstGeom prst="rect">
+            <a:avLst/>
+          </a:prstGeom>
+        </p:spPr>
+      </p:pic>
+      <p:cxnSp>
+        <p:nvCxnSpPr>
+          <p:cNvPr id="37" name="Straight Connector 36">
+            <a:extLst>
+              <a:ext uri="{FF2B5EF4-FFF2-40B4-BE49-F238E27FC236}">
+                <a16:creationId xmlns:a16="http://schemas.microsoft.com/office/drawing/2014/main" id="{DB146403-F3D6-484B-B2ED-97F9565D0370}"/>
               </a:ext>
               <a:ext uri="{C183D7F6-B498-43B3-948B-1728B52AA6E4}">
                 <adec:decorative xmlns:adec="http://schemas.microsoft.com/office/drawing/2017/decorative" val="1"/>
               </a:ext>
             </a:extLst>
           </p:cNvPr>
-          <p:cNvSpPr>
-            <a:spLocks noGrp="1" noRot="1" noChangeAspect="1" noMove="1" noResize="1" noEditPoints="1" noAdjustHandles="1" noChangeArrowheads="1" noChangeShapeType="1" noTextEdit="1"/>
-          </p:cNvSpPr>
+          <p:cNvCxnSpPr>
+            <a:cxnSpLocks noGrp="1" noRot="1" noChangeAspect="1" noMove="1" noResize="1" noEditPoints="1" noAdjustHandles="1" noChangeArrowheads="1" noChangeShapeType="1"/>
+          </p:cNvCxnSpPr>
           <p:nvPr>
             <p:extLst>
               <p:ext uri="{386F3935-93C4-4BCD-93E2-E3B085C9AB24}">
@@ -9104,183 +8215,66 @@
               </p:ext>
             </p:extLst>
           </p:nvPr>
-        </p:nvSpPr>
+        </p:nvCxnSpPr>
         <p:spPr>
           <a:xfrm>
-            <a:off x="6021086" y="544777"/>
-            <a:ext cx="6170914" cy="6313225"/>
+            <a:off x="6116278" y="2596836"/>
+            <a:ext cx="0" cy="3657600"/>
           </a:xfrm>
-          <a:custGeom>
+          <a:prstGeom prst="line">
             <a:avLst/>
-            <a:gdLst>
-              <a:gd name="connsiteX0" fmla="*/ 3397813 w 6170914"/>
-              <a:gd name="connsiteY0" fmla="*/ 0 h 6313225"/>
-              <a:gd name="connsiteX1" fmla="*/ 6019731 w 6170914"/>
-              <a:gd name="connsiteY1" fmla="*/ 1236489 h 6313225"/>
-              <a:gd name="connsiteX2" fmla="*/ 6170914 w 6170914"/>
-              <a:gd name="connsiteY2" fmla="*/ 1438663 h 6313225"/>
-              <a:gd name="connsiteX3" fmla="*/ 6170914 w 6170914"/>
-              <a:gd name="connsiteY3" fmla="*/ 5356963 h 6313225"/>
-              <a:gd name="connsiteX4" fmla="*/ 6019731 w 6170914"/>
-              <a:gd name="connsiteY4" fmla="*/ 5559138 h 6313225"/>
-              <a:gd name="connsiteX5" fmla="*/ 5194591 w 6170914"/>
-              <a:gd name="connsiteY5" fmla="*/ 6282226 h 6313225"/>
-              <a:gd name="connsiteX6" fmla="*/ 5141791 w 6170914"/>
-              <a:gd name="connsiteY6" fmla="*/ 6313225 h 6313225"/>
-              <a:gd name="connsiteX7" fmla="*/ 1659199 w 6170914"/>
-              <a:gd name="connsiteY7" fmla="*/ 6313225 h 6313225"/>
-              <a:gd name="connsiteX8" fmla="*/ 1498064 w 6170914"/>
-              <a:gd name="connsiteY8" fmla="*/ 6215333 h 6313225"/>
-              <a:gd name="connsiteX9" fmla="*/ 0 w 6170914"/>
-              <a:gd name="connsiteY9" fmla="*/ 3397813 h 6313225"/>
-              <a:gd name="connsiteX10" fmla="*/ 3397813 w 6170914"/>
-              <a:gd name="connsiteY10" fmla="*/ 0 h 6313225"/>
-            </a:gdLst>
-            <a:ahLst/>
-            <a:cxnLst>
-              <a:cxn ang="0">
-                <a:pos x="connsiteX0" y="connsiteY0"/>
-              </a:cxn>
-              <a:cxn ang="0">
-                <a:pos x="connsiteX1" y="connsiteY1"/>
-              </a:cxn>
-              <a:cxn ang="0">
-                <a:pos x="connsiteX2" y="connsiteY2"/>
-              </a:cxn>
-              <a:cxn ang="0">
-                <a:pos x="connsiteX3" y="connsiteY3"/>
-              </a:cxn>
-              <a:cxn ang="0">
-                <a:pos x="connsiteX4" y="connsiteY4"/>
-              </a:cxn>
-              <a:cxn ang="0">
-                <a:pos x="connsiteX5" y="connsiteY5"/>
-              </a:cxn>
-              <a:cxn ang="0">
-                <a:pos x="connsiteX6" y="connsiteY6"/>
-              </a:cxn>
-              <a:cxn ang="0">
-                <a:pos x="connsiteX7" y="connsiteY7"/>
-              </a:cxn>
-              <a:cxn ang="0">
-                <a:pos x="connsiteX8" y="connsiteY8"/>
-              </a:cxn>
-              <a:cxn ang="0">
-                <a:pos x="connsiteX9" y="connsiteY9"/>
-              </a:cxn>
-              <a:cxn ang="0">
-                <a:pos x="connsiteX10" y="connsiteY10"/>
-              </a:cxn>
-            </a:cxnLst>
-            <a:rect l="l" t="t" r="r" b="b"/>
-            <a:pathLst>
-              <a:path w="6170914" h="6313225">
-                <a:moveTo>
-                  <a:pt x="3397813" y="0"/>
-                </a:moveTo>
-                <a:cubicBezTo>
-                  <a:pt x="4453378" y="0"/>
-                  <a:pt x="5396522" y="481334"/>
-                  <a:pt x="6019731" y="1236489"/>
-                </a:cubicBezTo>
-                <a:lnTo>
-                  <a:pt x="6170914" y="1438663"/>
-                </a:lnTo>
-                <a:lnTo>
-                  <a:pt x="6170914" y="5356963"/>
-                </a:lnTo>
-                <a:lnTo>
-                  <a:pt x="6019731" y="5559138"/>
-                </a:lnTo>
-                <a:cubicBezTo>
-                  <a:pt x="5786028" y="5842321"/>
-                  <a:pt x="5507333" y="6086998"/>
-                  <a:pt x="5194591" y="6282226"/>
-                </a:cubicBezTo>
-                <a:lnTo>
-                  <a:pt x="5141791" y="6313225"/>
-                </a:lnTo>
-                <a:lnTo>
-                  <a:pt x="1659199" y="6313225"/>
-                </a:lnTo>
-                <a:lnTo>
-                  <a:pt x="1498064" y="6215333"/>
-                </a:lnTo>
-                <a:cubicBezTo>
-                  <a:pt x="594240" y="5604721"/>
-                  <a:pt x="0" y="4570663"/>
-                  <a:pt x="0" y="3397813"/>
-                </a:cubicBezTo>
-                <a:cubicBezTo>
-                  <a:pt x="0" y="1521253"/>
-                  <a:pt x="1521253" y="0"/>
-                  <a:pt x="3397813" y="0"/>
-                </a:cubicBezTo>
-                <a:close/>
-              </a:path>
-            </a:pathLst>
-          </a:custGeom>
-          <a:solidFill>
-            <a:schemeClr val="bg1"/>
-          </a:solidFill>
-          <a:ln>
-            <a:noFill/>
+          </a:prstGeom>
+          <a:ln w="101600" cmpd="dbl">
+            <a:solidFill>
+              <a:srgbClr val="595959"/>
+            </a:solidFill>
           </a:ln>
         </p:spPr>
         <p:style>
-          <a:lnRef idx="2">
-            <a:schemeClr val="accent1">
-              <a:shade val="50000"/>
-            </a:schemeClr>
+          <a:lnRef idx="1">
+            <a:schemeClr val="accent1"/>
           </a:lnRef>
-          <a:fillRef idx="1">
+          <a:fillRef idx="0">
             <a:schemeClr val="accent1"/>
           </a:fillRef>
           <a:effectRef idx="0">
             <a:schemeClr val="accent1"/>
           </a:effectRef>
           <a:fontRef idx="minor">
-            <a:schemeClr val="lt1"/>
+            <a:schemeClr val="tx1"/>
           </a:fontRef>
         </p:style>
-        <p:txBody>
-          <a:bodyPr rtlCol="0" anchor="ctr"/>
-          <a:lstStyle/>
-          <a:p>
-            <a:pPr marL="0" marR="0" lvl="0" indent="0" algn="ctr" defTabSz="914400" rtl="0" eaLnBrk="1" fontAlgn="auto" latinLnBrk="0" hangingPunct="1">
-              <a:lnSpc>
-                <a:spcPct val="100000"/>
-              </a:lnSpc>
-              <a:spcBef>
-                <a:spcPts val="0"/>
-              </a:spcBef>
-              <a:spcAft>
-                <a:spcPts val="0"/>
-              </a:spcAft>
-              <a:buClrTx/>
-              <a:buSzTx/>
-              <a:buFontTx/>
-              <a:buNone/>
-              <a:tabLst/>
-              <a:defRPr/>
-            </a:pPr>
-            <a:endParaRPr kumimoji="0" lang="en-US" sz="1800" b="0" i="0" u="none" strike="noStrike" kern="1200" cap="none" spc="0" normalizeH="0" baseline="0" noProof="0">
-              <a:ln>
-                <a:noFill/>
-              </a:ln>
-              <a:solidFill>
-                <a:prstClr val="white"/>
-              </a:solidFill>
-              <a:effectLst/>
-              <a:uLnTx/>
-              <a:uFillTx/>
-              <a:latin typeface="Calibri" panose="020F0502020204030204"/>
-              <a:ea typeface="+mn-ea"/>
-              <a:cs typeface="+mn-cs"/>
-            </a:endParaRPr>
-          </a:p>
-        </p:txBody>
-      </p:sp>
+      </p:cxnSp>
+      <p:pic>
+        <p:nvPicPr>
+          <p:cNvPr id="6" name="Obrázek 5">
+            <a:extLst>
+              <a:ext uri="{FF2B5EF4-FFF2-40B4-BE49-F238E27FC236}">
+                <a16:creationId xmlns:a16="http://schemas.microsoft.com/office/drawing/2014/main" id="{5B26C4F2-1E9A-4CD7-995A-B41139C9C731}"/>
+              </a:ext>
+            </a:extLst>
+          </p:cNvPr>
+          <p:cNvPicPr>
+            <a:picLocks noChangeAspect="1"/>
+          </p:cNvPicPr>
+          <p:nvPr/>
+        </p:nvPicPr>
+        <p:blipFill>
+          <a:blip r:embed="rId3"/>
+          <a:stretch>
+            <a:fillRect/>
+          </a:stretch>
+        </p:blipFill>
+        <p:spPr>
+          <a:xfrm>
+            <a:off x="7457562" y="1689315"/>
+            <a:ext cx="2884198" cy="4735139"/>
+          </a:xfrm>
+          <a:prstGeom prst="rect">
+            <a:avLst/>
+          </a:prstGeom>
+        </p:spPr>
+      </p:pic>
     </p:spTree>
     <p:extLst>
       <p:ext uri="{BB962C8B-B14F-4D97-AF65-F5344CB8AC3E}">
@@ -9294,7 +8288,7 @@
 </p:sld>
 </file>
 
-<file path=ppt/slides/slide6.xml><?xml version="1.0" encoding="utf-8"?>
+<file path=ppt/slides/slide7.xml><?xml version="1.0" encoding="utf-8"?>
 <p:sld xmlns:a="http://schemas.openxmlformats.org/drawingml/2006/main" xmlns:r="http://schemas.openxmlformats.org/officeDocument/2006/relationships" xmlns:p="http://schemas.openxmlformats.org/presentationml/2006/main">
   <p:cSld>
     <p:bg>
@@ -9711,7 +8705,7 @@
               </a:spcAft>
             </a:pPr>
             <a:r>
-              <a:rPr lang="en-US" sz="3600" kern="1200" dirty="0" err="1">
+              <a:rPr lang="cs-CZ" sz="3600" kern="1200" dirty="0">
                 <a:solidFill>
                   <a:schemeClr val="tx1"/>
                 </a:solidFill>
@@ -9719,29 +8713,7 @@
                 <a:ea typeface="+mj-ea"/>
                 <a:cs typeface="+mj-cs"/>
               </a:rPr>
-              <a:t>Třída</a:t>
-            </a:r>
-            <a:r>
-              <a:rPr lang="en-US" sz="3600" kern="1200" dirty="0">
-                <a:solidFill>
-                  <a:schemeClr val="tx1"/>
-                </a:solidFill>
-                <a:latin typeface="+mj-lt"/>
-                <a:ea typeface="+mj-ea"/>
-                <a:cs typeface="+mj-cs"/>
-              </a:rPr>
-              <a:t> </a:t>
-            </a:r>
-            <a:r>
-              <a:rPr lang="en-US" sz="3600" kern="1200" dirty="0" err="1">
-                <a:solidFill>
-                  <a:schemeClr val="tx1"/>
-                </a:solidFill>
-                <a:latin typeface="+mj-lt"/>
-                <a:ea typeface="+mj-ea"/>
-                <a:cs typeface="+mj-cs"/>
-              </a:rPr>
-              <a:t>zboží</a:t>
+              <a:t>Databáze</a:t>
             </a:r>
             <a:endParaRPr lang="en-US" sz="3600" kern="1200" dirty="0">
               <a:solidFill>
@@ -9754,44 +8726,47 @@
           </a:p>
         </p:txBody>
       </p:sp>
-      <p:sp>
-        <p:nvSpPr>
-          <p:cNvPr id="25" name="Content Placeholder 20">
+      <p:pic>
+        <p:nvPicPr>
+          <p:cNvPr id="3" name="Zástupný obsah 2" descr="Obsah obrázku snímek obrazovky, text&#10;&#10;Popis byl vytvořen automaticky">
             <a:extLst>
               <a:ext uri="{FF2B5EF4-FFF2-40B4-BE49-F238E27FC236}">
-                <a16:creationId xmlns:a16="http://schemas.microsoft.com/office/drawing/2014/main" id="{567894EB-1329-4E40-B7A5-8B3F160CF952}"/>
+                <a16:creationId xmlns:a16="http://schemas.microsoft.com/office/drawing/2014/main" id="{3531289E-6465-419A-9557-40000A2D2D06}"/>
               </a:ext>
             </a:extLst>
           </p:cNvPr>
-          <p:cNvSpPr>
-            <a:spLocks noGrp="1"/>
-          </p:cNvSpPr>
+          <p:cNvPicPr>
+            <a:picLocks noGrp="1" noChangeAspect="1"/>
+          </p:cNvPicPr>
           <p:nvPr>
             <p:ph idx="1"/>
           </p:nvPr>
-        </p:nvSpPr>
+        </p:nvPicPr>
+        <p:blipFill>
+          <a:blip r:embed="rId2">
+            <a:extLst>
+              <a:ext uri="{28A0092B-C50C-407E-A947-70E740481C1C}">
+                <a14:useLocalDpi xmlns:a14="http://schemas.microsoft.com/office/drawing/2010/main" val="0"/>
+              </a:ext>
+            </a:extLst>
+          </a:blip>
+          <a:stretch>
+            <a:fillRect/>
+          </a:stretch>
+        </p:blipFill>
         <p:spPr>
           <a:xfrm>
-            <a:off x="518474" y="1774372"/>
-            <a:ext cx="4064409" cy="2754086"/>
+            <a:off x="32273" y="2810577"/>
+            <a:ext cx="7647898" cy="4047423"/>
           </a:xfrm>
         </p:spPr>
-        <p:txBody>
-          <a:bodyPr vert="horz" lIns="91440" tIns="45720" rIns="91440" bIns="45720" rtlCol="0" anchor="t">
-            <a:normAutofit/>
-          </a:bodyPr>
-          <a:lstStyle/>
-          <a:p>
-            <a:endParaRPr lang="en-US" sz="1800" dirty="0"/>
-          </a:p>
-        </p:txBody>
-      </p:sp>
+      </p:pic>
       <p:pic>
         <p:nvPicPr>
-          <p:cNvPr id="19" name="Zástupný obsah 3">
+          <p:cNvPr id="5" name="Obrázek 4" descr="Obsah obrázku snímek obrazovky, text&#10;&#10;Popis byl vytvořen automaticky">
             <a:extLst>
               <a:ext uri="{FF2B5EF4-FFF2-40B4-BE49-F238E27FC236}">
-                <a16:creationId xmlns:a16="http://schemas.microsoft.com/office/drawing/2014/main" id="{8BB7DCDE-0148-417D-82A9-354B47E6E0C4}"/>
+                <a16:creationId xmlns:a16="http://schemas.microsoft.com/office/drawing/2014/main" id="{6C65E3AE-DA5B-4715-A03C-33D87AC6D98E}"/>
               </a:ext>
             </a:extLst>
           </p:cNvPr>
@@ -9801,7 +8776,7 @@
           <p:nvPr/>
         </p:nvPicPr>
         <p:blipFill>
-          <a:blip r:embed="rId2">
+          <a:blip r:embed="rId3">
             <a:extLst>
               <a:ext uri="{28A0092B-C50C-407E-A947-70E740481C1C}">
                 <a14:useLocalDpi xmlns:a14="http://schemas.microsoft.com/office/drawing/2010/main" val="0"/>
@@ -9814,8 +8789,8 @@
         </p:blipFill>
         <p:spPr>
           <a:xfrm>
-            <a:off x="6220394" y="643467"/>
-            <a:ext cx="5146185" cy="5278140"/>
+            <a:off x="5698756" y="-2008"/>
+            <a:ext cx="6444844" cy="4476419"/>
           </a:xfrm>
           <a:prstGeom prst="rect">
             <a:avLst/>
@@ -9835,7 +8810,7 @@
 </p:sld>
 </file>
 
-<file path=ppt/slides/slide7.xml><?xml version="1.0" encoding="utf-8"?>
+<file path=ppt/slides/slide8.xml><?xml version="1.0" encoding="utf-8"?>
 <p:sld xmlns:a="http://schemas.openxmlformats.org/drawingml/2006/main" xmlns:r="http://schemas.openxmlformats.org/officeDocument/2006/relationships" xmlns:p="http://schemas.openxmlformats.org/presentationml/2006/main">
   <p:cSld>
     <p:bg>
@@ -9984,7 +8959,7 @@
           <a:p>
             <a:pPr algn="ctr"/>
             <a:r>
-              <a:rPr lang="en-US" sz="5400" kern="1200">
+              <a:rPr lang="cs-CZ" sz="5400" kern="1200" dirty="0">
                 <a:solidFill>
                   <a:srgbClr val="FFFFFF"/>
                 </a:solidFill>
@@ -9992,8 +8967,16 @@
                 <a:ea typeface="+mj-ea"/>
                 <a:cs typeface="+mj-cs"/>
               </a:rPr>
-              <a:t>Obsluha kliknutí tlačítka</a:t>
+              <a:t>Uložení zadaného</a:t>
             </a:r>
+            <a:endParaRPr lang="en-US" sz="5400" kern="1200" dirty="0">
+              <a:solidFill>
+                <a:srgbClr val="FFFFFF"/>
+              </a:solidFill>
+              <a:latin typeface="+mj-lt"/>
+              <a:ea typeface="+mj-ea"/>
+              <a:cs typeface="+mj-cs"/>
+            </a:endParaRPr>
           </a:p>
         </p:txBody>
       </p:sp>
@@ -10051,10 +9034,10 @@
       </p:cxnSp>
       <p:pic>
         <p:nvPicPr>
-          <p:cNvPr id="8" name="Zástupný obsah 4">
+          <p:cNvPr id="4" name="Obrázek 3" descr="Obsah obrázku snímek obrazovky&#10;&#10;Popis byl vytvořen automaticky">
             <a:extLst>
               <a:ext uri="{FF2B5EF4-FFF2-40B4-BE49-F238E27FC236}">
-                <a16:creationId xmlns:a16="http://schemas.microsoft.com/office/drawing/2014/main" id="{41D9DEA8-6878-402C-9DDB-7EA1A2C39B64}"/>
+                <a16:creationId xmlns:a16="http://schemas.microsoft.com/office/drawing/2014/main" id="{F9AF779C-A59E-4C73-87B6-D05D10B2580C}"/>
               </a:ext>
             </a:extLst>
           </p:cNvPr>
@@ -10077,8 +9060,8 @@
         </p:blipFill>
         <p:spPr>
           <a:xfrm>
-            <a:off x="1921807" y="2310834"/>
-            <a:ext cx="8348386" cy="4236806"/>
+            <a:off x="1806993" y="1397025"/>
+            <a:ext cx="8963025" cy="5048250"/>
           </a:xfrm>
           <a:prstGeom prst="rect">
             <a:avLst/>
@@ -10094,428 +9077,6 @@
   </p:cSld>
   <p:clrMapOvr>
     <a:masterClrMapping/>
-  </p:clrMapOvr>
-</p:sld>
-</file>
-
-<file path=ppt/slides/slide8.xml><?xml version="1.0" encoding="utf-8"?>
-<p:sld xmlns:a="http://schemas.openxmlformats.org/drawingml/2006/main" xmlns:r="http://schemas.openxmlformats.org/officeDocument/2006/relationships" xmlns:p="http://schemas.openxmlformats.org/presentationml/2006/main">
-  <p:cSld>
-    <p:bg>
-      <p:bgPr>
-        <a:solidFill>
-          <a:schemeClr val="bg1">
-            <a:tint val="95000"/>
-            <a:satMod val="170000"/>
-          </a:schemeClr>
-        </a:solidFill>
-        <a:effectLst/>
-      </p:bgPr>
-    </p:bg>
-    <p:spTree>
-      <p:nvGrpSpPr>
-        <p:cNvPr id="1" name=""/>
-        <p:cNvGrpSpPr/>
-        <p:nvPr/>
-      </p:nvGrpSpPr>
-      <p:grpSpPr>
-        <a:xfrm>
-          <a:off x="0" y="0"/>
-          <a:ext cx="0" cy="0"/>
-          <a:chOff x="0" y="0"/>
-          <a:chExt cx="0" cy="0"/>
-        </a:xfrm>
-      </p:grpSpPr>
-      <p:sp>
-        <p:nvSpPr>
-          <p:cNvPr id="9" name="Freeform: Shape 8">
-            <a:extLst>
-              <a:ext uri="{FF2B5EF4-FFF2-40B4-BE49-F238E27FC236}">
-                <a16:creationId xmlns:a16="http://schemas.microsoft.com/office/drawing/2014/main" id="{66B332A4-D438-4773-A77F-5ED49A448D9D}"/>
-              </a:ext>
-              <a:ext uri="{C183D7F6-B498-43B3-948B-1728B52AA6E4}">
-                <adec:decorative xmlns:adec="http://schemas.microsoft.com/office/drawing/2017/decorative" val="1"/>
-              </a:ext>
-            </a:extLst>
-          </p:cNvPr>
-          <p:cNvSpPr>
-            <a:spLocks noGrp="1" noRot="1" noChangeAspect="1" noMove="1" noResize="1" noEditPoints="1" noAdjustHandles="1" noChangeArrowheads="1" noChangeShapeType="1" noTextEdit="1"/>
-          </p:cNvSpPr>
-          <p:nvPr>
-            <p:extLst>
-              <p:ext uri="{386F3935-93C4-4BCD-93E2-E3B085C9AB24}">
-                <p16:designElem xmlns:p16="http://schemas.microsoft.com/office/powerpoint/2015/main" val="1"/>
-              </p:ext>
-            </p:extLst>
-          </p:nvPr>
-        </p:nvSpPr>
-        <p:spPr>
-          <a:xfrm>
-            <a:off x="1953768" y="0"/>
-            <a:ext cx="8284464" cy="6858000"/>
-          </a:xfrm>
-          <a:custGeom>
-            <a:avLst/>
-            <a:gdLst>
-              <a:gd name="connsiteX0" fmla="*/ 1818109 w 8284464"/>
-              <a:gd name="connsiteY0" fmla="*/ 0 h 6858000"/>
-              <a:gd name="connsiteX1" fmla="*/ 6466355 w 8284464"/>
-              <a:gd name="connsiteY1" fmla="*/ 0 h 6858000"/>
-              <a:gd name="connsiteX2" fmla="*/ 6620596 w 8284464"/>
-              <a:gd name="connsiteY2" fmla="*/ 109683 h 6858000"/>
-              <a:gd name="connsiteX3" fmla="*/ 8284464 w 8284464"/>
-              <a:gd name="connsiteY3" fmla="*/ 3429000 h 6858000"/>
-              <a:gd name="connsiteX4" fmla="*/ 6620596 w 8284464"/>
-              <a:gd name="connsiteY4" fmla="*/ 6748318 h 6858000"/>
-              <a:gd name="connsiteX5" fmla="*/ 6466355 w 8284464"/>
-              <a:gd name="connsiteY5" fmla="*/ 6858000 h 6858000"/>
-              <a:gd name="connsiteX6" fmla="*/ 1818109 w 8284464"/>
-              <a:gd name="connsiteY6" fmla="*/ 6858000 h 6858000"/>
-              <a:gd name="connsiteX7" fmla="*/ 1663869 w 8284464"/>
-              <a:gd name="connsiteY7" fmla="*/ 6748318 h 6858000"/>
-              <a:gd name="connsiteX8" fmla="*/ 0 w 8284464"/>
-              <a:gd name="connsiteY8" fmla="*/ 3429000 h 6858000"/>
-              <a:gd name="connsiteX9" fmla="*/ 1663869 w 8284464"/>
-              <a:gd name="connsiteY9" fmla="*/ 109683 h 6858000"/>
-            </a:gdLst>
-            <a:ahLst/>
-            <a:cxnLst>
-              <a:cxn ang="0">
-                <a:pos x="connsiteX0" y="connsiteY0"/>
-              </a:cxn>
-              <a:cxn ang="0">
-                <a:pos x="connsiteX1" y="connsiteY1"/>
-              </a:cxn>
-              <a:cxn ang="0">
-                <a:pos x="connsiteX2" y="connsiteY2"/>
-              </a:cxn>
-              <a:cxn ang="0">
-                <a:pos x="connsiteX3" y="connsiteY3"/>
-              </a:cxn>
-              <a:cxn ang="0">
-                <a:pos x="connsiteX4" y="connsiteY4"/>
-              </a:cxn>
-              <a:cxn ang="0">
-                <a:pos x="connsiteX5" y="connsiteY5"/>
-              </a:cxn>
-              <a:cxn ang="0">
-                <a:pos x="connsiteX6" y="connsiteY6"/>
-              </a:cxn>
-              <a:cxn ang="0">
-                <a:pos x="connsiteX7" y="connsiteY7"/>
-              </a:cxn>
-              <a:cxn ang="0">
-                <a:pos x="connsiteX8" y="connsiteY8"/>
-              </a:cxn>
-              <a:cxn ang="0">
-                <a:pos x="connsiteX9" y="connsiteY9"/>
-              </a:cxn>
-            </a:cxnLst>
-            <a:rect l="l" t="t" r="r" b="b"/>
-            <a:pathLst>
-              <a:path w="8284464" h="6858000">
-                <a:moveTo>
-                  <a:pt x="1818109" y="0"/>
-                </a:moveTo>
-                <a:lnTo>
-                  <a:pt x="6466355" y="0"/>
-                </a:lnTo>
-                <a:lnTo>
-                  <a:pt x="6620596" y="109683"/>
-                </a:lnTo>
-                <a:cubicBezTo>
-                  <a:pt x="7630666" y="865069"/>
-                  <a:pt x="8284464" y="2070683"/>
-                  <a:pt x="8284464" y="3429000"/>
-                </a:cubicBezTo>
-                <a:cubicBezTo>
-                  <a:pt x="8284464" y="4787317"/>
-                  <a:pt x="7630666" y="5992931"/>
-                  <a:pt x="6620596" y="6748318"/>
-                </a:cubicBezTo>
-                <a:lnTo>
-                  <a:pt x="6466355" y="6858000"/>
-                </a:lnTo>
-                <a:lnTo>
-                  <a:pt x="1818109" y="6858000"/>
-                </a:lnTo>
-                <a:lnTo>
-                  <a:pt x="1663869" y="6748318"/>
-                </a:lnTo>
-                <a:cubicBezTo>
-                  <a:pt x="653798" y="5992931"/>
-                  <a:pt x="0" y="4787317"/>
-                  <a:pt x="0" y="3429000"/>
-                </a:cubicBezTo>
-                <a:cubicBezTo>
-                  <a:pt x="0" y="2070683"/>
-                  <a:pt x="653798" y="865069"/>
-                  <a:pt x="1663869" y="109683"/>
-                </a:cubicBezTo>
-                <a:close/>
-              </a:path>
-            </a:pathLst>
-          </a:custGeom>
-          <a:solidFill>
-            <a:srgbClr val="FFFFFF">
-              <a:alpha val="80000"/>
-            </a:srgbClr>
-          </a:solidFill>
-          <a:ln>
-            <a:noFill/>
-          </a:ln>
-        </p:spPr>
-        <p:style>
-          <a:lnRef idx="2">
-            <a:schemeClr val="accent1">
-              <a:shade val="50000"/>
-            </a:schemeClr>
-          </a:lnRef>
-          <a:fillRef idx="1">
-            <a:schemeClr val="accent1"/>
-          </a:fillRef>
-          <a:effectRef idx="0">
-            <a:schemeClr val="accent1"/>
-          </a:effectRef>
-          <a:fontRef idx="minor">
-            <a:schemeClr val="lt1"/>
-          </a:fontRef>
-        </p:style>
-        <p:txBody>
-          <a:bodyPr wrap="square" rtlCol="0" anchor="ctr">
-            <a:noAutofit/>
-          </a:bodyPr>
-          <a:lstStyle/>
-          <a:p>
-            <a:pPr algn="ctr"/>
-            <a:endParaRPr lang="en-US"/>
-          </a:p>
-        </p:txBody>
-      </p:sp>
-      <p:sp>
-        <p:nvSpPr>
-          <p:cNvPr id="11" name="Freeform: Shape 10">
-            <a:extLst>
-              <a:ext uri="{FF2B5EF4-FFF2-40B4-BE49-F238E27FC236}">
-                <a16:creationId xmlns:a16="http://schemas.microsoft.com/office/drawing/2014/main" id="{DF9AD32D-FF05-44F4-BD4D-9CEE89B71EB9}"/>
-              </a:ext>
-              <a:ext uri="{C183D7F6-B498-43B3-948B-1728B52AA6E4}">
-                <adec:decorative xmlns:adec="http://schemas.microsoft.com/office/drawing/2017/decorative" val="1"/>
-              </a:ext>
-            </a:extLst>
-          </p:cNvPr>
-          <p:cNvSpPr>
-            <a:spLocks noGrp="1" noRot="1" noChangeAspect="1" noMove="1" noResize="1" noEditPoints="1" noAdjustHandles="1" noChangeArrowheads="1" noChangeShapeType="1" noTextEdit="1"/>
-          </p:cNvSpPr>
-          <p:nvPr>
-            <p:extLst>
-              <p:ext uri="{386F3935-93C4-4BCD-93E2-E3B085C9AB24}">
-                <p16:designElem xmlns:p16="http://schemas.microsoft.com/office/powerpoint/2015/main" val="1"/>
-              </p:ext>
-            </p:extLst>
-          </p:nvPr>
-        </p:nvSpPr>
-        <p:spPr>
-          <a:xfrm>
-            <a:off x="2118360" y="0"/>
-            <a:ext cx="7955280" cy="6858000"/>
-          </a:xfrm>
-          <a:custGeom>
-            <a:avLst/>
-            <a:gdLst>
-              <a:gd name="connsiteX0" fmla="*/ 1962423 w 7955280"/>
-              <a:gd name="connsiteY0" fmla="*/ 0 h 6858000"/>
-              <a:gd name="connsiteX1" fmla="*/ 5992858 w 7955280"/>
-              <a:gd name="connsiteY1" fmla="*/ 0 h 6858000"/>
-              <a:gd name="connsiteX2" fmla="*/ 6040191 w 7955280"/>
-              <a:gd name="connsiteY2" fmla="*/ 27216 h 6858000"/>
-              <a:gd name="connsiteX3" fmla="*/ 7955280 w 7955280"/>
-              <a:gd name="connsiteY3" fmla="*/ 3429000 h 6858000"/>
-              <a:gd name="connsiteX4" fmla="*/ 6040191 w 7955280"/>
-              <a:gd name="connsiteY4" fmla="*/ 6830784 h 6858000"/>
-              <a:gd name="connsiteX5" fmla="*/ 5992858 w 7955280"/>
-              <a:gd name="connsiteY5" fmla="*/ 6858000 h 6858000"/>
-              <a:gd name="connsiteX6" fmla="*/ 1962423 w 7955280"/>
-              <a:gd name="connsiteY6" fmla="*/ 6858000 h 6858000"/>
-              <a:gd name="connsiteX7" fmla="*/ 1915089 w 7955280"/>
-              <a:gd name="connsiteY7" fmla="*/ 6830784 h 6858000"/>
-              <a:gd name="connsiteX8" fmla="*/ 0 w 7955280"/>
-              <a:gd name="connsiteY8" fmla="*/ 3429000 h 6858000"/>
-              <a:gd name="connsiteX9" fmla="*/ 1915089 w 7955280"/>
-              <a:gd name="connsiteY9" fmla="*/ 27216 h 6858000"/>
-            </a:gdLst>
-            <a:ahLst/>
-            <a:cxnLst>
-              <a:cxn ang="0">
-                <a:pos x="connsiteX0" y="connsiteY0"/>
-              </a:cxn>
-              <a:cxn ang="0">
-                <a:pos x="connsiteX1" y="connsiteY1"/>
-              </a:cxn>
-              <a:cxn ang="0">
-                <a:pos x="connsiteX2" y="connsiteY2"/>
-              </a:cxn>
-              <a:cxn ang="0">
-                <a:pos x="connsiteX3" y="connsiteY3"/>
-              </a:cxn>
-              <a:cxn ang="0">
-                <a:pos x="connsiteX4" y="connsiteY4"/>
-              </a:cxn>
-              <a:cxn ang="0">
-                <a:pos x="connsiteX5" y="connsiteY5"/>
-              </a:cxn>
-              <a:cxn ang="0">
-                <a:pos x="connsiteX6" y="connsiteY6"/>
-              </a:cxn>
-              <a:cxn ang="0">
-                <a:pos x="connsiteX7" y="connsiteY7"/>
-              </a:cxn>
-              <a:cxn ang="0">
-                <a:pos x="connsiteX8" y="connsiteY8"/>
-              </a:cxn>
-              <a:cxn ang="0">
-                <a:pos x="connsiteX9" y="connsiteY9"/>
-              </a:cxn>
-            </a:cxnLst>
-            <a:rect l="l" t="t" r="r" b="b"/>
-            <a:pathLst>
-              <a:path w="7955280" h="6858000">
-                <a:moveTo>
-                  <a:pt x="1962423" y="0"/>
-                </a:moveTo>
-                <a:lnTo>
-                  <a:pt x="5992858" y="0"/>
-                </a:lnTo>
-                <a:lnTo>
-                  <a:pt x="6040191" y="27216"/>
-                </a:lnTo>
-                <a:cubicBezTo>
-                  <a:pt x="7188332" y="724844"/>
-                  <a:pt x="7955280" y="1987357"/>
-                  <a:pt x="7955280" y="3429000"/>
-                </a:cubicBezTo>
-                <a:cubicBezTo>
-                  <a:pt x="7955280" y="4870644"/>
-                  <a:pt x="7188332" y="6133157"/>
-                  <a:pt x="6040191" y="6830784"/>
-                </a:cubicBezTo>
-                <a:lnTo>
-                  <a:pt x="5992858" y="6858000"/>
-                </a:lnTo>
-                <a:lnTo>
-                  <a:pt x="1962423" y="6858000"/>
-                </a:lnTo>
-                <a:lnTo>
-                  <a:pt x="1915089" y="6830784"/>
-                </a:lnTo>
-                <a:cubicBezTo>
-                  <a:pt x="766948" y="6133157"/>
-                  <a:pt x="0" y="4870644"/>
-                  <a:pt x="0" y="3429000"/>
-                </a:cubicBezTo>
-                <a:cubicBezTo>
-                  <a:pt x="0" y="1987357"/>
-                  <a:pt x="766948" y="724844"/>
-                  <a:pt x="1915089" y="27216"/>
-                </a:cubicBezTo>
-                <a:close/>
-              </a:path>
-            </a:pathLst>
-          </a:custGeom>
-          <a:solidFill>
-            <a:schemeClr val="tx1"/>
-          </a:solidFill>
-          <a:ln>
-            <a:noFill/>
-          </a:ln>
-        </p:spPr>
-        <p:style>
-          <a:lnRef idx="2">
-            <a:schemeClr val="accent1">
-              <a:shade val="50000"/>
-            </a:schemeClr>
-          </a:lnRef>
-          <a:fillRef idx="1">
-            <a:schemeClr val="accent1"/>
-          </a:fillRef>
-          <a:effectRef idx="0">
-            <a:schemeClr val="accent1"/>
-          </a:effectRef>
-          <a:fontRef idx="minor">
-            <a:schemeClr val="lt1"/>
-          </a:fontRef>
-        </p:style>
-        <p:txBody>
-          <a:bodyPr wrap="square" rtlCol="0" anchor="ctr">
-            <a:noAutofit/>
-          </a:bodyPr>
-          <a:lstStyle/>
-          <a:p>
-            <a:pPr algn="ctr"/>
-            <a:endParaRPr lang="en-US"/>
-          </a:p>
-        </p:txBody>
-      </p:sp>
-      <p:sp>
-        <p:nvSpPr>
-          <p:cNvPr id="4" name="Nadpis 3">
-            <a:extLst>
-              <a:ext uri="{FF2B5EF4-FFF2-40B4-BE49-F238E27FC236}">
-                <a16:creationId xmlns:a16="http://schemas.microsoft.com/office/drawing/2014/main" id="{D726B479-C8F8-4E8A-B0E1-97E426EDA787}"/>
-              </a:ext>
-            </a:extLst>
-          </p:cNvPr>
-          <p:cNvSpPr>
-            <a:spLocks noGrp="1"/>
-          </p:cNvSpPr>
-          <p:nvPr>
-            <p:ph type="title"/>
-          </p:nvPr>
-        </p:nvSpPr>
-        <p:spPr>
-          <a:xfrm>
-            <a:off x="2555631" y="1441938"/>
-            <a:ext cx="7080738" cy="3974124"/>
-          </a:xfrm>
-        </p:spPr>
-        <p:txBody>
-          <a:bodyPr>
-            <a:normAutofit/>
-          </a:bodyPr>
-          <a:lstStyle/>
-          <a:p>
-            <a:pPr algn="ctr"/>
-            <a:r>
-              <a:rPr lang="cs-CZ" sz="5400" dirty="0" err="1">
-                <a:solidFill>
-                  <a:schemeClr val="bg1">
-                    <a:lumMod val="95000"/>
-                    <a:lumOff val="5000"/>
-                  </a:schemeClr>
-                </a:solidFill>
-              </a:rPr>
-              <a:t>TabPages</a:t>
-            </a:r>
-            <a:endParaRPr lang="cs-CZ" sz="5400" dirty="0">
-              <a:solidFill>
-                <a:schemeClr val="bg1">
-                  <a:lumMod val="95000"/>
-                  <a:lumOff val="5000"/>
-                </a:schemeClr>
-              </a:solidFill>
-            </a:endParaRPr>
-          </a:p>
-        </p:txBody>
-      </p:sp>
-    </p:spTree>
-    <p:extLst>
-      <p:ext uri="{BB962C8B-B14F-4D97-AF65-F5344CB8AC3E}">
-        <p14:creationId xmlns:p14="http://schemas.microsoft.com/office/powerpoint/2010/main" val="2169742599"/>
-      </p:ext>
-    </p:extLst>
-  </p:cSld>
-  <p:clrMapOvr>
-    <a:overrideClrMapping bg1="dk1" tx1="lt1" bg2="dk2" tx2="lt2" accent1="accent1" accent2="accent2" accent3="accent3" accent4="accent4" accent5="accent5" accent6="accent6" hlink="hlink" folHlink="folHlink"/>
   </p:clrMapOvr>
 </p:sld>
 </file>
@@ -10677,7 +9238,7 @@
                 <a:ea typeface="+mj-ea"/>
                 <a:cs typeface="+mj-cs"/>
               </a:rPr>
-              <a:t>Aplikace</a:t>
+              <a:t>Zobrazení dat</a:t>
             </a:r>
             <a:endParaRPr lang="en-US" sz="5400" kern="1200" dirty="0">
               <a:solidFill>
@@ -10744,19 +9305,17 @@
       </p:cxnSp>
       <p:pic>
         <p:nvPicPr>
-          <p:cNvPr id="6" name="Zástupný obsah 4">
+          <p:cNvPr id="5" name="Obrázek 4" descr="Obsah obrázku snímek obrazovky&#10;&#10;Popis byl vytvořen automaticky">
             <a:extLst>
               <a:ext uri="{FF2B5EF4-FFF2-40B4-BE49-F238E27FC236}">
-                <a16:creationId xmlns:a16="http://schemas.microsoft.com/office/drawing/2014/main" id="{1BBF37BE-3C41-4F29-9413-3D23E3D1C611}"/>
+                <a16:creationId xmlns:a16="http://schemas.microsoft.com/office/drawing/2014/main" id="{4A088AAB-FE90-488D-B53F-048F71A920F2}"/>
               </a:ext>
             </a:extLst>
           </p:cNvPr>
           <p:cNvPicPr>
-            <a:picLocks noGrp="1" noChangeAspect="1"/>
+            <a:picLocks noChangeAspect="1"/>
           </p:cNvPicPr>
-          <p:nvPr>
-            <p:ph idx="1"/>
-          </p:nvPr>
+          <p:nvPr/>
         </p:nvPicPr>
         <p:blipFill>
           <a:blip r:embed="rId2">
@@ -10772,80 +9331,8 @@
         </p:blipFill>
         <p:spPr>
           <a:xfrm>
-            <a:off x="1085848" y="2187742"/>
-            <a:ext cx="2425565" cy="4236798"/>
-          </a:xfrm>
-          <a:prstGeom prst="rect">
-            <a:avLst/>
-          </a:prstGeom>
-        </p:spPr>
-      </p:pic>
-      <p:pic>
-        <p:nvPicPr>
-          <p:cNvPr id="7" name="Obrázek 6">
-            <a:extLst>
-              <a:ext uri="{FF2B5EF4-FFF2-40B4-BE49-F238E27FC236}">
-                <a16:creationId xmlns:a16="http://schemas.microsoft.com/office/drawing/2014/main" id="{6E2E3165-D756-43FB-9D55-E2EBDDC0E3BF}"/>
-              </a:ext>
-            </a:extLst>
-          </p:cNvPr>
-          <p:cNvPicPr>
-            <a:picLocks noChangeAspect="1"/>
-          </p:cNvPicPr>
-          <p:nvPr/>
-        </p:nvPicPr>
-        <p:blipFill>
-          <a:blip r:embed="rId3">
-            <a:extLst>
-              <a:ext uri="{28A0092B-C50C-407E-A947-70E740481C1C}">
-                <a14:useLocalDpi xmlns:a14="http://schemas.microsoft.com/office/drawing/2010/main" val="0"/>
-              </a:ext>
-            </a:extLst>
-          </a:blip>
-          <a:stretch>
-            <a:fillRect/>
-          </a:stretch>
-        </p:blipFill>
-        <p:spPr>
-          <a:xfrm>
-            <a:off x="4883217" y="2187742"/>
-            <a:ext cx="2425565" cy="4274125"/>
-          </a:xfrm>
-          <a:prstGeom prst="rect">
-            <a:avLst/>
-          </a:prstGeom>
-        </p:spPr>
-      </p:pic>
-      <p:pic>
-        <p:nvPicPr>
-          <p:cNvPr id="9" name="Obrázek 8">
-            <a:extLst>
-              <a:ext uri="{FF2B5EF4-FFF2-40B4-BE49-F238E27FC236}">
-                <a16:creationId xmlns:a16="http://schemas.microsoft.com/office/drawing/2014/main" id="{92D75E6B-902E-45E1-A342-2493C50B8B86}"/>
-              </a:ext>
-            </a:extLst>
-          </p:cNvPr>
-          <p:cNvPicPr>
-            <a:picLocks noChangeAspect="1"/>
-          </p:cNvPicPr>
-          <p:nvPr/>
-        </p:nvPicPr>
-        <p:blipFill>
-          <a:blip r:embed="rId4">
-            <a:extLst>
-              <a:ext uri="{28A0092B-C50C-407E-A947-70E740481C1C}">
-                <a14:useLocalDpi xmlns:a14="http://schemas.microsoft.com/office/drawing/2010/main" val="0"/>
-              </a:ext>
-            </a:extLst>
-          </a:blip>
-          <a:stretch>
-            <a:fillRect/>
-          </a:stretch>
-        </p:blipFill>
-        <p:spPr>
-          <a:xfrm>
-            <a:off x="8595067" y="2187742"/>
-            <a:ext cx="2511085" cy="4274189"/>
+            <a:off x="1238250" y="1552722"/>
+            <a:ext cx="9715500" cy="4838700"/>
           </a:xfrm>
           <a:prstGeom prst="rect">
             <a:avLst/>
@@ -10855,7 +9342,7 @@
     </p:spTree>
     <p:extLst>
       <p:ext uri="{BB962C8B-B14F-4D97-AF65-F5344CB8AC3E}">
-        <p14:creationId xmlns:p14="http://schemas.microsoft.com/office/powerpoint/2010/main" val="1744304987"/>
+        <p14:creationId xmlns:p14="http://schemas.microsoft.com/office/powerpoint/2010/main" val="1900867395"/>
       </p:ext>
     </p:extLst>
   </p:cSld>

--- a/Prezentace_2.pptx
+++ b/Prezentace_2.pptx
@@ -14,21 +14,7 @@
     <p:sldId id="261" r:id="rId8"/>
     <p:sldId id="259" r:id="rId9"/>
     <p:sldId id="279" r:id="rId10"/>
-    <p:sldId id="266" r:id="rId11"/>
-    <p:sldId id="264" r:id="rId12"/>
-    <p:sldId id="284" r:id="rId13"/>
-    <p:sldId id="286" r:id="rId14"/>
-    <p:sldId id="285" r:id="rId15"/>
-    <p:sldId id="280" r:id="rId16"/>
-    <p:sldId id="281" r:id="rId17"/>
-    <p:sldId id="283" r:id="rId18"/>
-    <p:sldId id="290" r:id="rId19"/>
-    <p:sldId id="287" r:id="rId20"/>
-    <p:sldId id="289" r:id="rId21"/>
-    <p:sldId id="288" r:id="rId22"/>
-    <p:sldId id="291" r:id="rId23"/>
-    <p:sldId id="292" r:id="rId24"/>
-    <p:sldId id="275" r:id="rId25"/>
+    <p:sldId id="275" r:id="rId11"/>
   </p:sldIdLst>
   <p:sldSz cx="12192000" cy="6858000"/>
   <p:notesSz cx="6858000" cy="9144000"/>
@@ -128,6 +114,36 @@
     </a:lvl9pPr>
   </p:defaultTextStyle>
   <p:extLst>
+    <p:ext uri="{521415D9-36F7-43E2-AB2F-B90AF26B5E84}">
+      <p14:sectionLst xmlns:p14="http://schemas.microsoft.com/office/powerpoint/2010/main">
+        <p14:section name="Výchozí oddíl" id="{3941CDF1-1B76-48F0-BBE3-446B1FE70F47}">
+          <p14:sldIdLst>
+            <p14:sldId id="256"/>
+          </p14:sldIdLst>
+        </p14:section>
+        <p14:section name="XML" id="{6476F64A-E435-4852-90E4-1F869CBD6156}">
+          <p14:sldIdLst>
+            <p14:sldId id="271"/>
+            <p14:sldId id="272"/>
+            <p14:sldId id="277"/>
+          </p14:sldIdLst>
+        </p14:section>
+        <p14:section name="SQLite" id="{5FDFB223-66B5-4435-94AD-F43939C642C3}">
+          <p14:sldIdLst>
+            <p14:sldId id="263"/>
+            <p14:sldId id="257"/>
+            <p14:sldId id="261"/>
+            <p14:sldId id="259"/>
+            <p14:sldId id="279"/>
+          </p14:sldIdLst>
+        </p14:section>
+        <p14:section name="Konec" id="{643374BB-D092-42B5-9E75-E970601B33C2}">
+          <p14:sldIdLst>
+            <p14:sldId id="275"/>
+          </p14:sldIdLst>
+        </p14:section>
+      </p14:sectionLst>
+    </p:ext>
     <p:ext uri="{EFAFB233-063F-42B5-8137-9DF3F51BA10A}">
       <p15:sldGuideLst xmlns:p15="http://schemas.microsoft.com/office/powerpoint/2012/main"/>
     </p:ext>
@@ -266,7 +282,7 @@
           <a:p>
             <a:fld id="{10280380-A66F-4D95-ACA2-7D4D5E660D3C}" type="datetimeFigureOut">
               <a:rPr lang="cs-CZ" smtClean="0"/>
-              <a:t>12.05.2019</a:t>
+              <a:t>13.05.2019</a:t>
             </a:fld>
             <a:endParaRPr lang="cs-CZ"/>
           </a:p>
@@ -436,7 +452,7 @@
           <a:p>
             <a:fld id="{10280380-A66F-4D95-ACA2-7D4D5E660D3C}" type="datetimeFigureOut">
               <a:rPr lang="cs-CZ" smtClean="0"/>
-              <a:t>12.05.2019</a:t>
+              <a:t>13.05.2019</a:t>
             </a:fld>
             <a:endParaRPr lang="cs-CZ"/>
           </a:p>
@@ -616,7 +632,7 @@
           <a:p>
             <a:fld id="{10280380-A66F-4D95-ACA2-7D4D5E660D3C}" type="datetimeFigureOut">
               <a:rPr lang="cs-CZ" smtClean="0"/>
-              <a:t>12.05.2019</a:t>
+              <a:t>13.05.2019</a:t>
             </a:fld>
             <a:endParaRPr lang="cs-CZ"/>
           </a:p>
@@ -786,7 +802,7 @@
           <a:p>
             <a:fld id="{10280380-A66F-4D95-ACA2-7D4D5E660D3C}" type="datetimeFigureOut">
               <a:rPr lang="cs-CZ" smtClean="0"/>
-              <a:t>12.05.2019</a:t>
+              <a:t>13.05.2019</a:t>
             </a:fld>
             <a:endParaRPr lang="cs-CZ"/>
           </a:p>
@@ -1032,7 +1048,7 @@
           <a:p>
             <a:fld id="{10280380-A66F-4D95-ACA2-7D4D5E660D3C}" type="datetimeFigureOut">
               <a:rPr lang="cs-CZ" smtClean="0"/>
-              <a:t>12.05.2019</a:t>
+              <a:t>13.05.2019</a:t>
             </a:fld>
             <a:endParaRPr lang="cs-CZ"/>
           </a:p>
@@ -1264,7 +1280,7 @@
           <a:p>
             <a:fld id="{10280380-A66F-4D95-ACA2-7D4D5E660D3C}" type="datetimeFigureOut">
               <a:rPr lang="cs-CZ" smtClean="0"/>
-              <a:t>12.05.2019</a:t>
+              <a:t>13.05.2019</a:t>
             </a:fld>
             <a:endParaRPr lang="cs-CZ"/>
           </a:p>
@@ -1631,7 +1647,7 @@
           <a:p>
             <a:fld id="{10280380-A66F-4D95-ACA2-7D4D5E660D3C}" type="datetimeFigureOut">
               <a:rPr lang="cs-CZ" smtClean="0"/>
-              <a:t>12.05.2019</a:t>
+              <a:t>13.05.2019</a:t>
             </a:fld>
             <a:endParaRPr lang="cs-CZ"/>
           </a:p>
@@ -1749,7 +1765,7 @@
           <a:p>
             <a:fld id="{10280380-A66F-4D95-ACA2-7D4D5E660D3C}" type="datetimeFigureOut">
               <a:rPr lang="cs-CZ" smtClean="0"/>
-              <a:t>12.05.2019</a:t>
+              <a:t>13.05.2019</a:t>
             </a:fld>
             <a:endParaRPr lang="cs-CZ"/>
           </a:p>
@@ -1844,7 +1860,7 @@
           <a:p>
             <a:fld id="{10280380-A66F-4D95-ACA2-7D4D5E660D3C}" type="datetimeFigureOut">
               <a:rPr lang="cs-CZ" smtClean="0"/>
-              <a:t>12.05.2019</a:t>
+              <a:t>13.05.2019</a:t>
             </a:fld>
             <a:endParaRPr lang="cs-CZ"/>
           </a:p>
@@ -2121,7 +2137,7 @@
           <a:p>
             <a:fld id="{10280380-A66F-4D95-ACA2-7D4D5E660D3C}" type="datetimeFigureOut">
               <a:rPr lang="cs-CZ" smtClean="0"/>
-              <a:t>12.05.2019</a:t>
+              <a:t>13.05.2019</a:t>
             </a:fld>
             <a:endParaRPr lang="cs-CZ"/>
           </a:p>
@@ -2378,7 +2394,7 @@
           <a:p>
             <a:fld id="{10280380-A66F-4D95-ACA2-7D4D5E660D3C}" type="datetimeFigureOut">
               <a:rPr lang="cs-CZ" smtClean="0"/>
-              <a:t>12.05.2019</a:t>
+              <a:t>13.05.2019</a:t>
             </a:fld>
             <a:endParaRPr lang="cs-CZ"/>
           </a:p>
@@ -2591,7 +2607,7 @@
           <a:p>
             <a:fld id="{10280380-A66F-4D95-ACA2-7D4D5E660D3C}" type="datetimeFigureOut">
               <a:rPr lang="cs-CZ" smtClean="0"/>
-              <a:t>12.05.2019</a:t>
+              <a:t>13.05.2019</a:t>
             </a:fld>
             <a:endParaRPr lang="cs-CZ"/>
           </a:p>
@@ -4462,8 +4478,8 @@
         </p:nvSpPr>
         <p:spPr>
           <a:xfrm>
-            <a:off x="2555631" y="1441938"/>
-            <a:ext cx="7080738" cy="3974124"/>
+            <a:off x="1953768" y="1441938"/>
+            <a:ext cx="8284464" cy="3974124"/>
           </a:xfrm>
         </p:spPr>
         <p:txBody>
@@ -4474,7 +4490,7 @@
           <a:p>
             <a:pPr algn="ctr"/>
             <a:r>
-              <a:rPr lang="cs-CZ" sz="5400" dirty="0">
+              <a:rPr lang="cs-CZ" sz="6600" dirty="0">
                 <a:solidFill>
                   <a:schemeClr val="bg1">
                     <a:lumMod val="95000"/>
@@ -4482,7 +4498,7 @@
                   </a:schemeClr>
                 </a:solidFill>
               </a:rPr>
-              <a:t>Seznam Zboží</a:t>
+              <a:t>Děkujeme za pozornost</a:t>
             </a:r>
           </a:p>
         </p:txBody>
@@ -4490,1154 +4506,12 @@
     </p:spTree>
     <p:extLst>
       <p:ext uri="{BB962C8B-B14F-4D97-AF65-F5344CB8AC3E}">
-        <p14:creationId xmlns:p14="http://schemas.microsoft.com/office/powerpoint/2010/main" val="2169742599"/>
+        <p14:creationId xmlns:p14="http://schemas.microsoft.com/office/powerpoint/2010/main" val="3197011055"/>
       </p:ext>
     </p:extLst>
   </p:cSld>
   <p:clrMapOvr>
     <a:overrideClrMapping bg1="dk1" tx1="lt1" bg2="dk2" tx2="lt2" accent1="accent1" accent2="accent2" accent3="accent3" accent4="accent4" accent5="accent5" accent6="accent6" hlink="hlink" folHlink="folHlink"/>
-  </p:clrMapOvr>
-</p:sld>
-</file>
-
-<file path=ppt/slides/slide11.xml><?xml version="1.0" encoding="utf-8"?>
-<p:sld xmlns:a="http://schemas.openxmlformats.org/drawingml/2006/main" xmlns:r="http://schemas.openxmlformats.org/officeDocument/2006/relationships" xmlns:p="http://schemas.openxmlformats.org/presentationml/2006/main">
-  <p:cSld>
-    <p:bg>
-      <p:bgPr>
-        <a:solidFill>
-          <a:schemeClr val="bg1"/>
-        </a:solidFill>
-        <a:effectLst/>
-      </p:bgPr>
-    </p:bg>
-    <p:spTree>
-      <p:nvGrpSpPr>
-        <p:cNvPr id="1" name=""/>
-        <p:cNvGrpSpPr/>
-        <p:nvPr/>
-      </p:nvGrpSpPr>
-      <p:grpSpPr>
-        <a:xfrm>
-          <a:off x="0" y="0"/>
-          <a:ext cx="0" cy="0"/>
-          <a:chOff x="0" y="0"/>
-          <a:chExt cx="0" cy="0"/>
-        </a:xfrm>
-      </p:grpSpPr>
-      <p:sp>
-        <p:nvSpPr>
-          <p:cNvPr id="20" name="Rectangle 19">
-            <a:extLst>
-              <a:ext uri="{FF2B5EF4-FFF2-40B4-BE49-F238E27FC236}">
-                <a16:creationId xmlns:a16="http://schemas.microsoft.com/office/drawing/2014/main" id="{823AC064-BC96-4F32-8AE1-B2FD38754823}"/>
-              </a:ext>
-              <a:ext uri="{C183D7F6-B498-43B3-948B-1728B52AA6E4}">
-                <adec:decorative xmlns:adec="http://schemas.microsoft.com/office/drawing/2017/decorative" val="1"/>
-              </a:ext>
-            </a:extLst>
-          </p:cNvPr>
-          <p:cNvSpPr>
-            <a:spLocks noGrp="1" noRot="1" noChangeAspect="1" noMove="1" noResize="1" noEditPoints="1" noAdjustHandles="1" noChangeArrowheads="1" noChangeShapeType="1" noTextEdit="1"/>
-          </p:cNvSpPr>
-          <p:nvPr>
-            <p:extLst>
-              <p:ext uri="{386F3935-93C4-4BCD-93E2-E3B085C9AB24}">
-                <p16:designElem xmlns:p16="http://schemas.microsoft.com/office/powerpoint/2015/main" val="1"/>
-              </p:ext>
-            </p:extLst>
-          </p:nvPr>
-        </p:nvSpPr>
-        <p:spPr bwMode="ltGray">
-          <a:xfrm>
-            <a:off x="378068" y="343486"/>
-            <a:ext cx="11438793" cy="1844256"/>
-          </a:xfrm>
-          <a:prstGeom prst="rect">
-            <a:avLst/>
-          </a:prstGeom>
-          <a:solidFill>
-            <a:srgbClr val="404040"/>
-          </a:solidFill>
-          <a:ln w="127000" cap="sq" cmpd="thinThick">
-            <a:solidFill>
-              <a:srgbClr val="404040"/>
-            </a:solidFill>
-          </a:ln>
-        </p:spPr>
-        <p:style>
-          <a:lnRef idx="2">
-            <a:schemeClr val="accent1">
-              <a:shade val="50000"/>
-            </a:schemeClr>
-          </a:lnRef>
-          <a:fillRef idx="1">
-            <a:schemeClr val="accent1"/>
-          </a:fillRef>
-          <a:effectRef idx="0">
-            <a:schemeClr val="accent1"/>
-          </a:effectRef>
-          <a:fontRef idx="minor">
-            <a:schemeClr val="lt1"/>
-          </a:fontRef>
-        </p:style>
-        <p:txBody>
-          <a:bodyPr rtlCol="0" anchor="ctr"/>
-          <a:lstStyle/>
-          <a:p>
-            <a:pPr marL="0" marR="0" lvl="0" indent="0" algn="ctr" defTabSz="914400" rtl="0" eaLnBrk="1" fontAlgn="auto" latinLnBrk="0" hangingPunct="1">
-              <a:lnSpc>
-                <a:spcPct val="100000"/>
-              </a:lnSpc>
-              <a:spcBef>
-                <a:spcPts val="0"/>
-              </a:spcBef>
-              <a:spcAft>
-                <a:spcPts val="0"/>
-              </a:spcAft>
-              <a:buClrTx/>
-              <a:buSzTx/>
-              <a:buFontTx/>
-              <a:buNone/>
-              <a:tabLst/>
-              <a:defRPr/>
-            </a:pPr>
-            <a:endParaRPr kumimoji="0" lang="en-US" sz="1800" b="0" i="0" u="none" strike="noStrike" kern="1200" cap="none" spc="0" normalizeH="0" baseline="0" noProof="0">
-              <a:ln>
-                <a:noFill/>
-              </a:ln>
-              <a:solidFill>
-                <a:prstClr val="white"/>
-              </a:solidFill>
-              <a:effectLst/>
-              <a:uLnTx/>
-              <a:uFillTx/>
-              <a:latin typeface="Calibri" panose="020F0502020204030204"/>
-              <a:ea typeface="+mn-ea"/>
-              <a:cs typeface="+mn-cs"/>
-            </a:endParaRPr>
-          </a:p>
-        </p:txBody>
-      </p:sp>
-      <p:sp>
-        <p:nvSpPr>
-          <p:cNvPr id="2" name="Nadpis 1">
-            <a:extLst>
-              <a:ext uri="{FF2B5EF4-FFF2-40B4-BE49-F238E27FC236}">
-                <a16:creationId xmlns:a16="http://schemas.microsoft.com/office/drawing/2014/main" id="{857B6C76-6EEA-4448-9D2C-EB4BCA2563C8}"/>
-              </a:ext>
-            </a:extLst>
-          </p:cNvPr>
-          <p:cNvSpPr>
-            <a:spLocks noGrp="1"/>
-          </p:cNvSpPr>
-          <p:nvPr>
-            <p:ph type="title"/>
-          </p:nvPr>
-        </p:nvSpPr>
-        <p:spPr>
-          <a:xfrm>
-            <a:off x="526073" y="466578"/>
-            <a:ext cx="11139854" cy="930447"/>
-          </a:xfrm>
-        </p:spPr>
-        <p:txBody>
-          <a:bodyPr vert="horz" lIns="91440" tIns="45720" rIns="91440" bIns="45720" rtlCol="0" anchor="b">
-            <a:normAutofit/>
-          </a:bodyPr>
-          <a:lstStyle/>
-          <a:p>
-            <a:pPr algn="ctr"/>
-            <a:r>
-              <a:rPr lang="cs-CZ" sz="5400" kern="1200" dirty="0">
-                <a:solidFill>
-                  <a:srgbClr val="FFFFFF"/>
-                </a:solidFill>
-                <a:latin typeface="+mj-lt"/>
-                <a:ea typeface="+mj-ea"/>
-                <a:cs typeface="+mj-cs"/>
-              </a:rPr>
-              <a:t>Aplikace</a:t>
-            </a:r>
-            <a:endParaRPr lang="en-US" sz="5400" kern="1200" dirty="0">
-              <a:solidFill>
-                <a:srgbClr val="FFFFFF"/>
-              </a:solidFill>
-              <a:latin typeface="+mj-lt"/>
-              <a:ea typeface="+mj-ea"/>
-              <a:cs typeface="+mj-cs"/>
-            </a:endParaRPr>
-          </a:p>
-        </p:txBody>
-      </p:sp>
-      <p:cxnSp>
-        <p:nvCxnSpPr>
-          <p:cNvPr id="22" name="Straight Connector 21">
-            <a:extLst>
-              <a:ext uri="{FF2B5EF4-FFF2-40B4-BE49-F238E27FC236}">
-                <a16:creationId xmlns:a16="http://schemas.microsoft.com/office/drawing/2014/main" id="{7E7C77BC-7138-40B1-A15B-20F57A494629}"/>
-              </a:ext>
-              <a:ext uri="{C183D7F6-B498-43B3-948B-1728B52AA6E4}">
-                <adec:decorative xmlns:adec="http://schemas.microsoft.com/office/drawing/2017/decorative" val="1"/>
-              </a:ext>
-            </a:extLst>
-          </p:cNvPr>
-          <p:cNvCxnSpPr>
-            <a:cxnSpLocks noGrp="1" noRot="1" noChangeAspect="1" noMove="1" noResize="1" noEditPoints="1" noAdjustHandles="1" noChangeArrowheads="1" noChangeShapeType="1"/>
-          </p:cNvCxnSpPr>
-          <p:nvPr>
-            <p:extLst>
-              <p:ext uri="{386F3935-93C4-4BCD-93E2-E3B085C9AB24}">
-                <p16:designElem xmlns:p16="http://schemas.microsoft.com/office/powerpoint/2015/main" val="1"/>
-              </p:ext>
-            </p:extLst>
-          </p:nvPr>
-        </p:nvCxnSpPr>
-        <p:spPr>
-          <a:xfrm>
-            <a:off x="2209800" y="1448631"/>
-            <a:ext cx="7772400" cy="0"/>
-          </a:xfrm>
-          <a:prstGeom prst="line">
-            <a:avLst/>
-          </a:prstGeom>
-          <a:ln w="22225">
-            <a:solidFill>
-              <a:srgbClr val="D9D9D9"/>
-            </a:solidFill>
-          </a:ln>
-        </p:spPr>
-        <p:style>
-          <a:lnRef idx="1">
-            <a:schemeClr val="accent1"/>
-          </a:lnRef>
-          <a:fillRef idx="0">
-            <a:schemeClr val="accent1"/>
-          </a:fillRef>
-          <a:effectRef idx="0">
-            <a:schemeClr val="accent1"/>
-          </a:effectRef>
-          <a:fontRef idx="minor">
-            <a:schemeClr val="tx1"/>
-          </a:fontRef>
-        </p:style>
-      </p:cxnSp>
-      <p:pic>
-        <p:nvPicPr>
-          <p:cNvPr id="11" name="Obrázek 10" descr="Obsah obrázku snímek obrazovky&#10;&#10;Popis byl vytvořen automaticky">
-            <a:extLst>
-              <a:ext uri="{FF2B5EF4-FFF2-40B4-BE49-F238E27FC236}">
-                <a16:creationId xmlns:a16="http://schemas.microsoft.com/office/drawing/2014/main" id="{96F835E0-867D-4F81-8F2B-FC89C0DD1F9A}"/>
-              </a:ext>
-            </a:extLst>
-          </p:cNvPr>
-          <p:cNvPicPr>
-            <a:picLocks noChangeAspect="1"/>
-          </p:cNvPicPr>
-          <p:nvPr/>
-        </p:nvPicPr>
-        <p:blipFill>
-          <a:blip r:embed="rId2">
-            <a:extLst>
-              <a:ext uri="{28A0092B-C50C-407E-A947-70E740481C1C}">
-                <a14:useLocalDpi xmlns:a14="http://schemas.microsoft.com/office/drawing/2010/main" val="0"/>
-              </a:ext>
-            </a:extLst>
-          </a:blip>
-          <a:stretch>
-            <a:fillRect/>
-          </a:stretch>
-        </p:blipFill>
-        <p:spPr>
-          <a:xfrm>
-            <a:off x="8379779" y="1265612"/>
-            <a:ext cx="3199502" cy="5335211"/>
-          </a:xfrm>
-          <a:prstGeom prst="rect">
-            <a:avLst/>
-          </a:prstGeom>
-        </p:spPr>
-      </p:pic>
-      <p:pic>
-        <p:nvPicPr>
-          <p:cNvPr id="19" name="Obrázek 18" descr="Obsah obrázku snímek obrazovky&#10;&#10;Popis byl vytvořen automaticky">
-            <a:extLst>
-              <a:ext uri="{FF2B5EF4-FFF2-40B4-BE49-F238E27FC236}">
-                <a16:creationId xmlns:a16="http://schemas.microsoft.com/office/drawing/2014/main" id="{0512255B-FA61-4C6A-BFE3-F207D2998704}"/>
-              </a:ext>
-            </a:extLst>
-          </p:cNvPr>
-          <p:cNvPicPr>
-            <a:picLocks noChangeAspect="1"/>
-          </p:cNvPicPr>
-          <p:nvPr/>
-        </p:nvPicPr>
-        <p:blipFill>
-          <a:blip r:embed="rId3">
-            <a:extLst>
-              <a:ext uri="{28A0092B-C50C-407E-A947-70E740481C1C}">
-                <a14:useLocalDpi xmlns:a14="http://schemas.microsoft.com/office/drawing/2010/main" val="0"/>
-              </a:ext>
-            </a:extLst>
-          </a:blip>
-          <a:stretch>
-            <a:fillRect/>
-          </a:stretch>
-        </p:blipFill>
-        <p:spPr>
-          <a:xfrm>
-            <a:off x="4493579" y="1289425"/>
-            <a:ext cx="3204842" cy="5287586"/>
-          </a:xfrm>
-          <a:prstGeom prst="rect">
-            <a:avLst/>
-          </a:prstGeom>
-        </p:spPr>
-      </p:pic>
-      <p:pic>
-        <p:nvPicPr>
-          <p:cNvPr id="25" name="Obrázek 24" descr="Obsah obrázku snímek obrazovky&#10;&#10;Popis byl vytvořen automaticky">
-            <a:extLst>
-              <a:ext uri="{FF2B5EF4-FFF2-40B4-BE49-F238E27FC236}">
-                <a16:creationId xmlns:a16="http://schemas.microsoft.com/office/drawing/2014/main" id="{86237681-7076-48C7-806A-8D49A61ADF12}"/>
-              </a:ext>
-            </a:extLst>
-          </p:cNvPr>
-          <p:cNvPicPr>
-            <a:picLocks noChangeAspect="1"/>
-          </p:cNvPicPr>
-          <p:nvPr/>
-        </p:nvPicPr>
-        <p:blipFill>
-          <a:blip r:embed="rId4">
-            <a:extLst>
-              <a:ext uri="{28A0092B-C50C-407E-A947-70E740481C1C}">
-                <a14:useLocalDpi xmlns:a14="http://schemas.microsoft.com/office/drawing/2010/main" val="0"/>
-              </a:ext>
-            </a:extLst>
-          </a:blip>
-          <a:stretch>
-            <a:fillRect/>
-          </a:stretch>
-        </p:blipFill>
-        <p:spPr>
-          <a:xfrm>
-            <a:off x="584748" y="1289425"/>
-            <a:ext cx="3227473" cy="5335211"/>
-          </a:xfrm>
-          <a:prstGeom prst="rect">
-            <a:avLst/>
-          </a:prstGeom>
-        </p:spPr>
-      </p:pic>
-    </p:spTree>
-    <p:extLst>
-      <p:ext uri="{BB962C8B-B14F-4D97-AF65-F5344CB8AC3E}">
-        <p14:creationId xmlns:p14="http://schemas.microsoft.com/office/powerpoint/2010/main" val="1744304987"/>
-      </p:ext>
-    </p:extLst>
-  </p:cSld>
-  <p:clrMapOvr>
-    <a:masterClrMapping/>
-  </p:clrMapOvr>
-</p:sld>
-</file>
-
-<file path=ppt/slides/slide12.xml><?xml version="1.0" encoding="utf-8"?>
-<p:sld xmlns:a="http://schemas.openxmlformats.org/drawingml/2006/main" xmlns:r="http://schemas.openxmlformats.org/officeDocument/2006/relationships" xmlns:p="http://schemas.openxmlformats.org/presentationml/2006/main">
-  <p:cSld>
-    <p:spTree>
-      <p:nvGrpSpPr>
-        <p:cNvPr id="1" name=""/>
-        <p:cNvGrpSpPr/>
-        <p:nvPr/>
-      </p:nvGrpSpPr>
-      <p:grpSpPr>
-        <a:xfrm>
-          <a:off x="0" y="0"/>
-          <a:ext cx="0" cy="0"/>
-          <a:chOff x="0" y="0"/>
-          <a:chExt cx="0" cy="0"/>
-        </a:xfrm>
-      </p:grpSpPr>
-      <p:pic>
-        <p:nvPicPr>
-          <p:cNvPr id="6" name="Zástupný obsah 5" descr="Obsah obrázku snímek obrazovky, text&#10;&#10;Popis byl vytvořen automaticky">
-            <a:extLst>
-              <a:ext uri="{FF2B5EF4-FFF2-40B4-BE49-F238E27FC236}">
-                <a16:creationId xmlns:a16="http://schemas.microsoft.com/office/drawing/2014/main" id="{9C7F1D90-455F-4A52-9DF3-CF13CB163C53}"/>
-              </a:ext>
-            </a:extLst>
-          </p:cNvPr>
-          <p:cNvPicPr>
-            <a:picLocks noGrp="1" noChangeAspect="1"/>
-          </p:cNvPicPr>
-          <p:nvPr>
-            <p:ph idx="1"/>
-          </p:nvPr>
-        </p:nvPicPr>
-        <p:blipFill>
-          <a:blip r:embed="rId2">
-            <a:extLst>
-              <a:ext uri="{28A0092B-C50C-407E-A947-70E740481C1C}">
-                <a14:useLocalDpi xmlns:a14="http://schemas.microsoft.com/office/drawing/2010/main" val="0"/>
-              </a:ext>
-            </a:extLst>
-          </a:blip>
-          <a:stretch>
-            <a:fillRect/>
-          </a:stretch>
-        </p:blipFill>
-        <p:spPr>
-          <a:xfrm>
-            <a:off x="1697254" y="206003"/>
-            <a:ext cx="8797491" cy="6445993"/>
-          </a:xfrm>
-        </p:spPr>
-      </p:pic>
-    </p:spTree>
-    <p:extLst>
-      <p:ext uri="{BB962C8B-B14F-4D97-AF65-F5344CB8AC3E}">
-        <p14:creationId xmlns:p14="http://schemas.microsoft.com/office/powerpoint/2010/main" val="1507409147"/>
-      </p:ext>
-    </p:extLst>
-  </p:cSld>
-  <p:clrMapOvr>
-    <a:masterClrMapping/>
-  </p:clrMapOvr>
-</p:sld>
-</file>
-
-<file path=ppt/slides/slide13.xml><?xml version="1.0" encoding="utf-8"?>
-<p:sld xmlns:a="http://schemas.openxmlformats.org/drawingml/2006/main" xmlns:r="http://schemas.openxmlformats.org/officeDocument/2006/relationships" xmlns:p="http://schemas.openxmlformats.org/presentationml/2006/main">
-  <p:cSld>
-    <p:spTree>
-      <p:nvGrpSpPr>
-        <p:cNvPr id="1" name=""/>
-        <p:cNvGrpSpPr/>
-        <p:nvPr/>
-      </p:nvGrpSpPr>
-      <p:grpSpPr>
-        <a:xfrm>
-          <a:off x="0" y="0"/>
-          <a:ext cx="0" cy="0"/>
-          <a:chOff x="0" y="0"/>
-          <a:chExt cx="0" cy="0"/>
-        </a:xfrm>
-      </p:grpSpPr>
-      <p:pic>
-        <p:nvPicPr>
-          <p:cNvPr id="6" name="Zástupný obsah 5" descr="Obsah obrázku snímek obrazovky&#10;&#10;Popis byl vytvořen automaticky">
-            <a:extLst>
-              <a:ext uri="{FF2B5EF4-FFF2-40B4-BE49-F238E27FC236}">
-                <a16:creationId xmlns:a16="http://schemas.microsoft.com/office/drawing/2014/main" id="{1CA0DD3E-0BB3-4ACE-8ED7-A1117C92D0E9}"/>
-              </a:ext>
-            </a:extLst>
-          </p:cNvPr>
-          <p:cNvPicPr>
-            <a:picLocks noGrp="1" noChangeAspect="1"/>
-          </p:cNvPicPr>
-          <p:nvPr>
-            <p:ph idx="1"/>
-          </p:nvPr>
-        </p:nvPicPr>
-        <p:blipFill>
-          <a:blip r:embed="rId2">
-            <a:extLst>
-              <a:ext uri="{28A0092B-C50C-407E-A947-70E740481C1C}">
-                <a14:useLocalDpi xmlns:a14="http://schemas.microsoft.com/office/drawing/2010/main" val="0"/>
-              </a:ext>
-            </a:extLst>
-          </a:blip>
-          <a:stretch>
-            <a:fillRect/>
-          </a:stretch>
-        </p:blipFill>
-        <p:spPr>
-          <a:xfrm>
-            <a:off x="-31126" y="1620456"/>
-            <a:ext cx="12232652" cy="4175568"/>
-          </a:xfrm>
-        </p:spPr>
-      </p:pic>
-    </p:spTree>
-    <p:extLst>
-      <p:ext uri="{BB962C8B-B14F-4D97-AF65-F5344CB8AC3E}">
-        <p14:creationId xmlns:p14="http://schemas.microsoft.com/office/powerpoint/2010/main" val="256195325"/>
-      </p:ext>
-    </p:extLst>
-  </p:cSld>
-  <p:clrMapOvr>
-    <a:masterClrMapping/>
-  </p:clrMapOvr>
-</p:sld>
-</file>
-
-<file path=ppt/slides/slide14.xml><?xml version="1.0" encoding="utf-8"?>
-<p:sld xmlns:a="http://schemas.openxmlformats.org/drawingml/2006/main" xmlns:r="http://schemas.openxmlformats.org/officeDocument/2006/relationships" xmlns:p="http://schemas.openxmlformats.org/presentationml/2006/main">
-  <p:cSld>
-    <p:spTree>
-      <p:nvGrpSpPr>
-        <p:cNvPr id="1" name=""/>
-        <p:cNvGrpSpPr/>
-        <p:nvPr/>
-      </p:nvGrpSpPr>
-      <p:grpSpPr>
-        <a:xfrm>
-          <a:off x="0" y="0"/>
-          <a:ext cx="0" cy="0"/>
-          <a:chOff x="0" y="0"/>
-          <a:chExt cx="0" cy="0"/>
-        </a:xfrm>
-      </p:grpSpPr>
-      <p:pic>
-        <p:nvPicPr>
-          <p:cNvPr id="6" name="Zástupný obsah 5" descr="Obsah obrázku snímek obrazovky&#10;&#10;Popis byl vytvořen automaticky">
-            <a:extLst>
-              <a:ext uri="{FF2B5EF4-FFF2-40B4-BE49-F238E27FC236}">
-                <a16:creationId xmlns:a16="http://schemas.microsoft.com/office/drawing/2014/main" id="{123A5182-4B58-4B1C-B60F-0498A4FCF0E5}"/>
-              </a:ext>
-            </a:extLst>
-          </p:cNvPr>
-          <p:cNvPicPr>
-            <a:picLocks noGrp="1" noChangeAspect="1"/>
-          </p:cNvPicPr>
-          <p:nvPr>
-            <p:ph idx="1"/>
-          </p:nvPr>
-        </p:nvPicPr>
-        <p:blipFill>
-          <a:blip r:embed="rId2">
-            <a:extLst>
-              <a:ext uri="{28A0092B-C50C-407E-A947-70E740481C1C}">
-                <a14:useLocalDpi xmlns:a14="http://schemas.microsoft.com/office/drawing/2010/main" val="0"/>
-              </a:ext>
-            </a:extLst>
-          </a:blip>
-          <a:stretch>
-            <a:fillRect/>
-          </a:stretch>
-        </p:blipFill>
-        <p:spPr>
-          <a:xfrm>
-            <a:off x="5679" y="1400537"/>
-            <a:ext cx="12186005" cy="4574467"/>
-          </a:xfrm>
-        </p:spPr>
-      </p:pic>
-    </p:spTree>
-    <p:extLst>
-      <p:ext uri="{BB962C8B-B14F-4D97-AF65-F5344CB8AC3E}">
-        <p14:creationId xmlns:p14="http://schemas.microsoft.com/office/powerpoint/2010/main" val="3900774560"/>
-      </p:ext>
-    </p:extLst>
-  </p:cSld>
-  <p:clrMapOvr>
-    <a:masterClrMapping/>
-  </p:clrMapOvr>
-</p:sld>
-</file>
-
-<file path=ppt/slides/slide15.xml><?xml version="1.0" encoding="utf-8"?>
-<p:sld xmlns:a="http://schemas.openxmlformats.org/drawingml/2006/main" xmlns:r="http://schemas.openxmlformats.org/officeDocument/2006/relationships" xmlns:p="http://schemas.openxmlformats.org/presentationml/2006/main">
-  <p:cSld>
-    <p:bg>
-      <p:bgPr>
-        <a:solidFill>
-          <a:schemeClr val="bg1"/>
-        </a:solidFill>
-        <a:effectLst/>
-      </p:bgPr>
-    </p:bg>
-    <p:spTree>
-      <p:nvGrpSpPr>
-        <p:cNvPr id="1" name=""/>
-        <p:cNvGrpSpPr/>
-        <p:nvPr/>
-      </p:nvGrpSpPr>
-      <p:grpSpPr>
-        <a:xfrm>
-          <a:off x="0" y="0"/>
-          <a:ext cx="0" cy="0"/>
-          <a:chOff x="0" y="0"/>
-          <a:chExt cx="0" cy="0"/>
-        </a:xfrm>
-      </p:grpSpPr>
-      <p:sp>
-        <p:nvSpPr>
-          <p:cNvPr id="20" name="Rectangle 19">
-            <a:extLst>
-              <a:ext uri="{FF2B5EF4-FFF2-40B4-BE49-F238E27FC236}">
-                <a16:creationId xmlns:a16="http://schemas.microsoft.com/office/drawing/2014/main" id="{823AC064-BC96-4F32-8AE1-B2FD38754823}"/>
-              </a:ext>
-              <a:ext uri="{C183D7F6-B498-43B3-948B-1728B52AA6E4}">
-                <adec:decorative xmlns:adec="http://schemas.microsoft.com/office/drawing/2017/decorative" val="1"/>
-              </a:ext>
-            </a:extLst>
-          </p:cNvPr>
-          <p:cNvSpPr>
-            <a:spLocks noGrp="1" noRot="1" noChangeAspect="1" noMove="1" noResize="1" noEditPoints="1" noAdjustHandles="1" noChangeArrowheads="1" noChangeShapeType="1" noTextEdit="1"/>
-          </p:cNvSpPr>
-          <p:nvPr>
-            <p:extLst>
-              <p:ext uri="{386F3935-93C4-4BCD-93E2-E3B085C9AB24}">
-                <p16:designElem xmlns:p16="http://schemas.microsoft.com/office/powerpoint/2015/main" val="1"/>
-              </p:ext>
-            </p:extLst>
-          </p:nvPr>
-        </p:nvSpPr>
-        <p:spPr bwMode="ltGray">
-          <a:xfrm>
-            <a:off x="378068" y="343486"/>
-            <a:ext cx="11438793" cy="1844256"/>
-          </a:xfrm>
-          <a:prstGeom prst="rect">
-            <a:avLst/>
-          </a:prstGeom>
-          <a:solidFill>
-            <a:srgbClr val="404040"/>
-          </a:solidFill>
-          <a:ln w="127000" cap="sq" cmpd="thinThick">
-            <a:solidFill>
-              <a:srgbClr val="404040"/>
-            </a:solidFill>
-          </a:ln>
-        </p:spPr>
-        <p:style>
-          <a:lnRef idx="2">
-            <a:schemeClr val="accent1">
-              <a:shade val="50000"/>
-            </a:schemeClr>
-          </a:lnRef>
-          <a:fillRef idx="1">
-            <a:schemeClr val="accent1"/>
-          </a:fillRef>
-          <a:effectRef idx="0">
-            <a:schemeClr val="accent1"/>
-          </a:effectRef>
-          <a:fontRef idx="minor">
-            <a:schemeClr val="lt1"/>
-          </a:fontRef>
-        </p:style>
-        <p:txBody>
-          <a:bodyPr rtlCol="0" anchor="ctr"/>
-          <a:lstStyle/>
-          <a:p>
-            <a:pPr marL="0" marR="0" lvl="0" indent="0" algn="ctr" defTabSz="914400" rtl="0" eaLnBrk="1" fontAlgn="auto" latinLnBrk="0" hangingPunct="1">
-              <a:lnSpc>
-                <a:spcPct val="100000"/>
-              </a:lnSpc>
-              <a:spcBef>
-                <a:spcPts val="0"/>
-              </a:spcBef>
-              <a:spcAft>
-                <a:spcPts val="0"/>
-              </a:spcAft>
-              <a:buClrTx/>
-              <a:buSzTx/>
-              <a:buFontTx/>
-              <a:buNone/>
-              <a:tabLst/>
-              <a:defRPr/>
-            </a:pPr>
-            <a:endParaRPr kumimoji="0" lang="en-US" sz="1800" b="0" i="0" u="none" strike="noStrike" kern="1200" cap="none" spc="0" normalizeH="0" baseline="0" noProof="0">
-              <a:ln>
-                <a:noFill/>
-              </a:ln>
-              <a:solidFill>
-                <a:prstClr val="white"/>
-              </a:solidFill>
-              <a:effectLst/>
-              <a:uLnTx/>
-              <a:uFillTx/>
-              <a:latin typeface="Calibri" panose="020F0502020204030204"/>
-              <a:ea typeface="+mn-ea"/>
-              <a:cs typeface="+mn-cs"/>
-            </a:endParaRPr>
-          </a:p>
-        </p:txBody>
-      </p:sp>
-      <p:sp>
-        <p:nvSpPr>
-          <p:cNvPr id="2" name="Nadpis 1">
-            <a:extLst>
-              <a:ext uri="{FF2B5EF4-FFF2-40B4-BE49-F238E27FC236}">
-                <a16:creationId xmlns:a16="http://schemas.microsoft.com/office/drawing/2014/main" id="{857B6C76-6EEA-4448-9D2C-EB4BCA2563C8}"/>
-              </a:ext>
-            </a:extLst>
-          </p:cNvPr>
-          <p:cNvSpPr>
-            <a:spLocks noGrp="1"/>
-          </p:cNvSpPr>
-          <p:nvPr>
-            <p:ph type="title"/>
-          </p:nvPr>
-        </p:nvSpPr>
-        <p:spPr>
-          <a:xfrm>
-            <a:off x="526073" y="466578"/>
-            <a:ext cx="11139854" cy="930447"/>
-          </a:xfrm>
-        </p:spPr>
-        <p:txBody>
-          <a:bodyPr vert="horz" lIns="91440" tIns="45720" rIns="91440" bIns="45720" rtlCol="0" anchor="b">
-            <a:normAutofit/>
-          </a:bodyPr>
-          <a:lstStyle/>
-          <a:p>
-            <a:pPr algn="ctr"/>
-            <a:r>
-              <a:rPr lang="cs-CZ" sz="5400" kern="1200" dirty="0">
-                <a:solidFill>
-                  <a:srgbClr val="FFFFFF"/>
-                </a:solidFill>
-                <a:latin typeface="+mj-lt"/>
-                <a:ea typeface="+mj-ea"/>
-                <a:cs typeface="+mj-cs"/>
-              </a:rPr>
-              <a:t>Přidávání položek</a:t>
-            </a:r>
-            <a:endParaRPr lang="en-US" sz="5400" kern="1200" dirty="0">
-              <a:solidFill>
-                <a:srgbClr val="FFFFFF"/>
-              </a:solidFill>
-              <a:latin typeface="+mj-lt"/>
-              <a:ea typeface="+mj-ea"/>
-              <a:cs typeface="+mj-cs"/>
-            </a:endParaRPr>
-          </a:p>
-        </p:txBody>
-      </p:sp>
-      <p:cxnSp>
-        <p:nvCxnSpPr>
-          <p:cNvPr id="22" name="Straight Connector 21">
-            <a:extLst>
-              <a:ext uri="{FF2B5EF4-FFF2-40B4-BE49-F238E27FC236}">
-                <a16:creationId xmlns:a16="http://schemas.microsoft.com/office/drawing/2014/main" id="{7E7C77BC-7138-40B1-A15B-20F57A494629}"/>
-              </a:ext>
-              <a:ext uri="{C183D7F6-B498-43B3-948B-1728B52AA6E4}">
-                <adec:decorative xmlns:adec="http://schemas.microsoft.com/office/drawing/2017/decorative" val="1"/>
-              </a:ext>
-            </a:extLst>
-          </p:cNvPr>
-          <p:cNvCxnSpPr>
-            <a:cxnSpLocks noGrp="1" noRot="1" noChangeAspect="1" noMove="1" noResize="1" noEditPoints="1" noAdjustHandles="1" noChangeArrowheads="1" noChangeShapeType="1"/>
-          </p:cNvCxnSpPr>
-          <p:nvPr>
-            <p:extLst>
-              <p:ext uri="{386F3935-93C4-4BCD-93E2-E3B085C9AB24}">
-                <p16:designElem xmlns:p16="http://schemas.microsoft.com/office/powerpoint/2015/main" val="1"/>
-              </p:ext>
-            </p:extLst>
-          </p:nvPr>
-        </p:nvCxnSpPr>
-        <p:spPr>
-          <a:xfrm>
-            <a:off x="2209800" y="1448631"/>
-            <a:ext cx="7772400" cy="0"/>
-          </a:xfrm>
-          <a:prstGeom prst="line">
-            <a:avLst/>
-          </a:prstGeom>
-          <a:ln w="22225">
-            <a:solidFill>
-              <a:srgbClr val="D9D9D9"/>
-            </a:solidFill>
-          </a:ln>
-        </p:spPr>
-        <p:style>
-          <a:lnRef idx="1">
-            <a:schemeClr val="accent1"/>
-          </a:lnRef>
-          <a:fillRef idx="0">
-            <a:schemeClr val="accent1"/>
-          </a:fillRef>
-          <a:effectRef idx="0">
-            <a:schemeClr val="accent1"/>
-          </a:effectRef>
-          <a:fontRef idx="minor">
-            <a:schemeClr val="tx1"/>
-          </a:fontRef>
-        </p:style>
-      </p:cxnSp>
-      <p:pic>
-        <p:nvPicPr>
-          <p:cNvPr id="4" name="Obrázek 3" descr="Obsah obrázku snímek obrazovky&#10;&#10;Popis byl vytvořen automaticky">
-            <a:extLst>
-              <a:ext uri="{FF2B5EF4-FFF2-40B4-BE49-F238E27FC236}">
-                <a16:creationId xmlns:a16="http://schemas.microsoft.com/office/drawing/2014/main" id="{2C56102B-2EC1-48E6-890B-6142ECDAD70A}"/>
-              </a:ext>
-            </a:extLst>
-          </p:cNvPr>
-          <p:cNvPicPr>
-            <a:picLocks noChangeAspect="1"/>
-          </p:cNvPicPr>
-          <p:nvPr/>
-        </p:nvPicPr>
-        <p:blipFill>
-          <a:blip r:embed="rId2">
-            <a:extLst>
-              <a:ext uri="{28A0092B-C50C-407E-A947-70E740481C1C}">
-                <a14:useLocalDpi xmlns:a14="http://schemas.microsoft.com/office/drawing/2010/main" val="0"/>
-              </a:ext>
-            </a:extLst>
-          </a:blip>
-          <a:stretch>
-            <a:fillRect/>
-          </a:stretch>
-        </p:blipFill>
-        <p:spPr>
-          <a:xfrm>
-            <a:off x="4505337" y="1315792"/>
-            <a:ext cx="3175126" cy="5267639"/>
-          </a:xfrm>
-          <a:prstGeom prst="rect">
-            <a:avLst/>
-          </a:prstGeom>
-        </p:spPr>
-      </p:pic>
-      <p:pic>
-        <p:nvPicPr>
-          <p:cNvPr id="6" name="Obrázek 5" descr="Obsah obrázku snímek obrazovky&#10;&#10;Popis byl vytvořen automaticky">
-            <a:extLst>
-              <a:ext uri="{FF2B5EF4-FFF2-40B4-BE49-F238E27FC236}">
-                <a16:creationId xmlns:a16="http://schemas.microsoft.com/office/drawing/2014/main" id="{C222F967-4952-46BE-A96A-6E51DEB2EB3F}"/>
-              </a:ext>
-            </a:extLst>
-          </p:cNvPr>
-          <p:cNvPicPr>
-            <a:picLocks noChangeAspect="1"/>
-          </p:cNvPicPr>
-          <p:nvPr/>
-        </p:nvPicPr>
-        <p:blipFill>
-          <a:blip r:embed="rId3">
-            <a:extLst>
-              <a:ext uri="{28A0092B-C50C-407E-A947-70E740481C1C}">
-                <a14:useLocalDpi xmlns:a14="http://schemas.microsoft.com/office/drawing/2010/main" val="0"/>
-              </a:ext>
-            </a:extLst>
-          </a:blip>
-          <a:stretch>
-            <a:fillRect/>
-          </a:stretch>
-        </p:blipFill>
-        <p:spPr>
-          <a:xfrm>
-            <a:off x="8394637" y="1315792"/>
-            <a:ext cx="3175126" cy="5257044"/>
-          </a:xfrm>
-          <a:prstGeom prst="rect">
-            <a:avLst/>
-          </a:prstGeom>
-        </p:spPr>
-      </p:pic>
-      <p:pic>
-        <p:nvPicPr>
-          <p:cNvPr id="8" name="Obrázek 7" descr="Obsah obrázku snímek obrazovky&#10;&#10;Popis byl vytvořen automaticky">
-            <a:extLst>
-              <a:ext uri="{FF2B5EF4-FFF2-40B4-BE49-F238E27FC236}">
-                <a16:creationId xmlns:a16="http://schemas.microsoft.com/office/drawing/2014/main" id="{6E8968CA-307B-4B4D-851F-BADB4794DF89}"/>
-              </a:ext>
-            </a:extLst>
-          </p:cNvPr>
-          <p:cNvPicPr>
-            <a:picLocks noChangeAspect="1"/>
-          </p:cNvPicPr>
-          <p:nvPr/>
-        </p:nvPicPr>
-        <p:blipFill>
-          <a:blip r:embed="rId4">
-            <a:extLst>
-              <a:ext uri="{28A0092B-C50C-407E-A947-70E740481C1C}">
-                <a14:useLocalDpi xmlns:a14="http://schemas.microsoft.com/office/drawing/2010/main" val="0"/>
-              </a:ext>
-            </a:extLst>
-          </a:blip>
-          <a:stretch>
-            <a:fillRect/>
-          </a:stretch>
-        </p:blipFill>
-        <p:spPr>
-          <a:xfrm>
-            <a:off x="622237" y="1315792"/>
-            <a:ext cx="3175127" cy="5246557"/>
-          </a:xfrm>
-          <a:prstGeom prst="rect">
-            <a:avLst/>
-          </a:prstGeom>
-        </p:spPr>
-      </p:pic>
-    </p:spTree>
-    <p:extLst>
-      <p:ext uri="{BB962C8B-B14F-4D97-AF65-F5344CB8AC3E}">
-        <p14:creationId xmlns:p14="http://schemas.microsoft.com/office/powerpoint/2010/main" val="3465594249"/>
-      </p:ext>
-    </p:extLst>
-  </p:cSld>
-  <p:clrMapOvr>
-    <a:masterClrMapping/>
-  </p:clrMapOvr>
-</p:sld>
-</file>
-
-<file path=ppt/slides/slide16.xml><?xml version="1.0" encoding="utf-8"?>
-<p:sld xmlns:a="http://schemas.openxmlformats.org/drawingml/2006/main" xmlns:r="http://schemas.openxmlformats.org/officeDocument/2006/relationships" xmlns:p="http://schemas.openxmlformats.org/presentationml/2006/main">
-  <p:cSld>
-    <p:spTree>
-      <p:nvGrpSpPr>
-        <p:cNvPr id="1" name=""/>
-        <p:cNvGrpSpPr/>
-        <p:nvPr/>
-      </p:nvGrpSpPr>
-      <p:grpSpPr>
-        <a:xfrm>
-          <a:off x="0" y="0"/>
-          <a:ext cx="0" cy="0"/>
-          <a:chOff x="0" y="0"/>
-          <a:chExt cx="0" cy="0"/>
-        </a:xfrm>
-      </p:grpSpPr>
-      <p:pic>
-        <p:nvPicPr>
-          <p:cNvPr id="5" name="Zástupný obsah 4" descr="Obsah obrázku snímek obrazovky, text&#10;&#10;Popis byl vytvořen automaticky">
-            <a:extLst>
-              <a:ext uri="{FF2B5EF4-FFF2-40B4-BE49-F238E27FC236}">
-                <a16:creationId xmlns:a16="http://schemas.microsoft.com/office/drawing/2014/main" id="{8C4682DF-91EF-4653-A2CC-97384576B24C}"/>
-              </a:ext>
-            </a:extLst>
-          </p:cNvPr>
-          <p:cNvPicPr>
-            <a:picLocks noGrp="1" noChangeAspect="1"/>
-          </p:cNvPicPr>
-          <p:nvPr>
-            <p:ph idx="1"/>
-          </p:nvPr>
-        </p:nvPicPr>
-        <p:blipFill>
-          <a:blip r:embed="rId2">
-            <a:extLst>
-              <a:ext uri="{28A0092B-C50C-407E-A947-70E740481C1C}">
-                <a14:useLocalDpi xmlns:a14="http://schemas.microsoft.com/office/drawing/2010/main" val="0"/>
-              </a:ext>
-            </a:extLst>
-          </a:blip>
-          <a:stretch>
-            <a:fillRect/>
-          </a:stretch>
-        </p:blipFill>
-        <p:spPr>
-          <a:xfrm>
-            <a:off x="1579569" y="653339"/>
-            <a:ext cx="9032861" cy="5551321"/>
-          </a:xfrm>
-        </p:spPr>
-      </p:pic>
-    </p:spTree>
-    <p:extLst>
-      <p:ext uri="{BB962C8B-B14F-4D97-AF65-F5344CB8AC3E}">
-        <p14:creationId xmlns:p14="http://schemas.microsoft.com/office/powerpoint/2010/main" val="343888511"/>
-      </p:ext>
-    </p:extLst>
-  </p:cSld>
-  <p:clrMapOvr>
-    <a:masterClrMapping/>
-  </p:clrMapOvr>
-</p:sld>
-</file>
-
-<file path=ppt/slides/slide17.xml><?xml version="1.0" encoding="utf-8"?>
-<p:sld xmlns:a="http://schemas.openxmlformats.org/drawingml/2006/main" xmlns:r="http://schemas.openxmlformats.org/officeDocument/2006/relationships" xmlns:p="http://schemas.openxmlformats.org/presentationml/2006/main">
-  <p:cSld>
-    <p:spTree>
-      <p:nvGrpSpPr>
-        <p:cNvPr id="1" name=""/>
-        <p:cNvGrpSpPr/>
-        <p:nvPr/>
-      </p:nvGrpSpPr>
-      <p:grpSpPr>
-        <a:xfrm>
-          <a:off x="0" y="0"/>
-          <a:ext cx="0" cy="0"/>
-          <a:chOff x="0" y="0"/>
-          <a:chExt cx="0" cy="0"/>
-        </a:xfrm>
-      </p:grpSpPr>
-      <p:pic>
-        <p:nvPicPr>
-          <p:cNvPr id="3" name="Obrázek 2" descr="Obsah obrázku snímek obrazovky&#10;&#10;Popis byl vytvořen automaticky">
-            <a:extLst>
-              <a:ext uri="{FF2B5EF4-FFF2-40B4-BE49-F238E27FC236}">
-                <a16:creationId xmlns:a16="http://schemas.microsoft.com/office/drawing/2014/main" id="{3631A881-4DC0-4FFA-BA3E-E0DDFF587EE6}"/>
-              </a:ext>
-            </a:extLst>
-          </p:cNvPr>
-          <p:cNvPicPr>
-            <a:picLocks noChangeAspect="1"/>
-          </p:cNvPicPr>
-          <p:nvPr/>
-        </p:nvPicPr>
-        <p:blipFill>
-          <a:blip r:embed="rId2">
-            <a:extLst>
-              <a:ext uri="{28A0092B-C50C-407E-A947-70E740481C1C}">
-                <a14:useLocalDpi xmlns:a14="http://schemas.microsoft.com/office/drawing/2010/main" val="0"/>
-              </a:ext>
-            </a:extLst>
-          </a:blip>
-          <a:stretch>
-            <a:fillRect/>
-          </a:stretch>
-        </p:blipFill>
-        <p:spPr>
-          <a:xfrm>
-            <a:off x="2857019" y="115503"/>
-            <a:ext cx="6479485" cy="6628553"/>
-          </a:xfrm>
-          <a:prstGeom prst="rect">
-            <a:avLst/>
-          </a:prstGeom>
-        </p:spPr>
-      </p:pic>
-    </p:spTree>
-    <p:extLst>
-      <p:ext uri="{BB962C8B-B14F-4D97-AF65-F5344CB8AC3E}">
-        <p14:creationId xmlns:p14="http://schemas.microsoft.com/office/powerpoint/2010/main" val="823029258"/>
-      </p:ext>
-    </p:extLst>
-  </p:cSld>
-  <p:clrMapOvr>
-    <a:masterClrMapping/>
-  </p:clrMapOvr>
-</p:sld>
-</file>
-
-<file path=ppt/slides/slide18.xml><?xml version="1.0" encoding="utf-8"?>
-<p:sld xmlns:a="http://schemas.openxmlformats.org/drawingml/2006/main" xmlns:r="http://schemas.openxmlformats.org/officeDocument/2006/relationships" xmlns:p="http://schemas.openxmlformats.org/presentationml/2006/main">
-  <p:cSld>
-    <p:spTree>
-      <p:nvGrpSpPr>
-        <p:cNvPr id="1" name=""/>
-        <p:cNvGrpSpPr/>
-        <p:nvPr/>
-      </p:nvGrpSpPr>
-      <p:grpSpPr>
-        <a:xfrm>
-          <a:off x="0" y="0"/>
-          <a:ext cx="0" cy="0"/>
-          <a:chOff x="0" y="0"/>
-          <a:chExt cx="0" cy="0"/>
-        </a:xfrm>
-      </p:grpSpPr>
-      <p:pic>
-        <p:nvPicPr>
-          <p:cNvPr id="5" name="Zástupný obsah 4" descr="Obsah obrázku snímek obrazovky, text&#10;&#10;Popis byl vytvořen automaticky">
-            <a:extLst>
-              <a:ext uri="{FF2B5EF4-FFF2-40B4-BE49-F238E27FC236}">
-                <a16:creationId xmlns:a16="http://schemas.microsoft.com/office/drawing/2014/main" id="{9B2F3A90-6E6A-4579-825D-AFB72AC247D4}"/>
-              </a:ext>
-            </a:extLst>
-          </p:cNvPr>
-          <p:cNvPicPr>
-            <a:picLocks noGrp="1" noChangeAspect="1"/>
-          </p:cNvPicPr>
-          <p:nvPr>
-            <p:ph idx="1"/>
-          </p:nvPr>
-        </p:nvPicPr>
-        <p:blipFill>
-          <a:blip r:embed="rId2">
-            <a:extLst>
-              <a:ext uri="{28A0092B-C50C-407E-A947-70E740481C1C}">
-                <a14:useLocalDpi xmlns:a14="http://schemas.microsoft.com/office/drawing/2010/main" val="0"/>
-              </a:ext>
-            </a:extLst>
-          </a:blip>
-          <a:stretch>
-            <a:fillRect/>
-          </a:stretch>
-        </p:blipFill>
-        <p:spPr>
-          <a:xfrm>
-            <a:off x="1495960" y="204802"/>
-            <a:ext cx="9200079" cy="6448395"/>
-          </a:xfrm>
-        </p:spPr>
-      </p:pic>
-    </p:spTree>
-    <p:extLst>
-      <p:ext uri="{BB962C8B-B14F-4D97-AF65-F5344CB8AC3E}">
-        <p14:creationId xmlns:p14="http://schemas.microsoft.com/office/powerpoint/2010/main" val="2600117420"/>
-      </p:ext>
-    </p:extLst>
-  </p:cSld>
-  <p:clrMapOvr>
-    <a:masterClrMapping/>
-  </p:clrMapOvr>
-</p:sld>
-</file>
-
-<file path=ppt/slides/slide19.xml><?xml version="1.0" encoding="utf-8"?>
-<p:sld xmlns:a="http://schemas.openxmlformats.org/drawingml/2006/main" xmlns:r="http://schemas.openxmlformats.org/officeDocument/2006/relationships" xmlns:p="http://schemas.openxmlformats.org/presentationml/2006/main">
-  <p:cSld>
-    <p:spTree>
-      <p:nvGrpSpPr>
-        <p:cNvPr id="1" name=""/>
-        <p:cNvGrpSpPr/>
-        <p:nvPr/>
-      </p:nvGrpSpPr>
-      <p:grpSpPr>
-        <a:xfrm>
-          <a:off x="0" y="0"/>
-          <a:ext cx="0" cy="0"/>
-          <a:chOff x="0" y="0"/>
-          <a:chExt cx="0" cy="0"/>
-        </a:xfrm>
-      </p:grpSpPr>
-      <p:pic>
-        <p:nvPicPr>
-          <p:cNvPr id="5" name="Zástupný obsah 4" descr="Obsah obrázku snímek obrazovky, text&#10;&#10;Popis byl vytvořen automaticky">
-            <a:extLst>
-              <a:ext uri="{FF2B5EF4-FFF2-40B4-BE49-F238E27FC236}">
-                <a16:creationId xmlns:a16="http://schemas.microsoft.com/office/drawing/2014/main" id="{1D12AD3B-9B35-4E7D-ACF0-7FC19758501D}"/>
-              </a:ext>
-            </a:extLst>
-          </p:cNvPr>
-          <p:cNvPicPr>
-            <a:picLocks noGrp="1" noChangeAspect="1"/>
-          </p:cNvPicPr>
-          <p:nvPr>
-            <p:ph idx="1"/>
-          </p:nvPr>
-        </p:nvPicPr>
-        <p:blipFill>
-          <a:blip r:embed="rId2">
-            <a:extLst>
-              <a:ext uri="{28A0092B-C50C-407E-A947-70E740481C1C}">
-                <a14:useLocalDpi xmlns:a14="http://schemas.microsoft.com/office/drawing/2010/main" val="0"/>
-              </a:ext>
-            </a:extLst>
-          </a:blip>
-          <a:stretch>
-            <a:fillRect/>
-          </a:stretch>
-        </p:blipFill>
-        <p:spPr>
-          <a:xfrm>
-            <a:off x="517002" y="38111"/>
-            <a:ext cx="11157995" cy="6781778"/>
-          </a:xfrm>
-        </p:spPr>
-      </p:pic>
-    </p:spTree>
-    <p:extLst>
-      <p:ext uri="{BB962C8B-B14F-4D97-AF65-F5344CB8AC3E}">
-        <p14:creationId xmlns:p14="http://schemas.microsoft.com/office/powerpoint/2010/main" val="2520313894"/>
-      </p:ext>
-    </p:extLst>
-  </p:cSld>
-  <p:clrMapOvr>
-    <a:masterClrMapping/>
   </p:clrMapOvr>
 </p:sld>
 </file>
@@ -6047,730 +4921,6 @@
     <p:extLst>
       <p:ext uri="{BB962C8B-B14F-4D97-AF65-F5344CB8AC3E}">
         <p14:creationId xmlns:p14="http://schemas.microsoft.com/office/powerpoint/2010/main" val="650120860"/>
-      </p:ext>
-    </p:extLst>
-  </p:cSld>
-  <p:clrMapOvr>
-    <a:overrideClrMapping bg1="dk1" tx1="lt1" bg2="dk2" tx2="lt2" accent1="accent1" accent2="accent2" accent3="accent3" accent4="accent4" accent5="accent5" accent6="accent6" hlink="hlink" folHlink="folHlink"/>
-  </p:clrMapOvr>
-</p:sld>
-</file>
-
-<file path=ppt/slides/slide20.xml><?xml version="1.0" encoding="utf-8"?>
-<p:sld xmlns:a="http://schemas.openxmlformats.org/drawingml/2006/main" xmlns:r="http://schemas.openxmlformats.org/officeDocument/2006/relationships" xmlns:p="http://schemas.openxmlformats.org/presentationml/2006/main">
-  <p:cSld>
-    <p:spTree>
-      <p:nvGrpSpPr>
-        <p:cNvPr id="1" name=""/>
-        <p:cNvGrpSpPr/>
-        <p:nvPr/>
-      </p:nvGrpSpPr>
-      <p:grpSpPr>
-        <a:xfrm>
-          <a:off x="0" y="0"/>
-          <a:ext cx="0" cy="0"/>
-          <a:chOff x="0" y="0"/>
-          <a:chExt cx="0" cy="0"/>
-        </a:xfrm>
-      </p:grpSpPr>
-      <p:pic>
-        <p:nvPicPr>
-          <p:cNvPr id="5" name="Zástupný obsah 4" descr="Obsah obrázku snímek obrazovky, text&#10;&#10;Popis byl vytvořen automaticky">
-            <a:extLst>
-              <a:ext uri="{FF2B5EF4-FFF2-40B4-BE49-F238E27FC236}">
-                <a16:creationId xmlns:a16="http://schemas.microsoft.com/office/drawing/2014/main" id="{2983C82D-474C-47DD-B989-640495520872}"/>
-              </a:ext>
-            </a:extLst>
-          </p:cNvPr>
-          <p:cNvPicPr>
-            <a:picLocks noGrp="1" noChangeAspect="1"/>
-          </p:cNvPicPr>
-          <p:nvPr>
-            <p:ph idx="1"/>
-          </p:nvPr>
-        </p:nvPicPr>
-        <p:blipFill>
-          <a:blip r:embed="rId2">
-            <a:extLst>
-              <a:ext uri="{28A0092B-C50C-407E-A947-70E740481C1C}">
-                <a14:useLocalDpi xmlns:a14="http://schemas.microsoft.com/office/drawing/2010/main" val="0"/>
-              </a:ext>
-            </a:extLst>
-          </a:blip>
-          <a:stretch>
-            <a:fillRect/>
-          </a:stretch>
-        </p:blipFill>
-        <p:spPr>
-          <a:xfrm>
-            <a:off x="2478911" y="7002"/>
-            <a:ext cx="7234177" cy="6843996"/>
-          </a:xfrm>
-        </p:spPr>
-      </p:pic>
-    </p:spTree>
-    <p:extLst>
-      <p:ext uri="{BB962C8B-B14F-4D97-AF65-F5344CB8AC3E}">
-        <p14:creationId xmlns:p14="http://schemas.microsoft.com/office/powerpoint/2010/main" val="1136285908"/>
-      </p:ext>
-    </p:extLst>
-  </p:cSld>
-  <p:clrMapOvr>
-    <a:masterClrMapping/>
-  </p:clrMapOvr>
-</p:sld>
-</file>
-
-<file path=ppt/slides/slide21.xml><?xml version="1.0" encoding="utf-8"?>
-<p:sld xmlns:a="http://schemas.openxmlformats.org/drawingml/2006/main" xmlns:r="http://schemas.openxmlformats.org/officeDocument/2006/relationships" xmlns:p="http://schemas.openxmlformats.org/presentationml/2006/main">
-  <p:cSld>
-    <p:spTree>
-      <p:nvGrpSpPr>
-        <p:cNvPr id="1" name=""/>
-        <p:cNvGrpSpPr/>
-        <p:nvPr/>
-      </p:nvGrpSpPr>
-      <p:grpSpPr>
-        <a:xfrm>
-          <a:off x="0" y="0"/>
-          <a:ext cx="0" cy="0"/>
-          <a:chOff x="0" y="0"/>
-          <a:chExt cx="0" cy="0"/>
-        </a:xfrm>
-      </p:grpSpPr>
-      <p:pic>
-        <p:nvPicPr>
-          <p:cNvPr id="5" name="Zástupný obsah 4" descr="Obsah obrázku snímek obrazovky, text&#10;&#10;Popis byl vytvořen automaticky">
-            <a:extLst>
-              <a:ext uri="{FF2B5EF4-FFF2-40B4-BE49-F238E27FC236}">
-                <a16:creationId xmlns:a16="http://schemas.microsoft.com/office/drawing/2014/main" id="{D8B1186D-8325-44DC-9FCF-FED3897B13BE}"/>
-              </a:ext>
-            </a:extLst>
-          </p:cNvPr>
-          <p:cNvPicPr>
-            <a:picLocks noGrp="1" noChangeAspect="1"/>
-          </p:cNvPicPr>
-          <p:nvPr>
-            <p:ph idx="1"/>
-          </p:nvPr>
-        </p:nvPicPr>
-        <p:blipFill>
-          <a:blip r:embed="rId2">
-            <a:extLst>
-              <a:ext uri="{28A0092B-C50C-407E-A947-70E740481C1C}">
-                <a14:useLocalDpi xmlns:a14="http://schemas.microsoft.com/office/drawing/2010/main" val="0"/>
-              </a:ext>
-            </a:extLst>
-          </a:blip>
-          <a:stretch>
-            <a:fillRect/>
-          </a:stretch>
-        </p:blipFill>
-        <p:spPr>
-          <a:xfrm>
-            <a:off x="39770" y="829425"/>
-            <a:ext cx="12112460" cy="5199150"/>
-          </a:xfrm>
-        </p:spPr>
-      </p:pic>
-    </p:spTree>
-    <p:extLst>
-      <p:ext uri="{BB962C8B-B14F-4D97-AF65-F5344CB8AC3E}">
-        <p14:creationId xmlns:p14="http://schemas.microsoft.com/office/powerpoint/2010/main" val="2374307267"/>
-      </p:ext>
-    </p:extLst>
-  </p:cSld>
-  <p:clrMapOvr>
-    <a:masterClrMapping/>
-  </p:clrMapOvr>
-</p:sld>
-</file>
-
-<file path=ppt/slides/slide22.xml><?xml version="1.0" encoding="utf-8"?>
-<p:sld xmlns:a="http://schemas.openxmlformats.org/drawingml/2006/main" xmlns:r="http://schemas.openxmlformats.org/officeDocument/2006/relationships" xmlns:p="http://schemas.openxmlformats.org/presentationml/2006/main">
-  <p:cSld>
-    <p:spTree>
-      <p:nvGrpSpPr>
-        <p:cNvPr id="1" name=""/>
-        <p:cNvGrpSpPr/>
-        <p:nvPr/>
-      </p:nvGrpSpPr>
-      <p:grpSpPr>
-        <a:xfrm>
-          <a:off x="0" y="0"/>
-          <a:ext cx="0" cy="0"/>
-          <a:chOff x="0" y="0"/>
-          <a:chExt cx="0" cy="0"/>
-        </a:xfrm>
-      </p:grpSpPr>
-      <p:sp>
-        <p:nvSpPr>
-          <p:cNvPr id="2" name="Nadpis 1">
-            <a:extLst>
-              <a:ext uri="{FF2B5EF4-FFF2-40B4-BE49-F238E27FC236}">
-                <a16:creationId xmlns:a16="http://schemas.microsoft.com/office/drawing/2014/main" id="{302BFF21-6375-449B-B9FD-1C4620AC8571}"/>
-              </a:ext>
-            </a:extLst>
-          </p:cNvPr>
-          <p:cNvSpPr>
-            <a:spLocks noGrp="1"/>
-          </p:cNvSpPr>
-          <p:nvPr>
-            <p:ph type="title"/>
-          </p:nvPr>
-        </p:nvSpPr>
-        <p:spPr/>
-        <p:txBody>
-          <a:bodyPr/>
-          <a:lstStyle/>
-          <a:p>
-            <a:endParaRPr lang="cs-CZ"/>
-          </a:p>
-        </p:txBody>
-      </p:sp>
-      <p:pic>
-        <p:nvPicPr>
-          <p:cNvPr id="5" name="Zástupný obsah 4" descr="Obsah obrázku snímek obrazovky, text&#10;&#10;Popis byl vytvořen automaticky">
-            <a:extLst>
-              <a:ext uri="{FF2B5EF4-FFF2-40B4-BE49-F238E27FC236}">
-                <a16:creationId xmlns:a16="http://schemas.microsoft.com/office/drawing/2014/main" id="{9EFA2C8A-FF2D-4F5A-911A-0AD938454799}"/>
-              </a:ext>
-            </a:extLst>
-          </p:cNvPr>
-          <p:cNvPicPr>
-            <a:picLocks noGrp="1" noChangeAspect="1"/>
-          </p:cNvPicPr>
-          <p:nvPr>
-            <p:ph idx="1"/>
-          </p:nvPr>
-        </p:nvPicPr>
-        <p:blipFill>
-          <a:blip r:embed="rId2">
-            <a:extLst>
-              <a:ext uri="{28A0092B-C50C-407E-A947-70E740481C1C}">
-                <a14:useLocalDpi xmlns:a14="http://schemas.microsoft.com/office/drawing/2010/main" val="0"/>
-              </a:ext>
-            </a:extLst>
-          </a:blip>
-          <a:stretch>
-            <a:fillRect/>
-          </a:stretch>
-        </p:blipFill>
-        <p:spPr>
-          <a:xfrm>
-            <a:off x="1" y="373794"/>
-            <a:ext cx="12191999" cy="6110411"/>
-          </a:xfrm>
-        </p:spPr>
-      </p:pic>
-    </p:spTree>
-    <p:extLst>
-      <p:ext uri="{BB962C8B-B14F-4D97-AF65-F5344CB8AC3E}">
-        <p14:creationId xmlns:p14="http://schemas.microsoft.com/office/powerpoint/2010/main" val="25119416"/>
-      </p:ext>
-    </p:extLst>
-  </p:cSld>
-  <p:clrMapOvr>
-    <a:masterClrMapping/>
-  </p:clrMapOvr>
-</p:sld>
-</file>
-
-<file path=ppt/slides/slide23.xml><?xml version="1.0" encoding="utf-8"?>
-<p:sld xmlns:a="http://schemas.openxmlformats.org/drawingml/2006/main" xmlns:r="http://schemas.openxmlformats.org/officeDocument/2006/relationships" xmlns:p="http://schemas.openxmlformats.org/presentationml/2006/main">
-  <p:cSld>
-    <p:spTree>
-      <p:nvGrpSpPr>
-        <p:cNvPr id="1" name=""/>
-        <p:cNvGrpSpPr/>
-        <p:nvPr/>
-      </p:nvGrpSpPr>
-      <p:grpSpPr>
-        <a:xfrm>
-          <a:off x="0" y="0"/>
-          <a:ext cx="0" cy="0"/>
-          <a:chOff x="0" y="0"/>
-          <a:chExt cx="0" cy="0"/>
-        </a:xfrm>
-      </p:grpSpPr>
-      <p:sp>
-        <p:nvSpPr>
-          <p:cNvPr id="2" name="Nadpis 1">
-            <a:extLst>
-              <a:ext uri="{FF2B5EF4-FFF2-40B4-BE49-F238E27FC236}">
-                <a16:creationId xmlns:a16="http://schemas.microsoft.com/office/drawing/2014/main" id="{302BFF21-6375-449B-B9FD-1C4620AC8571}"/>
-              </a:ext>
-            </a:extLst>
-          </p:cNvPr>
-          <p:cNvSpPr>
-            <a:spLocks noGrp="1"/>
-          </p:cNvSpPr>
-          <p:nvPr>
-            <p:ph type="title"/>
-          </p:nvPr>
-        </p:nvSpPr>
-        <p:spPr/>
-        <p:txBody>
-          <a:bodyPr/>
-          <a:lstStyle/>
-          <a:p>
-            <a:endParaRPr lang="cs-CZ"/>
-          </a:p>
-        </p:txBody>
-      </p:sp>
-      <p:pic>
-        <p:nvPicPr>
-          <p:cNvPr id="5" name="Zástupný obsah 4" descr="Obsah obrázku snímek obrazovky&#10;&#10;Popis byl vytvořen automaticky">
-            <a:extLst>
-              <a:ext uri="{FF2B5EF4-FFF2-40B4-BE49-F238E27FC236}">
-                <a16:creationId xmlns:a16="http://schemas.microsoft.com/office/drawing/2014/main" id="{5FF58200-5E7D-4E52-A542-0D0E8D813B62}"/>
-              </a:ext>
-            </a:extLst>
-          </p:cNvPr>
-          <p:cNvPicPr>
-            <a:picLocks noGrp="1" noChangeAspect="1"/>
-          </p:cNvPicPr>
-          <p:nvPr>
-            <p:ph idx="1"/>
-          </p:nvPr>
-        </p:nvPicPr>
-        <p:blipFill>
-          <a:blip r:embed="rId2">
-            <a:extLst>
-              <a:ext uri="{28A0092B-C50C-407E-A947-70E740481C1C}">
-                <a14:useLocalDpi xmlns:a14="http://schemas.microsoft.com/office/drawing/2010/main" val="0"/>
-              </a:ext>
-            </a:extLst>
-          </a:blip>
-          <a:stretch>
-            <a:fillRect/>
-          </a:stretch>
-        </p:blipFill>
-        <p:spPr>
-          <a:xfrm>
-            <a:off x="0" y="365125"/>
-            <a:ext cx="12192000" cy="6124576"/>
-          </a:xfrm>
-        </p:spPr>
-      </p:pic>
-    </p:spTree>
-    <p:extLst>
-      <p:ext uri="{BB962C8B-B14F-4D97-AF65-F5344CB8AC3E}">
-        <p14:creationId xmlns:p14="http://schemas.microsoft.com/office/powerpoint/2010/main" val="1146919858"/>
-      </p:ext>
-    </p:extLst>
-  </p:cSld>
-  <p:clrMapOvr>
-    <a:masterClrMapping/>
-  </p:clrMapOvr>
-</p:sld>
-</file>
-
-<file path=ppt/slides/slide24.xml><?xml version="1.0" encoding="utf-8"?>
-<p:sld xmlns:a="http://schemas.openxmlformats.org/drawingml/2006/main" xmlns:r="http://schemas.openxmlformats.org/officeDocument/2006/relationships" xmlns:p="http://schemas.openxmlformats.org/presentationml/2006/main">
-  <p:cSld>
-    <p:bg>
-      <p:bgPr>
-        <a:solidFill>
-          <a:schemeClr val="bg1">
-            <a:tint val="95000"/>
-            <a:satMod val="170000"/>
-          </a:schemeClr>
-        </a:solidFill>
-        <a:effectLst/>
-      </p:bgPr>
-    </p:bg>
-    <p:spTree>
-      <p:nvGrpSpPr>
-        <p:cNvPr id="1" name=""/>
-        <p:cNvGrpSpPr/>
-        <p:nvPr/>
-      </p:nvGrpSpPr>
-      <p:grpSpPr>
-        <a:xfrm>
-          <a:off x="0" y="0"/>
-          <a:ext cx="0" cy="0"/>
-          <a:chOff x="0" y="0"/>
-          <a:chExt cx="0" cy="0"/>
-        </a:xfrm>
-      </p:grpSpPr>
-      <p:sp>
-        <p:nvSpPr>
-          <p:cNvPr id="9" name="Freeform: Shape 8">
-            <a:extLst>
-              <a:ext uri="{FF2B5EF4-FFF2-40B4-BE49-F238E27FC236}">
-                <a16:creationId xmlns:a16="http://schemas.microsoft.com/office/drawing/2014/main" id="{66B332A4-D438-4773-A77F-5ED49A448D9D}"/>
-              </a:ext>
-              <a:ext uri="{C183D7F6-B498-43B3-948B-1728B52AA6E4}">
-                <adec:decorative xmlns:adec="http://schemas.microsoft.com/office/drawing/2017/decorative" val="1"/>
-              </a:ext>
-            </a:extLst>
-          </p:cNvPr>
-          <p:cNvSpPr>
-            <a:spLocks noGrp="1" noRot="1" noChangeAspect="1" noMove="1" noResize="1" noEditPoints="1" noAdjustHandles="1" noChangeArrowheads="1" noChangeShapeType="1" noTextEdit="1"/>
-          </p:cNvSpPr>
-          <p:nvPr>
-            <p:extLst>
-              <p:ext uri="{386F3935-93C4-4BCD-93E2-E3B085C9AB24}">
-                <p16:designElem xmlns:p16="http://schemas.microsoft.com/office/powerpoint/2015/main" val="1"/>
-              </p:ext>
-            </p:extLst>
-          </p:nvPr>
-        </p:nvSpPr>
-        <p:spPr>
-          <a:xfrm>
-            <a:off x="1953768" y="0"/>
-            <a:ext cx="8284464" cy="6858000"/>
-          </a:xfrm>
-          <a:custGeom>
-            <a:avLst/>
-            <a:gdLst>
-              <a:gd name="connsiteX0" fmla="*/ 1818109 w 8284464"/>
-              <a:gd name="connsiteY0" fmla="*/ 0 h 6858000"/>
-              <a:gd name="connsiteX1" fmla="*/ 6466355 w 8284464"/>
-              <a:gd name="connsiteY1" fmla="*/ 0 h 6858000"/>
-              <a:gd name="connsiteX2" fmla="*/ 6620596 w 8284464"/>
-              <a:gd name="connsiteY2" fmla="*/ 109683 h 6858000"/>
-              <a:gd name="connsiteX3" fmla="*/ 8284464 w 8284464"/>
-              <a:gd name="connsiteY3" fmla="*/ 3429000 h 6858000"/>
-              <a:gd name="connsiteX4" fmla="*/ 6620596 w 8284464"/>
-              <a:gd name="connsiteY4" fmla="*/ 6748318 h 6858000"/>
-              <a:gd name="connsiteX5" fmla="*/ 6466355 w 8284464"/>
-              <a:gd name="connsiteY5" fmla="*/ 6858000 h 6858000"/>
-              <a:gd name="connsiteX6" fmla="*/ 1818109 w 8284464"/>
-              <a:gd name="connsiteY6" fmla="*/ 6858000 h 6858000"/>
-              <a:gd name="connsiteX7" fmla="*/ 1663869 w 8284464"/>
-              <a:gd name="connsiteY7" fmla="*/ 6748318 h 6858000"/>
-              <a:gd name="connsiteX8" fmla="*/ 0 w 8284464"/>
-              <a:gd name="connsiteY8" fmla="*/ 3429000 h 6858000"/>
-              <a:gd name="connsiteX9" fmla="*/ 1663869 w 8284464"/>
-              <a:gd name="connsiteY9" fmla="*/ 109683 h 6858000"/>
-            </a:gdLst>
-            <a:ahLst/>
-            <a:cxnLst>
-              <a:cxn ang="0">
-                <a:pos x="connsiteX0" y="connsiteY0"/>
-              </a:cxn>
-              <a:cxn ang="0">
-                <a:pos x="connsiteX1" y="connsiteY1"/>
-              </a:cxn>
-              <a:cxn ang="0">
-                <a:pos x="connsiteX2" y="connsiteY2"/>
-              </a:cxn>
-              <a:cxn ang="0">
-                <a:pos x="connsiteX3" y="connsiteY3"/>
-              </a:cxn>
-              <a:cxn ang="0">
-                <a:pos x="connsiteX4" y="connsiteY4"/>
-              </a:cxn>
-              <a:cxn ang="0">
-                <a:pos x="connsiteX5" y="connsiteY5"/>
-              </a:cxn>
-              <a:cxn ang="0">
-                <a:pos x="connsiteX6" y="connsiteY6"/>
-              </a:cxn>
-              <a:cxn ang="0">
-                <a:pos x="connsiteX7" y="connsiteY7"/>
-              </a:cxn>
-              <a:cxn ang="0">
-                <a:pos x="connsiteX8" y="connsiteY8"/>
-              </a:cxn>
-              <a:cxn ang="0">
-                <a:pos x="connsiteX9" y="connsiteY9"/>
-              </a:cxn>
-            </a:cxnLst>
-            <a:rect l="l" t="t" r="r" b="b"/>
-            <a:pathLst>
-              <a:path w="8284464" h="6858000">
-                <a:moveTo>
-                  <a:pt x="1818109" y="0"/>
-                </a:moveTo>
-                <a:lnTo>
-                  <a:pt x="6466355" y="0"/>
-                </a:lnTo>
-                <a:lnTo>
-                  <a:pt x="6620596" y="109683"/>
-                </a:lnTo>
-                <a:cubicBezTo>
-                  <a:pt x="7630666" y="865069"/>
-                  <a:pt x="8284464" y="2070683"/>
-                  <a:pt x="8284464" y="3429000"/>
-                </a:cubicBezTo>
-                <a:cubicBezTo>
-                  <a:pt x="8284464" y="4787317"/>
-                  <a:pt x="7630666" y="5992931"/>
-                  <a:pt x="6620596" y="6748318"/>
-                </a:cubicBezTo>
-                <a:lnTo>
-                  <a:pt x="6466355" y="6858000"/>
-                </a:lnTo>
-                <a:lnTo>
-                  <a:pt x="1818109" y="6858000"/>
-                </a:lnTo>
-                <a:lnTo>
-                  <a:pt x="1663869" y="6748318"/>
-                </a:lnTo>
-                <a:cubicBezTo>
-                  <a:pt x="653798" y="5992931"/>
-                  <a:pt x="0" y="4787317"/>
-                  <a:pt x="0" y="3429000"/>
-                </a:cubicBezTo>
-                <a:cubicBezTo>
-                  <a:pt x="0" y="2070683"/>
-                  <a:pt x="653798" y="865069"/>
-                  <a:pt x="1663869" y="109683"/>
-                </a:cubicBezTo>
-                <a:close/>
-              </a:path>
-            </a:pathLst>
-          </a:custGeom>
-          <a:solidFill>
-            <a:srgbClr val="FFFFFF">
-              <a:alpha val="80000"/>
-            </a:srgbClr>
-          </a:solidFill>
-          <a:ln>
-            <a:noFill/>
-          </a:ln>
-        </p:spPr>
-        <p:style>
-          <a:lnRef idx="2">
-            <a:schemeClr val="accent1">
-              <a:shade val="50000"/>
-            </a:schemeClr>
-          </a:lnRef>
-          <a:fillRef idx="1">
-            <a:schemeClr val="accent1"/>
-          </a:fillRef>
-          <a:effectRef idx="0">
-            <a:schemeClr val="accent1"/>
-          </a:effectRef>
-          <a:fontRef idx="minor">
-            <a:schemeClr val="lt1"/>
-          </a:fontRef>
-        </p:style>
-        <p:txBody>
-          <a:bodyPr wrap="square" rtlCol="0" anchor="ctr">
-            <a:noAutofit/>
-          </a:bodyPr>
-          <a:lstStyle/>
-          <a:p>
-            <a:pPr algn="ctr"/>
-            <a:endParaRPr lang="en-US"/>
-          </a:p>
-        </p:txBody>
-      </p:sp>
-      <p:sp>
-        <p:nvSpPr>
-          <p:cNvPr id="11" name="Freeform: Shape 10">
-            <a:extLst>
-              <a:ext uri="{FF2B5EF4-FFF2-40B4-BE49-F238E27FC236}">
-                <a16:creationId xmlns:a16="http://schemas.microsoft.com/office/drawing/2014/main" id="{DF9AD32D-FF05-44F4-BD4D-9CEE89B71EB9}"/>
-              </a:ext>
-              <a:ext uri="{C183D7F6-B498-43B3-948B-1728B52AA6E4}">
-                <adec:decorative xmlns:adec="http://schemas.microsoft.com/office/drawing/2017/decorative" val="1"/>
-              </a:ext>
-            </a:extLst>
-          </p:cNvPr>
-          <p:cNvSpPr>
-            <a:spLocks noGrp="1" noRot="1" noChangeAspect="1" noMove="1" noResize="1" noEditPoints="1" noAdjustHandles="1" noChangeArrowheads="1" noChangeShapeType="1" noTextEdit="1"/>
-          </p:cNvSpPr>
-          <p:nvPr>
-            <p:extLst>
-              <p:ext uri="{386F3935-93C4-4BCD-93E2-E3B085C9AB24}">
-                <p16:designElem xmlns:p16="http://schemas.microsoft.com/office/powerpoint/2015/main" val="1"/>
-              </p:ext>
-            </p:extLst>
-          </p:nvPr>
-        </p:nvSpPr>
-        <p:spPr>
-          <a:xfrm>
-            <a:off x="2118360" y="0"/>
-            <a:ext cx="7955280" cy="6858000"/>
-          </a:xfrm>
-          <a:custGeom>
-            <a:avLst/>
-            <a:gdLst>
-              <a:gd name="connsiteX0" fmla="*/ 1962423 w 7955280"/>
-              <a:gd name="connsiteY0" fmla="*/ 0 h 6858000"/>
-              <a:gd name="connsiteX1" fmla="*/ 5992858 w 7955280"/>
-              <a:gd name="connsiteY1" fmla="*/ 0 h 6858000"/>
-              <a:gd name="connsiteX2" fmla="*/ 6040191 w 7955280"/>
-              <a:gd name="connsiteY2" fmla="*/ 27216 h 6858000"/>
-              <a:gd name="connsiteX3" fmla="*/ 7955280 w 7955280"/>
-              <a:gd name="connsiteY3" fmla="*/ 3429000 h 6858000"/>
-              <a:gd name="connsiteX4" fmla="*/ 6040191 w 7955280"/>
-              <a:gd name="connsiteY4" fmla="*/ 6830784 h 6858000"/>
-              <a:gd name="connsiteX5" fmla="*/ 5992858 w 7955280"/>
-              <a:gd name="connsiteY5" fmla="*/ 6858000 h 6858000"/>
-              <a:gd name="connsiteX6" fmla="*/ 1962423 w 7955280"/>
-              <a:gd name="connsiteY6" fmla="*/ 6858000 h 6858000"/>
-              <a:gd name="connsiteX7" fmla="*/ 1915089 w 7955280"/>
-              <a:gd name="connsiteY7" fmla="*/ 6830784 h 6858000"/>
-              <a:gd name="connsiteX8" fmla="*/ 0 w 7955280"/>
-              <a:gd name="connsiteY8" fmla="*/ 3429000 h 6858000"/>
-              <a:gd name="connsiteX9" fmla="*/ 1915089 w 7955280"/>
-              <a:gd name="connsiteY9" fmla="*/ 27216 h 6858000"/>
-            </a:gdLst>
-            <a:ahLst/>
-            <a:cxnLst>
-              <a:cxn ang="0">
-                <a:pos x="connsiteX0" y="connsiteY0"/>
-              </a:cxn>
-              <a:cxn ang="0">
-                <a:pos x="connsiteX1" y="connsiteY1"/>
-              </a:cxn>
-              <a:cxn ang="0">
-                <a:pos x="connsiteX2" y="connsiteY2"/>
-              </a:cxn>
-              <a:cxn ang="0">
-                <a:pos x="connsiteX3" y="connsiteY3"/>
-              </a:cxn>
-              <a:cxn ang="0">
-                <a:pos x="connsiteX4" y="connsiteY4"/>
-              </a:cxn>
-              <a:cxn ang="0">
-                <a:pos x="connsiteX5" y="connsiteY5"/>
-              </a:cxn>
-              <a:cxn ang="0">
-                <a:pos x="connsiteX6" y="connsiteY6"/>
-              </a:cxn>
-              <a:cxn ang="0">
-                <a:pos x="connsiteX7" y="connsiteY7"/>
-              </a:cxn>
-              <a:cxn ang="0">
-                <a:pos x="connsiteX8" y="connsiteY8"/>
-              </a:cxn>
-              <a:cxn ang="0">
-                <a:pos x="connsiteX9" y="connsiteY9"/>
-              </a:cxn>
-            </a:cxnLst>
-            <a:rect l="l" t="t" r="r" b="b"/>
-            <a:pathLst>
-              <a:path w="7955280" h="6858000">
-                <a:moveTo>
-                  <a:pt x="1962423" y="0"/>
-                </a:moveTo>
-                <a:lnTo>
-                  <a:pt x="5992858" y="0"/>
-                </a:lnTo>
-                <a:lnTo>
-                  <a:pt x="6040191" y="27216"/>
-                </a:lnTo>
-                <a:cubicBezTo>
-                  <a:pt x="7188332" y="724844"/>
-                  <a:pt x="7955280" y="1987357"/>
-                  <a:pt x="7955280" y="3429000"/>
-                </a:cubicBezTo>
-                <a:cubicBezTo>
-                  <a:pt x="7955280" y="4870644"/>
-                  <a:pt x="7188332" y="6133157"/>
-                  <a:pt x="6040191" y="6830784"/>
-                </a:cubicBezTo>
-                <a:lnTo>
-                  <a:pt x="5992858" y="6858000"/>
-                </a:lnTo>
-                <a:lnTo>
-                  <a:pt x="1962423" y="6858000"/>
-                </a:lnTo>
-                <a:lnTo>
-                  <a:pt x="1915089" y="6830784"/>
-                </a:lnTo>
-                <a:cubicBezTo>
-                  <a:pt x="766948" y="6133157"/>
-                  <a:pt x="0" y="4870644"/>
-                  <a:pt x="0" y="3429000"/>
-                </a:cubicBezTo>
-                <a:cubicBezTo>
-                  <a:pt x="0" y="1987357"/>
-                  <a:pt x="766948" y="724844"/>
-                  <a:pt x="1915089" y="27216"/>
-                </a:cubicBezTo>
-                <a:close/>
-              </a:path>
-            </a:pathLst>
-          </a:custGeom>
-          <a:solidFill>
-            <a:schemeClr val="tx1"/>
-          </a:solidFill>
-          <a:ln>
-            <a:noFill/>
-          </a:ln>
-        </p:spPr>
-        <p:style>
-          <a:lnRef idx="2">
-            <a:schemeClr val="accent1">
-              <a:shade val="50000"/>
-            </a:schemeClr>
-          </a:lnRef>
-          <a:fillRef idx="1">
-            <a:schemeClr val="accent1"/>
-          </a:fillRef>
-          <a:effectRef idx="0">
-            <a:schemeClr val="accent1"/>
-          </a:effectRef>
-          <a:fontRef idx="minor">
-            <a:schemeClr val="lt1"/>
-          </a:fontRef>
-        </p:style>
-        <p:txBody>
-          <a:bodyPr wrap="square" rtlCol="0" anchor="ctr">
-            <a:noAutofit/>
-          </a:bodyPr>
-          <a:lstStyle/>
-          <a:p>
-            <a:pPr algn="ctr"/>
-            <a:endParaRPr lang="en-US"/>
-          </a:p>
-        </p:txBody>
-      </p:sp>
-      <p:sp>
-        <p:nvSpPr>
-          <p:cNvPr id="4" name="Nadpis 3">
-            <a:extLst>
-              <a:ext uri="{FF2B5EF4-FFF2-40B4-BE49-F238E27FC236}">
-                <a16:creationId xmlns:a16="http://schemas.microsoft.com/office/drawing/2014/main" id="{D726B479-C8F8-4E8A-B0E1-97E426EDA787}"/>
-              </a:ext>
-            </a:extLst>
-          </p:cNvPr>
-          <p:cNvSpPr>
-            <a:spLocks noGrp="1"/>
-          </p:cNvSpPr>
-          <p:nvPr>
-            <p:ph type="title"/>
-          </p:nvPr>
-        </p:nvSpPr>
-        <p:spPr>
-          <a:xfrm>
-            <a:off x="1953768" y="1441938"/>
-            <a:ext cx="8284464" cy="3974124"/>
-          </a:xfrm>
-        </p:spPr>
-        <p:txBody>
-          <a:bodyPr>
-            <a:normAutofit/>
-          </a:bodyPr>
-          <a:lstStyle/>
-          <a:p>
-            <a:pPr algn="ctr"/>
-            <a:r>
-              <a:rPr lang="cs-CZ" sz="6600" dirty="0">
-                <a:solidFill>
-                  <a:schemeClr val="bg1">
-                    <a:lumMod val="95000"/>
-                    <a:lumOff val="5000"/>
-                  </a:schemeClr>
-                </a:solidFill>
-              </a:rPr>
-              <a:t>Děkujeme za pozornost</a:t>
-            </a:r>
-          </a:p>
-        </p:txBody>
-      </p:sp>
-    </p:spTree>
-    <p:extLst>
-      <p:ext uri="{BB962C8B-B14F-4D97-AF65-F5344CB8AC3E}">
-        <p14:creationId xmlns:p14="http://schemas.microsoft.com/office/powerpoint/2010/main" val="3197011055"/>
       </p:ext>
     </p:extLst>
   </p:cSld>

--- a/Prezentace_2.pptx
+++ b/Prezentace_2.pptx
@@ -9,12 +9,13 @@
     <p:sldId id="271" r:id="rId3"/>
     <p:sldId id="272" r:id="rId4"/>
     <p:sldId id="277" r:id="rId5"/>
-    <p:sldId id="263" r:id="rId6"/>
-    <p:sldId id="257" r:id="rId7"/>
-    <p:sldId id="261" r:id="rId8"/>
-    <p:sldId id="259" r:id="rId9"/>
-    <p:sldId id="279" r:id="rId10"/>
-    <p:sldId id="275" r:id="rId11"/>
+    <p:sldId id="280" r:id="rId6"/>
+    <p:sldId id="263" r:id="rId7"/>
+    <p:sldId id="257" r:id="rId8"/>
+    <p:sldId id="261" r:id="rId9"/>
+    <p:sldId id="259" r:id="rId10"/>
+    <p:sldId id="279" r:id="rId11"/>
+    <p:sldId id="275" r:id="rId12"/>
   </p:sldIdLst>
   <p:sldSz cx="12192000" cy="6858000"/>
   <p:notesSz cx="6858000" cy="9144000"/>
@@ -126,6 +127,11 @@
             <p14:sldId id="271"/>
             <p14:sldId id="272"/>
             <p14:sldId id="277"/>
+          </p14:sldIdLst>
+        </p14:section>
+        <p14:section name="TABS" id="{28443270-9F1D-4BA4-B13C-B3D6235407C2}">
+          <p14:sldIdLst>
+            <p14:sldId id="280"/>
           </p14:sldIdLst>
         </p14:section>
         <p14:section name="SQLite" id="{5FDFB223-66B5-4435-94AD-F43939C642C3}">
@@ -4083,7 +4089,7 @@
             <a:pPr algn="l"/>
             <a:r>
               <a:rPr lang="cs-CZ" sz="2000" b="1" dirty="0"/>
-              <a:t>		Tomáš Cink</a:t>
+              <a:t>		Tomáš Cink Jana Bláhová</a:t>
             </a:r>
             <a:endParaRPr lang="en-US" sz="2000" b="1" dirty="0"/>
           </a:p>
@@ -4103,6 +4109,277 @@
 </file>
 
 <file path=ppt/slides/slide10.xml><?xml version="1.0" encoding="utf-8"?>
+<p:sld xmlns:a="http://schemas.openxmlformats.org/drawingml/2006/main" xmlns:r="http://schemas.openxmlformats.org/officeDocument/2006/relationships" xmlns:p="http://schemas.openxmlformats.org/presentationml/2006/main">
+  <p:cSld>
+    <p:bg>
+      <p:bgPr>
+        <a:solidFill>
+          <a:schemeClr val="bg1"/>
+        </a:solidFill>
+        <a:effectLst/>
+      </p:bgPr>
+    </p:bg>
+    <p:spTree>
+      <p:nvGrpSpPr>
+        <p:cNvPr id="1" name=""/>
+        <p:cNvGrpSpPr/>
+        <p:nvPr/>
+      </p:nvGrpSpPr>
+      <p:grpSpPr>
+        <a:xfrm>
+          <a:off x="0" y="0"/>
+          <a:ext cx="0" cy="0"/>
+          <a:chOff x="0" y="0"/>
+          <a:chExt cx="0" cy="0"/>
+        </a:xfrm>
+      </p:grpSpPr>
+      <p:sp>
+        <p:nvSpPr>
+          <p:cNvPr id="20" name="Rectangle 19">
+            <a:extLst>
+              <a:ext uri="{FF2B5EF4-FFF2-40B4-BE49-F238E27FC236}">
+                <a16:creationId xmlns:a16="http://schemas.microsoft.com/office/drawing/2014/main" id="{823AC064-BC96-4F32-8AE1-B2FD38754823}"/>
+              </a:ext>
+              <a:ext uri="{C183D7F6-B498-43B3-948B-1728B52AA6E4}">
+                <adec:decorative xmlns:adec="http://schemas.microsoft.com/office/drawing/2017/decorative" val="1"/>
+              </a:ext>
+            </a:extLst>
+          </p:cNvPr>
+          <p:cNvSpPr>
+            <a:spLocks noGrp="1" noRot="1" noChangeAspect="1" noMove="1" noResize="1" noEditPoints="1" noAdjustHandles="1" noChangeArrowheads="1" noChangeShapeType="1" noTextEdit="1"/>
+          </p:cNvSpPr>
+          <p:nvPr>
+            <p:extLst>
+              <p:ext uri="{386F3935-93C4-4BCD-93E2-E3B085C9AB24}">
+                <p16:designElem xmlns:p16="http://schemas.microsoft.com/office/powerpoint/2015/main" val="1"/>
+              </p:ext>
+            </p:extLst>
+          </p:nvPr>
+        </p:nvSpPr>
+        <p:spPr bwMode="ltGray">
+          <a:xfrm>
+            <a:off x="378068" y="343486"/>
+            <a:ext cx="11438793" cy="1844256"/>
+          </a:xfrm>
+          <a:prstGeom prst="rect">
+            <a:avLst/>
+          </a:prstGeom>
+          <a:solidFill>
+            <a:srgbClr val="404040"/>
+          </a:solidFill>
+          <a:ln w="127000" cap="sq" cmpd="thinThick">
+            <a:solidFill>
+              <a:srgbClr val="404040"/>
+            </a:solidFill>
+          </a:ln>
+        </p:spPr>
+        <p:style>
+          <a:lnRef idx="2">
+            <a:schemeClr val="accent1">
+              <a:shade val="50000"/>
+            </a:schemeClr>
+          </a:lnRef>
+          <a:fillRef idx="1">
+            <a:schemeClr val="accent1"/>
+          </a:fillRef>
+          <a:effectRef idx="0">
+            <a:schemeClr val="accent1"/>
+          </a:effectRef>
+          <a:fontRef idx="minor">
+            <a:schemeClr val="lt1"/>
+          </a:fontRef>
+        </p:style>
+        <p:txBody>
+          <a:bodyPr rtlCol="0" anchor="ctr"/>
+          <a:lstStyle/>
+          <a:p>
+            <a:pPr marL="0" marR="0" lvl="0" indent="0" algn="ctr" defTabSz="914400" rtl="0" eaLnBrk="1" fontAlgn="auto" latinLnBrk="0" hangingPunct="1">
+              <a:lnSpc>
+                <a:spcPct val="100000"/>
+              </a:lnSpc>
+              <a:spcBef>
+                <a:spcPts val="0"/>
+              </a:spcBef>
+              <a:spcAft>
+                <a:spcPts val="0"/>
+              </a:spcAft>
+              <a:buClrTx/>
+              <a:buSzTx/>
+              <a:buFontTx/>
+              <a:buNone/>
+              <a:tabLst/>
+              <a:defRPr/>
+            </a:pPr>
+            <a:endParaRPr kumimoji="0" lang="en-US" sz="1800" b="0" i="0" u="none" strike="noStrike" kern="1200" cap="none" spc="0" normalizeH="0" baseline="0" noProof="0">
+              <a:ln>
+                <a:noFill/>
+              </a:ln>
+              <a:solidFill>
+                <a:prstClr val="white"/>
+              </a:solidFill>
+              <a:effectLst/>
+              <a:uLnTx/>
+              <a:uFillTx/>
+              <a:latin typeface="Calibri" panose="020F0502020204030204"/>
+              <a:ea typeface="+mn-ea"/>
+              <a:cs typeface="+mn-cs"/>
+            </a:endParaRPr>
+          </a:p>
+        </p:txBody>
+      </p:sp>
+      <p:sp>
+        <p:nvSpPr>
+          <p:cNvPr id="2" name="Nadpis 1">
+            <a:extLst>
+              <a:ext uri="{FF2B5EF4-FFF2-40B4-BE49-F238E27FC236}">
+                <a16:creationId xmlns:a16="http://schemas.microsoft.com/office/drawing/2014/main" id="{857B6C76-6EEA-4448-9D2C-EB4BCA2563C8}"/>
+              </a:ext>
+            </a:extLst>
+          </p:cNvPr>
+          <p:cNvSpPr>
+            <a:spLocks noGrp="1"/>
+          </p:cNvSpPr>
+          <p:nvPr>
+            <p:ph type="title"/>
+          </p:nvPr>
+        </p:nvSpPr>
+        <p:spPr>
+          <a:xfrm>
+            <a:off x="526073" y="466578"/>
+            <a:ext cx="11139854" cy="930447"/>
+          </a:xfrm>
+        </p:spPr>
+        <p:txBody>
+          <a:bodyPr vert="horz" lIns="91440" tIns="45720" rIns="91440" bIns="45720" rtlCol="0" anchor="b">
+            <a:normAutofit/>
+          </a:bodyPr>
+          <a:lstStyle/>
+          <a:p>
+            <a:pPr algn="ctr"/>
+            <a:r>
+              <a:rPr lang="cs-CZ" sz="5400" kern="1200" dirty="0">
+                <a:solidFill>
+                  <a:srgbClr val="FFFFFF"/>
+                </a:solidFill>
+                <a:latin typeface="+mj-lt"/>
+                <a:ea typeface="+mj-ea"/>
+                <a:cs typeface="+mj-cs"/>
+              </a:rPr>
+              <a:t>Zobrazení dat</a:t>
+            </a:r>
+            <a:endParaRPr lang="en-US" sz="5400" kern="1200" dirty="0">
+              <a:solidFill>
+                <a:srgbClr val="FFFFFF"/>
+              </a:solidFill>
+              <a:latin typeface="+mj-lt"/>
+              <a:ea typeface="+mj-ea"/>
+              <a:cs typeface="+mj-cs"/>
+            </a:endParaRPr>
+          </a:p>
+        </p:txBody>
+      </p:sp>
+      <p:cxnSp>
+        <p:nvCxnSpPr>
+          <p:cNvPr id="22" name="Straight Connector 21">
+            <a:extLst>
+              <a:ext uri="{FF2B5EF4-FFF2-40B4-BE49-F238E27FC236}">
+                <a16:creationId xmlns:a16="http://schemas.microsoft.com/office/drawing/2014/main" id="{7E7C77BC-7138-40B1-A15B-20F57A494629}"/>
+              </a:ext>
+              <a:ext uri="{C183D7F6-B498-43B3-948B-1728B52AA6E4}">
+                <adec:decorative xmlns:adec="http://schemas.microsoft.com/office/drawing/2017/decorative" val="1"/>
+              </a:ext>
+            </a:extLst>
+          </p:cNvPr>
+          <p:cNvCxnSpPr>
+            <a:cxnSpLocks noGrp="1" noRot="1" noChangeAspect="1" noMove="1" noResize="1" noEditPoints="1" noAdjustHandles="1" noChangeArrowheads="1" noChangeShapeType="1"/>
+          </p:cNvCxnSpPr>
+          <p:nvPr>
+            <p:extLst>
+              <p:ext uri="{386F3935-93C4-4BCD-93E2-E3B085C9AB24}">
+                <p16:designElem xmlns:p16="http://schemas.microsoft.com/office/powerpoint/2015/main" val="1"/>
+              </p:ext>
+            </p:extLst>
+          </p:nvPr>
+        </p:nvCxnSpPr>
+        <p:spPr>
+          <a:xfrm>
+            <a:off x="2209800" y="1448631"/>
+            <a:ext cx="7772400" cy="0"/>
+          </a:xfrm>
+          <a:prstGeom prst="line">
+            <a:avLst/>
+          </a:prstGeom>
+          <a:ln w="22225">
+            <a:solidFill>
+              <a:srgbClr val="D9D9D9"/>
+            </a:solidFill>
+          </a:ln>
+        </p:spPr>
+        <p:style>
+          <a:lnRef idx="1">
+            <a:schemeClr val="accent1"/>
+          </a:lnRef>
+          <a:fillRef idx="0">
+            <a:schemeClr val="accent1"/>
+          </a:fillRef>
+          <a:effectRef idx="0">
+            <a:schemeClr val="accent1"/>
+          </a:effectRef>
+          <a:fontRef idx="minor">
+            <a:schemeClr val="tx1"/>
+          </a:fontRef>
+        </p:style>
+      </p:cxnSp>
+      <p:pic>
+        <p:nvPicPr>
+          <p:cNvPr id="5" name="Obrázek 4" descr="Obsah obrázku snímek obrazovky&#10;&#10;Popis byl vytvořen automaticky">
+            <a:extLst>
+              <a:ext uri="{FF2B5EF4-FFF2-40B4-BE49-F238E27FC236}">
+                <a16:creationId xmlns:a16="http://schemas.microsoft.com/office/drawing/2014/main" id="{4A088AAB-FE90-488D-B53F-048F71A920F2}"/>
+              </a:ext>
+            </a:extLst>
+          </p:cNvPr>
+          <p:cNvPicPr>
+            <a:picLocks noChangeAspect="1"/>
+          </p:cNvPicPr>
+          <p:nvPr/>
+        </p:nvPicPr>
+        <p:blipFill>
+          <a:blip r:embed="rId2">
+            <a:extLst>
+              <a:ext uri="{28A0092B-C50C-407E-A947-70E740481C1C}">
+                <a14:useLocalDpi xmlns:a14="http://schemas.microsoft.com/office/drawing/2010/main" val="0"/>
+              </a:ext>
+            </a:extLst>
+          </a:blip>
+          <a:stretch>
+            <a:fillRect/>
+          </a:stretch>
+        </p:blipFill>
+        <p:spPr>
+          <a:xfrm>
+            <a:off x="1238250" y="1552722"/>
+            <a:ext cx="9715500" cy="4838700"/>
+          </a:xfrm>
+          <a:prstGeom prst="rect">
+            <a:avLst/>
+          </a:prstGeom>
+        </p:spPr>
+      </p:pic>
+    </p:spTree>
+    <p:extLst>
+      <p:ext uri="{BB962C8B-B14F-4D97-AF65-F5344CB8AC3E}">
+        <p14:creationId xmlns:p14="http://schemas.microsoft.com/office/powerpoint/2010/main" val="1900867395"/>
+      </p:ext>
+    </p:extLst>
+  </p:cSld>
+  <p:clrMapOvr>
+    <a:masterClrMapping/>
+  </p:clrMapOvr>
+</p:sld>
+</file>
+
+<file path=ppt/slides/slide11.xml><?xml version="1.0" encoding="utf-8"?>
 <p:sld xmlns:a="http://schemas.openxmlformats.org/drawingml/2006/main" xmlns:r="http://schemas.openxmlformats.org/officeDocument/2006/relationships" xmlns:p="http://schemas.openxmlformats.org/presentationml/2006/main">
   <p:cSld>
     <p:bg>
@@ -6099,6 +6376,450 @@
                   </a:schemeClr>
                 </a:solidFill>
               </a:rPr>
+              <a:t>Tab</a:t>
+            </a:r>
+            <a:r>
+              <a:rPr lang="cs-CZ" sz="5400" dirty="0">
+                <a:solidFill>
+                  <a:schemeClr val="bg1">
+                    <a:lumMod val="95000"/>
+                    <a:lumOff val="5000"/>
+                  </a:schemeClr>
+                </a:solidFill>
+              </a:rPr>
+              <a:t> </a:t>
+            </a:r>
+            <a:r>
+              <a:rPr lang="cs-CZ" sz="5400" dirty="0" err="1">
+                <a:solidFill>
+                  <a:schemeClr val="bg1">
+                    <a:lumMod val="95000"/>
+                    <a:lumOff val="5000"/>
+                  </a:schemeClr>
+                </a:solidFill>
+              </a:rPr>
+              <a:t>Pages</a:t>
+            </a:r>
+            <a:endParaRPr lang="cs-CZ" sz="5400" dirty="0">
+              <a:solidFill>
+                <a:schemeClr val="bg1">
+                  <a:lumMod val="95000"/>
+                  <a:lumOff val="5000"/>
+                </a:schemeClr>
+              </a:solidFill>
+            </a:endParaRPr>
+          </a:p>
+        </p:txBody>
+      </p:sp>
+    </p:spTree>
+    <p:extLst>
+      <p:ext uri="{BB962C8B-B14F-4D97-AF65-F5344CB8AC3E}">
+        <p14:creationId xmlns:p14="http://schemas.microsoft.com/office/powerpoint/2010/main" val="625220737"/>
+      </p:ext>
+    </p:extLst>
+  </p:cSld>
+  <p:clrMapOvr>
+    <a:overrideClrMapping bg1="dk1" tx1="lt1" bg2="dk2" tx2="lt2" accent1="accent1" accent2="accent2" accent3="accent3" accent4="accent4" accent5="accent5" accent6="accent6" hlink="hlink" folHlink="folHlink"/>
+  </p:clrMapOvr>
+</p:sld>
+</file>
+
+<file path=ppt/slides/slide6.xml><?xml version="1.0" encoding="utf-8"?>
+<p:sld xmlns:a="http://schemas.openxmlformats.org/drawingml/2006/main" xmlns:r="http://schemas.openxmlformats.org/officeDocument/2006/relationships" xmlns:p="http://schemas.openxmlformats.org/presentationml/2006/main">
+  <p:cSld>
+    <p:bg>
+      <p:bgPr>
+        <a:solidFill>
+          <a:schemeClr val="bg1">
+            <a:tint val="95000"/>
+            <a:satMod val="170000"/>
+          </a:schemeClr>
+        </a:solidFill>
+        <a:effectLst/>
+      </p:bgPr>
+    </p:bg>
+    <p:spTree>
+      <p:nvGrpSpPr>
+        <p:cNvPr id="1" name=""/>
+        <p:cNvGrpSpPr/>
+        <p:nvPr/>
+      </p:nvGrpSpPr>
+      <p:grpSpPr>
+        <a:xfrm>
+          <a:off x="0" y="0"/>
+          <a:ext cx="0" cy="0"/>
+          <a:chOff x="0" y="0"/>
+          <a:chExt cx="0" cy="0"/>
+        </a:xfrm>
+      </p:grpSpPr>
+      <p:sp>
+        <p:nvSpPr>
+          <p:cNvPr id="9" name="Freeform: Shape 8">
+            <a:extLst>
+              <a:ext uri="{FF2B5EF4-FFF2-40B4-BE49-F238E27FC236}">
+                <a16:creationId xmlns:a16="http://schemas.microsoft.com/office/drawing/2014/main" id="{66B332A4-D438-4773-A77F-5ED49A448D9D}"/>
+              </a:ext>
+              <a:ext uri="{C183D7F6-B498-43B3-948B-1728B52AA6E4}">
+                <adec:decorative xmlns:adec="http://schemas.microsoft.com/office/drawing/2017/decorative" val="1"/>
+              </a:ext>
+            </a:extLst>
+          </p:cNvPr>
+          <p:cNvSpPr>
+            <a:spLocks noGrp="1" noRot="1" noChangeAspect="1" noMove="1" noResize="1" noEditPoints="1" noAdjustHandles="1" noChangeArrowheads="1" noChangeShapeType="1" noTextEdit="1"/>
+          </p:cNvSpPr>
+          <p:nvPr>
+            <p:extLst>
+              <p:ext uri="{386F3935-93C4-4BCD-93E2-E3B085C9AB24}">
+                <p16:designElem xmlns:p16="http://schemas.microsoft.com/office/powerpoint/2015/main" val="1"/>
+              </p:ext>
+            </p:extLst>
+          </p:nvPr>
+        </p:nvSpPr>
+        <p:spPr>
+          <a:xfrm>
+            <a:off x="1953768" y="0"/>
+            <a:ext cx="8284464" cy="6858000"/>
+          </a:xfrm>
+          <a:custGeom>
+            <a:avLst/>
+            <a:gdLst>
+              <a:gd name="connsiteX0" fmla="*/ 1818109 w 8284464"/>
+              <a:gd name="connsiteY0" fmla="*/ 0 h 6858000"/>
+              <a:gd name="connsiteX1" fmla="*/ 6466355 w 8284464"/>
+              <a:gd name="connsiteY1" fmla="*/ 0 h 6858000"/>
+              <a:gd name="connsiteX2" fmla="*/ 6620596 w 8284464"/>
+              <a:gd name="connsiteY2" fmla="*/ 109683 h 6858000"/>
+              <a:gd name="connsiteX3" fmla="*/ 8284464 w 8284464"/>
+              <a:gd name="connsiteY3" fmla="*/ 3429000 h 6858000"/>
+              <a:gd name="connsiteX4" fmla="*/ 6620596 w 8284464"/>
+              <a:gd name="connsiteY4" fmla="*/ 6748318 h 6858000"/>
+              <a:gd name="connsiteX5" fmla="*/ 6466355 w 8284464"/>
+              <a:gd name="connsiteY5" fmla="*/ 6858000 h 6858000"/>
+              <a:gd name="connsiteX6" fmla="*/ 1818109 w 8284464"/>
+              <a:gd name="connsiteY6" fmla="*/ 6858000 h 6858000"/>
+              <a:gd name="connsiteX7" fmla="*/ 1663869 w 8284464"/>
+              <a:gd name="connsiteY7" fmla="*/ 6748318 h 6858000"/>
+              <a:gd name="connsiteX8" fmla="*/ 0 w 8284464"/>
+              <a:gd name="connsiteY8" fmla="*/ 3429000 h 6858000"/>
+              <a:gd name="connsiteX9" fmla="*/ 1663869 w 8284464"/>
+              <a:gd name="connsiteY9" fmla="*/ 109683 h 6858000"/>
+            </a:gdLst>
+            <a:ahLst/>
+            <a:cxnLst>
+              <a:cxn ang="0">
+                <a:pos x="connsiteX0" y="connsiteY0"/>
+              </a:cxn>
+              <a:cxn ang="0">
+                <a:pos x="connsiteX1" y="connsiteY1"/>
+              </a:cxn>
+              <a:cxn ang="0">
+                <a:pos x="connsiteX2" y="connsiteY2"/>
+              </a:cxn>
+              <a:cxn ang="0">
+                <a:pos x="connsiteX3" y="connsiteY3"/>
+              </a:cxn>
+              <a:cxn ang="0">
+                <a:pos x="connsiteX4" y="connsiteY4"/>
+              </a:cxn>
+              <a:cxn ang="0">
+                <a:pos x="connsiteX5" y="connsiteY5"/>
+              </a:cxn>
+              <a:cxn ang="0">
+                <a:pos x="connsiteX6" y="connsiteY6"/>
+              </a:cxn>
+              <a:cxn ang="0">
+                <a:pos x="connsiteX7" y="connsiteY7"/>
+              </a:cxn>
+              <a:cxn ang="0">
+                <a:pos x="connsiteX8" y="connsiteY8"/>
+              </a:cxn>
+              <a:cxn ang="0">
+                <a:pos x="connsiteX9" y="connsiteY9"/>
+              </a:cxn>
+            </a:cxnLst>
+            <a:rect l="l" t="t" r="r" b="b"/>
+            <a:pathLst>
+              <a:path w="8284464" h="6858000">
+                <a:moveTo>
+                  <a:pt x="1818109" y="0"/>
+                </a:moveTo>
+                <a:lnTo>
+                  <a:pt x="6466355" y="0"/>
+                </a:lnTo>
+                <a:lnTo>
+                  <a:pt x="6620596" y="109683"/>
+                </a:lnTo>
+                <a:cubicBezTo>
+                  <a:pt x="7630666" y="865069"/>
+                  <a:pt x="8284464" y="2070683"/>
+                  <a:pt x="8284464" y="3429000"/>
+                </a:cubicBezTo>
+                <a:cubicBezTo>
+                  <a:pt x="8284464" y="4787317"/>
+                  <a:pt x="7630666" y="5992931"/>
+                  <a:pt x="6620596" y="6748318"/>
+                </a:cubicBezTo>
+                <a:lnTo>
+                  <a:pt x="6466355" y="6858000"/>
+                </a:lnTo>
+                <a:lnTo>
+                  <a:pt x="1818109" y="6858000"/>
+                </a:lnTo>
+                <a:lnTo>
+                  <a:pt x="1663869" y="6748318"/>
+                </a:lnTo>
+                <a:cubicBezTo>
+                  <a:pt x="653798" y="5992931"/>
+                  <a:pt x="0" y="4787317"/>
+                  <a:pt x="0" y="3429000"/>
+                </a:cubicBezTo>
+                <a:cubicBezTo>
+                  <a:pt x="0" y="2070683"/>
+                  <a:pt x="653798" y="865069"/>
+                  <a:pt x="1663869" y="109683"/>
+                </a:cubicBezTo>
+                <a:close/>
+              </a:path>
+            </a:pathLst>
+          </a:custGeom>
+          <a:solidFill>
+            <a:srgbClr val="FFFFFF">
+              <a:alpha val="80000"/>
+            </a:srgbClr>
+          </a:solidFill>
+          <a:ln>
+            <a:noFill/>
+          </a:ln>
+        </p:spPr>
+        <p:style>
+          <a:lnRef idx="2">
+            <a:schemeClr val="accent1">
+              <a:shade val="50000"/>
+            </a:schemeClr>
+          </a:lnRef>
+          <a:fillRef idx="1">
+            <a:schemeClr val="accent1"/>
+          </a:fillRef>
+          <a:effectRef idx="0">
+            <a:schemeClr val="accent1"/>
+          </a:effectRef>
+          <a:fontRef idx="minor">
+            <a:schemeClr val="lt1"/>
+          </a:fontRef>
+        </p:style>
+        <p:txBody>
+          <a:bodyPr wrap="square" rtlCol="0" anchor="ctr">
+            <a:noAutofit/>
+          </a:bodyPr>
+          <a:lstStyle/>
+          <a:p>
+            <a:pPr algn="ctr"/>
+            <a:endParaRPr lang="en-US"/>
+          </a:p>
+        </p:txBody>
+      </p:sp>
+      <p:sp>
+        <p:nvSpPr>
+          <p:cNvPr id="11" name="Freeform: Shape 10">
+            <a:extLst>
+              <a:ext uri="{FF2B5EF4-FFF2-40B4-BE49-F238E27FC236}">
+                <a16:creationId xmlns:a16="http://schemas.microsoft.com/office/drawing/2014/main" id="{DF9AD32D-FF05-44F4-BD4D-9CEE89B71EB9}"/>
+              </a:ext>
+              <a:ext uri="{C183D7F6-B498-43B3-948B-1728B52AA6E4}">
+                <adec:decorative xmlns:adec="http://schemas.microsoft.com/office/drawing/2017/decorative" val="1"/>
+              </a:ext>
+            </a:extLst>
+          </p:cNvPr>
+          <p:cNvSpPr>
+            <a:spLocks noGrp="1" noRot="1" noChangeAspect="1" noMove="1" noResize="1" noEditPoints="1" noAdjustHandles="1" noChangeArrowheads="1" noChangeShapeType="1" noTextEdit="1"/>
+          </p:cNvSpPr>
+          <p:nvPr>
+            <p:extLst>
+              <p:ext uri="{386F3935-93C4-4BCD-93E2-E3B085C9AB24}">
+                <p16:designElem xmlns:p16="http://schemas.microsoft.com/office/powerpoint/2015/main" val="1"/>
+              </p:ext>
+            </p:extLst>
+          </p:nvPr>
+        </p:nvSpPr>
+        <p:spPr>
+          <a:xfrm>
+            <a:off x="2118360" y="0"/>
+            <a:ext cx="7955280" cy="6858000"/>
+          </a:xfrm>
+          <a:custGeom>
+            <a:avLst/>
+            <a:gdLst>
+              <a:gd name="connsiteX0" fmla="*/ 1962423 w 7955280"/>
+              <a:gd name="connsiteY0" fmla="*/ 0 h 6858000"/>
+              <a:gd name="connsiteX1" fmla="*/ 5992858 w 7955280"/>
+              <a:gd name="connsiteY1" fmla="*/ 0 h 6858000"/>
+              <a:gd name="connsiteX2" fmla="*/ 6040191 w 7955280"/>
+              <a:gd name="connsiteY2" fmla="*/ 27216 h 6858000"/>
+              <a:gd name="connsiteX3" fmla="*/ 7955280 w 7955280"/>
+              <a:gd name="connsiteY3" fmla="*/ 3429000 h 6858000"/>
+              <a:gd name="connsiteX4" fmla="*/ 6040191 w 7955280"/>
+              <a:gd name="connsiteY4" fmla="*/ 6830784 h 6858000"/>
+              <a:gd name="connsiteX5" fmla="*/ 5992858 w 7955280"/>
+              <a:gd name="connsiteY5" fmla="*/ 6858000 h 6858000"/>
+              <a:gd name="connsiteX6" fmla="*/ 1962423 w 7955280"/>
+              <a:gd name="connsiteY6" fmla="*/ 6858000 h 6858000"/>
+              <a:gd name="connsiteX7" fmla="*/ 1915089 w 7955280"/>
+              <a:gd name="connsiteY7" fmla="*/ 6830784 h 6858000"/>
+              <a:gd name="connsiteX8" fmla="*/ 0 w 7955280"/>
+              <a:gd name="connsiteY8" fmla="*/ 3429000 h 6858000"/>
+              <a:gd name="connsiteX9" fmla="*/ 1915089 w 7955280"/>
+              <a:gd name="connsiteY9" fmla="*/ 27216 h 6858000"/>
+            </a:gdLst>
+            <a:ahLst/>
+            <a:cxnLst>
+              <a:cxn ang="0">
+                <a:pos x="connsiteX0" y="connsiteY0"/>
+              </a:cxn>
+              <a:cxn ang="0">
+                <a:pos x="connsiteX1" y="connsiteY1"/>
+              </a:cxn>
+              <a:cxn ang="0">
+                <a:pos x="connsiteX2" y="connsiteY2"/>
+              </a:cxn>
+              <a:cxn ang="0">
+                <a:pos x="connsiteX3" y="connsiteY3"/>
+              </a:cxn>
+              <a:cxn ang="0">
+                <a:pos x="connsiteX4" y="connsiteY4"/>
+              </a:cxn>
+              <a:cxn ang="0">
+                <a:pos x="connsiteX5" y="connsiteY5"/>
+              </a:cxn>
+              <a:cxn ang="0">
+                <a:pos x="connsiteX6" y="connsiteY6"/>
+              </a:cxn>
+              <a:cxn ang="0">
+                <a:pos x="connsiteX7" y="connsiteY7"/>
+              </a:cxn>
+              <a:cxn ang="0">
+                <a:pos x="connsiteX8" y="connsiteY8"/>
+              </a:cxn>
+              <a:cxn ang="0">
+                <a:pos x="connsiteX9" y="connsiteY9"/>
+              </a:cxn>
+            </a:cxnLst>
+            <a:rect l="l" t="t" r="r" b="b"/>
+            <a:pathLst>
+              <a:path w="7955280" h="6858000">
+                <a:moveTo>
+                  <a:pt x="1962423" y="0"/>
+                </a:moveTo>
+                <a:lnTo>
+                  <a:pt x="5992858" y="0"/>
+                </a:lnTo>
+                <a:lnTo>
+                  <a:pt x="6040191" y="27216"/>
+                </a:lnTo>
+                <a:cubicBezTo>
+                  <a:pt x="7188332" y="724844"/>
+                  <a:pt x="7955280" y="1987357"/>
+                  <a:pt x="7955280" y="3429000"/>
+                </a:cubicBezTo>
+                <a:cubicBezTo>
+                  <a:pt x="7955280" y="4870644"/>
+                  <a:pt x="7188332" y="6133157"/>
+                  <a:pt x="6040191" y="6830784"/>
+                </a:cubicBezTo>
+                <a:lnTo>
+                  <a:pt x="5992858" y="6858000"/>
+                </a:lnTo>
+                <a:lnTo>
+                  <a:pt x="1962423" y="6858000"/>
+                </a:lnTo>
+                <a:lnTo>
+                  <a:pt x="1915089" y="6830784"/>
+                </a:lnTo>
+                <a:cubicBezTo>
+                  <a:pt x="766948" y="6133157"/>
+                  <a:pt x="0" y="4870644"/>
+                  <a:pt x="0" y="3429000"/>
+                </a:cubicBezTo>
+                <a:cubicBezTo>
+                  <a:pt x="0" y="1987357"/>
+                  <a:pt x="766948" y="724844"/>
+                  <a:pt x="1915089" y="27216"/>
+                </a:cubicBezTo>
+                <a:close/>
+              </a:path>
+            </a:pathLst>
+          </a:custGeom>
+          <a:solidFill>
+            <a:schemeClr val="tx1"/>
+          </a:solidFill>
+          <a:ln>
+            <a:noFill/>
+          </a:ln>
+        </p:spPr>
+        <p:style>
+          <a:lnRef idx="2">
+            <a:schemeClr val="accent1">
+              <a:shade val="50000"/>
+            </a:schemeClr>
+          </a:lnRef>
+          <a:fillRef idx="1">
+            <a:schemeClr val="accent1"/>
+          </a:fillRef>
+          <a:effectRef idx="0">
+            <a:schemeClr val="accent1"/>
+          </a:effectRef>
+          <a:fontRef idx="minor">
+            <a:schemeClr val="lt1"/>
+          </a:fontRef>
+        </p:style>
+        <p:txBody>
+          <a:bodyPr wrap="square" rtlCol="0" anchor="ctr">
+            <a:noAutofit/>
+          </a:bodyPr>
+          <a:lstStyle/>
+          <a:p>
+            <a:pPr algn="ctr"/>
+            <a:endParaRPr lang="en-US"/>
+          </a:p>
+        </p:txBody>
+      </p:sp>
+      <p:sp>
+        <p:nvSpPr>
+          <p:cNvPr id="4" name="Nadpis 3">
+            <a:extLst>
+              <a:ext uri="{FF2B5EF4-FFF2-40B4-BE49-F238E27FC236}">
+                <a16:creationId xmlns:a16="http://schemas.microsoft.com/office/drawing/2014/main" id="{D726B479-C8F8-4E8A-B0E1-97E426EDA787}"/>
+              </a:ext>
+            </a:extLst>
+          </p:cNvPr>
+          <p:cNvSpPr>
+            <a:spLocks noGrp="1"/>
+          </p:cNvSpPr>
+          <p:nvPr>
+            <p:ph type="title"/>
+          </p:nvPr>
+        </p:nvSpPr>
+        <p:spPr>
+          <a:xfrm>
+            <a:off x="2555631" y="1441938"/>
+            <a:ext cx="7080738" cy="3974124"/>
+          </a:xfrm>
+        </p:spPr>
+        <p:txBody>
+          <a:bodyPr>
+            <a:normAutofit/>
+          </a:bodyPr>
+          <a:lstStyle/>
+          <a:p>
+            <a:pPr algn="ctr"/>
+            <a:r>
+              <a:rPr lang="cs-CZ" sz="5400" dirty="0" err="1">
+                <a:solidFill>
+                  <a:schemeClr val="bg1">
+                    <a:lumMod val="95000"/>
+                    <a:lumOff val="5000"/>
+                  </a:schemeClr>
+                </a:solidFill>
+              </a:rPr>
               <a:t>SQLite</a:t>
             </a:r>
             <a:endParaRPr lang="cs-CZ" sz="5400" dirty="0">
@@ -6125,7 +6846,7 @@
 </p:sld>
 </file>
 
-<file path=ppt/slides/slide6.xml><?xml version="1.0" encoding="utf-8"?>
+<file path=ppt/slides/slide7.xml><?xml version="1.0" encoding="utf-8"?>
 <p:sld xmlns:a="http://schemas.openxmlformats.org/drawingml/2006/main" xmlns:r="http://schemas.openxmlformats.org/officeDocument/2006/relationships" xmlns:p="http://schemas.openxmlformats.org/presentationml/2006/main">
   <p:cSld>
     <p:bg>
@@ -6438,7 +7159,7 @@
 </p:sld>
 </file>
 
-<file path=ppt/slides/slide7.xml><?xml version="1.0" encoding="utf-8"?>
+<file path=ppt/slides/slide8.xml><?xml version="1.0" encoding="utf-8"?>
 <p:sld xmlns:a="http://schemas.openxmlformats.org/drawingml/2006/main" xmlns:r="http://schemas.openxmlformats.org/officeDocument/2006/relationships" xmlns:p="http://schemas.openxmlformats.org/presentationml/2006/main">
   <p:cSld>
     <p:bg>
@@ -6960,7 +7681,7 @@
 </p:sld>
 </file>
 
-<file path=ppt/slides/slide8.xml><?xml version="1.0" encoding="utf-8"?>
+<file path=ppt/slides/slide9.xml><?xml version="1.0" encoding="utf-8"?>
 <p:sld xmlns:a="http://schemas.openxmlformats.org/drawingml/2006/main" xmlns:r="http://schemas.openxmlformats.org/officeDocument/2006/relationships" xmlns:p="http://schemas.openxmlformats.org/presentationml/2006/main">
   <p:cSld>
     <p:bg>
@@ -7222,277 +7943,6 @@
     <p:extLst>
       <p:ext uri="{BB962C8B-B14F-4D97-AF65-F5344CB8AC3E}">
         <p14:creationId xmlns:p14="http://schemas.microsoft.com/office/powerpoint/2010/main" val="2707370047"/>
-      </p:ext>
-    </p:extLst>
-  </p:cSld>
-  <p:clrMapOvr>
-    <a:masterClrMapping/>
-  </p:clrMapOvr>
-</p:sld>
-</file>
-
-<file path=ppt/slides/slide9.xml><?xml version="1.0" encoding="utf-8"?>
-<p:sld xmlns:a="http://schemas.openxmlformats.org/drawingml/2006/main" xmlns:r="http://schemas.openxmlformats.org/officeDocument/2006/relationships" xmlns:p="http://schemas.openxmlformats.org/presentationml/2006/main">
-  <p:cSld>
-    <p:bg>
-      <p:bgPr>
-        <a:solidFill>
-          <a:schemeClr val="bg1"/>
-        </a:solidFill>
-        <a:effectLst/>
-      </p:bgPr>
-    </p:bg>
-    <p:spTree>
-      <p:nvGrpSpPr>
-        <p:cNvPr id="1" name=""/>
-        <p:cNvGrpSpPr/>
-        <p:nvPr/>
-      </p:nvGrpSpPr>
-      <p:grpSpPr>
-        <a:xfrm>
-          <a:off x="0" y="0"/>
-          <a:ext cx="0" cy="0"/>
-          <a:chOff x="0" y="0"/>
-          <a:chExt cx="0" cy="0"/>
-        </a:xfrm>
-      </p:grpSpPr>
-      <p:sp>
-        <p:nvSpPr>
-          <p:cNvPr id="20" name="Rectangle 19">
-            <a:extLst>
-              <a:ext uri="{FF2B5EF4-FFF2-40B4-BE49-F238E27FC236}">
-                <a16:creationId xmlns:a16="http://schemas.microsoft.com/office/drawing/2014/main" id="{823AC064-BC96-4F32-8AE1-B2FD38754823}"/>
-              </a:ext>
-              <a:ext uri="{C183D7F6-B498-43B3-948B-1728B52AA6E4}">
-                <adec:decorative xmlns:adec="http://schemas.microsoft.com/office/drawing/2017/decorative" val="1"/>
-              </a:ext>
-            </a:extLst>
-          </p:cNvPr>
-          <p:cNvSpPr>
-            <a:spLocks noGrp="1" noRot="1" noChangeAspect="1" noMove="1" noResize="1" noEditPoints="1" noAdjustHandles="1" noChangeArrowheads="1" noChangeShapeType="1" noTextEdit="1"/>
-          </p:cNvSpPr>
-          <p:nvPr>
-            <p:extLst>
-              <p:ext uri="{386F3935-93C4-4BCD-93E2-E3B085C9AB24}">
-                <p16:designElem xmlns:p16="http://schemas.microsoft.com/office/powerpoint/2015/main" val="1"/>
-              </p:ext>
-            </p:extLst>
-          </p:nvPr>
-        </p:nvSpPr>
-        <p:spPr bwMode="ltGray">
-          <a:xfrm>
-            <a:off x="378068" y="343486"/>
-            <a:ext cx="11438793" cy="1844256"/>
-          </a:xfrm>
-          <a:prstGeom prst="rect">
-            <a:avLst/>
-          </a:prstGeom>
-          <a:solidFill>
-            <a:srgbClr val="404040"/>
-          </a:solidFill>
-          <a:ln w="127000" cap="sq" cmpd="thinThick">
-            <a:solidFill>
-              <a:srgbClr val="404040"/>
-            </a:solidFill>
-          </a:ln>
-        </p:spPr>
-        <p:style>
-          <a:lnRef idx="2">
-            <a:schemeClr val="accent1">
-              <a:shade val="50000"/>
-            </a:schemeClr>
-          </a:lnRef>
-          <a:fillRef idx="1">
-            <a:schemeClr val="accent1"/>
-          </a:fillRef>
-          <a:effectRef idx="0">
-            <a:schemeClr val="accent1"/>
-          </a:effectRef>
-          <a:fontRef idx="minor">
-            <a:schemeClr val="lt1"/>
-          </a:fontRef>
-        </p:style>
-        <p:txBody>
-          <a:bodyPr rtlCol="0" anchor="ctr"/>
-          <a:lstStyle/>
-          <a:p>
-            <a:pPr marL="0" marR="0" lvl="0" indent="0" algn="ctr" defTabSz="914400" rtl="0" eaLnBrk="1" fontAlgn="auto" latinLnBrk="0" hangingPunct="1">
-              <a:lnSpc>
-                <a:spcPct val="100000"/>
-              </a:lnSpc>
-              <a:spcBef>
-                <a:spcPts val="0"/>
-              </a:spcBef>
-              <a:spcAft>
-                <a:spcPts val="0"/>
-              </a:spcAft>
-              <a:buClrTx/>
-              <a:buSzTx/>
-              <a:buFontTx/>
-              <a:buNone/>
-              <a:tabLst/>
-              <a:defRPr/>
-            </a:pPr>
-            <a:endParaRPr kumimoji="0" lang="en-US" sz="1800" b="0" i="0" u="none" strike="noStrike" kern="1200" cap="none" spc="0" normalizeH="0" baseline="0" noProof="0">
-              <a:ln>
-                <a:noFill/>
-              </a:ln>
-              <a:solidFill>
-                <a:prstClr val="white"/>
-              </a:solidFill>
-              <a:effectLst/>
-              <a:uLnTx/>
-              <a:uFillTx/>
-              <a:latin typeface="Calibri" panose="020F0502020204030204"/>
-              <a:ea typeface="+mn-ea"/>
-              <a:cs typeface="+mn-cs"/>
-            </a:endParaRPr>
-          </a:p>
-        </p:txBody>
-      </p:sp>
-      <p:sp>
-        <p:nvSpPr>
-          <p:cNvPr id="2" name="Nadpis 1">
-            <a:extLst>
-              <a:ext uri="{FF2B5EF4-FFF2-40B4-BE49-F238E27FC236}">
-                <a16:creationId xmlns:a16="http://schemas.microsoft.com/office/drawing/2014/main" id="{857B6C76-6EEA-4448-9D2C-EB4BCA2563C8}"/>
-              </a:ext>
-            </a:extLst>
-          </p:cNvPr>
-          <p:cNvSpPr>
-            <a:spLocks noGrp="1"/>
-          </p:cNvSpPr>
-          <p:nvPr>
-            <p:ph type="title"/>
-          </p:nvPr>
-        </p:nvSpPr>
-        <p:spPr>
-          <a:xfrm>
-            <a:off x="526073" y="466578"/>
-            <a:ext cx="11139854" cy="930447"/>
-          </a:xfrm>
-        </p:spPr>
-        <p:txBody>
-          <a:bodyPr vert="horz" lIns="91440" tIns="45720" rIns="91440" bIns="45720" rtlCol="0" anchor="b">
-            <a:normAutofit/>
-          </a:bodyPr>
-          <a:lstStyle/>
-          <a:p>
-            <a:pPr algn="ctr"/>
-            <a:r>
-              <a:rPr lang="cs-CZ" sz="5400" kern="1200" dirty="0">
-                <a:solidFill>
-                  <a:srgbClr val="FFFFFF"/>
-                </a:solidFill>
-                <a:latin typeface="+mj-lt"/>
-                <a:ea typeface="+mj-ea"/>
-                <a:cs typeface="+mj-cs"/>
-              </a:rPr>
-              <a:t>Zobrazení dat</a:t>
-            </a:r>
-            <a:endParaRPr lang="en-US" sz="5400" kern="1200" dirty="0">
-              <a:solidFill>
-                <a:srgbClr val="FFFFFF"/>
-              </a:solidFill>
-              <a:latin typeface="+mj-lt"/>
-              <a:ea typeface="+mj-ea"/>
-              <a:cs typeface="+mj-cs"/>
-            </a:endParaRPr>
-          </a:p>
-        </p:txBody>
-      </p:sp>
-      <p:cxnSp>
-        <p:nvCxnSpPr>
-          <p:cNvPr id="22" name="Straight Connector 21">
-            <a:extLst>
-              <a:ext uri="{FF2B5EF4-FFF2-40B4-BE49-F238E27FC236}">
-                <a16:creationId xmlns:a16="http://schemas.microsoft.com/office/drawing/2014/main" id="{7E7C77BC-7138-40B1-A15B-20F57A494629}"/>
-              </a:ext>
-              <a:ext uri="{C183D7F6-B498-43B3-948B-1728B52AA6E4}">
-                <adec:decorative xmlns:adec="http://schemas.microsoft.com/office/drawing/2017/decorative" val="1"/>
-              </a:ext>
-            </a:extLst>
-          </p:cNvPr>
-          <p:cNvCxnSpPr>
-            <a:cxnSpLocks noGrp="1" noRot="1" noChangeAspect="1" noMove="1" noResize="1" noEditPoints="1" noAdjustHandles="1" noChangeArrowheads="1" noChangeShapeType="1"/>
-          </p:cNvCxnSpPr>
-          <p:nvPr>
-            <p:extLst>
-              <p:ext uri="{386F3935-93C4-4BCD-93E2-E3B085C9AB24}">
-                <p16:designElem xmlns:p16="http://schemas.microsoft.com/office/powerpoint/2015/main" val="1"/>
-              </p:ext>
-            </p:extLst>
-          </p:nvPr>
-        </p:nvCxnSpPr>
-        <p:spPr>
-          <a:xfrm>
-            <a:off x="2209800" y="1448631"/>
-            <a:ext cx="7772400" cy="0"/>
-          </a:xfrm>
-          <a:prstGeom prst="line">
-            <a:avLst/>
-          </a:prstGeom>
-          <a:ln w="22225">
-            <a:solidFill>
-              <a:srgbClr val="D9D9D9"/>
-            </a:solidFill>
-          </a:ln>
-        </p:spPr>
-        <p:style>
-          <a:lnRef idx="1">
-            <a:schemeClr val="accent1"/>
-          </a:lnRef>
-          <a:fillRef idx="0">
-            <a:schemeClr val="accent1"/>
-          </a:fillRef>
-          <a:effectRef idx="0">
-            <a:schemeClr val="accent1"/>
-          </a:effectRef>
-          <a:fontRef idx="minor">
-            <a:schemeClr val="tx1"/>
-          </a:fontRef>
-        </p:style>
-      </p:cxnSp>
-      <p:pic>
-        <p:nvPicPr>
-          <p:cNvPr id="5" name="Obrázek 4" descr="Obsah obrázku snímek obrazovky&#10;&#10;Popis byl vytvořen automaticky">
-            <a:extLst>
-              <a:ext uri="{FF2B5EF4-FFF2-40B4-BE49-F238E27FC236}">
-                <a16:creationId xmlns:a16="http://schemas.microsoft.com/office/drawing/2014/main" id="{4A088AAB-FE90-488D-B53F-048F71A920F2}"/>
-              </a:ext>
-            </a:extLst>
-          </p:cNvPr>
-          <p:cNvPicPr>
-            <a:picLocks noChangeAspect="1"/>
-          </p:cNvPicPr>
-          <p:nvPr/>
-        </p:nvPicPr>
-        <p:blipFill>
-          <a:blip r:embed="rId2">
-            <a:extLst>
-              <a:ext uri="{28A0092B-C50C-407E-A947-70E740481C1C}">
-                <a14:useLocalDpi xmlns:a14="http://schemas.microsoft.com/office/drawing/2010/main" val="0"/>
-              </a:ext>
-            </a:extLst>
-          </a:blip>
-          <a:stretch>
-            <a:fillRect/>
-          </a:stretch>
-        </p:blipFill>
-        <p:spPr>
-          <a:xfrm>
-            <a:off x="1238250" y="1552722"/>
-            <a:ext cx="9715500" cy="4838700"/>
-          </a:xfrm>
-          <a:prstGeom prst="rect">
-            <a:avLst/>
-          </a:prstGeom>
-        </p:spPr>
-      </p:pic>
-    </p:spTree>
-    <p:extLst>
-      <p:ext uri="{BB962C8B-B14F-4D97-AF65-F5344CB8AC3E}">
-        <p14:creationId xmlns:p14="http://schemas.microsoft.com/office/powerpoint/2010/main" val="1900867395"/>
       </p:ext>
     </p:extLst>
   </p:cSld>

--- a/Prezentace_2.pptx
+++ b/Prezentace_2.pptx
@@ -5523,10 +5523,10 @@
       </p:pic>
       <p:pic>
         <p:nvPicPr>
-          <p:cNvPr id="6" name="Obrázek 5" descr="Obsah obrázku text&#10;&#10;Popis byl vytvořen automaticky">
+          <p:cNvPr id="3" name="Obrázek 2">
             <a:extLst>
               <a:ext uri="{FF2B5EF4-FFF2-40B4-BE49-F238E27FC236}">
-                <a16:creationId xmlns:a16="http://schemas.microsoft.com/office/drawing/2014/main" id="{3D444669-CD5C-4A6C-9B30-4BB5BBB29B51}"/>
+                <a16:creationId xmlns:a16="http://schemas.microsoft.com/office/drawing/2014/main" id="{FAF53D1E-4780-4C6D-8AB6-F1CD86CFBC03}"/>
               </a:ext>
             </a:extLst>
           </p:cNvPr>
@@ -5536,21 +5536,15 @@
           <p:nvPr/>
         </p:nvPicPr>
         <p:blipFill>
-          <a:blip r:embed="rId3">
-            <a:extLst>
-              <a:ext uri="{28A0092B-C50C-407E-A947-70E740481C1C}">
-                <a14:useLocalDpi xmlns:a14="http://schemas.microsoft.com/office/drawing/2010/main" val="0"/>
-              </a:ext>
-            </a:extLst>
-          </a:blip>
+          <a:blip r:embed="rId3"/>
           <a:stretch>
             <a:fillRect/>
           </a:stretch>
         </p:blipFill>
         <p:spPr>
           <a:xfrm>
-            <a:off x="5221750" y="1623328"/>
-            <a:ext cx="4942582" cy="4915573"/>
+            <a:off x="5218697" y="1616597"/>
+            <a:ext cx="4876048" cy="4943584"/>
           </a:xfrm>
           <a:prstGeom prst="rect">
             <a:avLst/>
@@ -5826,10 +5820,10 @@
       </p:sp>
       <p:pic>
         <p:nvPicPr>
-          <p:cNvPr id="18" name="Zástupný obsah 2" descr="Obsah obrázku snímek obrazovky, text&#10;&#10;Popis byl vytvořen automaticky">
+          <p:cNvPr id="2" name="Obrázek 1">
             <a:extLst>
               <a:ext uri="{FF2B5EF4-FFF2-40B4-BE49-F238E27FC236}">
-                <a16:creationId xmlns:a16="http://schemas.microsoft.com/office/drawing/2014/main" id="{86580180-A695-4A73-94D9-87AEA484A0CC}"/>
+                <a16:creationId xmlns:a16="http://schemas.microsoft.com/office/drawing/2014/main" id="{BF7C75DD-9F93-4AB0-BEE6-8CF8590AF4C5}"/>
               </a:ext>
             </a:extLst>
           </p:cNvPr>
@@ -5838,133 +5832,50 @@
           </p:cNvPicPr>
           <p:nvPr/>
         </p:nvPicPr>
-        <p:blipFill rotWithShape="1">
-          <a:blip r:embed="rId2">
-            <a:extLst>
-              <a:ext uri="{28A0092B-C50C-407E-A947-70E740481C1C}">
-                <a14:useLocalDpi xmlns:a14="http://schemas.microsoft.com/office/drawing/2010/main" val="0"/>
-              </a:ext>
-            </a:extLst>
-          </a:blip>
-          <a:srcRect r="4010" b="2"/>
-          <a:stretch/>
-        </p:blipFill>
-        <p:spPr>
-          <a:xfrm>
-            <a:off x="6750141" y="-2"/>
-            <a:ext cx="5441859" cy="5654940"/>
-          </a:xfrm>
-          <a:custGeom>
-            <a:avLst/>
-            <a:gdLst>
-              <a:gd name="connsiteX0" fmla="*/ 1041368 w 5441859"/>
-              <a:gd name="connsiteY0" fmla="*/ 0 h 5654940"/>
-              <a:gd name="connsiteX1" fmla="*/ 5441859 w 5441859"/>
-              <a:gd name="connsiteY1" fmla="*/ 0 h 5654940"/>
-              <a:gd name="connsiteX2" fmla="*/ 5441859 w 5441859"/>
-              <a:gd name="connsiteY2" fmla="*/ 4820612 h 5654940"/>
-              <a:gd name="connsiteX3" fmla="*/ 5285166 w 5441859"/>
-              <a:gd name="connsiteY3" fmla="*/ 4957981 h 5654940"/>
-              <a:gd name="connsiteX4" fmla="*/ 3267719 w 5441859"/>
-              <a:gd name="connsiteY4" fmla="*/ 5654940 h 5654940"/>
-              <a:gd name="connsiteX5" fmla="*/ 0 w 5441859"/>
-              <a:gd name="connsiteY5" fmla="*/ 2387221 h 5654940"/>
-              <a:gd name="connsiteX6" fmla="*/ 957093 w 5441859"/>
-              <a:gd name="connsiteY6" fmla="*/ 76595 h 5654940"/>
-            </a:gdLst>
-            <a:ahLst/>
-            <a:cxnLst>
-              <a:cxn ang="0">
-                <a:pos x="connsiteX0" y="connsiteY0"/>
-              </a:cxn>
-              <a:cxn ang="0">
-                <a:pos x="connsiteX1" y="connsiteY1"/>
-              </a:cxn>
-              <a:cxn ang="0">
-                <a:pos x="connsiteX2" y="connsiteY2"/>
-              </a:cxn>
-              <a:cxn ang="0">
-                <a:pos x="connsiteX3" y="connsiteY3"/>
-              </a:cxn>
-              <a:cxn ang="0">
-                <a:pos x="connsiteX4" y="connsiteY4"/>
-              </a:cxn>
-              <a:cxn ang="0">
-                <a:pos x="connsiteX5" y="connsiteY5"/>
-              </a:cxn>
-              <a:cxn ang="0">
-                <a:pos x="connsiteX6" y="connsiteY6"/>
-              </a:cxn>
-            </a:cxnLst>
-            <a:rect l="l" t="t" r="r" b="b"/>
-            <a:pathLst>
-              <a:path w="5441859" h="5654940">
-                <a:moveTo>
-                  <a:pt x="1041368" y="0"/>
-                </a:moveTo>
-                <a:lnTo>
-                  <a:pt x="5441859" y="0"/>
-                </a:lnTo>
-                <a:lnTo>
-                  <a:pt x="5441859" y="4820612"/>
-                </a:lnTo>
-                <a:lnTo>
-                  <a:pt x="5285166" y="4957981"/>
-                </a:lnTo>
-                <a:cubicBezTo>
-                  <a:pt x="4729628" y="5394557"/>
-                  <a:pt x="4029081" y="5654940"/>
-                  <a:pt x="3267719" y="5654940"/>
-                </a:cubicBezTo>
-                <a:cubicBezTo>
-                  <a:pt x="1463008" y="5654940"/>
-                  <a:pt x="0" y="4191932"/>
-                  <a:pt x="0" y="2387221"/>
-                </a:cubicBezTo>
-                <a:cubicBezTo>
-                  <a:pt x="0" y="1484866"/>
-                  <a:pt x="365752" y="667936"/>
-                  <a:pt x="957093" y="76595"/>
-                </a:cubicBezTo>
-                <a:close/>
-              </a:path>
-            </a:pathLst>
-          </a:custGeom>
-        </p:spPr>
-      </p:pic>
-      <p:pic>
-        <p:nvPicPr>
-          <p:cNvPr id="3" name="Zástupný obsah 2" descr="Obsah obrázku snímek obrazovky, text&#10;&#10;Popis byl vytvořen automaticky">
-            <a:extLst>
-              <a:ext uri="{FF2B5EF4-FFF2-40B4-BE49-F238E27FC236}">
-                <a16:creationId xmlns:a16="http://schemas.microsoft.com/office/drawing/2014/main" id="{86580180-A695-4A73-94D9-87AEA484A0CC}"/>
-              </a:ext>
-            </a:extLst>
-          </p:cNvPr>
-          <p:cNvPicPr>
-            <a:picLocks noGrp="1" noChangeAspect="1"/>
-          </p:cNvPicPr>
-          <p:nvPr>
-            <p:ph idx="1"/>
-          </p:nvPr>
-        </p:nvPicPr>
         <p:blipFill>
-          <a:blip r:embed="rId2">
-            <a:extLst>
-              <a:ext uri="{28A0092B-C50C-407E-A947-70E740481C1C}">
-                <a14:useLocalDpi xmlns:a14="http://schemas.microsoft.com/office/drawing/2010/main" val="0"/>
-              </a:ext>
-            </a:extLst>
-          </a:blip>
+          <a:blip r:embed="rId2"/>
           <a:stretch>
             <a:fillRect/>
           </a:stretch>
         </p:blipFill>
         <p:spPr>
           <a:xfrm>
-            <a:off x="4543124" y="0"/>
-            <a:ext cx="7648876" cy="6873019"/>
+            <a:off x="4796066" y="0"/>
+            <a:ext cx="7393258" cy="6858000"/>
           </a:xfrm>
+          <a:prstGeom prst="rect">
+            <a:avLst/>
+          </a:prstGeom>
+        </p:spPr>
+      </p:pic>
+      <p:pic>
+        <p:nvPicPr>
+          <p:cNvPr id="6" name="Obrázek 5">
+            <a:extLst>
+              <a:ext uri="{FF2B5EF4-FFF2-40B4-BE49-F238E27FC236}">
+                <a16:creationId xmlns:a16="http://schemas.microsoft.com/office/drawing/2014/main" id="{657F45D2-4F30-4124-BCED-44A186F20AC6}"/>
+              </a:ext>
+            </a:extLst>
+          </p:cNvPr>
+          <p:cNvPicPr>
+            <a:picLocks noChangeAspect="1"/>
+          </p:cNvPicPr>
+          <p:nvPr/>
+        </p:nvPicPr>
+        <p:blipFill>
+          <a:blip r:embed="rId3"/>
+          <a:stretch>
+            <a:fillRect/>
+          </a:stretch>
+        </p:blipFill>
+        <p:spPr>
+          <a:xfrm>
+            <a:off x="79616" y="4104348"/>
+            <a:ext cx="4935146" cy="1335219"/>
+          </a:xfrm>
+          <a:prstGeom prst="rect">
+            <a:avLst/>
+          </a:prstGeom>
         </p:spPr>
       </p:pic>
     </p:spTree>

--- a/Prezentace_2.pptx
+++ b/Prezentace_2.pptx
@@ -10,12 +10,16 @@
     <p:sldId id="272" r:id="rId4"/>
     <p:sldId id="277" r:id="rId5"/>
     <p:sldId id="280" r:id="rId6"/>
-    <p:sldId id="263" r:id="rId7"/>
-    <p:sldId id="257" r:id="rId8"/>
-    <p:sldId id="261" r:id="rId9"/>
-    <p:sldId id="259" r:id="rId10"/>
-    <p:sldId id="279" r:id="rId11"/>
-    <p:sldId id="275" r:id="rId12"/>
+    <p:sldId id="281" r:id="rId7"/>
+    <p:sldId id="282" r:id="rId8"/>
+    <p:sldId id="283" r:id="rId9"/>
+    <p:sldId id="284" r:id="rId10"/>
+    <p:sldId id="263" r:id="rId11"/>
+    <p:sldId id="257" r:id="rId12"/>
+    <p:sldId id="261" r:id="rId13"/>
+    <p:sldId id="259" r:id="rId14"/>
+    <p:sldId id="279" r:id="rId15"/>
+    <p:sldId id="275" r:id="rId16"/>
   </p:sldIdLst>
   <p:sldSz cx="12192000" cy="6858000"/>
   <p:notesSz cx="6858000" cy="9144000"/>
@@ -129,12 +133,16 @@
             <p14:sldId id="277"/>
           </p14:sldIdLst>
         </p14:section>
-        <p14:section name="TABS" id="{28443270-9F1D-4BA4-B13C-B3D6235407C2}">
+        <p14:section name="TapPage" id="{F32F12E1-71AF-45ED-B4C2-4451F7EA87A2}">
           <p14:sldIdLst>
             <p14:sldId id="280"/>
+            <p14:sldId id="281"/>
+            <p14:sldId id="282"/>
+            <p14:sldId id="283"/>
+            <p14:sldId id="284"/>
           </p14:sldIdLst>
         </p14:section>
-        <p14:section name="SQLite" id="{5FDFB223-66B5-4435-94AD-F43939C642C3}">
+        <p14:section name="SQLite" id="{77B1D790-52E7-46EA-8AFC-B75013DB2A19}">
           <p14:sldIdLst>
             <p14:sldId id="263"/>
             <p14:sldId id="257"/>
@@ -288,7 +296,7 @@
           <a:p>
             <a:fld id="{10280380-A66F-4D95-ACA2-7D4D5E660D3C}" type="datetimeFigureOut">
               <a:rPr lang="cs-CZ" smtClean="0"/>
-              <a:t>13.05.2019</a:t>
+              <a:t>15.05.2019</a:t>
             </a:fld>
             <a:endParaRPr lang="cs-CZ"/>
           </a:p>
@@ -458,7 +466,7 @@
           <a:p>
             <a:fld id="{10280380-A66F-4D95-ACA2-7D4D5E660D3C}" type="datetimeFigureOut">
               <a:rPr lang="cs-CZ" smtClean="0"/>
-              <a:t>13.05.2019</a:t>
+              <a:t>15.05.2019</a:t>
             </a:fld>
             <a:endParaRPr lang="cs-CZ"/>
           </a:p>
@@ -638,7 +646,7 @@
           <a:p>
             <a:fld id="{10280380-A66F-4D95-ACA2-7D4D5E660D3C}" type="datetimeFigureOut">
               <a:rPr lang="cs-CZ" smtClean="0"/>
-              <a:t>13.05.2019</a:t>
+              <a:t>15.05.2019</a:t>
             </a:fld>
             <a:endParaRPr lang="cs-CZ"/>
           </a:p>
@@ -808,7 +816,7 @@
           <a:p>
             <a:fld id="{10280380-A66F-4D95-ACA2-7D4D5E660D3C}" type="datetimeFigureOut">
               <a:rPr lang="cs-CZ" smtClean="0"/>
-              <a:t>13.05.2019</a:t>
+              <a:t>15.05.2019</a:t>
             </a:fld>
             <a:endParaRPr lang="cs-CZ"/>
           </a:p>
@@ -1054,7 +1062,7 @@
           <a:p>
             <a:fld id="{10280380-A66F-4D95-ACA2-7D4D5E660D3C}" type="datetimeFigureOut">
               <a:rPr lang="cs-CZ" smtClean="0"/>
-              <a:t>13.05.2019</a:t>
+              <a:t>15.05.2019</a:t>
             </a:fld>
             <a:endParaRPr lang="cs-CZ"/>
           </a:p>
@@ -1286,7 +1294,7 @@
           <a:p>
             <a:fld id="{10280380-A66F-4D95-ACA2-7D4D5E660D3C}" type="datetimeFigureOut">
               <a:rPr lang="cs-CZ" smtClean="0"/>
-              <a:t>13.05.2019</a:t>
+              <a:t>15.05.2019</a:t>
             </a:fld>
             <a:endParaRPr lang="cs-CZ"/>
           </a:p>
@@ -1653,7 +1661,7 @@
           <a:p>
             <a:fld id="{10280380-A66F-4D95-ACA2-7D4D5E660D3C}" type="datetimeFigureOut">
               <a:rPr lang="cs-CZ" smtClean="0"/>
-              <a:t>13.05.2019</a:t>
+              <a:t>15.05.2019</a:t>
             </a:fld>
             <a:endParaRPr lang="cs-CZ"/>
           </a:p>
@@ -1771,7 +1779,7 @@
           <a:p>
             <a:fld id="{10280380-A66F-4D95-ACA2-7D4D5E660D3C}" type="datetimeFigureOut">
               <a:rPr lang="cs-CZ" smtClean="0"/>
-              <a:t>13.05.2019</a:t>
+              <a:t>15.05.2019</a:t>
             </a:fld>
             <a:endParaRPr lang="cs-CZ"/>
           </a:p>
@@ -1866,7 +1874,7 @@
           <a:p>
             <a:fld id="{10280380-A66F-4D95-ACA2-7D4D5E660D3C}" type="datetimeFigureOut">
               <a:rPr lang="cs-CZ" smtClean="0"/>
-              <a:t>13.05.2019</a:t>
+              <a:t>15.05.2019</a:t>
             </a:fld>
             <a:endParaRPr lang="cs-CZ"/>
           </a:p>
@@ -2143,7 +2151,7 @@
           <a:p>
             <a:fld id="{10280380-A66F-4D95-ACA2-7D4D5E660D3C}" type="datetimeFigureOut">
               <a:rPr lang="cs-CZ" smtClean="0"/>
-              <a:t>13.05.2019</a:t>
+              <a:t>15.05.2019</a:t>
             </a:fld>
             <a:endParaRPr lang="cs-CZ"/>
           </a:p>
@@ -2400,7 +2408,7 @@
           <a:p>
             <a:fld id="{10280380-A66F-4D95-ACA2-7D4D5E660D3C}" type="datetimeFigureOut">
               <a:rPr lang="cs-CZ" smtClean="0"/>
-              <a:t>13.05.2019</a:t>
+              <a:t>15.05.2019</a:t>
             </a:fld>
             <a:endParaRPr lang="cs-CZ"/>
           </a:p>
@@ -2613,7 +2621,7 @@
           <a:p>
             <a:fld id="{10280380-A66F-4D95-ACA2-7D4D5E660D3C}" type="datetimeFigureOut">
               <a:rPr lang="cs-CZ" smtClean="0"/>
-              <a:t>13.05.2019</a:t>
+              <a:t>15.05.2019</a:t>
             </a:fld>
             <a:endParaRPr lang="cs-CZ"/>
           </a:p>
@@ -4086,10 +4094,29 @@
             </a:lvl9pPr>
           </a:lstStyle>
           <a:p>
-            <a:pPr algn="l"/>
+            <a:pPr algn="r"/>
             <a:r>
               <a:rPr lang="cs-CZ" sz="2000" b="1" dirty="0"/>
-              <a:t>		Tomáš Cink Jana Bláhová</a:t>
+              <a:t>		Tomáš </a:t>
+            </a:r>
+            <a:r>
+              <a:rPr lang="cs-CZ" sz="2000" b="1" dirty="0" err="1"/>
+              <a:t>Cin</a:t>
+            </a:r>
+            <a:r>
+              <a:rPr lang="en-US" sz="2000" b="1" dirty="0"/>
+              <a:t>k</a:t>
+            </a:r>
+          </a:p>
+          <a:p>
+            <a:pPr algn="r"/>
+            <a:r>
+              <a:rPr lang="en-US" sz="2000" b="1" dirty="0"/>
+              <a:t>Jana Bl</a:t>
+            </a:r>
+            <a:r>
+              <a:rPr lang="cs-CZ" sz="2000" b="1" dirty="0" err="1"/>
+              <a:t>áhová</a:t>
             </a:r>
             <a:endParaRPr lang="en-US" sz="2000" b="1" dirty="0"/>
           </a:p>
@@ -4109,277 +4136,6 @@
 </file>
 
 <file path=ppt/slides/slide10.xml><?xml version="1.0" encoding="utf-8"?>
-<p:sld xmlns:a="http://schemas.openxmlformats.org/drawingml/2006/main" xmlns:r="http://schemas.openxmlformats.org/officeDocument/2006/relationships" xmlns:p="http://schemas.openxmlformats.org/presentationml/2006/main">
-  <p:cSld>
-    <p:bg>
-      <p:bgPr>
-        <a:solidFill>
-          <a:schemeClr val="bg1"/>
-        </a:solidFill>
-        <a:effectLst/>
-      </p:bgPr>
-    </p:bg>
-    <p:spTree>
-      <p:nvGrpSpPr>
-        <p:cNvPr id="1" name=""/>
-        <p:cNvGrpSpPr/>
-        <p:nvPr/>
-      </p:nvGrpSpPr>
-      <p:grpSpPr>
-        <a:xfrm>
-          <a:off x="0" y="0"/>
-          <a:ext cx="0" cy="0"/>
-          <a:chOff x="0" y="0"/>
-          <a:chExt cx="0" cy="0"/>
-        </a:xfrm>
-      </p:grpSpPr>
-      <p:sp>
-        <p:nvSpPr>
-          <p:cNvPr id="20" name="Rectangle 19">
-            <a:extLst>
-              <a:ext uri="{FF2B5EF4-FFF2-40B4-BE49-F238E27FC236}">
-                <a16:creationId xmlns:a16="http://schemas.microsoft.com/office/drawing/2014/main" id="{823AC064-BC96-4F32-8AE1-B2FD38754823}"/>
-              </a:ext>
-              <a:ext uri="{C183D7F6-B498-43B3-948B-1728B52AA6E4}">
-                <adec:decorative xmlns:adec="http://schemas.microsoft.com/office/drawing/2017/decorative" val="1"/>
-              </a:ext>
-            </a:extLst>
-          </p:cNvPr>
-          <p:cNvSpPr>
-            <a:spLocks noGrp="1" noRot="1" noChangeAspect="1" noMove="1" noResize="1" noEditPoints="1" noAdjustHandles="1" noChangeArrowheads="1" noChangeShapeType="1" noTextEdit="1"/>
-          </p:cNvSpPr>
-          <p:nvPr>
-            <p:extLst>
-              <p:ext uri="{386F3935-93C4-4BCD-93E2-E3B085C9AB24}">
-                <p16:designElem xmlns:p16="http://schemas.microsoft.com/office/powerpoint/2015/main" val="1"/>
-              </p:ext>
-            </p:extLst>
-          </p:nvPr>
-        </p:nvSpPr>
-        <p:spPr bwMode="ltGray">
-          <a:xfrm>
-            <a:off x="378068" y="343486"/>
-            <a:ext cx="11438793" cy="1844256"/>
-          </a:xfrm>
-          <a:prstGeom prst="rect">
-            <a:avLst/>
-          </a:prstGeom>
-          <a:solidFill>
-            <a:srgbClr val="404040"/>
-          </a:solidFill>
-          <a:ln w="127000" cap="sq" cmpd="thinThick">
-            <a:solidFill>
-              <a:srgbClr val="404040"/>
-            </a:solidFill>
-          </a:ln>
-        </p:spPr>
-        <p:style>
-          <a:lnRef idx="2">
-            <a:schemeClr val="accent1">
-              <a:shade val="50000"/>
-            </a:schemeClr>
-          </a:lnRef>
-          <a:fillRef idx="1">
-            <a:schemeClr val="accent1"/>
-          </a:fillRef>
-          <a:effectRef idx="0">
-            <a:schemeClr val="accent1"/>
-          </a:effectRef>
-          <a:fontRef idx="minor">
-            <a:schemeClr val="lt1"/>
-          </a:fontRef>
-        </p:style>
-        <p:txBody>
-          <a:bodyPr rtlCol="0" anchor="ctr"/>
-          <a:lstStyle/>
-          <a:p>
-            <a:pPr marL="0" marR="0" lvl="0" indent="0" algn="ctr" defTabSz="914400" rtl="0" eaLnBrk="1" fontAlgn="auto" latinLnBrk="0" hangingPunct="1">
-              <a:lnSpc>
-                <a:spcPct val="100000"/>
-              </a:lnSpc>
-              <a:spcBef>
-                <a:spcPts val="0"/>
-              </a:spcBef>
-              <a:spcAft>
-                <a:spcPts val="0"/>
-              </a:spcAft>
-              <a:buClrTx/>
-              <a:buSzTx/>
-              <a:buFontTx/>
-              <a:buNone/>
-              <a:tabLst/>
-              <a:defRPr/>
-            </a:pPr>
-            <a:endParaRPr kumimoji="0" lang="en-US" sz="1800" b="0" i="0" u="none" strike="noStrike" kern="1200" cap="none" spc="0" normalizeH="0" baseline="0" noProof="0">
-              <a:ln>
-                <a:noFill/>
-              </a:ln>
-              <a:solidFill>
-                <a:prstClr val="white"/>
-              </a:solidFill>
-              <a:effectLst/>
-              <a:uLnTx/>
-              <a:uFillTx/>
-              <a:latin typeface="Calibri" panose="020F0502020204030204"/>
-              <a:ea typeface="+mn-ea"/>
-              <a:cs typeface="+mn-cs"/>
-            </a:endParaRPr>
-          </a:p>
-        </p:txBody>
-      </p:sp>
-      <p:sp>
-        <p:nvSpPr>
-          <p:cNvPr id="2" name="Nadpis 1">
-            <a:extLst>
-              <a:ext uri="{FF2B5EF4-FFF2-40B4-BE49-F238E27FC236}">
-                <a16:creationId xmlns:a16="http://schemas.microsoft.com/office/drawing/2014/main" id="{857B6C76-6EEA-4448-9D2C-EB4BCA2563C8}"/>
-              </a:ext>
-            </a:extLst>
-          </p:cNvPr>
-          <p:cNvSpPr>
-            <a:spLocks noGrp="1"/>
-          </p:cNvSpPr>
-          <p:nvPr>
-            <p:ph type="title"/>
-          </p:nvPr>
-        </p:nvSpPr>
-        <p:spPr>
-          <a:xfrm>
-            <a:off x="526073" y="466578"/>
-            <a:ext cx="11139854" cy="930447"/>
-          </a:xfrm>
-        </p:spPr>
-        <p:txBody>
-          <a:bodyPr vert="horz" lIns="91440" tIns="45720" rIns="91440" bIns="45720" rtlCol="0" anchor="b">
-            <a:normAutofit/>
-          </a:bodyPr>
-          <a:lstStyle/>
-          <a:p>
-            <a:pPr algn="ctr"/>
-            <a:r>
-              <a:rPr lang="cs-CZ" sz="5400" kern="1200" dirty="0">
-                <a:solidFill>
-                  <a:srgbClr val="FFFFFF"/>
-                </a:solidFill>
-                <a:latin typeface="+mj-lt"/>
-                <a:ea typeface="+mj-ea"/>
-                <a:cs typeface="+mj-cs"/>
-              </a:rPr>
-              <a:t>Zobrazení dat</a:t>
-            </a:r>
-            <a:endParaRPr lang="en-US" sz="5400" kern="1200" dirty="0">
-              <a:solidFill>
-                <a:srgbClr val="FFFFFF"/>
-              </a:solidFill>
-              <a:latin typeface="+mj-lt"/>
-              <a:ea typeface="+mj-ea"/>
-              <a:cs typeface="+mj-cs"/>
-            </a:endParaRPr>
-          </a:p>
-        </p:txBody>
-      </p:sp>
-      <p:cxnSp>
-        <p:nvCxnSpPr>
-          <p:cNvPr id="22" name="Straight Connector 21">
-            <a:extLst>
-              <a:ext uri="{FF2B5EF4-FFF2-40B4-BE49-F238E27FC236}">
-                <a16:creationId xmlns:a16="http://schemas.microsoft.com/office/drawing/2014/main" id="{7E7C77BC-7138-40B1-A15B-20F57A494629}"/>
-              </a:ext>
-              <a:ext uri="{C183D7F6-B498-43B3-948B-1728B52AA6E4}">
-                <adec:decorative xmlns:adec="http://schemas.microsoft.com/office/drawing/2017/decorative" val="1"/>
-              </a:ext>
-            </a:extLst>
-          </p:cNvPr>
-          <p:cNvCxnSpPr>
-            <a:cxnSpLocks noGrp="1" noRot="1" noChangeAspect="1" noMove="1" noResize="1" noEditPoints="1" noAdjustHandles="1" noChangeArrowheads="1" noChangeShapeType="1"/>
-          </p:cNvCxnSpPr>
-          <p:nvPr>
-            <p:extLst>
-              <p:ext uri="{386F3935-93C4-4BCD-93E2-E3B085C9AB24}">
-                <p16:designElem xmlns:p16="http://schemas.microsoft.com/office/powerpoint/2015/main" val="1"/>
-              </p:ext>
-            </p:extLst>
-          </p:nvPr>
-        </p:nvCxnSpPr>
-        <p:spPr>
-          <a:xfrm>
-            <a:off x="2209800" y="1448631"/>
-            <a:ext cx="7772400" cy="0"/>
-          </a:xfrm>
-          <a:prstGeom prst="line">
-            <a:avLst/>
-          </a:prstGeom>
-          <a:ln w="22225">
-            <a:solidFill>
-              <a:srgbClr val="D9D9D9"/>
-            </a:solidFill>
-          </a:ln>
-        </p:spPr>
-        <p:style>
-          <a:lnRef idx="1">
-            <a:schemeClr val="accent1"/>
-          </a:lnRef>
-          <a:fillRef idx="0">
-            <a:schemeClr val="accent1"/>
-          </a:fillRef>
-          <a:effectRef idx="0">
-            <a:schemeClr val="accent1"/>
-          </a:effectRef>
-          <a:fontRef idx="minor">
-            <a:schemeClr val="tx1"/>
-          </a:fontRef>
-        </p:style>
-      </p:cxnSp>
-      <p:pic>
-        <p:nvPicPr>
-          <p:cNvPr id="5" name="Obrázek 4" descr="Obsah obrázku snímek obrazovky&#10;&#10;Popis byl vytvořen automaticky">
-            <a:extLst>
-              <a:ext uri="{FF2B5EF4-FFF2-40B4-BE49-F238E27FC236}">
-                <a16:creationId xmlns:a16="http://schemas.microsoft.com/office/drawing/2014/main" id="{4A088AAB-FE90-488D-B53F-048F71A920F2}"/>
-              </a:ext>
-            </a:extLst>
-          </p:cNvPr>
-          <p:cNvPicPr>
-            <a:picLocks noChangeAspect="1"/>
-          </p:cNvPicPr>
-          <p:nvPr/>
-        </p:nvPicPr>
-        <p:blipFill>
-          <a:blip r:embed="rId2">
-            <a:extLst>
-              <a:ext uri="{28A0092B-C50C-407E-A947-70E740481C1C}">
-                <a14:useLocalDpi xmlns:a14="http://schemas.microsoft.com/office/drawing/2010/main" val="0"/>
-              </a:ext>
-            </a:extLst>
-          </a:blip>
-          <a:stretch>
-            <a:fillRect/>
-          </a:stretch>
-        </p:blipFill>
-        <p:spPr>
-          <a:xfrm>
-            <a:off x="1238250" y="1552722"/>
-            <a:ext cx="9715500" cy="4838700"/>
-          </a:xfrm>
-          <a:prstGeom prst="rect">
-            <a:avLst/>
-          </a:prstGeom>
-        </p:spPr>
-      </p:pic>
-    </p:spTree>
-    <p:extLst>
-      <p:ext uri="{BB962C8B-B14F-4D97-AF65-F5344CB8AC3E}">
-        <p14:creationId xmlns:p14="http://schemas.microsoft.com/office/powerpoint/2010/main" val="1900867395"/>
-      </p:ext>
-    </p:extLst>
-  </p:cSld>
-  <p:clrMapOvr>
-    <a:masterClrMapping/>
-  </p:clrMapOvr>
-</p:sld>
-</file>
-
-<file path=ppt/slides/slide11.xml><?xml version="1.0" encoding="utf-8"?>
 <p:sld xmlns:a="http://schemas.openxmlformats.org/drawingml/2006/main" xmlns:r="http://schemas.openxmlformats.org/officeDocument/2006/relationships" xmlns:p="http://schemas.openxmlformats.org/presentationml/2006/main">
   <p:cSld>
     <p:bg>
@@ -4755,8 +4511,8 @@
         </p:nvSpPr>
         <p:spPr>
           <a:xfrm>
-            <a:off x="1953768" y="1441938"/>
-            <a:ext cx="8284464" cy="3974124"/>
+            <a:off x="2555631" y="1441938"/>
+            <a:ext cx="7080738" cy="3974124"/>
           </a:xfrm>
         </p:spPr>
         <p:txBody>
@@ -4767,7 +4523,7 @@
           <a:p>
             <a:pPr algn="ctr"/>
             <a:r>
-              <a:rPr lang="cs-CZ" sz="6600" dirty="0">
+              <a:rPr lang="cs-CZ" sz="5400" dirty="0" err="1">
                 <a:solidFill>
                   <a:schemeClr val="bg1">
                     <a:lumMod val="95000"/>
@@ -4775,15 +4531,23 @@
                   </a:schemeClr>
                 </a:solidFill>
               </a:rPr>
-              <a:t>Děkujeme za pozornost</a:t>
+              <a:t>SQLite</a:t>
             </a:r>
+            <a:endParaRPr lang="cs-CZ" sz="5400" dirty="0">
+              <a:solidFill>
+                <a:schemeClr val="bg1">
+                  <a:lumMod val="95000"/>
+                  <a:lumOff val="5000"/>
+                </a:schemeClr>
+              </a:solidFill>
+            </a:endParaRPr>
           </a:p>
         </p:txBody>
       </p:sp>
     </p:spTree>
     <p:extLst>
       <p:ext uri="{BB962C8B-B14F-4D97-AF65-F5344CB8AC3E}">
-        <p14:creationId xmlns:p14="http://schemas.microsoft.com/office/powerpoint/2010/main" val="3197011055"/>
+        <p14:creationId xmlns:p14="http://schemas.microsoft.com/office/powerpoint/2010/main" val="2311046126"/>
       </p:ext>
     </p:extLst>
   </p:cSld>
@@ -4793,7 +4557,1384 @@
 </p:sld>
 </file>
 
-<file path=ppt/slides/slide2.xml><?xml version="1.0" encoding="utf-8"?>
+<file path=ppt/slides/slide11.xml><?xml version="1.0" encoding="utf-8"?>
+<p:sld xmlns:a="http://schemas.openxmlformats.org/drawingml/2006/main" xmlns:r="http://schemas.openxmlformats.org/officeDocument/2006/relationships" xmlns:p="http://schemas.openxmlformats.org/presentationml/2006/main">
+  <p:cSld>
+    <p:bg>
+      <p:bgPr>
+        <a:solidFill>
+          <a:schemeClr val="bg1"/>
+        </a:solidFill>
+        <a:effectLst/>
+      </p:bgPr>
+    </p:bg>
+    <p:spTree>
+      <p:nvGrpSpPr>
+        <p:cNvPr id="1" name=""/>
+        <p:cNvGrpSpPr/>
+        <p:nvPr/>
+      </p:nvGrpSpPr>
+      <p:grpSpPr>
+        <a:xfrm>
+          <a:off x="0" y="0"/>
+          <a:ext cx="0" cy="0"/>
+          <a:chOff x="0" y="0"/>
+          <a:chExt cx="0" cy="0"/>
+        </a:xfrm>
+      </p:grpSpPr>
+      <p:sp>
+        <p:nvSpPr>
+          <p:cNvPr id="33" name="Rectangle 32">
+            <a:extLst>
+              <a:ext uri="{FF2B5EF4-FFF2-40B4-BE49-F238E27FC236}">
+                <a16:creationId xmlns:a16="http://schemas.microsoft.com/office/drawing/2014/main" id="{823AC064-BC96-4F32-8AE1-B2FD38754823}"/>
+              </a:ext>
+              <a:ext uri="{C183D7F6-B498-43B3-948B-1728B52AA6E4}">
+                <adec:decorative xmlns:adec="http://schemas.microsoft.com/office/drawing/2017/decorative" val="1"/>
+              </a:ext>
+            </a:extLst>
+          </p:cNvPr>
+          <p:cNvSpPr>
+            <a:spLocks noGrp="1" noRot="1" noChangeAspect="1" noMove="1" noResize="1" noEditPoints="1" noAdjustHandles="1" noChangeArrowheads="1" noChangeShapeType="1" noTextEdit="1"/>
+          </p:cNvSpPr>
+          <p:nvPr>
+            <p:extLst>
+              <p:ext uri="{386F3935-93C4-4BCD-93E2-E3B085C9AB24}">
+                <p16:designElem xmlns:p16="http://schemas.microsoft.com/office/powerpoint/2015/main" val="1"/>
+              </p:ext>
+            </p:extLst>
+          </p:nvPr>
+        </p:nvSpPr>
+        <p:spPr bwMode="ltGray">
+          <a:xfrm>
+            <a:off x="396882" y="280374"/>
+            <a:ext cx="11438793" cy="1844256"/>
+          </a:xfrm>
+          <a:prstGeom prst="rect">
+            <a:avLst/>
+          </a:prstGeom>
+          <a:solidFill>
+            <a:srgbClr val="404040"/>
+          </a:solidFill>
+          <a:ln w="127000" cap="sq" cmpd="thinThick">
+            <a:solidFill>
+              <a:srgbClr val="404040"/>
+            </a:solidFill>
+          </a:ln>
+        </p:spPr>
+        <p:style>
+          <a:lnRef idx="2">
+            <a:schemeClr val="accent1">
+              <a:shade val="50000"/>
+            </a:schemeClr>
+          </a:lnRef>
+          <a:fillRef idx="1">
+            <a:schemeClr val="accent1"/>
+          </a:fillRef>
+          <a:effectRef idx="0">
+            <a:schemeClr val="accent1"/>
+          </a:effectRef>
+          <a:fontRef idx="minor">
+            <a:schemeClr val="lt1"/>
+          </a:fontRef>
+        </p:style>
+        <p:txBody>
+          <a:bodyPr rtlCol="0" anchor="ctr"/>
+          <a:lstStyle/>
+          <a:p>
+            <a:pPr algn="ctr"/>
+            <a:endParaRPr lang="en-US"/>
+          </a:p>
+        </p:txBody>
+      </p:sp>
+      <p:sp>
+        <p:nvSpPr>
+          <p:cNvPr id="12" name="Nadpis 1">
+            <a:extLst>
+              <a:ext uri="{FF2B5EF4-FFF2-40B4-BE49-F238E27FC236}">
+                <a16:creationId xmlns:a16="http://schemas.microsoft.com/office/drawing/2014/main" id="{F90899F7-421C-4F94-AFB8-395D5E1CF0DD}"/>
+              </a:ext>
+            </a:extLst>
+          </p:cNvPr>
+          <p:cNvSpPr>
+            <a:spLocks noGrp="1"/>
+          </p:cNvSpPr>
+          <p:nvPr>
+            <p:ph type="title"/>
+          </p:nvPr>
+        </p:nvSpPr>
+        <p:spPr>
+          <a:xfrm>
+            <a:off x="546351" y="433545"/>
+            <a:ext cx="11139854" cy="930447"/>
+          </a:xfrm>
+        </p:spPr>
+        <p:txBody>
+          <a:bodyPr vert="horz" lIns="91440" tIns="45720" rIns="91440" bIns="45720" rtlCol="0" anchor="b">
+            <a:normAutofit/>
+          </a:bodyPr>
+          <a:lstStyle/>
+          <a:p>
+            <a:pPr algn="ctr"/>
+            <a:r>
+              <a:rPr lang="en-US" sz="5400">
+                <a:solidFill>
+                  <a:srgbClr val="FFFFFF"/>
+                </a:solidFill>
+              </a:rPr>
+              <a:t>APLIKACE</a:t>
+            </a:r>
+          </a:p>
+        </p:txBody>
+      </p:sp>
+      <p:cxnSp>
+        <p:nvCxnSpPr>
+          <p:cNvPr id="35" name="Straight Connector 34">
+            <a:extLst>
+              <a:ext uri="{FF2B5EF4-FFF2-40B4-BE49-F238E27FC236}">
+                <a16:creationId xmlns:a16="http://schemas.microsoft.com/office/drawing/2014/main" id="{7E7C77BC-7138-40B1-A15B-20F57A494629}"/>
+              </a:ext>
+              <a:ext uri="{C183D7F6-B498-43B3-948B-1728B52AA6E4}">
+                <adec:decorative xmlns:adec="http://schemas.microsoft.com/office/drawing/2017/decorative" val="1"/>
+              </a:ext>
+            </a:extLst>
+          </p:cNvPr>
+          <p:cNvCxnSpPr>
+            <a:cxnSpLocks noGrp="1" noRot="1" noChangeAspect="1" noMove="1" noResize="1" noEditPoints="1" noAdjustHandles="1" noChangeArrowheads="1" noChangeShapeType="1"/>
+          </p:cNvCxnSpPr>
+          <p:nvPr>
+            <p:extLst>
+              <p:ext uri="{386F3935-93C4-4BCD-93E2-E3B085C9AB24}">
+                <p16:designElem xmlns:p16="http://schemas.microsoft.com/office/powerpoint/2015/main" val="1"/>
+              </p:ext>
+            </p:extLst>
+          </p:nvPr>
+        </p:nvCxnSpPr>
+        <p:spPr>
+          <a:xfrm>
+            <a:off x="2230078" y="1522292"/>
+            <a:ext cx="7772400" cy="0"/>
+          </a:xfrm>
+          <a:prstGeom prst="line">
+            <a:avLst/>
+          </a:prstGeom>
+          <a:ln w="22225">
+            <a:solidFill>
+              <a:srgbClr val="D9D9D9"/>
+            </a:solidFill>
+          </a:ln>
+        </p:spPr>
+        <p:style>
+          <a:lnRef idx="1">
+            <a:schemeClr val="accent1"/>
+          </a:lnRef>
+          <a:fillRef idx="0">
+            <a:schemeClr val="accent1"/>
+          </a:fillRef>
+          <a:effectRef idx="0">
+            <a:schemeClr val="accent1"/>
+          </a:effectRef>
+          <a:fontRef idx="minor">
+            <a:schemeClr val="tx1"/>
+          </a:fontRef>
+        </p:style>
+      </p:cxnSp>
+      <p:pic>
+        <p:nvPicPr>
+          <p:cNvPr id="3" name="Obrázek 2" descr="Obsah obrázku snímek obrazovky&#10;&#10;Popis byl vytvořen automaticky">
+            <a:extLst>
+              <a:ext uri="{FF2B5EF4-FFF2-40B4-BE49-F238E27FC236}">
+                <a16:creationId xmlns:a16="http://schemas.microsoft.com/office/drawing/2014/main" id="{364A89AA-3BC7-4085-9448-25ED62A1C6ED}"/>
+              </a:ext>
+            </a:extLst>
+          </p:cNvPr>
+          <p:cNvPicPr>
+            <a:picLocks noChangeAspect="1"/>
+          </p:cNvPicPr>
+          <p:nvPr/>
+        </p:nvPicPr>
+        <p:blipFill>
+          <a:blip r:embed="rId2">
+            <a:extLst>
+              <a:ext uri="{28A0092B-C50C-407E-A947-70E740481C1C}">
+                <a14:useLocalDpi xmlns:a14="http://schemas.microsoft.com/office/drawing/2010/main" val="0"/>
+              </a:ext>
+            </a:extLst>
+          </a:blip>
+          <a:stretch>
+            <a:fillRect/>
+          </a:stretch>
+        </p:blipFill>
+        <p:spPr>
+          <a:xfrm>
+            <a:off x="1850239" y="1657184"/>
+            <a:ext cx="2884199" cy="4767272"/>
+          </a:xfrm>
+          <a:prstGeom prst="rect">
+            <a:avLst/>
+          </a:prstGeom>
+        </p:spPr>
+      </p:pic>
+      <p:cxnSp>
+        <p:nvCxnSpPr>
+          <p:cNvPr id="37" name="Straight Connector 36">
+            <a:extLst>
+              <a:ext uri="{FF2B5EF4-FFF2-40B4-BE49-F238E27FC236}">
+                <a16:creationId xmlns:a16="http://schemas.microsoft.com/office/drawing/2014/main" id="{DB146403-F3D6-484B-B2ED-97F9565D0370}"/>
+              </a:ext>
+              <a:ext uri="{C183D7F6-B498-43B3-948B-1728B52AA6E4}">
+                <adec:decorative xmlns:adec="http://schemas.microsoft.com/office/drawing/2017/decorative" val="1"/>
+              </a:ext>
+            </a:extLst>
+          </p:cNvPr>
+          <p:cNvCxnSpPr>
+            <a:cxnSpLocks noGrp="1" noRot="1" noChangeAspect="1" noMove="1" noResize="1" noEditPoints="1" noAdjustHandles="1" noChangeArrowheads="1" noChangeShapeType="1"/>
+          </p:cNvCxnSpPr>
+          <p:nvPr>
+            <p:extLst>
+              <p:ext uri="{386F3935-93C4-4BCD-93E2-E3B085C9AB24}">
+                <p16:designElem xmlns:p16="http://schemas.microsoft.com/office/powerpoint/2015/main" val="1"/>
+              </p:ext>
+            </p:extLst>
+          </p:nvPr>
+        </p:nvCxnSpPr>
+        <p:spPr>
+          <a:xfrm>
+            <a:off x="6116278" y="2596836"/>
+            <a:ext cx="0" cy="3657600"/>
+          </a:xfrm>
+          <a:prstGeom prst="line">
+            <a:avLst/>
+          </a:prstGeom>
+          <a:ln w="101600" cmpd="dbl">
+            <a:solidFill>
+              <a:srgbClr val="595959"/>
+            </a:solidFill>
+          </a:ln>
+        </p:spPr>
+        <p:style>
+          <a:lnRef idx="1">
+            <a:schemeClr val="accent1"/>
+          </a:lnRef>
+          <a:fillRef idx="0">
+            <a:schemeClr val="accent1"/>
+          </a:fillRef>
+          <a:effectRef idx="0">
+            <a:schemeClr val="accent1"/>
+          </a:effectRef>
+          <a:fontRef idx="minor">
+            <a:schemeClr val="tx1"/>
+          </a:fontRef>
+        </p:style>
+      </p:cxnSp>
+      <p:pic>
+        <p:nvPicPr>
+          <p:cNvPr id="6" name="Obrázek 5">
+            <a:extLst>
+              <a:ext uri="{FF2B5EF4-FFF2-40B4-BE49-F238E27FC236}">
+                <a16:creationId xmlns:a16="http://schemas.microsoft.com/office/drawing/2014/main" id="{5B26C4F2-1E9A-4CD7-995A-B41139C9C731}"/>
+              </a:ext>
+            </a:extLst>
+          </p:cNvPr>
+          <p:cNvPicPr>
+            <a:picLocks noChangeAspect="1"/>
+          </p:cNvPicPr>
+          <p:nvPr/>
+        </p:nvPicPr>
+        <p:blipFill>
+          <a:blip r:embed="rId3"/>
+          <a:stretch>
+            <a:fillRect/>
+          </a:stretch>
+        </p:blipFill>
+        <p:spPr>
+          <a:xfrm>
+            <a:off x="7457562" y="1689315"/>
+            <a:ext cx="2884198" cy="4735139"/>
+          </a:xfrm>
+          <a:prstGeom prst="rect">
+            <a:avLst/>
+          </a:prstGeom>
+        </p:spPr>
+      </p:pic>
+    </p:spTree>
+    <p:extLst>
+      <p:ext uri="{BB962C8B-B14F-4D97-AF65-F5344CB8AC3E}">
+        <p14:creationId xmlns:p14="http://schemas.microsoft.com/office/powerpoint/2010/main" val="1247341911"/>
+      </p:ext>
+    </p:extLst>
+  </p:cSld>
+  <p:clrMapOvr>
+    <a:masterClrMapping/>
+  </p:clrMapOvr>
+</p:sld>
+</file>
+
+<file path=ppt/slides/slide12.xml><?xml version="1.0" encoding="utf-8"?>
+<p:sld xmlns:a="http://schemas.openxmlformats.org/drawingml/2006/main" xmlns:r="http://schemas.openxmlformats.org/officeDocument/2006/relationships" xmlns:p="http://schemas.openxmlformats.org/presentationml/2006/main">
+  <p:cSld>
+    <p:bg>
+      <p:bgPr>
+        <a:solidFill>
+          <a:schemeClr val="bg1">
+            <a:tint val="95000"/>
+            <a:satMod val="170000"/>
+          </a:schemeClr>
+        </a:solidFill>
+        <a:effectLst/>
+      </p:bgPr>
+    </p:bg>
+    <p:spTree>
+      <p:nvGrpSpPr>
+        <p:cNvPr id="1" name=""/>
+        <p:cNvGrpSpPr/>
+        <p:nvPr/>
+      </p:nvGrpSpPr>
+      <p:grpSpPr>
+        <a:xfrm>
+          <a:off x="0" y="0"/>
+          <a:ext cx="0" cy="0"/>
+          <a:chOff x="0" y="0"/>
+          <a:chExt cx="0" cy="0"/>
+        </a:xfrm>
+      </p:grpSpPr>
+      <p:sp>
+        <p:nvSpPr>
+          <p:cNvPr id="24" name="Freeform: Shape 23">
+            <a:extLst>
+              <a:ext uri="{FF2B5EF4-FFF2-40B4-BE49-F238E27FC236}">
+                <a16:creationId xmlns:a16="http://schemas.microsoft.com/office/drawing/2014/main" id="{E862BE82-D00D-42C1-BF16-93AA37870C32}"/>
+              </a:ext>
+              <a:ext uri="{C183D7F6-B498-43B3-948B-1728B52AA6E4}">
+                <adec:decorative xmlns:adec="http://schemas.microsoft.com/office/drawing/2017/decorative" val="1"/>
+              </a:ext>
+            </a:extLst>
+          </p:cNvPr>
+          <p:cNvSpPr>
+            <a:spLocks noGrp="1" noRot="1" noChangeAspect="1" noMove="1" noResize="1" noEditPoints="1" noAdjustHandles="1" noChangeArrowheads="1" noChangeShapeType="1" noTextEdit="1"/>
+          </p:cNvSpPr>
+          <p:nvPr>
+            <p:extLst>
+              <p:ext uri="{386F3935-93C4-4BCD-93E2-E3B085C9AB24}">
+                <p16:designElem xmlns:p16="http://schemas.microsoft.com/office/powerpoint/2015/main" val="1"/>
+              </p:ext>
+            </p:extLst>
+          </p:nvPr>
+        </p:nvSpPr>
+        <p:spPr>
+          <a:xfrm>
+            <a:off x="0" y="-2008"/>
+            <a:ext cx="5609220" cy="5840278"/>
+          </a:xfrm>
+          <a:custGeom>
+            <a:avLst/>
+            <a:gdLst>
+              <a:gd name="connsiteX0" fmla="*/ 0 w 5609220"/>
+              <a:gd name="connsiteY0" fmla="*/ 0 h 5840278"/>
+              <a:gd name="connsiteX1" fmla="*/ 4637091 w 5609220"/>
+              <a:gd name="connsiteY1" fmla="*/ 0 h 5840278"/>
+              <a:gd name="connsiteX2" fmla="*/ 4822569 w 5609220"/>
+              <a:gd name="connsiteY2" fmla="*/ 204077 h 5840278"/>
+              <a:gd name="connsiteX3" fmla="*/ 5609220 w 5609220"/>
+              <a:gd name="connsiteY3" fmla="*/ 2395363 h 5840278"/>
+              <a:gd name="connsiteX4" fmla="*/ 2164305 w 5609220"/>
+              <a:gd name="connsiteY4" fmla="*/ 5840278 h 5840278"/>
+              <a:gd name="connsiteX5" fmla="*/ 238220 w 5609220"/>
+              <a:gd name="connsiteY5" fmla="*/ 5251941 h 5840278"/>
+              <a:gd name="connsiteX6" fmla="*/ 0 w 5609220"/>
+              <a:gd name="connsiteY6" fmla="*/ 5073803 h 5840278"/>
+            </a:gdLst>
+            <a:ahLst/>
+            <a:cxnLst>
+              <a:cxn ang="0">
+                <a:pos x="connsiteX0" y="connsiteY0"/>
+              </a:cxn>
+              <a:cxn ang="0">
+                <a:pos x="connsiteX1" y="connsiteY1"/>
+              </a:cxn>
+              <a:cxn ang="0">
+                <a:pos x="connsiteX2" y="connsiteY2"/>
+              </a:cxn>
+              <a:cxn ang="0">
+                <a:pos x="connsiteX3" y="connsiteY3"/>
+              </a:cxn>
+              <a:cxn ang="0">
+                <a:pos x="connsiteX4" y="connsiteY4"/>
+              </a:cxn>
+              <a:cxn ang="0">
+                <a:pos x="connsiteX5" y="connsiteY5"/>
+              </a:cxn>
+              <a:cxn ang="0">
+                <a:pos x="connsiteX6" y="connsiteY6"/>
+              </a:cxn>
+            </a:cxnLst>
+            <a:rect l="l" t="t" r="r" b="b"/>
+            <a:pathLst>
+              <a:path w="5609220" h="5840278">
+                <a:moveTo>
+                  <a:pt x="0" y="0"/>
+                </a:moveTo>
+                <a:lnTo>
+                  <a:pt x="4637091" y="0"/>
+                </a:lnTo>
+                <a:lnTo>
+                  <a:pt x="4822569" y="204077"/>
+                </a:lnTo>
+                <a:cubicBezTo>
+                  <a:pt x="5314007" y="799562"/>
+                  <a:pt x="5609220" y="1562987"/>
+                  <a:pt x="5609220" y="2395363"/>
+                </a:cubicBezTo>
+                <a:cubicBezTo>
+                  <a:pt x="5609220" y="4297937"/>
+                  <a:pt x="4066879" y="5840278"/>
+                  <a:pt x="2164305" y="5840278"/>
+                </a:cubicBezTo>
+                <a:cubicBezTo>
+                  <a:pt x="1450840" y="5840278"/>
+                  <a:pt x="788032" y="5623387"/>
+                  <a:pt x="238220" y="5251941"/>
+                </a:cubicBezTo>
+                <a:lnTo>
+                  <a:pt x="0" y="5073803"/>
+                </a:lnTo>
+                <a:close/>
+              </a:path>
+            </a:pathLst>
+          </a:custGeom>
+          <a:solidFill>
+            <a:schemeClr val="tx1">
+              <a:alpha val="20000"/>
+            </a:schemeClr>
+          </a:solidFill>
+          <a:ln>
+            <a:noFill/>
+          </a:ln>
+        </p:spPr>
+        <p:style>
+          <a:lnRef idx="2">
+            <a:schemeClr val="accent1">
+              <a:shade val="50000"/>
+            </a:schemeClr>
+          </a:lnRef>
+          <a:fillRef idx="1">
+            <a:schemeClr val="accent1"/>
+          </a:fillRef>
+          <a:effectRef idx="0">
+            <a:schemeClr val="accent1"/>
+          </a:effectRef>
+          <a:fontRef idx="minor">
+            <a:schemeClr val="lt1"/>
+          </a:fontRef>
+        </p:style>
+        <p:txBody>
+          <a:bodyPr rtlCol="0" anchor="ctr"/>
+          <a:lstStyle/>
+          <a:p>
+            <a:pPr marL="0" marR="0" lvl="0" indent="0" algn="ctr" defTabSz="914400" rtl="0" eaLnBrk="1" fontAlgn="auto" latinLnBrk="0" hangingPunct="1">
+              <a:lnSpc>
+                <a:spcPct val="100000"/>
+              </a:lnSpc>
+              <a:spcBef>
+                <a:spcPts val="0"/>
+              </a:spcBef>
+              <a:spcAft>
+                <a:spcPts val="0"/>
+              </a:spcAft>
+              <a:buClrTx/>
+              <a:buSzTx/>
+              <a:buFontTx/>
+              <a:buNone/>
+              <a:tabLst/>
+              <a:defRPr/>
+            </a:pPr>
+            <a:endParaRPr kumimoji="0" lang="en-US" sz="1800" b="0" i="0" u="none" strike="noStrike" kern="1200" cap="none" spc="0" normalizeH="0" baseline="0" noProof="0">
+              <a:ln>
+                <a:noFill/>
+              </a:ln>
+              <a:solidFill>
+                <a:prstClr val="white"/>
+              </a:solidFill>
+              <a:effectLst/>
+              <a:uLnTx/>
+              <a:uFillTx/>
+              <a:latin typeface="Calibri" panose="020F0502020204030204"/>
+              <a:ea typeface="+mn-ea"/>
+              <a:cs typeface="+mn-cs"/>
+            </a:endParaRPr>
+          </a:p>
+        </p:txBody>
+      </p:sp>
+      <p:sp>
+        <p:nvSpPr>
+          <p:cNvPr id="26" name="Freeform: Shape 25">
+            <a:extLst>
+              <a:ext uri="{FF2B5EF4-FFF2-40B4-BE49-F238E27FC236}">
+                <a16:creationId xmlns:a16="http://schemas.microsoft.com/office/drawing/2014/main" id="{F6D92C2D-1D3D-4974-918C-06579FB354A9}"/>
+              </a:ext>
+              <a:ext uri="{C183D7F6-B498-43B3-948B-1728B52AA6E4}">
+                <adec:decorative xmlns:adec="http://schemas.microsoft.com/office/drawing/2017/decorative" val="1"/>
+              </a:ext>
+            </a:extLst>
+          </p:cNvPr>
+          <p:cNvSpPr>
+            <a:spLocks noGrp="1" noRot="1" noChangeAspect="1" noMove="1" noResize="1" noEditPoints="1" noAdjustHandles="1" noChangeArrowheads="1" noChangeShapeType="1" noTextEdit="1"/>
+          </p:cNvSpPr>
+          <p:nvPr>
+            <p:extLst>
+              <p:ext uri="{386F3935-93C4-4BCD-93E2-E3B085C9AB24}">
+                <p16:designElem xmlns:p16="http://schemas.microsoft.com/office/powerpoint/2015/main" val="1"/>
+              </p:ext>
+            </p:extLst>
+          </p:nvPr>
+        </p:nvSpPr>
+        <p:spPr>
+          <a:xfrm>
+            <a:off x="-2333" y="-2"/>
+            <a:ext cx="5441859" cy="5654940"/>
+          </a:xfrm>
+          <a:custGeom>
+            <a:avLst/>
+            <a:gdLst>
+              <a:gd name="connsiteX0" fmla="*/ 0 w 5441859"/>
+              <a:gd name="connsiteY0" fmla="*/ 0 h 5654940"/>
+              <a:gd name="connsiteX1" fmla="*/ 4400492 w 5441859"/>
+              <a:gd name="connsiteY1" fmla="*/ 0 h 5654940"/>
+              <a:gd name="connsiteX2" fmla="*/ 4484767 w 5441859"/>
+              <a:gd name="connsiteY2" fmla="*/ 76595 h 5654940"/>
+              <a:gd name="connsiteX3" fmla="*/ 5441859 w 5441859"/>
+              <a:gd name="connsiteY3" fmla="*/ 2387221 h 5654940"/>
+              <a:gd name="connsiteX4" fmla="*/ 2174140 w 5441859"/>
+              <a:gd name="connsiteY4" fmla="*/ 5654940 h 5654940"/>
+              <a:gd name="connsiteX5" fmla="*/ 156693 w 5441859"/>
+              <a:gd name="connsiteY5" fmla="*/ 4957981 h 5654940"/>
+              <a:gd name="connsiteX6" fmla="*/ 0 w 5441859"/>
+              <a:gd name="connsiteY6" fmla="*/ 4820612 h 5654940"/>
+            </a:gdLst>
+            <a:ahLst/>
+            <a:cxnLst>
+              <a:cxn ang="0">
+                <a:pos x="connsiteX0" y="connsiteY0"/>
+              </a:cxn>
+              <a:cxn ang="0">
+                <a:pos x="connsiteX1" y="connsiteY1"/>
+              </a:cxn>
+              <a:cxn ang="0">
+                <a:pos x="connsiteX2" y="connsiteY2"/>
+              </a:cxn>
+              <a:cxn ang="0">
+                <a:pos x="connsiteX3" y="connsiteY3"/>
+              </a:cxn>
+              <a:cxn ang="0">
+                <a:pos x="connsiteX4" y="connsiteY4"/>
+              </a:cxn>
+              <a:cxn ang="0">
+                <a:pos x="connsiteX5" y="connsiteY5"/>
+              </a:cxn>
+              <a:cxn ang="0">
+                <a:pos x="connsiteX6" y="connsiteY6"/>
+              </a:cxn>
+            </a:cxnLst>
+            <a:rect l="l" t="t" r="r" b="b"/>
+            <a:pathLst>
+              <a:path w="5441859" h="5654940">
+                <a:moveTo>
+                  <a:pt x="0" y="0"/>
+                </a:moveTo>
+                <a:lnTo>
+                  <a:pt x="4400492" y="0"/>
+                </a:lnTo>
+                <a:lnTo>
+                  <a:pt x="4484767" y="76595"/>
+                </a:lnTo>
+                <a:cubicBezTo>
+                  <a:pt x="5076108" y="667936"/>
+                  <a:pt x="5441859" y="1484866"/>
+                  <a:pt x="5441859" y="2387221"/>
+                </a:cubicBezTo>
+                <a:cubicBezTo>
+                  <a:pt x="5441859" y="4191932"/>
+                  <a:pt x="3978851" y="5654940"/>
+                  <a:pt x="2174140" y="5654940"/>
+                </a:cubicBezTo>
+                <a:cubicBezTo>
+                  <a:pt x="1412778" y="5654940"/>
+                  <a:pt x="712231" y="5394557"/>
+                  <a:pt x="156693" y="4957981"/>
+                </a:cubicBezTo>
+                <a:lnTo>
+                  <a:pt x="0" y="4820612"/>
+                </a:lnTo>
+                <a:close/>
+              </a:path>
+            </a:pathLst>
+          </a:custGeom>
+          <a:solidFill>
+            <a:schemeClr val="bg1">
+              <a:lumMod val="95000"/>
+              <a:lumOff val="5000"/>
+              <a:alpha val="80000"/>
+            </a:schemeClr>
+          </a:solidFill>
+          <a:ln>
+            <a:noFill/>
+          </a:ln>
+        </p:spPr>
+        <p:style>
+          <a:lnRef idx="2">
+            <a:schemeClr val="accent1">
+              <a:shade val="50000"/>
+            </a:schemeClr>
+          </a:lnRef>
+          <a:fillRef idx="1">
+            <a:schemeClr val="accent1"/>
+          </a:fillRef>
+          <a:effectRef idx="0">
+            <a:schemeClr val="accent1"/>
+          </a:effectRef>
+          <a:fontRef idx="minor">
+            <a:schemeClr val="lt1"/>
+          </a:fontRef>
+        </p:style>
+        <p:txBody>
+          <a:bodyPr rtlCol="0" anchor="ctr"/>
+          <a:lstStyle/>
+          <a:p>
+            <a:pPr marL="0" marR="0" lvl="0" indent="0" algn="ctr" defTabSz="914400" rtl="0" eaLnBrk="1" fontAlgn="auto" latinLnBrk="0" hangingPunct="1">
+              <a:lnSpc>
+                <a:spcPct val="100000"/>
+              </a:lnSpc>
+              <a:spcBef>
+                <a:spcPts val="0"/>
+              </a:spcBef>
+              <a:spcAft>
+                <a:spcPts val="0"/>
+              </a:spcAft>
+              <a:buClrTx/>
+              <a:buSzTx/>
+              <a:buFontTx/>
+              <a:buNone/>
+              <a:tabLst/>
+              <a:defRPr/>
+            </a:pPr>
+            <a:endParaRPr kumimoji="0" lang="en-US" sz="1800" b="0" i="0" u="none" strike="noStrike" kern="1200" cap="none" spc="0" normalizeH="0" baseline="0" noProof="0">
+              <a:ln>
+                <a:noFill/>
+              </a:ln>
+              <a:solidFill>
+                <a:prstClr val="white"/>
+              </a:solidFill>
+              <a:effectLst/>
+              <a:uLnTx/>
+              <a:uFillTx/>
+              <a:latin typeface="Calibri" panose="020F0502020204030204"/>
+              <a:ea typeface="+mn-ea"/>
+              <a:cs typeface="+mn-cs"/>
+            </a:endParaRPr>
+          </a:p>
+        </p:txBody>
+      </p:sp>
+      <p:sp>
+        <p:nvSpPr>
+          <p:cNvPr id="16" name="Nadpis 1">
+            <a:extLst>
+              <a:ext uri="{FF2B5EF4-FFF2-40B4-BE49-F238E27FC236}">
+                <a16:creationId xmlns:a16="http://schemas.microsoft.com/office/drawing/2014/main" id="{41D0CB60-F0D9-48DC-8C0D-78A43512DF8F}"/>
+              </a:ext>
+            </a:extLst>
+          </p:cNvPr>
+          <p:cNvSpPr txBox="1">
+            <a:spLocks/>
+          </p:cNvSpPr>
+          <p:nvPr/>
+        </p:nvSpPr>
+        <p:spPr>
+          <a:xfrm>
+            <a:off x="750242" y="632990"/>
+            <a:ext cx="4062643" cy="1043409"/>
+          </a:xfrm>
+          <a:prstGeom prst="rect">
+            <a:avLst/>
+          </a:prstGeom>
+        </p:spPr>
+        <p:txBody>
+          <a:bodyPr vert="horz" lIns="91440" tIns="45720" rIns="91440" bIns="45720" rtlCol="0" anchor="ctr">
+            <a:normAutofit/>
+          </a:bodyPr>
+          <a:lstStyle>
+            <a:lvl1pPr algn="l" defTabSz="914400" rtl="0" eaLnBrk="1" latinLnBrk="0" hangingPunct="1">
+              <a:lnSpc>
+                <a:spcPct val="90000"/>
+              </a:lnSpc>
+              <a:spcBef>
+                <a:spcPct val="0"/>
+              </a:spcBef>
+              <a:buNone/>
+              <a:defRPr sz="4400" kern="1200">
+                <a:solidFill>
+                  <a:schemeClr val="tx1"/>
+                </a:solidFill>
+                <a:latin typeface="+mj-lt"/>
+                <a:ea typeface="+mj-ea"/>
+                <a:cs typeface="+mj-cs"/>
+              </a:defRPr>
+            </a:lvl1pPr>
+          </a:lstStyle>
+          <a:p>
+            <a:pPr>
+              <a:spcAft>
+                <a:spcPts val="600"/>
+              </a:spcAft>
+            </a:pPr>
+            <a:r>
+              <a:rPr lang="cs-CZ" sz="3600" kern="1200" dirty="0">
+                <a:solidFill>
+                  <a:schemeClr val="tx1"/>
+                </a:solidFill>
+                <a:latin typeface="+mj-lt"/>
+                <a:ea typeface="+mj-ea"/>
+                <a:cs typeface="+mj-cs"/>
+              </a:rPr>
+              <a:t>Databáze</a:t>
+            </a:r>
+            <a:endParaRPr lang="en-US" sz="3600" kern="1200" dirty="0">
+              <a:solidFill>
+                <a:schemeClr val="tx1"/>
+              </a:solidFill>
+              <a:latin typeface="+mj-lt"/>
+              <a:ea typeface="+mj-ea"/>
+              <a:cs typeface="+mj-cs"/>
+            </a:endParaRPr>
+          </a:p>
+        </p:txBody>
+      </p:sp>
+      <p:pic>
+        <p:nvPicPr>
+          <p:cNvPr id="3" name="Zástupný obsah 2" descr="Obsah obrázku snímek obrazovky, text&#10;&#10;Popis byl vytvořen automaticky">
+            <a:extLst>
+              <a:ext uri="{FF2B5EF4-FFF2-40B4-BE49-F238E27FC236}">
+                <a16:creationId xmlns:a16="http://schemas.microsoft.com/office/drawing/2014/main" id="{3531289E-6465-419A-9557-40000A2D2D06}"/>
+              </a:ext>
+            </a:extLst>
+          </p:cNvPr>
+          <p:cNvPicPr>
+            <a:picLocks noGrp="1" noChangeAspect="1"/>
+          </p:cNvPicPr>
+          <p:nvPr>
+            <p:ph idx="1"/>
+          </p:nvPr>
+        </p:nvPicPr>
+        <p:blipFill>
+          <a:blip r:embed="rId2">
+            <a:extLst>
+              <a:ext uri="{28A0092B-C50C-407E-A947-70E740481C1C}">
+                <a14:useLocalDpi xmlns:a14="http://schemas.microsoft.com/office/drawing/2010/main" val="0"/>
+              </a:ext>
+            </a:extLst>
+          </a:blip>
+          <a:stretch>
+            <a:fillRect/>
+          </a:stretch>
+        </p:blipFill>
+        <p:spPr>
+          <a:xfrm>
+            <a:off x="32273" y="2810577"/>
+            <a:ext cx="7647898" cy="4047423"/>
+          </a:xfrm>
+        </p:spPr>
+      </p:pic>
+      <p:pic>
+        <p:nvPicPr>
+          <p:cNvPr id="5" name="Obrázek 4" descr="Obsah obrázku snímek obrazovky, text&#10;&#10;Popis byl vytvořen automaticky">
+            <a:extLst>
+              <a:ext uri="{FF2B5EF4-FFF2-40B4-BE49-F238E27FC236}">
+                <a16:creationId xmlns:a16="http://schemas.microsoft.com/office/drawing/2014/main" id="{6C65E3AE-DA5B-4715-A03C-33D87AC6D98E}"/>
+              </a:ext>
+            </a:extLst>
+          </p:cNvPr>
+          <p:cNvPicPr>
+            <a:picLocks noChangeAspect="1"/>
+          </p:cNvPicPr>
+          <p:nvPr/>
+        </p:nvPicPr>
+        <p:blipFill>
+          <a:blip r:embed="rId3">
+            <a:extLst>
+              <a:ext uri="{28A0092B-C50C-407E-A947-70E740481C1C}">
+                <a14:useLocalDpi xmlns:a14="http://schemas.microsoft.com/office/drawing/2010/main" val="0"/>
+              </a:ext>
+            </a:extLst>
+          </a:blip>
+          <a:stretch>
+            <a:fillRect/>
+          </a:stretch>
+        </p:blipFill>
+        <p:spPr>
+          <a:xfrm>
+            <a:off x="5698756" y="-2008"/>
+            <a:ext cx="6444844" cy="4476419"/>
+          </a:xfrm>
+          <a:prstGeom prst="rect">
+            <a:avLst/>
+          </a:prstGeom>
+        </p:spPr>
+      </p:pic>
+    </p:spTree>
+    <p:extLst>
+      <p:ext uri="{BB962C8B-B14F-4D97-AF65-F5344CB8AC3E}">
+        <p14:creationId xmlns:p14="http://schemas.microsoft.com/office/powerpoint/2010/main" val="314074230"/>
+      </p:ext>
+    </p:extLst>
+  </p:cSld>
+  <p:clrMapOvr>
+    <a:overrideClrMapping bg1="dk1" tx1="lt1" bg2="dk2" tx2="lt2" accent1="accent1" accent2="accent2" accent3="accent3" accent4="accent4" accent5="accent5" accent6="accent6" hlink="hlink" folHlink="folHlink"/>
+  </p:clrMapOvr>
+</p:sld>
+</file>
+
+<file path=ppt/slides/slide13.xml><?xml version="1.0" encoding="utf-8"?>
+<p:sld xmlns:a="http://schemas.openxmlformats.org/drawingml/2006/main" xmlns:r="http://schemas.openxmlformats.org/officeDocument/2006/relationships" xmlns:p="http://schemas.openxmlformats.org/presentationml/2006/main">
+  <p:cSld>
+    <p:bg>
+      <p:bgPr>
+        <a:solidFill>
+          <a:schemeClr val="bg1"/>
+        </a:solidFill>
+        <a:effectLst/>
+      </p:bgPr>
+    </p:bg>
+    <p:spTree>
+      <p:nvGrpSpPr>
+        <p:cNvPr id="1" name=""/>
+        <p:cNvGrpSpPr/>
+        <p:nvPr/>
+      </p:nvGrpSpPr>
+      <p:grpSpPr>
+        <a:xfrm>
+          <a:off x="0" y="0"/>
+          <a:ext cx="0" cy="0"/>
+          <a:chOff x="0" y="0"/>
+          <a:chExt cx="0" cy="0"/>
+        </a:xfrm>
+      </p:grpSpPr>
+      <p:sp>
+        <p:nvSpPr>
+          <p:cNvPr id="20" name="Rectangle 19">
+            <a:extLst>
+              <a:ext uri="{FF2B5EF4-FFF2-40B4-BE49-F238E27FC236}">
+                <a16:creationId xmlns:a16="http://schemas.microsoft.com/office/drawing/2014/main" id="{823AC064-BC96-4F32-8AE1-B2FD38754823}"/>
+              </a:ext>
+              <a:ext uri="{C183D7F6-B498-43B3-948B-1728B52AA6E4}">
+                <adec:decorative xmlns:adec="http://schemas.microsoft.com/office/drawing/2017/decorative" val="1"/>
+              </a:ext>
+            </a:extLst>
+          </p:cNvPr>
+          <p:cNvSpPr>
+            <a:spLocks noGrp="1" noRot="1" noChangeAspect="1" noMove="1" noResize="1" noEditPoints="1" noAdjustHandles="1" noChangeArrowheads="1" noChangeShapeType="1" noTextEdit="1"/>
+          </p:cNvSpPr>
+          <p:nvPr>
+            <p:extLst>
+              <p:ext uri="{386F3935-93C4-4BCD-93E2-E3B085C9AB24}">
+                <p16:designElem xmlns:p16="http://schemas.microsoft.com/office/powerpoint/2015/main" val="1"/>
+              </p:ext>
+            </p:extLst>
+          </p:nvPr>
+        </p:nvSpPr>
+        <p:spPr bwMode="ltGray">
+          <a:xfrm>
+            <a:off x="378068" y="343486"/>
+            <a:ext cx="11438793" cy="1844256"/>
+          </a:xfrm>
+          <a:prstGeom prst="rect">
+            <a:avLst/>
+          </a:prstGeom>
+          <a:solidFill>
+            <a:srgbClr val="404040"/>
+          </a:solidFill>
+          <a:ln w="127000" cap="sq" cmpd="thinThick">
+            <a:solidFill>
+              <a:srgbClr val="404040"/>
+            </a:solidFill>
+          </a:ln>
+        </p:spPr>
+        <p:style>
+          <a:lnRef idx="2">
+            <a:schemeClr val="accent1">
+              <a:shade val="50000"/>
+            </a:schemeClr>
+          </a:lnRef>
+          <a:fillRef idx="1">
+            <a:schemeClr val="accent1"/>
+          </a:fillRef>
+          <a:effectRef idx="0">
+            <a:schemeClr val="accent1"/>
+          </a:effectRef>
+          <a:fontRef idx="minor">
+            <a:schemeClr val="lt1"/>
+          </a:fontRef>
+        </p:style>
+        <p:txBody>
+          <a:bodyPr rtlCol="0" anchor="ctr"/>
+          <a:lstStyle/>
+          <a:p>
+            <a:pPr marL="0" marR="0" lvl="0" indent="0" algn="ctr" defTabSz="914400" rtl="0" eaLnBrk="1" fontAlgn="auto" latinLnBrk="0" hangingPunct="1">
+              <a:lnSpc>
+                <a:spcPct val="100000"/>
+              </a:lnSpc>
+              <a:spcBef>
+                <a:spcPts val="0"/>
+              </a:spcBef>
+              <a:spcAft>
+                <a:spcPts val="0"/>
+              </a:spcAft>
+              <a:buClrTx/>
+              <a:buSzTx/>
+              <a:buFontTx/>
+              <a:buNone/>
+              <a:tabLst/>
+              <a:defRPr/>
+            </a:pPr>
+            <a:endParaRPr kumimoji="0" lang="en-US" sz="1800" b="0" i="0" u="none" strike="noStrike" kern="1200" cap="none" spc="0" normalizeH="0" baseline="0" noProof="0">
+              <a:ln>
+                <a:noFill/>
+              </a:ln>
+              <a:solidFill>
+                <a:prstClr val="white"/>
+              </a:solidFill>
+              <a:effectLst/>
+              <a:uLnTx/>
+              <a:uFillTx/>
+              <a:latin typeface="Calibri" panose="020F0502020204030204"/>
+              <a:ea typeface="+mn-ea"/>
+              <a:cs typeface="+mn-cs"/>
+            </a:endParaRPr>
+          </a:p>
+        </p:txBody>
+      </p:sp>
+      <p:sp>
+        <p:nvSpPr>
+          <p:cNvPr id="2" name="Nadpis 1">
+            <a:extLst>
+              <a:ext uri="{FF2B5EF4-FFF2-40B4-BE49-F238E27FC236}">
+                <a16:creationId xmlns:a16="http://schemas.microsoft.com/office/drawing/2014/main" id="{857B6C76-6EEA-4448-9D2C-EB4BCA2563C8}"/>
+              </a:ext>
+            </a:extLst>
+          </p:cNvPr>
+          <p:cNvSpPr>
+            <a:spLocks noGrp="1"/>
+          </p:cNvSpPr>
+          <p:nvPr>
+            <p:ph type="title"/>
+          </p:nvPr>
+        </p:nvSpPr>
+        <p:spPr>
+          <a:xfrm>
+            <a:off x="526073" y="466578"/>
+            <a:ext cx="11139854" cy="930447"/>
+          </a:xfrm>
+        </p:spPr>
+        <p:txBody>
+          <a:bodyPr vert="horz" lIns="91440" tIns="45720" rIns="91440" bIns="45720" rtlCol="0" anchor="b">
+            <a:normAutofit/>
+          </a:bodyPr>
+          <a:lstStyle/>
+          <a:p>
+            <a:pPr algn="ctr"/>
+            <a:r>
+              <a:rPr lang="cs-CZ" sz="5400" kern="1200" dirty="0">
+                <a:solidFill>
+                  <a:srgbClr val="FFFFFF"/>
+                </a:solidFill>
+                <a:latin typeface="+mj-lt"/>
+                <a:ea typeface="+mj-ea"/>
+                <a:cs typeface="+mj-cs"/>
+              </a:rPr>
+              <a:t>Uložení zadaného</a:t>
+            </a:r>
+            <a:endParaRPr lang="en-US" sz="5400" kern="1200" dirty="0">
+              <a:solidFill>
+                <a:srgbClr val="FFFFFF"/>
+              </a:solidFill>
+              <a:latin typeface="+mj-lt"/>
+              <a:ea typeface="+mj-ea"/>
+              <a:cs typeface="+mj-cs"/>
+            </a:endParaRPr>
+          </a:p>
+        </p:txBody>
+      </p:sp>
+      <p:cxnSp>
+        <p:nvCxnSpPr>
+          <p:cNvPr id="22" name="Straight Connector 21">
+            <a:extLst>
+              <a:ext uri="{FF2B5EF4-FFF2-40B4-BE49-F238E27FC236}">
+                <a16:creationId xmlns:a16="http://schemas.microsoft.com/office/drawing/2014/main" id="{7E7C77BC-7138-40B1-A15B-20F57A494629}"/>
+              </a:ext>
+              <a:ext uri="{C183D7F6-B498-43B3-948B-1728B52AA6E4}">
+                <adec:decorative xmlns:adec="http://schemas.microsoft.com/office/drawing/2017/decorative" val="1"/>
+              </a:ext>
+            </a:extLst>
+          </p:cNvPr>
+          <p:cNvCxnSpPr>
+            <a:cxnSpLocks noGrp="1" noRot="1" noChangeAspect="1" noMove="1" noResize="1" noEditPoints="1" noAdjustHandles="1" noChangeArrowheads="1" noChangeShapeType="1"/>
+          </p:cNvCxnSpPr>
+          <p:nvPr>
+            <p:extLst>
+              <p:ext uri="{386F3935-93C4-4BCD-93E2-E3B085C9AB24}">
+                <p16:designElem xmlns:p16="http://schemas.microsoft.com/office/powerpoint/2015/main" val="1"/>
+              </p:ext>
+            </p:extLst>
+          </p:nvPr>
+        </p:nvCxnSpPr>
+        <p:spPr>
+          <a:xfrm>
+            <a:off x="2209800" y="1448631"/>
+            <a:ext cx="7772400" cy="0"/>
+          </a:xfrm>
+          <a:prstGeom prst="line">
+            <a:avLst/>
+          </a:prstGeom>
+          <a:ln w="22225">
+            <a:solidFill>
+              <a:srgbClr val="D9D9D9"/>
+            </a:solidFill>
+          </a:ln>
+        </p:spPr>
+        <p:style>
+          <a:lnRef idx="1">
+            <a:schemeClr val="accent1"/>
+          </a:lnRef>
+          <a:fillRef idx="0">
+            <a:schemeClr val="accent1"/>
+          </a:fillRef>
+          <a:effectRef idx="0">
+            <a:schemeClr val="accent1"/>
+          </a:effectRef>
+          <a:fontRef idx="minor">
+            <a:schemeClr val="tx1"/>
+          </a:fontRef>
+        </p:style>
+      </p:cxnSp>
+      <p:pic>
+        <p:nvPicPr>
+          <p:cNvPr id="4" name="Obrázek 3" descr="Obsah obrázku snímek obrazovky&#10;&#10;Popis byl vytvořen automaticky">
+            <a:extLst>
+              <a:ext uri="{FF2B5EF4-FFF2-40B4-BE49-F238E27FC236}">
+                <a16:creationId xmlns:a16="http://schemas.microsoft.com/office/drawing/2014/main" id="{F9AF779C-A59E-4C73-87B6-D05D10B2580C}"/>
+              </a:ext>
+            </a:extLst>
+          </p:cNvPr>
+          <p:cNvPicPr>
+            <a:picLocks noChangeAspect="1"/>
+          </p:cNvPicPr>
+          <p:nvPr/>
+        </p:nvPicPr>
+        <p:blipFill>
+          <a:blip r:embed="rId2">
+            <a:extLst>
+              <a:ext uri="{28A0092B-C50C-407E-A947-70E740481C1C}">
+                <a14:useLocalDpi xmlns:a14="http://schemas.microsoft.com/office/drawing/2010/main" val="0"/>
+              </a:ext>
+            </a:extLst>
+          </a:blip>
+          <a:stretch>
+            <a:fillRect/>
+          </a:stretch>
+        </p:blipFill>
+        <p:spPr>
+          <a:xfrm>
+            <a:off x="1806993" y="1397025"/>
+            <a:ext cx="8963025" cy="5048250"/>
+          </a:xfrm>
+          <a:prstGeom prst="rect">
+            <a:avLst/>
+          </a:prstGeom>
+        </p:spPr>
+      </p:pic>
+    </p:spTree>
+    <p:extLst>
+      <p:ext uri="{BB962C8B-B14F-4D97-AF65-F5344CB8AC3E}">
+        <p14:creationId xmlns:p14="http://schemas.microsoft.com/office/powerpoint/2010/main" val="2707370047"/>
+      </p:ext>
+    </p:extLst>
+  </p:cSld>
+  <p:clrMapOvr>
+    <a:masterClrMapping/>
+  </p:clrMapOvr>
+</p:sld>
+</file>
+
+<file path=ppt/slides/slide14.xml><?xml version="1.0" encoding="utf-8"?>
+<p:sld xmlns:a="http://schemas.openxmlformats.org/drawingml/2006/main" xmlns:r="http://schemas.openxmlformats.org/officeDocument/2006/relationships" xmlns:p="http://schemas.openxmlformats.org/presentationml/2006/main">
+  <p:cSld>
+    <p:bg>
+      <p:bgPr>
+        <a:solidFill>
+          <a:schemeClr val="bg1"/>
+        </a:solidFill>
+        <a:effectLst/>
+      </p:bgPr>
+    </p:bg>
+    <p:spTree>
+      <p:nvGrpSpPr>
+        <p:cNvPr id="1" name=""/>
+        <p:cNvGrpSpPr/>
+        <p:nvPr/>
+      </p:nvGrpSpPr>
+      <p:grpSpPr>
+        <a:xfrm>
+          <a:off x="0" y="0"/>
+          <a:ext cx="0" cy="0"/>
+          <a:chOff x="0" y="0"/>
+          <a:chExt cx="0" cy="0"/>
+        </a:xfrm>
+      </p:grpSpPr>
+      <p:sp>
+        <p:nvSpPr>
+          <p:cNvPr id="20" name="Rectangle 19">
+            <a:extLst>
+              <a:ext uri="{FF2B5EF4-FFF2-40B4-BE49-F238E27FC236}">
+                <a16:creationId xmlns:a16="http://schemas.microsoft.com/office/drawing/2014/main" id="{823AC064-BC96-4F32-8AE1-B2FD38754823}"/>
+              </a:ext>
+              <a:ext uri="{C183D7F6-B498-43B3-948B-1728B52AA6E4}">
+                <adec:decorative xmlns:adec="http://schemas.microsoft.com/office/drawing/2017/decorative" val="1"/>
+              </a:ext>
+            </a:extLst>
+          </p:cNvPr>
+          <p:cNvSpPr>
+            <a:spLocks noGrp="1" noRot="1" noChangeAspect="1" noMove="1" noResize="1" noEditPoints="1" noAdjustHandles="1" noChangeArrowheads="1" noChangeShapeType="1" noTextEdit="1"/>
+          </p:cNvSpPr>
+          <p:nvPr>
+            <p:extLst>
+              <p:ext uri="{386F3935-93C4-4BCD-93E2-E3B085C9AB24}">
+                <p16:designElem xmlns:p16="http://schemas.microsoft.com/office/powerpoint/2015/main" val="1"/>
+              </p:ext>
+            </p:extLst>
+          </p:nvPr>
+        </p:nvSpPr>
+        <p:spPr bwMode="ltGray">
+          <a:xfrm>
+            <a:off x="378068" y="343486"/>
+            <a:ext cx="11438793" cy="1844256"/>
+          </a:xfrm>
+          <a:prstGeom prst="rect">
+            <a:avLst/>
+          </a:prstGeom>
+          <a:solidFill>
+            <a:srgbClr val="404040"/>
+          </a:solidFill>
+          <a:ln w="127000" cap="sq" cmpd="thinThick">
+            <a:solidFill>
+              <a:srgbClr val="404040"/>
+            </a:solidFill>
+          </a:ln>
+        </p:spPr>
+        <p:style>
+          <a:lnRef idx="2">
+            <a:schemeClr val="accent1">
+              <a:shade val="50000"/>
+            </a:schemeClr>
+          </a:lnRef>
+          <a:fillRef idx="1">
+            <a:schemeClr val="accent1"/>
+          </a:fillRef>
+          <a:effectRef idx="0">
+            <a:schemeClr val="accent1"/>
+          </a:effectRef>
+          <a:fontRef idx="minor">
+            <a:schemeClr val="lt1"/>
+          </a:fontRef>
+        </p:style>
+        <p:txBody>
+          <a:bodyPr rtlCol="0" anchor="ctr"/>
+          <a:lstStyle/>
+          <a:p>
+            <a:pPr marL="0" marR="0" lvl="0" indent="0" algn="ctr" defTabSz="914400" rtl="0" eaLnBrk="1" fontAlgn="auto" latinLnBrk="0" hangingPunct="1">
+              <a:lnSpc>
+                <a:spcPct val="100000"/>
+              </a:lnSpc>
+              <a:spcBef>
+                <a:spcPts val="0"/>
+              </a:spcBef>
+              <a:spcAft>
+                <a:spcPts val="0"/>
+              </a:spcAft>
+              <a:buClrTx/>
+              <a:buSzTx/>
+              <a:buFontTx/>
+              <a:buNone/>
+              <a:tabLst/>
+              <a:defRPr/>
+            </a:pPr>
+            <a:endParaRPr kumimoji="0" lang="en-US" sz="1800" b="0" i="0" u="none" strike="noStrike" kern="1200" cap="none" spc="0" normalizeH="0" baseline="0" noProof="0">
+              <a:ln>
+                <a:noFill/>
+              </a:ln>
+              <a:solidFill>
+                <a:prstClr val="white"/>
+              </a:solidFill>
+              <a:effectLst/>
+              <a:uLnTx/>
+              <a:uFillTx/>
+              <a:latin typeface="Calibri" panose="020F0502020204030204"/>
+              <a:ea typeface="+mn-ea"/>
+              <a:cs typeface="+mn-cs"/>
+            </a:endParaRPr>
+          </a:p>
+        </p:txBody>
+      </p:sp>
+      <p:sp>
+        <p:nvSpPr>
+          <p:cNvPr id="2" name="Nadpis 1">
+            <a:extLst>
+              <a:ext uri="{FF2B5EF4-FFF2-40B4-BE49-F238E27FC236}">
+                <a16:creationId xmlns:a16="http://schemas.microsoft.com/office/drawing/2014/main" id="{857B6C76-6EEA-4448-9D2C-EB4BCA2563C8}"/>
+              </a:ext>
+            </a:extLst>
+          </p:cNvPr>
+          <p:cNvSpPr>
+            <a:spLocks noGrp="1"/>
+          </p:cNvSpPr>
+          <p:nvPr>
+            <p:ph type="title"/>
+          </p:nvPr>
+        </p:nvSpPr>
+        <p:spPr>
+          <a:xfrm>
+            <a:off x="526073" y="466578"/>
+            <a:ext cx="11139854" cy="930447"/>
+          </a:xfrm>
+        </p:spPr>
+        <p:txBody>
+          <a:bodyPr vert="horz" lIns="91440" tIns="45720" rIns="91440" bIns="45720" rtlCol="0" anchor="b">
+            <a:normAutofit/>
+          </a:bodyPr>
+          <a:lstStyle/>
+          <a:p>
+            <a:pPr algn="ctr"/>
+            <a:r>
+              <a:rPr lang="cs-CZ" sz="5400" kern="1200" dirty="0">
+                <a:solidFill>
+                  <a:srgbClr val="FFFFFF"/>
+                </a:solidFill>
+                <a:latin typeface="+mj-lt"/>
+                <a:ea typeface="+mj-ea"/>
+                <a:cs typeface="+mj-cs"/>
+              </a:rPr>
+              <a:t>Zobrazení dat</a:t>
+            </a:r>
+            <a:endParaRPr lang="en-US" sz="5400" kern="1200" dirty="0">
+              <a:solidFill>
+                <a:srgbClr val="FFFFFF"/>
+              </a:solidFill>
+              <a:latin typeface="+mj-lt"/>
+              <a:ea typeface="+mj-ea"/>
+              <a:cs typeface="+mj-cs"/>
+            </a:endParaRPr>
+          </a:p>
+        </p:txBody>
+      </p:sp>
+      <p:cxnSp>
+        <p:nvCxnSpPr>
+          <p:cNvPr id="22" name="Straight Connector 21">
+            <a:extLst>
+              <a:ext uri="{FF2B5EF4-FFF2-40B4-BE49-F238E27FC236}">
+                <a16:creationId xmlns:a16="http://schemas.microsoft.com/office/drawing/2014/main" id="{7E7C77BC-7138-40B1-A15B-20F57A494629}"/>
+              </a:ext>
+              <a:ext uri="{C183D7F6-B498-43B3-948B-1728B52AA6E4}">
+                <adec:decorative xmlns:adec="http://schemas.microsoft.com/office/drawing/2017/decorative" val="1"/>
+              </a:ext>
+            </a:extLst>
+          </p:cNvPr>
+          <p:cNvCxnSpPr>
+            <a:cxnSpLocks noGrp="1" noRot="1" noChangeAspect="1" noMove="1" noResize="1" noEditPoints="1" noAdjustHandles="1" noChangeArrowheads="1" noChangeShapeType="1"/>
+          </p:cNvCxnSpPr>
+          <p:nvPr>
+            <p:extLst>
+              <p:ext uri="{386F3935-93C4-4BCD-93E2-E3B085C9AB24}">
+                <p16:designElem xmlns:p16="http://schemas.microsoft.com/office/powerpoint/2015/main" val="1"/>
+              </p:ext>
+            </p:extLst>
+          </p:nvPr>
+        </p:nvCxnSpPr>
+        <p:spPr>
+          <a:xfrm>
+            <a:off x="2209800" y="1448631"/>
+            <a:ext cx="7772400" cy="0"/>
+          </a:xfrm>
+          <a:prstGeom prst="line">
+            <a:avLst/>
+          </a:prstGeom>
+          <a:ln w="22225">
+            <a:solidFill>
+              <a:srgbClr val="D9D9D9"/>
+            </a:solidFill>
+          </a:ln>
+        </p:spPr>
+        <p:style>
+          <a:lnRef idx="1">
+            <a:schemeClr val="accent1"/>
+          </a:lnRef>
+          <a:fillRef idx="0">
+            <a:schemeClr val="accent1"/>
+          </a:fillRef>
+          <a:effectRef idx="0">
+            <a:schemeClr val="accent1"/>
+          </a:effectRef>
+          <a:fontRef idx="minor">
+            <a:schemeClr val="tx1"/>
+          </a:fontRef>
+        </p:style>
+      </p:cxnSp>
+      <p:pic>
+        <p:nvPicPr>
+          <p:cNvPr id="5" name="Obrázek 4" descr="Obsah obrázku snímek obrazovky&#10;&#10;Popis byl vytvořen automaticky">
+            <a:extLst>
+              <a:ext uri="{FF2B5EF4-FFF2-40B4-BE49-F238E27FC236}">
+                <a16:creationId xmlns:a16="http://schemas.microsoft.com/office/drawing/2014/main" id="{4A088AAB-FE90-488D-B53F-048F71A920F2}"/>
+              </a:ext>
+            </a:extLst>
+          </p:cNvPr>
+          <p:cNvPicPr>
+            <a:picLocks noChangeAspect="1"/>
+          </p:cNvPicPr>
+          <p:nvPr/>
+        </p:nvPicPr>
+        <p:blipFill>
+          <a:blip r:embed="rId2">
+            <a:extLst>
+              <a:ext uri="{28A0092B-C50C-407E-A947-70E740481C1C}">
+                <a14:useLocalDpi xmlns:a14="http://schemas.microsoft.com/office/drawing/2010/main" val="0"/>
+              </a:ext>
+            </a:extLst>
+          </a:blip>
+          <a:stretch>
+            <a:fillRect/>
+          </a:stretch>
+        </p:blipFill>
+        <p:spPr>
+          <a:xfrm>
+            <a:off x="1238250" y="1552722"/>
+            <a:ext cx="9715500" cy="4838700"/>
+          </a:xfrm>
+          <a:prstGeom prst="rect">
+            <a:avLst/>
+          </a:prstGeom>
+        </p:spPr>
+      </p:pic>
+    </p:spTree>
+    <p:extLst>
+      <p:ext uri="{BB962C8B-B14F-4D97-AF65-F5344CB8AC3E}">
+        <p14:creationId xmlns:p14="http://schemas.microsoft.com/office/powerpoint/2010/main" val="1900867395"/>
+      </p:ext>
+    </p:extLst>
+  </p:cSld>
+  <p:clrMapOvr>
+    <a:masterClrMapping/>
+  </p:clrMapOvr>
+</p:sld>
+</file>
+
+<file path=ppt/slides/slide15.xml><?xml version="1.0" encoding="utf-8"?>
 <p:sld xmlns:a="http://schemas.openxmlformats.org/drawingml/2006/main" xmlns:r="http://schemas.openxmlformats.org/officeDocument/2006/relationships" xmlns:p="http://schemas.openxmlformats.org/presentationml/2006/main">
   <p:cSld>
     <p:bg>
@@ -5169,8 +6310,8 @@
         </p:nvSpPr>
         <p:spPr>
           <a:xfrm>
-            <a:off x="2555631" y="1441938"/>
-            <a:ext cx="7080738" cy="3974124"/>
+            <a:off x="1953768" y="1441938"/>
+            <a:ext cx="8284464" cy="3974124"/>
           </a:xfrm>
         </p:spPr>
         <p:txBody>
@@ -5181,7 +6322,7 @@
           <a:p>
             <a:pPr algn="ctr"/>
             <a:r>
-              <a:rPr lang="cs-CZ" sz="5400" dirty="0">
+              <a:rPr lang="cs-CZ" sz="6600" dirty="0">
                 <a:solidFill>
                   <a:schemeClr val="bg1">
                     <a:lumMod val="95000"/>
@@ -5189,7 +6330,7 @@
                   </a:schemeClr>
                 </a:solidFill>
               </a:rPr>
-              <a:t>XML</a:t>
+              <a:t>Děkujeme za pozornost</a:t>
             </a:r>
           </a:p>
         </p:txBody>
@@ -5197,7 +6338,7 @@
     </p:spTree>
     <p:extLst>
       <p:ext uri="{BB962C8B-B14F-4D97-AF65-F5344CB8AC3E}">
-        <p14:creationId xmlns:p14="http://schemas.microsoft.com/office/powerpoint/2010/main" val="650120860"/>
+        <p14:creationId xmlns:p14="http://schemas.microsoft.com/office/powerpoint/2010/main" val="3197011055"/>
       </p:ext>
     </p:extLst>
   </p:cSld>
@@ -5207,691 +6348,7 @@
 </p:sld>
 </file>
 
-<file path=ppt/slides/slide3.xml><?xml version="1.0" encoding="utf-8"?>
-<p:sld xmlns:a="http://schemas.openxmlformats.org/drawingml/2006/main" xmlns:r="http://schemas.openxmlformats.org/officeDocument/2006/relationships" xmlns:p="http://schemas.openxmlformats.org/presentationml/2006/main">
-  <p:cSld>
-    <p:bg>
-      <p:bgPr>
-        <a:solidFill>
-          <a:schemeClr val="bg1"/>
-        </a:solidFill>
-        <a:effectLst/>
-      </p:bgPr>
-    </p:bg>
-    <p:spTree>
-      <p:nvGrpSpPr>
-        <p:cNvPr id="1" name=""/>
-        <p:cNvGrpSpPr/>
-        <p:nvPr/>
-      </p:nvGrpSpPr>
-      <p:grpSpPr>
-        <a:xfrm>
-          <a:off x="0" y="0"/>
-          <a:ext cx="0" cy="0"/>
-          <a:chOff x="0" y="0"/>
-          <a:chExt cx="0" cy="0"/>
-        </a:xfrm>
-      </p:grpSpPr>
-      <p:sp>
-        <p:nvSpPr>
-          <p:cNvPr id="20" name="Rectangle 19">
-            <a:extLst>
-              <a:ext uri="{FF2B5EF4-FFF2-40B4-BE49-F238E27FC236}">
-                <a16:creationId xmlns:a16="http://schemas.microsoft.com/office/drawing/2014/main" id="{823AC064-BC96-4F32-8AE1-B2FD38754823}"/>
-              </a:ext>
-              <a:ext uri="{C183D7F6-B498-43B3-948B-1728B52AA6E4}">
-                <adec:decorative xmlns:adec="http://schemas.microsoft.com/office/drawing/2017/decorative" val="1"/>
-              </a:ext>
-            </a:extLst>
-          </p:cNvPr>
-          <p:cNvSpPr>
-            <a:spLocks noGrp="1" noRot="1" noChangeAspect="1" noMove="1" noResize="1" noEditPoints="1" noAdjustHandles="1" noChangeArrowheads="1" noChangeShapeType="1" noTextEdit="1"/>
-          </p:cNvSpPr>
-          <p:nvPr>
-            <p:extLst>
-              <p:ext uri="{386F3935-93C4-4BCD-93E2-E3B085C9AB24}">
-                <p16:designElem xmlns:p16="http://schemas.microsoft.com/office/powerpoint/2015/main" val="1"/>
-              </p:ext>
-            </p:extLst>
-          </p:nvPr>
-        </p:nvSpPr>
-        <p:spPr bwMode="ltGray">
-          <a:xfrm>
-            <a:off x="378068" y="343486"/>
-            <a:ext cx="11438793" cy="1844256"/>
-          </a:xfrm>
-          <a:prstGeom prst="rect">
-            <a:avLst/>
-          </a:prstGeom>
-          <a:solidFill>
-            <a:srgbClr val="404040"/>
-          </a:solidFill>
-          <a:ln w="127000" cap="sq" cmpd="thinThick">
-            <a:solidFill>
-              <a:srgbClr val="404040"/>
-            </a:solidFill>
-          </a:ln>
-        </p:spPr>
-        <p:style>
-          <a:lnRef idx="2">
-            <a:schemeClr val="accent1">
-              <a:shade val="50000"/>
-            </a:schemeClr>
-          </a:lnRef>
-          <a:fillRef idx="1">
-            <a:schemeClr val="accent1"/>
-          </a:fillRef>
-          <a:effectRef idx="0">
-            <a:schemeClr val="accent1"/>
-          </a:effectRef>
-          <a:fontRef idx="minor">
-            <a:schemeClr val="lt1"/>
-          </a:fontRef>
-        </p:style>
-        <p:txBody>
-          <a:bodyPr rtlCol="0" anchor="ctr"/>
-          <a:lstStyle/>
-          <a:p>
-            <a:pPr marL="0" marR="0" lvl="0" indent="0" algn="ctr" defTabSz="914400" rtl="0" eaLnBrk="1" fontAlgn="auto" latinLnBrk="0" hangingPunct="1">
-              <a:lnSpc>
-                <a:spcPct val="100000"/>
-              </a:lnSpc>
-              <a:spcBef>
-                <a:spcPts val="0"/>
-              </a:spcBef>
-              <a:spcAft>
-                <a:spcPts val="0"/>
-              </a:spcAft>
-              <a:buClrTx/>
-              <a:buSzTx/>
-              <a:buFontTx/>
-              <a:buNone/>
-              <a:tabLst/>
-              <a:defRPr/>
-            </a:pPr>
-            <a:endParaRPr kumimoji="0" lang="en-US" sz="1800" b="0" i="0" u="none" strike="noStrike" kern="1200" cap="none" spc="0" normalizeH="0" baseline="0" noProof="0">
-              <a:ln>
-                <a:noFill/>
-              </a:ln>
-              <a:solidFill>
-                <a:prstClr val="white"/>
-              </a:solidFill>
-              <a:effectLst/>
-              <a:uLnTx/>
-              <a:uFillTx/>
-              <a:latin typeface="Calibri" panose="020F0502020204030204"/>
-              <a:ea typeface="+mn-ea"/>
-              <a:cs typeface="+mn-cs"/>
-            </a:endParaRPr>
-          </a:p>
-        </p:txBody>
-      </p:sp>
-      <p:sp>
-        <p:nvSpPr>
-          <p:cNvPr id="2" name="Nadpis 1">
-            <a:extLst>
-              <a:ext uri="{FF2B5EF4-FFF2-40B4-BE49-F238E27FC236}">
-                <a16:creationId xmlns:a16="http://schemas.microsoft.com/office/drawing/2014/main" id="{857B6C76-6EEA-4448-9D2C-EB4BCA2563C8}"/>
-              </a:ext>
-            </a:extLst>
-          </p:cNvPr>
-          <p:cNvSpPr>
-            <a:spLocks noGrp="1"/>
-          </p:cNvSpPr>
-          <p:nvPr>
-            <p:ph type="title"/>
-          </p:nvPr>
-        </p:nvSpPr>
-        <p:spPr>
-          <a:xfrm>
-            <a:off x="526072" y="518184"/>
-            <a:ext cx="11139854" cy="930447"/>
-          </a:xfrm>
-        </p:spPr>
-        <p:txBody>
-          <a:bodyPr vert="horz" lIns="91440" tIns="45720" rIns="91440" bIns="45720" rtlCol="0" anchor="b">
-            <a:normAutofit/>
-          </a:bodyPr>
-          <a:lstStyle/>
-          <a:p>
-            <a:pPr algn="ctr"/>
-            <a:r>
-              <a:rPr lang="cs-CZ" sz="5400" kern="1200" dirty="0">
-                <a:solidFill>
-                  <a:srgbClr val="FFFFFF"/>
-                </a:solidFill>
-                <a:latin typeface="+mj-lt"/>
-                <a:ea typeface="+mj-ea"/>
-                <a:cs typeface="+mj-cs"/>
-              </a:rPr>
-              <a:t>Aplikace</a:t>
-            </a:r>
-            <a:endParaRPr lang="en-US" sz="5400" kern="1200" dirty="0">
-              <a:solidFill>
-                <a:srgbClr val="FFFFFF"/>
-              </a:solidFill>
-              <a:latin typeface="+mj-lt"/>
-              <a:ea typeface="+mj-ea"/>
-              <a:cs typeface="+mj-cs"/>
-            </a:endParaRPr>
-          </a:p>
-        </p:txBody>
-      </p:sp>
-      <p:cxnSp>
-        <p:nvCxnSpPr>
-          <p:cNvPr id="22" name="Straight Connector 21">
-            <a:extLst>
-              <a:ext uri="{FF2B5EF4-FFF2-40B4-BE49-F238E27FC236}">
-                <a16:creationId xmlns:a16="http://schemas.microsoft.com/office/drawing/2014/main" id="{7E7C77BC-7138-40B1-A15B-20F57A494629}"/>
-              </a:ext>
-              <a:ext uri="{C183D7F6-B498-43B3-948B-1728B52AA6E4}">
-                <adec:decorative xmlns:adec="http://schemas.microsoft.com/office/drawing/2017/decorative" val="1"/>
-              </a:ext>
-            </a:extLst>
-          </p:cNvPr>
-          <p:cNvCxnSpPr>
-            <a:cxnSpLocks noGrp="1" noRot="1" noChangeAspect="1" noMove="1" noResize="1" noEditPoints="1" noAdjustHandles="1" noChangeArrowheads="1" noChangeShapeType="1"/>
-          </p:cNvCxnSpPr>
-          <p:nvPr>
-            <p:extLst>
-              <p:ext uri="{386F3935-93C4-4BCD-93E2-E3B085C9AB24}">
-                <p16:designElem xmlns:p16="http://schemas.microsoft.com/office/powerpoint/2015/main" val="1"/>
-              </p:ext>
-            </p:extLst>
-          </p:nvPr>
-        </p:nvCxnSpPr>
-        <p:spPr>
-          <a:xfrm>
-            <a:off x="2209800" y="1448631"/>
-            <a:ext cx="7772400" cy="0"/>
-          </a:xfrm>
-          <a:prstGeom prst="line">
-            <a:avLst/>
-          </a:prstGeom>
-          <a:ln w="22225">
-            <a:solidFill>
-              <a:srgbClr val="D9D9D9"/>
-            </a:solidFill>
-          </a:ln>
-        </p:spPr>
-        <p:style>
-          <a:lnRef idx="1">
-            <a:schemeClr val="accent1"/>
-          </a:lnRef>
-          <a:fillRef idx="0">
-            <a:schemeClr val="accent1"/>
-          </a:fillRef>
-          <a:effectRef idx="0">
-            <a:schemeClr val="accent1"/>
-          </a:effectRef>
-          <a:fontRef idx="minor">
-            <a:schemeClr val="tx1"/>
-          </a:fontRef>
-        </p:style>
-      </p:cxnSp>
-      <p:sp>
-        <p:nvSpPr>
-          <p:cNvPr id="7" name="Nadpis 1">
-            <a:extLst>
-              <a:ext uri="{FF2B5EF4-FFF2-40B4-BE49-F238E27FC236}">
-                <a16:creationId xmlns:a16="http://schemas.microsoft.com/office/drawing/2014/main" id="{5254F94B-8220-4EF2-A34B-96CA21D3277D}"/>
-              </a:ext>
-            </a:extLst>
-          </p:cNvPr>
-          <p:cNvSpPr txBox="1">
-            <a:spLocks/>
-          </p:cNvSpPr>
-          <p:nvPr/>
-        </p:nvSpPr>
-        <p:spPr>
-          <a:xfrm>
-            <a:off x="526072" y="1280665"/>
-            <a:ext cx="11139854" cy="930447"/>
-          </a:xfrm>
-          <a:prstGeom prst="rect">
-            <a:avLst/>
-          </a:prstGeom>
-        </p:spPr>
-        <p:txBody>
-          <a:bodyPr vert="horz" lIns="91440" tIns="45720" rIns="91440" bIns="45720" rtlCol="0" anchor="b">
-            <a:normAutofit/>
-          </a:bodyPr>
-          <a:lstStyle>
-            <a:lvl1pPr algn="l" defTabSz="914400" rtl="0" eaLnBrk="1" latinLnBrk="0" hangingPunct="1">
-              <a:lnSpc>
-                <a:spcPct val="90000"/>
-              </a:lnSpc>
-              <a:spcBef>
-                <a:spcPct val="0"/>
-              </a:spcBef>
-              <a:buNone/>
-              <a:defRPr sz="4400" kern="1200">
-                <a:solidFill>
-                  <a:schemeClr val="tx1"/>
-                </a:solidFill>
-                <a:latin typeface="+mj-lt"/>
-                <a:ea typeface="+mj-ea"/>
-                <a:cs typeface="+mj-cs"/>
-              </a:defRPr>
-            </a:lvl1pPr>
-          </a:lstStyle>
-          <a:p>
-            <a:pPr algn="ctr"/>
-            <a:endParaRPr lang="en-US" sz="5400" dirty="0">
-              <a:solidFill>
-                <a:srgbClr val="FFFFFF"/>
-              </a:solidFill>
-            </a:endParaRPr>
-          </a:p>
-        </p:txBody>
-      </p:sp>
-      <p:pic>
-        <p:nvPicPr>
-          <p:cNvPr id="4" name="Obrázek 3" descr="Obsah obrázku snímek obrazovky&#10;&#10;Popis byl vytvořen automaticky">
-            <a:extLst>
-              <a:ext uri="{FF2B5EF4-FFF2-40B4-BE49-F238E27FC236}">
-                <a16:creationId xmlns:a16="http://schemas.microsoft.com/office/drawing/2014/main" id="{0F9BC654-BE76-4781-ACAE-4BFD13CBFA79}"/>
-              </a:ext>
-            </a:extLst>
-          </p:cNvPr>
-          <p:cNvPicPr>
-            <a:picLocks noChangeAspect="1"/>
-          </p:cNvPicPr>
-          <p:nvPr/>
-        </p:nvPicPr>
-        <p:blipFill>
-          <a:blip r:embed="rId2">
-            <a:extLst>
-              <a:ext uri="{28A0092B-C50C-407E-A947-70E740481C1C}">
-                <a14:useLocalDpi xmlns:a14="http://schemas.microsoft.com/office/drawing/2010/main" val="0"/>
-              </a:ext>
-            </a:extLst>
-          </a:blip>
-          <a:stretch>
-            <a:fillRect/>
-          </a:stretch>
-        </p:blipFill>
-        <p:spPr>
-          <a:xfrm>
-            <a:off x="2097255" y="1623329"/>
-            <a:ext cx="2973438" cy="4915583"/>
-          </a:xfrm>
-          <a:prstGeom prst="rect">
-            <a:avLst/>
-          </a:prstGeom>
-        </p:spPr>
-      </p:pic>
-      <p:pic>
-        <p:nvPicPr>
-          <p:cNvPr id="3" name="Obrázek 2">
-            <a:extLst>
-              <a:ext uri="{FF2B5EF4-FFF2-40B4-BE49-F238E27FC236}">
-                <a16:creationId xmlns:a16="http://schemas.microsoft.com/office/drawing/2014/main" id="{FAF53D1E-4780-4C6D-8AB6-F1CD86CFBC03}"/>
-              </a:ext>
-            </a:extLst>
-          </p:cNvPr>
-          <p:cNvPicPr>
-            <a:picLocks noChangeAspect="1"/>
-          </p:cNvPicPr>
-          <p:nvPr/>
-        </p:nvPicPr>
-        <p:blipFill>
-          <a:blip r:embed="rId3"/>
-          <a:stretch>
-            <a:fillRect/>
-          </a:stretch>
-        </p:blipFill>
-        <p:spPr>
-          <a:xfrm>
-            <a:off x="5218697" y="1616597"/>
-            <a:ext cx="4876048" cy="4943584"/>
-          </a:xfrm>
-          <a:prstGeom prst="rect">
-            <a:avLst/>
-          </a:prstGeom>
-        </p:spPr>
-      </p:pic>
-    </p:spTree>
-    <p:extLst>
-      <p:ext uri="{BB962C8B-B14F-4D97-AF65-F5344CB8AC3E}">
-        <p14:creationId xmlns:p14="http://schemas.microsoft.com/office/powerpoint/2010/main" val="2353944796"/>
-      </p:ext>
-    </p:extLst>
-  </p:cSld>
-  <p:clrMapOvr>
-    <a:masterClrMapping/>
-  </p:clrMapOvr>
-</p:sld>
-</file>
-
-<file path=ppt/slides/slide4.xml><?xml version="1.0" encoding="utf-8"?>
-<p:sld xmlns:a="http://schemas.openxmlformats.org/drawingml/2006/main" xmlns:r="http://schemas.openxmlformats.org/officeDocument/2006/relationships" xmlns:p="http://schemas.openxmlformats.org/presentationml/2006/main">
-  <p:cSld>
-    <p:bg>
-      <p:bgPr>
-        <a:solidFill>
-          <a:schemeClr val="bg1">
-            <a:tint val="95000"/>
-            <a:satMod val="170000"/>
-          </a:schemeClr>
-        </a:solidFill>
-        <a:effectLst/>
-      </p:bgPr>
-    </p:bg>
-    <p:spTree>
-      <p:nvGrpSpPr>
-        <p:cNvPr id="1" name=""/>
-        <p:cNvGrpSpPr/>
-        <p:nvPr/>
-      </p:nvGrpSpPr>
-      <p:grpSpPr>
-        <a:xfrm>
-          <a:off x="0" y="0"/>
-          <a:ext cx="0" cy="0"/>
-          <a:chOff x="0" y="0"/>
-          <a:chExt cx="0" cy="0"/>
-        </a:xfrm>
-      </p:grpSpPr>
-      <p:sp>
-        <p:nvSpPr>
-          <p:cNvPr id="16" name="Nadpis 1">
-            <a:extLst>
-              <a:ext uri="{FF2B5EF4-FFF2-40B4-BE49-F238E27FC236}">
-                <a16:creationId xmlns:a16="http://schemas.microsoft.com/office/drawing/2014/main" id="{41D0CB60-F0D9-48DC-8C0D-78A43512DF8F}"/>
-              </a:ext>
-            </a:extLst>
-          </p:cNvPr>
-          <p:cNvSpPr txBox="1">
-            <a:spLocks/>
-          </p:cNvSpPr>
-          <p:nvPr/>
-        </p:nvSpPr>
-        <p:spPr>
-          <a:xfrm>
-            <a:off x="762001" y="803325"/>
-            <a:ext cx="5314536" cy="1325563"/>
-          </a:xfrm>
-          <a:prstGeom prst="rect">
-            <a:avLst/>
-          </a:prstGeom>
-        </p:spPr>
-        <p:txBody>
-          <a:bodyPr vert="horz" lIns="91440" tIns="45720" rIns="91440" bIns="45720" rtlCol="0" anchor="ctr">
-            <a:normAutofit/>
-          </a:bodyPr>
-          <a:lstStyle>
-            <a:lvl1pPr algn="l" defTabSz="914400" rtl="0" eaLnBrk="1" latinLnBrk="0" hangingPunct="1">
-              <a:lnSpc>
-                <a:spcPct val="90000"/>
-              </a:lnSpc>
-              <a:spcBef>
-                <a:spcPct val="0"/>
-              </a:spcBef>
-              <a:buNone/>
-              <a:defRPr sz="4400" kern="1200">
-                <a:solidFill>
-                  <a:schemeClr val="tx1"/>
-                </a:solidFill>
-                <a:latin typeface="+mj-lt"/>
-                <a:ea typeface="+mj-ea"/>
-                <a:cs typeface="+mj-cs"/>
-              </a:defRPr>
-            </a:lvl1pPr>
-          </a:lstStyle>
-          <a:p>
-            <a:pPr>
-              <a:spcAft>
-                <a:spcPts val="600"/>
-              </a:spcAft>
-            </a:pPr>
-            <a:r>
-              <a:rPr lang="en-US"/>
-              <a:t>Zpracování xml</a:t>
-            </a:r>
-          </a:p>
-        </p:txBody>
-      </p:sp>
-      <p:sp>
-        <p:nvSpPr>
-          <p:cNvPr id="24" name="Freeform: Shape 23">
-            <a:extLst>
-              <a:ext uri="{FF2B5EF4-FFF2-40B4-BE49-F238E27FC236}">
-                <a16:creationId xmlns:a16="http://schemas.microsoft.com/office/drawing/2014/main" id="{CF62D2A7-8207-488C-9F46-316BA81A16C8}"/>
-              </a:ext>
-              <a:ext uri="{C183D7F6-B498-43B3-948B-1728B52AA6E4}">
-                <adec:decorative xmlns:adec="http://schemas.microsoft.com/office/drawing/2017/decorative" val="1"/>
-              </a:ext>
-            </a:extLst>
-          </p:cNvPr>
-          <p:cNvSpPr>
-            <a:spLocks noGrp="1" noRot="1" noChangeAspect="1" noMove="1" noResize="1" noEditPoints="1" noAdjustHandles="1" noChangeArrowheads="1" noChangeShapeType="1" noTextEdit="1"/>
-          </p:cNvSpPr>
-          <p:nvPr>
-            <p:extLst>
-              <p:ext uri="{386F3935-93C4-4BCD-93E2-E3B085C9AB24}">
-                <p16:designElem xmlns:p16="http://schemas.microsoft.com/office/powerpoint/2015/main" val="1"/>
-              </p:ext>
-            </p:extLst>
-          </p:nvPr>
-        </p:nvSpPr>
-        <p:spPr>
-          <a:xfrm flipH="1">
-            <a:off x="6582780" y="-2008"/>
-            <a:ext cx="5609220" cy="5840278"/>
-          </a:xfrm>
-          <a:custGeom>
-            <a:avLst/>
-            <a:gdLst>
-              <a:gd name="connsiteX0" fmla="*/ 0 w 5609220"/>
-              <a:gd name="connsiteY0" fmla="*/ 0 h 5840278"/>
-              <a:gd name="connsiteX1" fmla="*/ 4637091 w 5609220"/>
-              <a:gd name="connsiteY1" fmla="*/ 0 h 5840278"/>
-              <a:gd name="connsiteX2" fmla="*/ 4822569 w 5609220"/>
-              <a:gd name="connsiteY2" fmla="*/ 204077 h 5840278"/>
-              <a:gd name="connsiteX3" fmla="*/ 5609220 w 5609220"/>
-              <a:gd name="connsiteY3" fmla="*/ 2395363 h 5840278"/>
-              <a:gd name="connsiteX4" fmla="*/ 2164305 w 5609220"/>
-              <a:gd name="connsiteY4" fmla="*/ 5840278 h 5840278"/>
-              <a:gd name="connsiteX5" fmla="*/ 238220 w 5609220"/>
-              <a:gd name="connsiteY5" fmla="*/ 5251941 h 5840278"/>
-              <a:gd name="connsiteX6" fmla="*/ 0 w 5609220"/>
-              <a:gd name="connsiteY6" fmla="*/ 5073803 h 5840278"/>
-            </a:gdLst>
-            <a:ahLst/>
-            <a:cxnLst>
-              <a:cxn ang="0">
-                <a:pos x="connsiteX0" y="connsiteY0"/>
-              </a:cxn>
-              <a:cxn ang="0">
-                <a:pos x="connsiteX1" y="connsiteY1"/>
-              </a:cxn>
-              <a:cxn ang="0">
-                <a:pos x="connsiteX2" y="connsiteY2"/>
-              </a:cxn>
-              <a:cxn ang="0">
-                <a:pos x="connsiteX3" y="connsiteY3"/>
-              </a:cxn>
-              <a:cxn ang="0">
-                <a:pos x="connsiteX4" y="connsiteY4"/>
-              </a:cxn>
-              <a:cxn ang="0">
-                <a:pos x="connsiteX5" y="connsiteY5"/>
-              </a:cxn>
-              <a:cxn ang="0">
-                <a:pos x="connsiteX6" y="connsiteY6"/>
-              </a:cxn>
-            </a:cxnLst>
-            <a:rect l="l" t="t" r="r" b="b"/>
-            <a:pathLst>
-              <a:path w="5609220" h="5840278">
-                <a:moveTo>
-                  <a:pt x="0" y="0"/>
-                </a:moveTo>
-                <a:lnTo>
-                  <a:pt x="4637091" y="0"/>
-                </a:lnTo>
-                <a:lnTo>
-                  <a:pt x="4822569" y="204077"/>
-                </a:lnTo>
-                <a:cubicBezTo>
-                  <a:pt x="5314007" y="799562"/>
-                  <a:pt x="5609220" y="1562987"/>
-                  <a:pt x="5609220" y="2395363"/>
-                </a:cubicBezTo>
-                <a:cubicBezTo>
-                  <a:pt x="5609220" y="4297937"/>
-                  <a:pt x="4066879" y="5840278"/>
-                  <a:pt x="2164305" y="5840278"/>
-                </a:cubicBezTo>
-                <a:cubicBezTo>
-                  <a:pt x="1450840" y="5840278"/>
-                  <a:pt x="788032" y="5623387"/>
-                  <a:pt x="238220" y="5251941"/>
-                </a:cubicBezTo>
-                <a:lnTo>
-                  <a:pt x="0" y="5073803"/>
-                </a:lnTo>
-                <a:close/>
-              </a:path>
-            </a:pathLst>
-          </a:custGeom>
-          <a:solidFill>
-            <a:srgbClr val="FFFFFF">
-              <a:alpha val="80000"/>
-            </a:srgbClr>
-          </a:solidFill>
-          <a:ln>
-            <a:noFill/>
-          </a:ln>
-        </p:spPr>
-        <p:style>
-          <a:lnRef idx="2">
-            <a:schemeClr val="accent1">
-              <a:shade val="50000"/>
-            </a:schemeClr>
-          </a:lnRef>
-          <a:fillRef idx="1">
-            <a:schemeClr val="accent1"/>
-          </a:fillRef>
-          <a:effectRef idx="0">
-            <a:schemeClr val="accent1"/>
-          </a:effectRef>
-          <a:fontRef idx="minor">
-            <a:schemeClr val="lt1"/>
-          </a:fontRef>
-        </p:style>
-        <p:txBody>
-          <a:bodyPr rtlCol="0" anchor="ctr"/>
-          <a:lstStyle/>
-          <a:p>
-            <a:pPr marL="0" marR="0" lvl="0" indent="0" algn="ctr" defTabSz="914400" rtl="0" eaLnBrk="1" fontAlgn="auto" latinLnBrk="0" hangingPunct="1">
-              <a:lnSpc>
-                <a:spcPct val="100000"/>
-              </a:lnSpc>
-              <a:spcBef>
-                <a:spcPts val="0"/>
-              </a:spcBef>
-              <a:spcAft>
-                <a:spcPts val="0"/>
-              </a:spcAft>
-              <a:buClrTx/>
-              <a:buSzTx/>
-              <a:buFontTx/>
-              <a:buNone/>
-              <a:tabLst/>
-              <a:defRPr/>
-            </a:pPr>
-            <a:endParaRPr kumimoji="0" lang="en-US" sz="1800" b="0" i="0" u="none" strike="noStrike" kern="1200" cap="none" spc="0" normalizeH="0" baseline="0" noProof="0">
-              <a:ln>
-                <a:noFill/>
-              </a:ln>
-              <a:solidFill>
-                <a:prstClr val="white"/>
-              </a:solidFill>
-              <a:effectLst/>
-              <a:uLnTx/>
-              <a:uFillTx/>
-              <a:latin typeface="Calibri" panose="020F0502020204030204"/>
-              <a:ea typeface="+mn-ea"/>
-              <a:cs typeface="+mn-cs"/>
-            </a:endParaRPr>
-          </a:p>
-        </p:txBody>
-      </p:sp>
-      <p:pic>
-        <p:nvPicPr>
-          <p:cNvPr id="2" name="Obrázek 1">
-            <a:extLst>
-              <a:ext uri="{FF2B5EF4-FFF2-40B4-BE49-F238E27FC236}">
-                <a16:creationId xmlns:a16="http://schemas.microsoft.com/office/drawing/2014/main" id="{BF7C75DD-9F93-4AB0-BEE6-8CF8590AF4C5}"/>
-              </a:ext>
-            </a:extLst>
-          </p:cNvPr>
-          <p:cNvPicPr>
-            <a:picLocks noChangeAspect="1"/>
-          </p:cNvPicPr>
-          <p:nvPr/>
-        </p:nvPicPr>
-        <p:blipFill>
-          <a:blip r:embed="rId2"/>
-          <a:stretch>
-            <a:fillRect/>
-          </a:stretch>
-        </p:blipFill>
-        <p:spPr>
-          <a:xfrm>
-            <a:off x="4796066" y="0"/>
-            <a:ext cx="7393258" cy="6858000"/>
-          </a:xfrm>
-          <a:prstGeom prst="rect">
-            <a:avLst/>
-          </a:prstGeom>
-        </p:spPr>
-      </p:pic>
-      <p:pic>
-        <p:nvPicPr>
-          <p:cNvPr id="6" name="Obrázek 5">
-            <a:extLst>
-              <a:ext uri="{FF2B5EF4-FFF2-40B4-BE49-F238E27FC236}">
-                <a16:creationId xmlns:a16="http://schemas.microsoft.com/office/drawing/2014/main" id="{657F45D2-4F30-4124-BCED-44A186F20AC6}"/>
-              </a:ext>
-            </a:extLst>
-          </p:cNvPr>
-          <p:cNvPicPr>
-            <a:picLocks noChangeAspect="1"/>
-          </p:cNvPicPr>
-          <p:nvPr/>
-        </p:nvPicPr>
-        <p:blipFill>
-          <a:blip r:embed="rId3"/>
-          <a:stretch>
-            <a:fillRect/>
-          </a:stretch>
-        </p:blipFill>
-        <p:spPr>
-          <a:xfrm>
-            <a:off x="79616" y="4104348"/>
-            <a:ext cx="4935146" cy="1335219"/>
-          </a:xfrm>
-          <a:prstGeom prst="rect">
-            <a:avLst/>
-          </a:prstGeom>
-        </p:spPr>
-      </p:pic>
-    </p:spTree>
-    <p:extLst>
-      <p:ext uri="{BB962C8B-B14F-4D97-AF65-F5344CB8AC3E}">
-        <p14:creationId xmlns:p14="http://schemas.microsoft.com/office/powerpoint/2010/main" val="3268037598"/>
-      </p:ext>
-    </p:extLst>
-  </p:cSld>
-  <p:clrMapOvr>
-    <a:overrideClrMapping bg1="dk1" tx1="lt1" bg2="dk2" tx2="lt2" accent1="accent1" accent2="accent2" accent3="accent3" accent4="accent4" accent5="accent5" accent6="accent6" hlink="hlink" folHlink="folHlink"/>
-  </p:clrMapOvr>
-</p:sld>
-</file>
-
-<file path=ppt/slides/slide5.xml><?xml version="1.0" encoding="utf-8"?>
+<file path=ppt/slides/slide2.xml><?xml version="1.0" encoding="utf-8"?>
 <p:sld xmlns:a="http://schemas.openxmlformats.org/drawingml/2006/main" xmlns:r="http://schemas.openxmlformats.org/officeDocument/2006/relationships" xmlns:p="http://schemas.openxmlformats.org/presentationml/2006/main">
   <p:cSld>
     <p:bg>
@@ -6279,17 +6736,6 @@
           <a:p>
             <a:pPr algn="ctr"/>
             <a:r>
-              <a:rPr lang="cs-CZ" sz="5400" dirty="0" err="1">
-                <a:solidFill>
-                  <a:schemeClr val="bg1">
-                    <a:lumMod val="95000"/>
-                    <a:lumOff val="5000"/>
-                  </a:schemeClr>
-                </a:solidFill>
-              </a:rPr>
-              <a:t>Tab</a:t>
-            </a:r>
-            <a:r>
               <a:rPr lang="cs-CZ" sz="5400" dirty="0">
                 <a:solidFill>
                   <a:schemeClr val="bg1">
@@ -6298,34 +6744,15 @@
                   </a:schemeClr>
                 </a:solidFill>
               </a:rPr>
-              <a:t> </a:t>
+              <a:t>XML</a:t>
             </a:r>
-            <a:r>
-              <a:rPr lang="cs-CZ" sz="5400" dirty="0" err="1">
-                <a:solidFill>
-                  <a:schemeClr val="bg1">
-                    <a:lumMod val="95000"/>
-                    <a:lumOff val="5000"/>
-                  </a:schemeClr>
-                </a:solidFill>
-              </a:rPr>
-              <a:t>Pages</a:t>
-            </a:r>
-            <a:endParaRPr lang="cs-CZ" sz="5400" dirty="0">
-              <a:solidFill>
-                <a:schemeClr val="bg1">
-                  <a:lumMod val="95000"/>
-                  <a:lumOff val="5000"/>
-                </a:schemeClr>
-              </a:solidFill>
-            </a:endParaRPr>
           </a:p>
         </p:txBody>
       </p:sp>
     </p:spTree>
     <p:extLst>
       <p:ext uri="{BB962C8B-B14F-4D97-AF65-F5344CB8AC3E}">
-        <p14:creationId xmlns:p14="http://schemas.microsoft.com/office/powerpoint/2010/main" val="625220737"/>
+        <p14:creationId xmlns:p14="http://schemas.microsoft.com/office/powerpoint/2010/main" val="650120860"/>
       </p:ext>
     </p:extLst>
   </p:cSld>
@@ -6335,7 +6762,370 @@
 </p:sld>
 </file>
 
-<file path=ppt/slides/slide6.xml><?xml version="1.0" encoding="utf-8"?>
+<file path=ppt/slides/slide3.xml><?xml version="1.0" encoding="utf-8"?>
+<p:sld xmlns:a="http://schemas.openxmlformats.org/drawingml/2006/main" xmlns:r="http://schemas.openxmlformats.org/officeDocument/2006/relationships" xmlns:p="http://schemas.openxmlformats.org/presentationml/2006/main">
+  <p:cSld>
+    <p:bg>
+      <p:bgPr>
+        <a:solidFill>
+          <a:schemeClr val="bg1"/>
+        </a:solidFill>
+        <a:effectLst/>
+      </p:bgPr>
+    </p:bg>
+    <p:spTree>
+      <p:nvGrpSpPr>
+        <p:cNvPr id="1" name=""/>
+        <p:cNvGrpSpPr/>
+        <p:nvPr/>
+      </p:nvGrpSpPr>
+      <p:grpSpPr>
+        <a:xfrm>
+          <a:off x="0" y="0"/>
+          <a:ext cx="0" cy="0"/>
+          <a:chOff x="0" y="0"/>
+          <a:chExt cx="0" cy="0"/>
+        </a:xfrm>
+      </p:grpSpPr>
+      <p:sp>
+        <p:nvSpPr>
+          <p:cNvPr id="20" name="Rectangle 19">
+            <a:extLst>
+              <a:ext uri="{FF2B5EF4-FFF2-40B4-BE49-F238E27FC236}">
+                <a16:creationId xmlns:a16="http://schemas.microsoft.com/office/drawing/2014/main" id="{823AC064-BC96-4F32-8AE1-B2FD38754823}"/>
+              </a:ext>
+              <a:ext uri="{C183D7F6-B498-43B3-948B-1728B52AA6E4}">
+                <adec:decorative xmlns:adec="http://schemas.microsoft.com/office/drawing/2017/decorative" val="1"/>
+              </a:ext>
+            </a:extLst>
+          </p:cNvPr>
+          <p:cNvSpPr>
+            <a:spLocks noGrp="1" noRot="1" noChangeAspect="1" noMove="1" noResize="1" noEditPoints="1" noAdjustHandles="1" noChangeArrowheads="1" noChangeShapeType="1" noTextEdit="1"/>
+          </p:cNvSpPr>
+          <p:nvPr>
+            <p:extLst>
+              <p:ext uri="{386F3935-93C4-4BCD-93E2-E3B085C9AB24}">
+                <p16:designElem xmlns:p16="http://schemas.microsoft.com/office/powerpoint/2015/main" val="1"/>
+              </p:ext>
+            </p:extLst>
+          </p:nvPr>
+        </p:nvSpPr>
+        <p:spPr bwMode="ltGray">
+          <a:xfrm>
+            <a:off x="378068" y="343486"/>
+            <a:ext cx="11438793" cy="1844256"/>
+          </a:xfrm>
+          <a:prstGeom prst="rect">
+            <a:avLst/>
+          </a:prstGeom>
+          <a:solidFill>
+            <a:srgbClr val="404040"/>
+          </a:solidFill>
+          <a:ln w="127000" cap="sq" cmpd="thinThick">
+            <a:solidFill>
+              <a:srgbClr val="404040"/>
+            </a:solidFill>
+          </a:ln>
+        </p:spPr>
+        <p:style>
+          <a:lnRef idx="2">
+            <a:schemeClr val="accent1">
+              <a:shade val="50000"/>
+            </a:schemeClr>
+          </a:lnRef>
+          <a:fillRef idx="1">
+            <a:schemeClr val="accent1"/>
+          </a:fillRef>
+          <a:effectRef idx="0">
+            <a:schemeClr val="accent1"/>
+          </a:effectRef>
+          <a:fontRef idx="minor">
+            <a:schemeClr val="lt1"/>
+          </a:fontRef>
+        </p:style>
+        <p:txBody>
+          <a:bodyPr rtlCol="0" anchor="ctr"/>
+          <a:lstStyle/>
+          <a:p>
+            <a:pPr marL="0" marR="0" lvl="0" indent="0" algn="ctr" defTabSz="914400" rtl="0" eaLnBrk="1" fontAlgn="auto" latinLnBrk="0" hangingPunct="1">
+              <a:lnSpc>
+                <a:spcPct val="100000"/>
+              </a:lnSpc>
+              <a:spcBef>
+                <a:spcPts val="0"/>
+              </a:spcBef>
+              <a:spcAft>
+                <a:spcPts val="0"/>
+              </a:spcAft>
+              <a:buClrTx/>
+              <a:buSzTx/>
+              <a:buFontTx/>
+              <a:buNone/>
+              <a:tabLst/>
+              <a:defRPr/>
+            </a:pPr>
+            <a:endParaRPr kumimoji="0" lang="en-US" sz="1800" b="0" i="0" u="none" strike="noStrike" kern="1200" cap="none" spc="0" normalizeH="0" baseline="0" noProof="0">
+              <a:ln>
+                <a:noFill/>
+              </a:ln>
+              <a:solidFill>
+                <a:prstClr val="white"/>
+              </a:solidFill>
+              <a:effectLst/>
+              <a:uLnTx/>
+              <a:uFillTx/>
+              <a:latin typeface="Calibri" panose="020F0502020204030204"/>
+              <a:ea typeface="+mn-ea"/>
+              <a:cs typeface="+mn-cs"/>
+            </a:endParaRPr>
+          </a:p>
+        </p:txBody>
+      </p:sp>
+      <p:sp>
+        <p:nvSpPr>
+          <p:cNvPr id="2" name="Nadpis 1">
+            <a:extLst>
+              <a:ext uri="{FF2B5EF4-FFF2-40B4-BE49-F238E27FC236}">
+                <a16:creationId xmlns:a16="http://schemas.microsoft.com/office/drawing/2014/main" id="{857B6C76-6EEA-4448-9D2C-EB4BCA2563C8}"/>
+              </a:ext>
+            </a:extLst>
+          </p:cNvPr>
+          <p:cNvSpPr>
+            <a:spLocks noGrp="1"/>
+          </p:cNvSpPr>
+          <p:nvPr>
+            <p:ph type="title"/>
+          </p:nvPr>
+        </p:nvSpPr>
+        <p:spPr>
+          <a:xfrm>
+            <a:off x="526072" y="518184"/>
+            <a:ext cx="11139854" cy="930447"/>
+          </a:xfrm>
+        </p:spPr>
+        <p:txBody>
+          <a:bodyPr vert="horz" lIns="91440" tIns="45720" rIns="91440" bIns="45720" rtlCol="0" anchor="b">
+            <a:normAutofit/>
+          </a:bodyPr>
+          <a:lstStyle/>
+          <a:p>
+            <a:pPr algn="ctr"/>
+            <a:r>
+              <a:rPr lang="cs-CZ" sz="5400" kern="1200" dirty="0">
+                <a:solidFill>
+                  <a:srgbClr val="FFFFFF"/>
+                </a:solidFill>
+                <a:latin typeface="+mj-lt"/>
+                <a:ea typeface="+mj-ea"/>
+                <a:cs typeface="+mj-cs"/>
+              </a:rPr>
+              <a:t>Aplikace</a:t>
+            </a:r>
+            <a:endParaRPr lang="en-US" sz="5400" kern="1200" dirty="0">
+              <a:solidFill>
+                <a:srgbClr val="FFFFFF"/>
+              </a:solidFill>
+              <a:latin typeface="+mj-lt"/>
+              <a:ea typeface="+mj-ea"/>
+              <a:cs typeface="+mj-cs"/>
+            </a:endParaRPr>
+          </a:p>
+        </p:txBody>
+      </p:sp>
+      <p:cxnSp>
+        <p:nvCxnSpPr>
+          <p:cNvPr id="22" name="Straight Connector 21">
+            <a:extLst>
+              <a:ext uri="{FF2B5EF4-FFF2-40B4-BE49-F238E27FC236}">
+                <a16:creationId xmlns:a16="http://schemas.microsoft.com/office/drawing/2014/main" id="{7E7C77BC-7138-40B1-A15B-20F57A494629}"/>
+              </a:ext>
+              <a:ext uri="{C183D7F6-B498-43B3-948B-1728B52AA6E4}">
+                <adec:decorative xmlns:adec="http://schemas.microsoft.com/office/drawing/2017/decorative" val="1"/>
+              </a:ext>
+            </a:extLst>
+          </p:cNvPr>
+          <p:cNvCxnSpPr>
+            <a:cxnSpLocks noGrp="1" noRot="1" noChangeAspect="1" noMove="1" noResize="1" noEditPoints="1" noAdjustHandles="1" noChangeArrowheads="1" noChangeShapeType="1"/>
+          </p:cNvCxnSpPr>
+          <p:nvPr>
+            <p:extLst>
+              <p:ext uri="{386F3935-93C4-4BCD-93E2-E3B085C9AB24}">
+                <p16:designElem xmlns:p16="http://schemas.microsoft.com/office/powerpoint/2015/main" val="1"/>
+              </p:ext>
+            </p:extLst>
+          </p:nvPr>
+        </p:nvCxnSpPr>
+        <p:spPr>
+          <a:xfrm>
+            <a:off x="2209800" y="1448631"/>
+            <a:ext cx="7772400" cy="0"/>
+          </a:xfrm>
+          <a:prstGeom prst="line">
+            <a:avLst/>
+          </a:prstGeom>
+          <a:ln w="22225">
+            <a:solidFill>
+              <a:srgbClr val="D9D9D9"/>
+            </a:solidFill>
+          </a:ln>
+        </p:spPr>
+        <p:style>
+          <a:lnRef idx="1">
+            <a:schemeClr val="accent1"/>
+          </a:lnRef>
+          <a:fillRef idx="0">
+            <a:schemeClr val="accent1"/>
+          </a:fillRef>
+          <a:effectRef idx="0">
+            <a:schemeClr val="accent1"/>
+          </a:effectRef>
+          <a:fontRef idx="minor">
+            <a:schemeClr val="tx1"/>
+          </a:fontRef>
+        </p:style>
+      </p:cxnSp>
+      <p:sp>
+        <p:nvSpPr>
+          <p:cNvPr id="7" name="Nadpis 1">
+            <a:extLst>
+              <a:ext uri="{FF2B5EF4-FFF2-40B4-BE49-F238E27FC236}">
+                <a16:creationId xmlns:a16="http://schemas.microsoft.com/office/drawing/2014/main" id="{5254F94B-8220-4EF2-A34B-96CA21D3277D}"/>
+              </a:ext>
+            </a:extLst>
+          </p:cNvPr>
+          <p:cNvSpPr txBox="1">
+            <a:spLocks/>
+          </p:cNvSpPr>
+          <p:nvPr/>
+        </p:nvSpPr>
+        <p:spPr>
+          <a:xfrm>
+            <a:off x="526072" y="1280665"/>
+            <a:ext cx="11139854" cy="930447"/>
+          </a:xfrm>
+          <a:prstGeom prst="rect">
+            <a:avLst/>
+          </a:prstGeom>
+        </p:spPr>
+        <p:txBody>
+          <a:bodyPr vert="horz" lIns="91440" tIns="45720" rIns="91440" bIns="45720" rtlCol="0" anchor="b">
+            <a:normAutofit/>
+          </a:bodyPr>
+          <a:lstStyle>
+            <a:lvl1pPr algn="l" defTabSz="914400" rtl="0" eaLnBrk="1" latinLnBrk="0" hangingPunct="1">
+              <a:lnSpc>
+                <a:spcPct val="90000"/>
+              </a:lnSpc>
+              <a:spcBef>
+                <a:spcPct val="0"/>
+              </a:spcBef>
+              <a:buNone/>
+              <a:defRPr sz="4400" kern="1200">
+                <a:solidFill>
+                  <a:schemeClr val="tx1"/>
+                </a:solidFill>
+                <a:latin typeface="+mj-lt"/>
+                <a:ea typeface="+mj-ea"/>
+                <a:cs typeface="+mj-cs"/>
+              </a:defRPr>
+            </a:lvl1pPr>
+          </a:lstStyle>
+          <a:p>
+            <a:pPr algn="ctr"/>
+            <a:endParaRPr lang="en-US" sz="5400" dirty="0">
+              <a:solidFill>
+                <a:srgbClr val="FFFFFF"/>
+              </a:solidFill>
+            </a:endParaRPr>
+          </a:p>
+        </p:txBody>
+      </p:sp>
+      <p:pic>
+        <p:nvPicPr>
+          <p:cNvPr id="4" name="Obrázek 3" descr="Obsah obrázku snímek obrazovky&#10;&#10;Popis byl vytvořen automaticky">
+            <a:extLst>
+              <a:ext uri="{FF2B5EF4-FFF2-40B4-BE49-F238E27FC236}">
+                <a16:creationId xmlns:a16="http://schemas.microsoft.com/office/drawing/2014/main" id="{0F9BC654-BE76-4781-ACAE-4BFD13CBFA79}"/>
+              </a:ext>
+            </a:extLst>
+          </p:cNvPr>
+          <p:cNvPicPr>
+            <a:picLocks noChangeAspect="1"/>
+          </p:cNvPicPr>
+          <p:nvPr/>
+        </p:nvPicPr>
+        <p:blipFill>
+          <a:blip r:embed="rId2">
+            <a:extLst>
+              <a:ext uri="{28A0092B-C50C-407E-A947-70E740481C1C}">
+                <a14:useLocalDpi xmlns:a14="http://schemas.microsoft.com/office/drawing/2010/main" val="0"/>
+              </a:ext>
+            </a:extLst>
+          </a:blip>
+          <a:stretch>
+            <a:fillRect/>
+          </a:stretch>
+        </p:blipFill>
+        <p:spPr>
+          <a:xfrm>
+            <a:off x="2097255" y="1623329"/>
+            <a:ext cx="2973438" cy="4915583"/>
+          </a:xfrm>
+          <a:prstGeom prst="rect">
+            <a:avLst/>
+          </a:prstGeom>
+        </p:spPr>
+      </p:pic>
+      <p:pic>
+        <p:nvPicPr>
+          <p:cNvPr id="6" name="Obrázek 5" descr="Obsah obrázku text&#10;&#10;Popis byl vytvořen automaticky">
+            <a:extLst>
+              <a:ext uri="{FF2B5EF4-FFF2-40B4-BE49-F238E27FC236}">
+                <a16:creationId xmlns:a16="http://schemas.microsoft.com/office/drawing/2014/main" id="{3D444669-CD5C-4A6C-9B30-4BB5BBB29B51}"/>
+              </a:ext>
+            </a:extLst>
+          </p:cNvPr>
+          <p:cNvPicPr>
+            <a:picLocks noChangeAspect="1"/>
+          </p:cNvPicPr>
+          <p:nvPr/>
+        </p:nvPicPr>
+        <p:blipFill>
+          <a:blip r:embed="rId3">
+            <a:extLst>
+              <a:ext uri="{28A0092B-C50C-407E-A947-70E740481C1C}">
+                <a14:useLocalDpi xmlns:a14="http://schemas.microsoft.com/office/drawing/2010/main" val="0"/>
+              </a:ext>
+            </a:extLst>
+          </a:blip>
+          <a:stretch>
+            <a:fillRect/>
+          </a:stretch>
+        </p:blipFill>
+        <p:spPr>
+          <a:xfrm>
+            <a:off x="5221750" y="1623328"/>
+            <a:ext cx="4942582" cy="4915573"/>
+          </a:xfrm>
+          <a:prstGeom prst="rect">
+            <a:avLst/>
+          </a:prstGeom>
+        </p:spPr>
+      </p:pic>
+    </p:spTree>
+    <p:extLst>
+      <p:ext uri="{BB962C8B-B14F-4D97-AF65-F5344CB8AC3E}">
+        <p14:creationId xmlns:p14="http://schemas.microsoft.com/office/powerpoint/2010/main" val="2353944796"/>
+      </p:ext>
+    </p:extLst>
+  </p:cSld>
+  <p:clrMapOvr>
+    <a:masterClrMapping/>
+  </p:clrMapOvr>
+</p:sld>
+</file>
+
+<file path=ppt/slides/slide4.xml><?xml version="1.0" encoding="utf-8"?>
 <p:sld xmlns:a="http://schemas.openxmlformats.org/drawingml/2006/main" xmlns:r="http://schemas.openxmlformats.org/officeDocument/2006/relationships" xmlns:p="http://schemas.openxmlformats.org/presentationml/2006/main">
   <p:cSld>
     <p:bg>
@@ -6365,7 +7155,417 @@
       </p:grpSpPr>
       <p:sp>
         <p:nvSpPr>
-          <p:cNvPr id="9" name="Freeform: Shape 8">
+          <p:cNvPr id="16" name="Nadpis 1">
+            <a:extLst>
+              <a:ext uri="{FF2B5EF4-FFF2-40B4-BE49-F238E27FC236}">
+                <a16:creationId xmlns:a16="http://schemas.microsoft.com/office/drawing/2014/main" id="{41D0CB60-F0D9-48DC-8C0D-78A43512DF8F}"/>
+              </a:ext>
+            </a:extLst>
+          </p:cNvPr>
+          <p:cNvSpPr txBox="1">
+            <a:spLocks/>
+          </p:cNvSpPr>
+          <p:nvPr/>
+        </p:nvSpPr>
+        <p:spPr>
+          <a:xfrm>
+            <a:off x="762001" y="803325"/>
+            <a:ext cx="5314536" cy="1325563"/>
+          </a:xfrm>
+          <a:prstGeom prst="rect">
+            <a:avLst/>
+          </a:prstGeom>
+        </p:spPr>
+        <p:txBody>
+          <a:bodyPr vert="horz" lIns="91440" tIns="45720" rIns="91440" bIns="45720" rtlCol="0" anchor="ctr">
+            <a:normAutofit/>
+          </a:bodyPr>
+          <a:lstStyle>
+            <a:lvl1pPr algn="l" defTabSz="914400" rtl="0" eaLnBrk="1" latinLnBrk="0" hangingPunct="1">
+              <a:lnSpc>
+                <a:spcPct val="90000"/>
+              </a:lnSpc>
+              <a:spcBef>
+                <a:spcPct val="0"/>
+              </a:spcBef>
+              <a:buNone/>
+              <a:defRPr sz="4400" kern="1200">
+                <a:solidFill>
+                  <a:schemeClr val="tx1"/>
+                </a:solidFill>
+                <a:latin typeface="+mj-lt"/>
+                <a:ea typeface="+mj-ea"/>
+                <a:cs typeface="+mj-cs"/>
+              </a:defRPr>
+            </a:lvl1pPr>
+          </a:lstStyle>
+          <a:p>
+            <a:pPr>
+              <a:spcAft>
+                <a:spcPts val="600"/>
+              </a:spcAft>
+            </a:pPr>
+            <a:r>
+              <a:rPr lang="en-US"/>
+              <a:t>Zpracování xml</a:t>
+            </a:r>
+          </a:p>
+        </p:txBody>
+      </p:sp>
+      <p:sp>
+        <p:nvSpPr>
+          <p:cNvPr id="24" name="Freeform: Shape 23">
+            <a:extLst>
+              <a:ext uri="{FF2B5EF4-FFF2-40B4-BE49-F238E27FC236}">
+                <a16:creationId xmlns:a16="http://schemas.microsoft.com/office/drawing/2014/main" id="{CF62D2A7-8207-488C-9F46-316BA81A16C8}"/>
+              </a:ext>
+              <a:ext uri="{C183D7F6-B498-43B3-948B-1728B52AA6E4}">
+                <adec:decorative xmlns:adec="http://schemas.microsoft.com/office/drawing/2017/decorative" val="1"/>
+              </a:ext>
+            </a:extLst>
+          </p:cNvPr>
+          <p:cNvSpPr>
+            <a:spLocks noGrp="1" noRot="1" noChangeAspect="1" noMove="1" noResize="1" noEditPoints="1" noAdjustHandles="1" noChangeArrowheads="1" noChangeShapeType="1" noTextEdit="1"/>
+          </p:cNvSpPr>
+          <p:nvPr>
+            <p:extLst>
+              <p:ext uri="{386F3935-93C4-4BCD-93E2-E3B085C9AB24}">
+                <p16:designElem xmlns:p16="http://schemas.microsoft.com/office/powerpoint/2015/main" val="1"/>
+              </p:ext>
+            </p:extLst>
+          </p:nvPr>
+        </p:nvSpPr>
+        <p:spPr>
+          <a:xfrm flipH="1">
+            <a:off x="6582780" y="-2008"/>
+            <a:ext cx="5609220" cy="5840278"/>
+          </a:xfrm>
+          <a:custGeom>
+            <a:avLst/>
+            <a:gdLst>
+              <a:gd name="connsiteX0" fmla="*/ 0 w 5609220"/>
+              <a:gd name="connsiteY0" fmla="*/ 0 h 5840278"/>
+              <a:gd name="connsiteX1" fmla="*/ 4637091 w 5609220"/>
+              <a:gd name="connsiteY1" fmla="*/ 0 h 5840278"/>
+              <a:gd name="connsiteX2" fmla="*/ 4822569 w 5609220"/>
+              <a:gd name="connsiteY2" fmla="*/ 204077 h 5840278"/>
+              <a:gd name="connsiteX3" fmla="*/ 5609220 w 5609220"/>
+              <a:gd name="connsiteY3" fmla="*/ 2395363 h 5840278"/>
+              <a:gd name="connsiteX4" fmla="*/ 2164305 w 5609220"/>
+              <a:gd name="connsiteY4" fmla="*/ 5840278 h 5840278"/>
+              <a:gd name="connsiteX5" fmla="*/ 238220 w 5609220"/>
+              <a:gd name="connsiteY5" fmla="*/ 5251941 h 5840278"/>
+              <a:gd name="connsiteX6" fmla="*/ 0 w 5609220"/>
+              <a:gd name="connsiteY6" fmla="*/ 5073803 h 5840278"/>
+            </a:gdLst>
+            <a:ahLst/>
+            <a:cxnLst>
+              <a:cxn ang="0">
+                <a:pos x="connsiteX0" y="connsiteY0"/>
+              </a:cxn>
+              <a:cxn ang="0">
+                <a:pos x="connsiteX1" y="connsiteY1"/>
+              </a:cxn>
+              <a:cxn ang="0">
+                <a:pos x="connsiteX2" y="connsiteY2"/>
+              </a:cxn>
+              <a:cxn ang="0">
+                <a:pos x="connsiteX3" y="connsiteY3"/>
+              </a:cxn>
+              <a:cxn ang="0">
+                <a:pos x="connsiteX4" y="connsiteY4"/>
+              </a:cxn>
+              <a:cxn ang="0">
+                <a:pos x="connsiteX5" y="connsiteY5"/>
+              </a:cxn>
+              <a:cxn ang="0">
+                <a:pos x="connsiteX6" y="connsiteY6"/>
+              </a:cxn>
+            </a:cxnLst>
+            <a:rect l="l" t="t" r="r" b="b"/>
+            <a:pathLst>
+              <a:path w="5609220" h="5840278">
+                <a:moveTo>
+                  <a:pt x="0" y="0"/>
+                </a:moveTo>
+                <a:lnTo>
+                  <a:pt x="4637091" y="0"/>
+                </a:lnTo>
+                <a:lnTo>
+                  <a:pt x="4822569" y="204077"/>
+                </a:lnTo>
+                <a:cubicBezTo>
+                  <a:pt x="5314007" y="799562"/>
+                  <a:pt x="5609220" y="1562987"/>
+                  <a:pt x="5609220" y="2395363"/>
+                </a:cubicBezTo>
+                <a:cubicBezTo>
+                  <a:pt x="5609220" y="4297937"/>
+                  <a:pt x="4066879" y="5840278"/>
+                  <a:pt x="2164305" y="5840278"/>
+                </a:cubicBezTo>
+                <a:cubicBezTo>
+                  <a:pt x="1450840" y="5840278"/>
+                  <a:pt x="788032" y="5623387"/>
+                  <a:pt x="238220" y="5251941"/>
+                </a:cubicBezTo>
+                <a:lnTo>
+                  <a:pt x="0" y="5073803"/>
+                </a:lnTo>
+                <a:close/>
+              </a:path>
+            </a:pathLst>
+          </a:custGeom>
+          <a:solidFill>
+            <a:srgbClr val="FFFFFF">
+              <a:alpha val="80000"/>
+            </a:srgbClr>
+          </a:solidFill>
+          <a:ln>
+            <a:noFill/>
+          </a:ln>
+        </p:spPr>
+        <p:style>
+          <a:lnRef idx="2">
+            <a:schemeClr val="accent1">
+              <a:shade val="50000"/>
+            </a:schemeClr>
+          </a:lnRef>
+          <a:fillRef idx="1">
+            <a:schemeClr val="accent1"/>
+          </a:fillRef>
+          <a:effectRef idx="0">
+            <a:schemeClr val="accent1"/>
+          </a:effectRef>
+          <a:fontRef idx="minor">
+            <a:schemeClr val="lt1"/>
+          </a:fontRef>
+        </p:style>
+        <p:txBody>
+          <a:bodyPr rtlCol="0" anchor="ctr"/>
+          <a:lstStyle/>
+          <a:p>
+            <a:pPr marL="0" marR="0" lvl="0" indent="0" algn="ctr" defTabSz="914400" rtl="0" eaLnBrk="1" fontAlgn="auto" latinLnBrk="0" hangingPunct="1">
+              <a:lnSpc>
+                <a:spcPct val="100000"/>
+              </a:lnSpc>
+              <a:spcBef>
+                <a:spcPts val="0"/>
+              </a:spcBef>
+              <a:spcAft>
+                <a:spcPts val="0"/>
+              </a:spcAft>
+              <a:buClrTx/>
+              <a:buSzTx/>
+              <a:buFontTx/>
+              <a:buNone/>
+              <a:tabLst/>
+              <a:defRPr/>
+            </a:pPr>
+            <a:endParaRPr kumimoji="0" lang="en-US" sz="1800" b="0" i="0" u="none" strike="noStrike" kern="1200" cap="none" spc="0" normalizeH="0" baseline="0" noProof="0">
+              <a:ln>
+                <a:noFill/>
+              </a:ln>
+              <a:solidFill>
+                <a:prstClr val="white"/>
+              </a:solidFill>
+              <a:effectLst/>
+              <a:uLnTx/>
+              <a:uFillTx/>
+              <a:latin typeface="Calibri" panose="020F0502020204030204"/>
+              <a:ea typeface="+mn-ea"/>
+              <a:cs typeface="+mn-cs"/>
+            </a:endParaRPr>
+          </a:p>
+        </p:txBody>
+      </p:sp>
+      <p:pic>
+        <p:nvPicPr>
+          <p:cNvPr id="18" name="Zástupný obsah 2" descr="Obsah obrázku snímek obrazovky, text&#10;&#10;Popis byl vytvořen automaticky">
+            <a:extLst>
+              <a:ext uri="{FF2B5EF4-FFF2-40B4-BE49-F238E27FC236}">
+                <a16:creationId xmlns:a16="http://schemas.microsoft.com/office/drawing/2014/main" id="{86580180-A695-4A73-94D9-87AEA484A0CC}"/>
+              </a:ext>
+            </a:extLst>
+          </p:cNvPr>
+          <p:cNvPicPr>
+            <a:picLocks noChangeAspect="1"/>
+          </p:cNvPicPr>
+          <p:nvPr/>
+        </p:nvPicPr>
+        <p:blipFill rotWithShape="1">
+          <a:blip r:embed="rId2">
+            <a:extLst>
+              <a:ext uri="{28A0092B-C50C-407E-A947-70E740481C1C}">
+                <a14:useLocalDpi xmlns:a14="http://schemas.microsoft.com/office/drawing/2010/main" val="0"/>
+              </a:ext>
+            </a:extLst>
+          </a:blip>
+          <a:srcRect r="4010" b="2"/>
+          <a:stretch/>
+        </p:blipFill>
+        <p:spPr>
+          <a:xfrm>
+            <a:off x="6750141" y="-2"/>
+            <a:ext cx="5441859" cy="5654940"/>
+          </a:xfrm>
+          <a:custGeom>
+            <a:avLst/>
+            <a:gdLst>
+              <a:gd name="connsiteX0" fmla="*/ 1041368 w 5441859"/>
+              <a:gd name="connsiteY0" fmla="*/ 0 h 5654940"/>
+              <a:gd name="connsiteX1" fmla="*/ 5441859 w 5441859"/>
+              <a:gd name="connsiteY1" fmla="*/ 0 h 5654940"/>
+              <a:gd name="connsiteX2" fmla="*/ 5441859 w 5441859"/>
+              <a:gd name="connsiteY2" fmla="*/ 4820612 h 5654940"/>
+              <a:gd name="connsiteX3" fmla="*/ 5285166 w 5441859"/>
+              <a:gd name="connsiteY3" fmla="*/ 4957981 h 5654940"/>
+              <a:gd name="connsiteX4" fmla="*/ 3267719 w 5441859"/>
+              <a:gd name="connsiteY4" fmla="*/ 5654940 h 5654940"/>
+              <a:gd name="connsiteX5" fmla="*/ 0 w 5441859"/>
+              <a:gd name="connsiteY5" fmla="*/ 2387221 h 5654940"/>
+              <a:gd name="connsiteX6" fmla="*/ 957093 w 5441859"/>
+              <a:gd name="connsiteY6" fmla="*/ 76595 h 5654940"/>
+            </a:gdLst>
+            <a:ahLst/>
+            <a:cxnLst>
+              <a:cxn ang="0">
+                <a:pos x="connsiteX0" y="connsiteY0"/>
+              </a:cxn>
+              <a:cxn ang="0">
+                <a:pos x="connsiteX1" y="connsiteY1"/>
+              </a:cxn>
+              <a:cxn ang="0">
+                <a:pos x="connsiteX2" y="connsiteY2"/>
+              </a:cxn>
+              <a:cxn ang="0">
+                <a:pos x="connsiteX3" y="connsiteY3"/>
+              </a:cxn>
+              <a:cxn ang="0">
+                <a:pos x="connsiteX4" y="connsiteY4"/>
+              </a:cxn>
+              <a:cxn ang="0">
+                <a:pos x="connsiteX5" y="connsiteY5"/>
+              </a:cxn>
+              <a:cxn ang="0">
+                <a:pos x="connsiteX6" y="connsiteY6"/>
+              </a:cxn>
+            </a:cxnLst>
+            <a:rect l="l" t="t" r="r" b="b"/>
+            <a:pathLst>
+              <a:path w="5441859" h="5654940">
+                <a:moveTo>
+                  <a:pt x="1041368" y="0"/>
+                </a:moveTo>
+                <a:lnTo>
+                  <a:pt x="5441859" y="0"/>
+                </a:lnTo>
+                <a:lnTo>
+                  <a:pt x="5441859" y="4820612"/>
+                </a:lnTo>
+                <a:lnTo>
+                  <a:pt x="5285166" y="4957981"/>
+                </a:lnTo>
+                <a:cubicBezTo>
+                  <a:pt x="4729628" y="5394557"/>
+                  <a:pt x="4029081" y="5654940"/>
+                  <a:pt x="3267719" y="5654940"/>
+                </a:cubicBezTo>
+                <a:cubicBezTo>
+                  <a:pt x="1463008" y="5654940"/>
+                  <a:pt x="0" y="4191932"/>
+                  <a:pt x="0" y="2387221"/>
+                </a:cubicBezTo>
+                <a:cubicBezTo>
+                  <a:pt x="0" y="1484866"/>
+                  <a:pt x="365752" y="667936"/>
+                  <a:pt x="957093" y="76595"/>
+                </a:cubicBezTo>
+                <a:close/>
+              </a:path>
+            </a:pathLst>
+          </a:custGeom>
+        </p:spPr>
+      </p:pic>
+      <p:pic>
+        <p:nvPicPr>
+          <p:cNvPr id="3" name="Zástupný obsah 2" descr="Obsah obrázku snímek obrazovky, text&#10;&#10;Popis byl vytvořen automaticky">
+            <a:extLst>
+              <a:ext uri="{FF2B5EF4-FFF2-40B4-BE49-F238E27FC236}">
+                <a16:creationId xmlns:a16="http://schemas.microsoft.com/office/drawing/2014/main" id="{86580180-A695-4A73-94D9-87AEA484A0CC}"/>
+              </a:ext>
+            </a:extLst>
+          </p:cNvPr>
+          <p:cNvPicPr>
+            <a:picLocks noGrp="1" noChangeAspect="1"/>
+          </p:cNvPicPr>
+          <p:nvPr>
+            <p:ph idx="1"/>
+          </p:nvPr>
+        </p:nvPicPr>
+        <p:blipFill>
+          <a:blip r:embed="rId2">
+            <a:extLst>
+              <a:ext uri="{28A0092B-C50C-407E-A947-70E740481C1C}">
+                <a14:useLocalDpi xmlns:a14="http://schemas.microsoft.com/office/drawing/2010/main" val="0"/>
+              </a:ext>
+            </a:extLst>
+          </a:blip>
+          <a:stretch>
+            <a:fillRect/>
+          </a:stretch>
+        </p:blipFill>
+        <p:spPr>
+          <a:xfrm>
+            <a:off x="4543124" y="0"/>
+            <a:ext cx="7648876" cy="6873019"/>
+          </a:xfrm>
+        </p:spPr>
+      </p:pic>
+    </p:spTree>
+    <p:extLst>
+      <p:ext uri="{BB962C8B-B14F-4D97-AF65-F5344CB8AC3E}">
+        <p14:creationId xmlns:p14="http://schemas.microsoft.com/office/powerpoint/2010/main" val="3268037598"/>
+      </p:ext>
+    </p:extLst>
+  </p:cSld>
+  <p:clrMapOvr>
+    <a:overrideClrMapping bg1="dk1" tx1="lt1" bg2="dk2" tx2="lt2" accent1="accent1" accent2="accent2" accent3="accent3" accent4="accent4" accent5="accent5" accent6="accent6" hlink="hlink" folHlink="folHlink"/>
+  </p:clrMapOvr>
+</p:sld>
+</file>
+
+<file path=ppt/slides/slide5.xml><?xml version="1.0" encoding="utf-8"?>
+<p:sld xmlns:a="http://schemas.openxmlformats.org/drawingml/2006/main" xmlns:r="http://schemas.openxmlformats.org/officeDocument/2006/relationships" xmlns:p="http://schemas.openxmlformats.org/presentationml/2006/main">
+  <p:cSld>
+    <p:bg>
+      <p:bgPr>
+        <a:solidFill>
+          <a:schemeClr val="bg1">
+            <a:tint val="95000"/>
+            <a:satMod val="170000"/>
+          </a:schemeClr>
+        </a:solidFill>
+        <a:effectLst/>
+      </p:bgPr>
+    </p:bg>
+    <p:spTree>
+      <p:nvGrpSpPr>
+        <p:cNvPr id="1" name=""/>
+        <p:cNvGrpSpPr/>
+        <p:nvPr/>
+      </p:nvGrpSpPr>
+      <p:grpSpPr>
+        <a:xfrm>
+          <a:off x="0" y="0"/>
+          <a:ext cx="0" cy="0"/>
+          <a:chOff x="0" y="0"/>
+          <a:chExt cx="0" cy="0"/>
+        </a:xfrm>
+      </p:grpSpPr>
+      <p:sp>
+        <p:nvSpPr>
+          <p:cNvPr id="23" name="Freeform: Shape 22">
             <a:extLst>
               <a:ext uri="{FF2B5EF4-FFF2-40B4-BE49-F238E27FC236}">
                 <a16:creationId xmlns:a16="http://schemas.microsoft.com/office/drawing/2014/main" id="{66B332A4-D438-4773-A77F-5ED49A448D9D}"/>
@@ -6531,7 +7731,7 @@
       </p:sp>
       <p:sp>
         <p:nvSpPr>
-          <p:cNvPr id="11" name="Freeform: Shape 10">
+          <p:cNvPr id="25" name="Freeform: Shape 24">
             <a:extLst>
               <a:ext uri="{FF2B5EF4-FFF2-40B4-BE49-F238E27FC236}">
                 <a16:creationId xmlns:a16="http://schemas.microsoft.com/office/drawing/2014/main" id="{DF9AD32D-FF05-44F4-BD4D-9CEE89B71EB9}"/>
@@ -6716,38 +7916,330 @@
           </a:xfrm>
         </p:spPr>
         <p:txBody>
-          <a:bodyPr>
+          <a:bodyPr vert="horz" lIns="91440" tIns="45720" rIns="91440" bIns="45720" rtlCol="0">
             <a:normAutofit/>
           </a:bodyPr>
           <a:lstStyle/>
           <a:p>
             <a:pPr algn="ctr"/>
             <a:r>
-              <a:rPr lang="cs-CZ" sz="5400" dirty="0" err="1">
+              <a:rPr lang="en-US" sz="5400" kern="1200">
                 <a:solidFill>
                   <a:schemeClr val="bg1">
                     <a:lumMod val="95000"/>
                     <a:lumOff val="5000"/>
                   </a:schemeClr>
                 </a:solidFill>
+                <a:latin typeface="+mj-lt"/>
+                <a:ea typeface="+mj-ea"/>
+                <a:cs typeface="+mj-cs"/>
               </a:rPr>
-              <a:t>SQLite</a:t>
+              <a:t>TapPage</a:t>
             </a:r>
-            <a:endParaRPr lang="cs-CZ" sz="5400" dirty="0">
-              <a:solidFill>
-                <a:schemeClr val="bg1">
-                  <a:lumMod val="95000"/>
-                  <a:lumOff val="5000"/>
-                </a:schemeClr>
-              </a:solidFill>
-            </a:endParaRPr>
           </a:p>
         </p:txBody>
       </p:sp>
     </p:spTree>
     <p:extLst>
       <p:ext uri="{BB962C8B-B14F-4D97-AF65-F5344CB8AC3E}">
-        <p14:creationId xmlns:p14="http://schemas.microsoft.com/office/powerpoint/2010/main" val="2311046126"/>
+        <p14:creationId xmlns:p14="http://schemas.microsoft.com/office/powerpoint/2010/main" val="1333176143"/>
+      </p:ext>
+    </p:extLst>
+  </p:cSld>
+  <p:clrMapOvr>
+    <a:overrideClrMapping bg1="dk1" tx1="lt1" bg2="dk2" tx2="lt2" accent1="accent1" accent2="accent2" accent3="accent3" accent4="accent4" accent5="accent5" accent6="accent6" hlink="hlink" folHlink="folHlink"/>
+  </p:clrMapOvr>
+</p:sld>
+</file>
+
+<file path=ppt/slides/slide6.xml><?xml version="1.0" encoding="utf-8"?>
+<p:sld xmlns:a="http://schemas.openxmlformats.org/drawingml/2006/main" xmlns:r="http://schemas.openxmlformats.org/officeDocument/2006/relationships" xmlns:p="http://schemas.openxmlformats.org/presentationml/2006/main">
+  <p:cSld>
+    <p:bg>
+      <p:bgPr>
+        <a:solidFill>
+          <a:schemeClr val="bg1">
+            <a:tint val="95000"/>
+            <a:satMod val="170000"/>
+          </a:schemeClr>
+        </a:solidFill>
+        <a:effectLst/>
+      </p:bgPr>
+    </p:bg>
+    <p:spTree>
+      <p:nvGrpSpPr>
+        <p:cNvPr id="1" name=""/>
+        <p:cNvGrpSpPr/>
+        <p:nvPr/>
+      </p:nvGrpSpPr>
+      <p:grpSpPr>
+        <a:xfrm>
+          <a:off x="0" y="0"/>
+          <a:ext cx="0" cy="0"/>
+          <a:chOff x="0" y="0"/>
+          <a:chExt cx="0" cy="0"/>
+        </a:xfrm>
+      </p:grpSpPr>
+      <p:sp>
+        <p:nvSpPr>
+          <p:cNvPr id="12" name="Nadpis 1">
+            <a:extLst>
+              <a:ext uri="{FF2B5EF4-FFF2-40B4-BE49-F238E27FC236}">
+                <a16:creationId xmlns:a16="http://schemas.microsoft.com/office/drawing/2014/main" id="{F90899F7-421C-4F94-AFB8-395D5E1CF0DD}"/>
+              </a:ext>
+            </a:extLst>
+          </p:cNvPr>
+          <p:cNvSpPr>
+            <a:spLocks noGrp="1"/>
+          </p:cNvSpPr>
+          <p:nvPr>
+            <p:ph type="title"/>
+          </p:nvPr>
+        </p:nvSpPr>
+        <p:spPr>
+          <a:xfrm>
+            <a:off x="713295" y="139157"/>
+            <a:ext cx="10765410" cy="1207269"/>
+          </a:xfrm>
+        </p:spPr>
+        <p:txBody>
+          <a:bodyPr vert="horz" lIns="91440" tIns="45720" rIns="91440" bIns="45720" rtlCol="0" anchor="b">
+            <a:normAutofit/>
+          </a:bodyPr>
+          <a:lstStyle/>
+          <a:p>
+            <a:pPr algn="ctr"/>
+            <a:r>
+              <a:rPr lang="en-US" sz="6000" dirty="0"/>
+              <a:t>APLIKACE</a:t>
+            </a:r>
+          </a:p>
+        </p:txBody>
+      </p:sp>
+      <p:pic>
+        <p:nvPicPr>
+          <p:cNvPr id="9" name="Obrázek 8" descr="Obsah obrázku snímek obrazovky&#10;&#10;Popis byl vytvořen automaticky">
+            <a:extLst>
+              <a:ext uri="{FF2B5EF4-FFF2-40B4-BE49-F238E27FC236}">
+                <a16:creationId xmlns:a16="http://schemas.microsoft.com/office/drawing/2014/main" id="{12E25842-700F-4517-890E-FA01F9D96E82}"/>
+              </a:ext>
+            </a:extLst>
+          </p:cNvPr>
+          <p:cNvPicPr>
+            <a:picLocks noChangeAspect="1"/>
+          </p:cNvPicPr>
+          <p:nvPr/>
+        </p:nvPicPr>
+        <p:blipFill>
+          <a:blip r:embed="rId2">
+            <a:extLst>
+              <a:ext uri="{28A0092B-C50C-407E-A947-70E740481C1C}">
+                <a14:useLocalDpi xmlns:a14="http://schemas.microsoft.com/office/drawing/2010/main" val="0"/>
+              </a:ext>
+            </a:extLst>
+          </a:blip>
+          <a:stretch>
+            <a:fillRect/>
+          </a:stretch>
+        </p:blipFill>
+        <p:spPr>
+          <a:xfrm>
+            <a:off x="648835" y="1487340"/>
+            <a:ext cx="2840719" cy="5072714"/>
+          </a:xfrm>
+          <a:prstGeom prst="rect">
+            <a:avLst/>
+          </a:prstGeom>
+        </p:spPr>
+      </p:pic>
+      <p:cxnSp>
+        <p:nvCxnSpPr>
+          <p:cNvPr id="42" name="Straight Connector 41">
+            <a:extLst>
+              <a:ext uri="{FF2B5EF4-FFF2-40B4-BE49-F238E27FC236}">
+                <a16:creationId xmlns:a16="http://schemas.microsoft.com/office/drawing/2014/main" id="{564940E8-4031-4205-8D84-CBBB398C9148}"/>
+              </a:ext>
+              <a:ext uri="{C183D7F6-B498-43B3-948B-1728B52AA6E4}">
+                <adec:decorative xmlns:adec="http://schemas.microsoft.com/office/drawing/2017/decorative" val="1"/>
+              </a:ext>
+            </a:extLst>
+          </p:cNvPr>
+          <p:cNvCxnSpPr>
+            <a:cxnSpLocks noGrp="1" noRot="1" noChangeAspect="1" noMove="1" noResize="1" noEditPoints="1" noAdjustHandles="1" noChangeArrowheads="1" noChangeShapeType="1"/>
+          </p:cNvCxnSpPr>
+          <p:nvPr>
+            <p:extLst>
+              <p:ext uri="{386F3935-93C4-4BCD-93E2-E3B085C9AB24}">
+                <p16:designElem xmlns:p16="http://schemas.microsoft.com/office/powerpoint/2015/main" val="1"/>
+              </p:ext>
+            </p:extLst>
+          </p:nvPr>
+        </p:nvCxnSpPr>
+        <p:spPr>
+          <a:xfrm>
+            <a:off x="4112212" y="1183158"/>
+            <a:ext cx="0" cy="2120900"/>
+          </a:xfrm>
+          <a:prstGeom prst="line">
+            <a:avLst/>
+          </a:prstGeom>
+          <a:ln w="19050">
+            <a:solidFill>
+              <a:schemeClr val="tx1">
+                <a:lumMod val="75000"/>
+                <a:lumOff val="25000"/>
+                <a:alpha val="60000"/>
+              </a:schemeClr>
+            </a:solidFill>
+          </a:ln>
+        </p:spPr>
+        <p:style>
+          <a:lnRef idx="1">
+            <a:schemeClr val="accent1"/>
+          </a:lnRef>
+          <a:fillRef idx="0">
+            <a:schemeClr val="accent1"/>
+          </a:fillRef>
+          <a:effectRef idx="0">
+            <a:schemeClr val="accent1"/>
+          </a:effectRef>
+          <a:fontRef idx="minor">
+            <a:schemeClr val="tx1"/>
+          </a:fontRef>
+        </p:style>
+      </p:cxnSp>
+      <p:pic>
+        <p:nvPicPr>
+          <p:cNvPr id="4" name="Obrázek 3" descr="Obsah obrázku snímek obrazovky&#10;&#10;Popis byl vytvořen automaticky">
+            <a:extLst>
+              <a:ext uri="{FF2B5EF4-FFF2-40B4-BE49-F238E27FC236}">
+                <a16:creationId xmlns:a16="http://schemas.microsoft.com/office/drawing/2014/main" id="{38F3191B-174D-43F6-9E47-2BE05A203D2B}"/>
+              </a:ext>
+            </a:extLst>
+          </p:cNvPr>
+          <p:cNvPicPr>
+            <a:picLocks noChangeAspect="1"/>
+          </p:cNvPicPr>
+          <p:nvPr/>
+        </p:nvPicPr>
+        <p:blipFill>
+          <a:blip r:embed="rId3">
+            <a:extLst>
+              <a:ext uri="{28A0092B-C50C-407E-A947-70E740481C1C}">
+                <a14:useLocalDpi xmlns:a14="http://schemas.microsoft.com/office/drawing/2010/main" val="0"/>
+              </a:ext>
+            </a:extLst>
+          </a:blip>
+          <a:stretch>
+            <a:fillRect/>
+          </a:stretch>
+        </p:blipFill>
+        <p:spPr>
+          <a:xfrm>
+            <a:off x="4734858" y="1487340"/>
+            <a:ext cx="2866082" cy="5072714"/>
+          </a:xfrm>
+          <a:prstGeom prst="rect">
+            <a:avLst/>
+          </a:prstGeom>
+        </p:spPr>
+      </p:pic>
+      <p:cxnSp>
+        <p:nvCxnSpPr>
+          <p:cNvPr id="44" name="Straight Connector 43">
+            <a:extLst>
+              <a:ext uri="{FF2B5EF4-FFF2-40B4-BE49-F238E27FC236}">
+                <a16:creationId xmlns:a16="http://schemas.microsoft.com/office/drawing/2014/main" id="{3D83F26F-C55B-4A92-9AFF-4894D14E27C5}"/>
+              </a:ext>
+              <a:ext uri="{C183D7F6-B498-43B3-948B-1728B52AA6E4}">
+                <adec:decorative xmlns:adec="http://schemas.microsoft.com/office/drawing/2017/decorative" val="1"/>
+              </a:ext>
+            </a:extLst>
+          </p:cNvPr>
+          <p:cNvCxnSpPr>
+            <a:cxnSpLocks noGrp="1" noRot="1" noChangeAspect="1" noMove="1" noResize="1" noEditPoints="1" noAdjustHandles="1" noChangeArrowheads="1" noChangeShapeType="1"/>
+          </p:cNvCxnSpPr>
+          <p:nvPr>
+            <p:extLst>
+              <p:ext uri="{386F3935-93C4-4BCD-93E2-E3B085C9AB24}">
+                <p16:designElem xmlns:p16="http://schemas.microsoft.com/office/powerpoint/2015/main" val="1"/>
+              </p:ext>
+            </p:extLst>
+          </p:nvPr>
+        </p:nvCxnSpPr>
+        <p:spPr>
+          <a:xfrm>
+            <a:off x="8063558" y="1183158"/>
+            <a:ext cx="0" cy="2120900"/>
+          </a:xfrm>
+          <a:prstGeom prst="line">
+            <a:avLst/>
+          </a:prstGeom>
+          <a:ln w="19050">
+            <a:solidFill>
+              <a:schemeClr val="tx1">
+                <a:lumMod val="75000"/>
+                <a:lumOff val="25000"/>
+                <a:alpha val="60000"/>
+              </a:schemeClr>
+            </a:solidFill>
+          </a:ln>
+        </p:spPr>
+        <p:style>
+          <a:lnRef idx="1">
+            <a:schemeClr val="accent1"/>
+          </a:lnRef>
+          <a:fillRef idx="0">
+            <a:schemeClr val="accent1"/>
+          </a:fillRef>
+          <a:effectRef idx="0">
+            <a:schemeClr val="accent1"/>
+          </a:effectRef>
+          <a:fontRef idx="minor">
+            <a:schemeClr val="tx1"/>
+          </a:fontRef>
+        </p:style>
+      </p:cxnSp>
+      <p:pic>
+        <p:nvPicPr>
+          <p:cNvPr id="7" name="Obrázek 6" descr="Obsah obrázku snímek obrazovky&#10;&#10;Popis byl vytvořen automaticky">
+            <a:extLst>
+              <a:ext uri="{FF2B5EF4-FFF2-40B4-BE49-F238E27FC236}">
+                <a16:creationId xmlns:a16="http://schemas.microsoft.com/office/drawing/2014/main" id="{AEB5E856-CD6D-47BD-AE55-03EA9D986C52}"/>
+              </a:ext>
+            </a:extLst>
+          </p:cNvPr>
+          <p:cNvPicPr>
+            <a:picLocks noChangeAspect="1"/>
+          </p:cNvPicPr>
+          <p:nvPr/>
+        </p:nvPicPr>
+        <p:blipFill>
+          <a:blip r:embed="rId4">
+            <a:extLst>
+              <a:ext uri="{28A0092B-C50C-407E-A947-70E740481C1C}">
+                <a14:useLocalDpi xmlns:a14="http://schemas.microsoft.com/office/drawing/2010/main" val="0"/>
+              </a:ext>
+            </a:extLst>
+          </a:blip>
+          <a:stretch>
+            <a:fillRect/>
+          </a:stretch>
+        </p:blipFill>
+        <p:spPr>
+          <a:xfrm>
+            <a:off x="9015809" y="1487340"/>
+            <a:ext cx="2853401" cy="5072714"/>
+          </a:xfrm>
+          <a:prstGeom prst="rect">
+            <a:avLst/>
+          </a:prstGeom>
+        </p:spPr>
+      </p:pic>
+    </p:spTree>
+    <p:extLst>
+      <p:ext uri="{BB962C8B-B14F-4D97-AF65-F5344CB8AC3E}">
+        <p14:creationId xmlns:p14="http://schemas.microsoft.com/office/powerpoint/2010/main" val="110261037"/>
       </p:ext>
     </p:extLst>
   </p:cSld>
@@ -6784,10 +8276,10 @@
       </p:grpSpPr>
       <p:sp>
         <p:nvSpPr>
-          <p:cNvPr id="33" name="Rectangle 32">
+          <p:cNvPr id="29" name="Rectangle 28">
             <a:extLst>
               <a:ext uri="{FF2B5EF4-FFF2-40B4-BE49-F238E27FC236}">
-                <a16:creationId xmlns:a16="http://schemas.microsoft.com/office/drawing/2014/main" id="{823AC064-BC96-4F32-8AE1-B2FD38754823}"/>
+                <a16:creationId xmlns:a16="http://schemas.microsoft.com/office/drawing/2014/main" id="{AB45A142-4255-493C-8284-5D566C121B10}"/>
               </a:ext>
               <a:ext uri="{C183D7F6-B498-43B3-948B-1728B52AA6E4}">
                 <adec:decorative xmlns:adec="http://schemas.microsoft.com/office/drawing/2017/decorative" val="1"/>
@@ -6807,7 +8299,320 @@
         </p:nvSpPr>
         <p:spPr bwMode="ltGray">
           <a:xfrm>
-            <a:off x="396882" y="280374"/>
+            <a:off x="336884" y="321177"/>
+            <a:ext cx="4332307" cy="6179552"/>
+          </a:xfrm>
+          <a:prstGeom prst="rect">
+            <a:avLst/>
+          </a:prstGeom>
+          <a:solidFill>
+            <a:srgbClr val="404040">
+              <a:alpha val="89804"/>
+            </a:srgbClr>
+          </a:solidFill>
+          <a:ln w="127000" cap="sq" cmpd="thinThick">
+            <a:solidFill>
+              <a:srgbClr val="595959">
+                <a:alpha val="80000"/>
+              </a:srgbClr>
+            </a:solidFill>
+          </a:ln>
+        </p:spPr>
+        <p:style>
+          <a:lnRef idx="2">
+            <a:schemeClr val="accent1">
+              <a:shade val="50000"/>
+            </a:schemeClr>
+          </a:lnRef>
+          <a:fillRef idx="1">
+            <a:schemeClr val="accent1"/>
+          </a:fillRef>
+          <a:effectRef idx="0">
+            <a:schemeClr val="accent1"/>
+          </a:effectRef>
+          <a:fontRef idx="minor">
+            <a:schemeClr val="lt1"/>
+          </a:fontRef>
+        </p:style>
+        <p:txBody>
+          <a:bodyPr rtlCol="0" anchor="ctr"/>
+          <a:lstStyle/>
+          <a:p>
+            <a:pPr algn="ctr"/>
+            <a:endParaRPr lang="en-US"/>
+          </a:p>
+        </p:txBody>
+      </p:sp>
+      <p:sp>
+        <p:nvSpPr>
+          <p:cNvPr id="16" name="Nadpis 1">
+            <a:extLst>
+              <a:ext uri="{FF2B5EF4-FFF2-40B4-BE49-F238E27FC236}">
+                <a16:creationId xmlns:a16="http://schemas.microsoft.com/office/drawing/2014/main" id="{41D0CB60-F0D9-48DC-8C0D-78A43512DF8F}"/>
+              </a:ext>
+            </a:extLst>
+          </p:cNvPr>
+          <p:cNvSpPr txBox="1">
+            <a:spLocks/>
+          </p:cNvSpPr>
+          <p:nvPr/>
+        </p:nvSpPr>
+        <p:spPr>
+          <a:xfrm>
+            <a:off x="674237" y="914400"/>
+            <a:ext cx="3657600" cy="2887579"/>
+          </a:xfrm>
+          <a:prstGeom prst="rect">
+            <a:avLst/>
+          </a:prstGeom>
+        </p:spPr>
+        <p:txBody>
+          <a:bodyPr vert="horz" lIns="91440" tIns="45720" rIns="91440" bIns="45720" rtlCol="0" anchor="b">
+            <a:normAutofit/>
+          </a:bodyPr>
+          <a:lstStyle>
+            <a:lvl1pPr algn="l" defTabSz="914400" rtl="0" eaLnBrk="1" latinLnBrk="0" hangingPunct="1">
+              <a:lnSpc>
+                <a:spcPct val="90000"/>
+              </a:lnSpc>
+              <a:spcBef>
+                <a:spcPct val="0"/>
+              </a:spcBef>
+              <a:buNone/>
+              <a:defRPr sz="4400" kern="1200">
+                <a:solidFill>
+                  <a:schemeClr val="tx1"/>
+                </a:solidFill>
+                <a:latin typeface="+mj-lt"/>
+                <a:ea typeface="+mj-ea"/>
+                <a:cs typeface="+mj-cs"/>
+              </a:defRPr>
+            </a:lvl1pPr>
+          </a:lstStyle>
+          <a:p>
+            <a:pPr algn="ctr">
+              <a:spcAft>
+                <a:spcPts val="600"/>
+              </a:spcAft>
+            </a:pPr>
+            <a:r>
+              <a:rPr lang="en-US" sz="4800" kern="1200">
+                <a:solidFill>
+                  <a:srgbClr val="FFFFFF"/>
+                </a:solidFill>
+                <a:latin typeface="+mj-lt"/>
+                <a:ea typeface="+mj-ea"/>
+                <a:cs typeface="+mj-cs"/>
+              </a:rPr>
+              <a:t>Zpracování xml</a:t>
+            </a:r>
+          </a:p>
+        </p:txBody>
+      </p:sp>
+      <p:cxnSp>
+        <p:nvCxnSpPr>
+          <p:cNvPr id="31" name="Straight Connector 30">
+            <a:extLst>
+              <a:ext uri="{FF2B5EF4-FFF2-40B4-BE49-F238E27FC236}">
+                <a16:creationId xmlns:a16="http://schemas.microsoft.com/office/drawing/2014/main" id="{38FB9660-F42F-4313-BBC4-47C007FE484C}"/>
+              </a:ext>
+              <a:ext uri="{C183D7F6-B498-43B3-948B-1728B52AA6E4}">
+                <adec:decorative xmlns:adec="http://schemas.microsoft.com/office/drawing/2017/decorative" val="1"/>
+              </a:ext>
+            </a:extLst>
+          </p:cNvPr>
+          <p:cNvCxnSpPr>
+            <a:cxnSpLocks noGrp="1" noRot="1" noChangeAspect="1" noMove="1" noResize="1" noEditPoints="1" noAdjustHandles="1" noChangeArrowheads="1" noChangeShapeType="1"/>
+          </p:cNvCxnSpPr>
+          <p:nvPr>
+            <p:extLst>
+              <p:ext uri="{386F3935-93C4-4BCD-93E2-E3B085C9AB24}">
+                <p16:designElem xmlns:p16="http://schemas.microsoft.com/office/powerpoint/2015/main" val="1"/>
+              </p:ext>
+            </p:extLst>
+          </p:nvPr>
+        </p:nvCxnSpPr>
+        <p:spPr>
+          <a:xfrm>
+            <a:off x="1191126" y="3910267"/>
+            <a:ext cx="2586790" cy="0"/>
+          </a:xfrm>
+          <a:prstGeom prst="line">
+            <a:avLst/>
+          </a:prstGeom>
+          <a:ln w="22225">
+            <a:solidFill>
+              <a:srgbClr val="D9D9D9"/>
+            </a:solidFill>
+          </a:ln>
+        </p:spPr>
+        <p:style>
+          <a:lnRef idx="1">
+            <a:schemeClr val="accent1"/>
+          </a:lnRef>
+          <a:fillRef idx="0">
+            <a:schemeClr val="accent1"/>
+          </a:fillRef>
+          <a:effectRef idx="0">
+            <a:schemeClr val="accent1"/>
+          </a:effectRef>
+          <a:fontRef idx="minor">
+            <a:schemeClr val="tx1"/>
+          </a:fontRef>
+        </p:style>
+      </p:cxnSp>
+      <p:pic>
+        <p:nvPicPr>
+          <p:cNvPr id="6" name="Obrázek 5" descr="Obsah obrázku snímek obrazovky, text&#10;&#10;Popis byl vytvořen automaticky">
+            <a:extLst>
+              <a:ext uri="{FF2B5EF4-FFF2-40B4-BE49-F238E27FC236}">
+                <a16:creationId xmlns:a16="http://schemas.microsoft.com/office/drawing/2014/main" id="{29C80EEE-5563-4120-932C-CD7ED30B018B}"/>
+              </a:ext>
+            </a:extLst>
+          </p:cNvPr>
+          <p:cNvPicPr>
+            <a:picLocks noChangeAspect="1"/>
+          </p:cNvPicPr>
+          <p:nvPr/>
+        </p:nvPicPr>
+        <p:blipFill>
+          <a:blip r:embed="rId2">
+            <a:extLst>
+              <a:ext uri="{28A0092B-C50C-407E-A947-70E740481C1C}">
+                <a14:useLocalDpi xmlns:a14="http://schemas.microsoft.com/office/drawing/2010/main" val="0"/>
+              </a:ext>
+            </a:extLst>
+          </a:blip>
+          <a:stretch>
+            <a:fillRect/>
+          </a:stretch>
+        </p:blipFill>
+        <p:spPr>
+          <a:xfrm>
+            <a:off x="4813430" y="339224"/>
+            <a:ext cx="7378570" cy="6179552"/>
+          </a:xfrm>
+          <a:prstGeom prst="rect">
+            <a:avLst/>
+          </a:prstGeom>
+        </p:spPr>
+      </p:pic>
+    </p:spTree>
+    <p:extLst>
+      <p:ext uri="{BB962C8B-B14F-4D97-AF65-F5344CB8AC3E}">
+        <p14:creationId xmlns:p14="http://schemas.microsoft.com/office/powerpoint/2010/main" val="3229441822"/>
+      </p:ext>
+    </p:extLst>
+  </p:cSld>
+  <p:clrMapOvr>
+    <a:overrideClrMapping bg1="lt1" tx1="dk1" bg2="lt2" tx2="dk2" accent1="accent1" accent2="accent2" accent3="accent3" accent4="accent4" accent5="accent5" accent6="accent6" hlink="hlink" folHlink="folHlink"/>
+  </p:clrMapOvr>
+</p:sld>
+</file>
+
+<file path=ppt/slides/slide8.xml><?xml version="1.0" encoding="utf-8"?>
+<p:sld xmlns:a="http://schemas.openxmlformats.org/drawingml/2006/main" xmlns:r="http://schemas.openxmlformats.org/officeDocument/2006/relationships" xmlns:p="http://schemas.openxmlformats.org/presentationml/2006/main">
+  <p:cSld>
+    <p:bg>
+      <p:bgPr>
+        <a:solidFill>
+          <a:schemeClr val="bg1"/>
+        </a:solidFill>
+        <a:effectLst/>
+      </p:bgPr>
+    </p:bg>
+    <p:spTree>
+      <p:nvGrpSpPr>
+        <p:cNvPr id="1" name=""/>
+        <p:cNvGrpSpPr/>
+        <p:nvPr/>
+      </p:nvGrpSpPr>
+      <p:grpSpPr>
+        <a:xfrm>
+          <a:off x="0" y="0"/>
+          <a:ext cx="0" cy="0"/>
+          <a:chOff x="0" y="0"/>
+          <a:chExt cx="0" cy="0"/>
+        </a:xfrm>
+      </p:grpSpPr>
+      <p:cxnSp>
+        <p:nvCxnSpPr>
+          <p:cNvPr id="21" name="Straight Connector 20">
+            <a:extLst>
+              <a:ext uri="{FF2B5EF4-FFF2-40B4-BE49-F238E27FC236}">
+                <a16:creationId xmlns:a16="http://schemas.microsoft.com/office/drawing/2014/main" id="{DB146403-F3D6-484B-B2ED-97F9565D0370}"/>
+              </a:ext>
+              <a:ext uri="{C183D7F6-B498-43B3-948B-1728B52AA6E4}">
+                <adec:decorative xmlns:adec="http://schemas.microsoft.com/office/drawing/2017/decorative" val="1"/>
+              </a:ext>
+            </a:extLst>
+          </p:cNvPr>
+          <p:cNvCxnSpPr>
+            <a:cxnSpLocks noGrp="1" noRot="1" noChangeAspect="1" noMove="1" noResize="1" noEditPoints="1" noAdjustHandles="1" noChangeArrowheads="1" noChangeShapeType="1"/>
+          </p:cNvCxnSpPr>
+          <p:nvPr>
+            <p:extLst>
+              <p:ext uri="{386F3935-93C4-4BCD-93E2-E3B085C9AB24}">
+                <p16:designElem xmlns:p16="http://schemas.microsoft.com/office/powerpoint/2015/main" val="1"/>
+              </p:ext>
+            </p:extLst>
+          </p:nvPr>
+        </p:nvCxnSpPr>
+        <p:spPr>
+          <a:xfrm>
+            <a:off x="6096000" y="477749"/>
+            <a:ext cx="0" cy="3657600"/>
+          </a:xfrm>
+          <a:prstGeom prst="line">
+            <a:avLst/>
+          </a:prstGeom>
+          <a:ln w="101600" cmpd="dbl">
+            <a:solidFill>
+              <a:srgbClr val="595959"/>
+            </a:solidFill>
+          </a:ln>
+        </p:spPr>
+        <p:style>
+          <a:lnRef idx="1">
+            <a:schemeClr val="accent1"/>
+          </a:lnRef>
+          <a:fillRef idx="0">
+            <a:schemeClr val="accent1"/>
+          </a:fillRef>
+          <a:effectRef idx="0">
+            <a:schemeClr val="accent1"/>
+          </a:effectRef>
+          <a:fontRef idx="minor">
+            <a:schemeClr val="tx1"/>
+          </a:fontRef>
+        </p:style>
+      </p:cxnSp>
+      <p:sp>
+        <p:nvSpPr>
+          <p:cNvPr id="23" name="Rectangle 22">
+            <a:extLst>
+              <a:ext uri="{FF2B5EF4-FFF2-40B4-BE49-F238E27FC236}">
+                <a16:creationId xmlns:a16="http://schemas.microsoft.com/office/drawing/2014/main" id="{823AC064-BC96-4F32-8AE1-B2FD38754823}"/>
+              </a:ext>
+              <a:ext uri="{C183D7F6-B498-43B3-948B-1728B52AA6E4}">
+                <adec:decorative xmlns:adec="http://schemas.microsoft.com/office/drawing/2017/decorative" val="1"/>
+              </a:ext>
+            </a:extLst>
+          </p:cNvPr>
+          <p:cNvSpPr>
+            <a:spLocks noGrp="1" noRot="1" noChangeAspect="1" noMove="1" noResize="1" noEditPoints="1" noAdjustHandles="1" noChangeArrowheads="1" noChangeShapeType="1" noTextEdit="1"/>
+          </p:cNvSpPr>
+          <p:nvPr>
+            <p:extLst>
+              <p:ext uri="{386F3935-93C4-4BCD-93E2-E3B085C9AB24}">
+                <p16:designElem xmlns:p16="http://schemas.microsoft.com/office/powerpoint/2015/main" val="1"/>
+              </p:ext>
+            </p:extLst>
+          </p:nvPr>
+        </p:nvSpPr>
+        <p:spPr bwMode="ltGray">
+          <a:xfrm>
+            <a:off x="378068" y="4633546"/>
             <a:ext cx="11438793" cy="1844256"/>
           </a:xfrm>
           <a:prstGeom prst="rect">
@@ -6849,10 +8654,10 @@
       </p:sp>
       <p:sp>
         <p:nvSpPr>
-          <p:cNvPr id="12" name="Nadpis 1">
+          <p:cNvPr id="2" name="Nadpis 1">
             <a:extLst>
               <a:ext uri="{FF2B5EF4-FFF2-40B4-BE49-F238E27FC236}">
-                <a16:creationId xmlns:a16="http://schemas.microsoft.com/office/drawing/2014/main" id="{F90899F7-421C-4F94-AFB8-395D5E1CF0DD}"/>
+                <a16:creationId xmlns:a16="http://schemas.microsoft.com/office/drawing/2014/main" id="{805715DB-B8FB-466A-A482-0143B09CC28C}"/>
               </a:ext>
             </a:extLst>
           </p:cNvPr>
@@ -6865,7 +8670,7 @@
         </p:nvSpPr>
         <p:spPr>
           <a:xfrm>
-            <a:off x="546351" y="433545"/>
+            <a:off x="527538" y="4756638"/>
             <a:ext cx="11139854" cy="930447"/>
           </a:xfrm>
         </p:spPr>
@@ -6882,14 +8687,93 @@
                   <a:srgbClr val="FFFFFF"/>
                 </a:solidFill>
               </a:rPr>
-              <a:t>APLIKACE</a:t>
+              <a:t>MainActivity a PageAdapter</a:t>
             </a:r>
-          </a:p>
-        </p:txBody>
-      </p:sp>
+            <a:endParaRPr lang="en-US" sz="5400" dirty="0">
+              <a:solidFill>
+                <a:srgbClr val="FFFFFF"/>
+              </a:solidFill>
+            </a:endParaRPr>
+          </a:p>
+        </p:txBody>
+      </p:sp>
+      <p:pic>
+        <p:nvPicPr>
+          <p:cNvPr id="7" name="Obrázek 6" descr="Obsah obrázku snímek obrazovky&#10;&#10;Popis byl vytvořen automaticky">
+            <a:extLst>
+              <a:ext uri="{FF2B5EF4-FFF2-40B4-BE49-F238E27FC236}">
+                <a16:creationId xmlns:a16="http://schemas.microsoft.com/office/drawing/2014/main" id="{0AE59C3D-4400-4EA4-912A-1A1CC31DA0C3}"/>
+              </a:ext>
+            </a:extLst>
+          </p:cNvPr>
+          <p:cNvPicPr>
+            <a:picLocks noChangeAspect="1"/>
+          </p:cNvPicPr>
+          <p:nvPr/>
+        </p:nvPicPr>
+        <p:blipFill>
+          <a:blip r:embed="rId2">
+            <a:extLst>
+              <a:ext uri="{28A0092B-C50C-407E-A947-70E740481C1C}">
+                <a14:useLocalDpi xmlns:a14="http://schemas.microsoft.com/office/drawing/2010/main" val="0"/>
+              </a:ext>
+            </a:extLst>
+          </a:blip>
+          <a:stretch>
+            <a:fillRect/>
+          </a:stretch>
+        </p:blipFill>
+        <p:spPr>
+          <a:xfrm>
+            <a:off x="661459" y="151547"/>
+            <a:ext cx="5035953" cy="4481999"/>
+          </a:xfrm>
+          <a:prstGeom prst="rect">
+            <a:avLst/>
+          </a:prstGeom>
+        </p:spPr>
+      </p:pic>
+      <p:pic>
+        <p:nvPicPr>
+          <p:cNvPr id="5" name="Zástupný obsah 4" descr="Obsah obrázku snímek obrazovky, text&#10;&#10;Popis byl vytvořen automaticky">
+            <a:extLst>
+              <a:ext uri="{FF2B5EF4-FFF2-40B4-BE49-F238E27FC236}">
+                <a16:creationId xmlns:a16="http://schemas.microsoft.com/office/drawing/2014/main" id="{65B274F6-1FA8-468A-A724-A55B2A7EC6C3}"/>
+              </a:ext>
+            </a:extLst>
+          </p:cNvPr>
+          <p:cNvPicPr>
+            <a:picLocks noGrp="1" noChangeAspect="1"/>
+          </p:cNvPicPr>
+          <p:nvPr>
+            <p:ph idx="1"/>
+          </p:nvPr>
+        </p:nvPicPr>
+        <p:blipFill>
+          <a:blip r:embed="rId3">
+            <a:extLst>
+              <a:ext uri="{28A0092B-C50C-407E-A947-70E740481C1C}">
+                <a14:useLocalDpi xmlns:a14="http://schemas.microsoft.com/office/drawing/2010/main" val="0"/>
+              </a:ext>
+            </a:extLst>
+          </a:blip>
+          <a:stretch>
+            <a:fillRect/>
+          </a:stretch>
+        </p:blipFill>
+        <p:spPr>
+          <a:xfrm>
+            <a:off x="6254109" y="294877"/>
+            <a:ext cx="5772976" cy="4156542"/>
+          </a:xfrm>
+          <a:prstGeom prst="rect">
+            <a:avLst/>
+          </a:prstGeom>
+        </p:spPr>
+      </p:pic>
       <p:cxnSp>
         <p:nvCxnSpPr>
-          <p:cNvPr id="35" name="Straight Connector 34">
+          <p:cNvPr id="27" name="Straight Connector 24">
             <a:extLst>
               <a:ext uri="{FF2B5EF4-FFF2-40B4-BE49-F238E27FC236}">
                 <a16:creationId xmlns:a16="http://schemas.microsoft.com/office/drawing/2014/main" id="{7E7C77BC-7138-40B1-A15B-20F57A494629}"/>
@@ -6912,7 +8796,7 @@
         </p:nvCxnSpPr>
         <p:spPr>
           <a:xfrm>
-            <a:off x="2230078" y="1522292"/>
+            <a:off x="2209800" y="5738691"/>
             <a:ext cx="7772400" cy="0"/>
           </a:xfrm>
           <a:prstGeom prst="line">
@@ -6939,128 +8823,10 @@
           </a:fontRef>
         </p:style>
       </p:cxnSp>
-      <p:pic>
-        <p:nvPicPr>
-          <p:cNvPr id="3" name="Obrázek 2" descr="Obsah obrázku snímek obrazovky&#10;&#10;Popis byl vytvořen automaticky">
-            <a:extLst>
-              <a:ext uri="{FF2B5EF4-FFF2-40B4-BE49-F238E27FC236}">
-                <a16:creationId xmlns:a16="http://schemas.microsoft.com/office/drawing/2014/main" id="{364A89AA-3BC7-4085-9448-25ED62A1C6ED}"/>
-              </a:ext>
-            </a:extLst>
-          </p:cNvPr>
-          <p:cNvPicPr>
-            <a:picLocks noChangeAspect="1"/>
-          </p:cNvPicPr>
-          <p:nvPr/>
-        </p:nvPicPr>
-        <p:blipFill>
-          <a:blip r:embed="rId2">
-            <a:extLst>
-              <a:ext uri="{28A0092B-C50C-407E-A947-70E740481C1C}">
-                <a14:useLocalDpi xmlns:a14="http://schemas.microsoft.com/office/drawing/2010/main" val="0"/>
-              </a:ext>
-            </a:extLst>
-          </a:blip>
-          <a:stretch>
-            <a:fillRect/>
-          </a:stretch>
-        </p:blipFill>
-        <p:spPr>
-          <a:xfrm>
-            <a:off x="1850239" y="1657184"/>
-            <a:ext cx="2884199" cy="4767272"/>
-          </a:xfrm>
-          <a:prstGeom prst="rect">
-            <a:avLst/>
-          </a:prstGeom>
-        </p:spPr>
-      </p:pic>
-      <p:cxnSp>
-        <p:nvCxnSpPr>
-          <p:cNvPr id="37" name="Straight Connector 36">
-            <a:extLst>
-              <a:ext uri="{FF2B5EF4-FFF2-40B4-BE49-F238E27FC236}">
-                <a16:creationId xmlns:a16="http://schemas.microsoft.com/office/drawing/2014/main" id="{DB146403-F3D6-484B-B2ED-97F9565D0370}"/>
-              </a:ext>
-              <a:ext uri="{C183D7F6-B498-43B3-948B-1728B52AA6E4}">
-                <adec:decorative xmlns:adec="http://schemas.microsoft.com/office/drawing/2017/decorative" val="1"/>
-              </a:ext>
-            </a:extLst>
-          </p:cNvPr>
-          <p:cNvCxnSpPr>
-            <a:cxnSpLocks noGrp="1" noRot="1" noChangeAspect="1" noMove="1" noResize="1" noEditPoints="1" noAdjustHandles="1" noChangeArrowheads="1" noChangeShapeType="1"/>
-          </p:cNvCxnSpPr>
-          <p:nvPr>
-            <p:extLst>
-              <p:ext uri="{386F3935-93C4-4BCD-93E2-E3B085C9AB24}">
-                <p16:designElem xmlns:p16="http://schemas.microsoft.com/office/powerpoint/2015/main" val="1"/>
-              </p:ext>
-            </p:extLst>
-          </p:nvPr>
-        </p:nvCxnSpPr>
-        <p:spPr>
-          <a:xfrm>
-            <a:off x="6116278" y="2596836"/>
-            <a:ext cx="0" cy="3657600"/>
-          </a:xfrm>
-          <a:prstGeom prst="line">
-            <a:avLst/>
-          </a:prstGeom>
-          <a:ln w="101600" cmpd="dbl">
-            <a:solidFill>
-              <a:srgbClr val="595959"/>
-            </a:solidFill>
-          </a:ln>
-        </p:spPr>
-        <p:style>
-          <a:lnRef idx="1">
-            <a:schemeClr val="accent1"/>
-          </a:lnRef>
-          <a:fillRef idx="0">
-            <a:schemeClr val="accent1"/>
-          </a:fillRef>
-          <a:effectRef idx="0">
-            <a:schemeClr val="accent1"/>
-          </a:effectRef>
-          <a:fontRef idx="minor">
-            <a:schemeClr val="tx1"/>
-          </a:fontRef>
-        </p:style>
-      </p:cxnSp>
-      <p:pic>
-        <p:nvPicPr>
-          <p:cNvPr id="6" name="Obrázek 5">
-            <a:extLst>
-              <a:ext uri="{FF2B5EF4-FFF2-40B4-BE49-F238E27FC236}">
-                <a16:creationId xmlns:a16="http://schemas.microsoft.com/office/drawing/2014/main" id="{5B26C4F2-1E9A-4CD7-995A-B41139C9C731}"/>
-              </a:ext>
-            </a:extLst>
-          </p:cNvPr>
-          <p:cNvPicPr>
-            <a:picLocks noChangeAspect="1"/>
-          </p:cNvPicPr>
-          <p:nvPr/>
-        </p:nvPicPr>
-        <p:blipFill>
-          <a:blip r:embed="rId3"/>
-          <a:stretch>
-            <a:fillRect/>
-          </a:stretch>
-        </p:blipFill>
-        <p:spPr>
-          <a:xfrm>
-            <a:off x="7457562" y="1689315"/>
-            <a:ext cx="2884198" cy="4735139"/>
-          </a:xfrm>
-          <a:prstGeom prst="rect">
-            <a:avLst/>
-          </a:prstGeom>
-        </p:spPr>
-      </p:pic>
     </p:spTree>
     <p:extLst>
       <p:ext uri="{BB962C8B-B14F-4D97-AF65-F5344CB8AC3E}">
-        <p14:creationId xmlns:p14="http://schemas.microsoft.com/office/powerpoint/2010/main" val="1247341911"/>
+        <p14:creationId xmlns:p14="http://schemas.microsoft.com/office/powerpoint/2010/main" val="3953088882"/>
       </p:ext>
     </p:extLst>
   </p:cSld>
@@ -7070,16 +8836,13 @@
 </p:sld>
 </file>
 
-<file path=ppt/slides/slide8.xml><?xml version="1.0" encoding="utf-8"?>
+<file path=ppt/slides/slide9.xml><?xml version="1.0" encoding="utf-8"?>
 <p:sld xmlns:a="http://schemas.openxmlformats.org/drawingml/2006/main" xmlns:r="http://schemas.openxmlformats.org/officeDocument/2006/relationships" xmlns:p="http://schemas.openxmlformats.org/presentationml/2006/main">
   <p:cSld>
     <p:bg>
       <p:bgPr>
         <a:solidFill>
-          <a:schemeClr val="bg1">
-            <a:tint val="95000"/>
-            <a:satMod val="170000"/>
-          </a:schemeClr>
+          <a:schemeClr val="bg1"/>
         </a:solidFill>
         <a:effectLst/>
       </p:bgPr>
@@ -7100,10 +8863,10 @@
       </p:grpSpPr>
       <p:sp>
         <p:nvSpPr>
-          <p:cNvPr id="24" name="Freeform: Shape 23">
+          <p:cNvPr id="13" name="Rectangle 12">
             <a:extLst>
               <a:ext uri="{FF2B5EF4-FFF2-40B4-BE49-F238E27FC236}">
-                <a16:creationId xmlns:a16="http://schemas.microsoft.com/office/drawing/2014/main" id="{E862BE82-D00D-42C1-BF16-93AA37870C32}"/>
+                <a16:creationId xmlns:a16="http://schemas.microsoft.com/office/drawing/2014/main" id="{42A5316D-ED2F-4F89-B4B4-8D9240B1A348}"/>
               </a:ext>
               <a:ext uri="{C183D7F6-B498-43B3-948B-1728B52AA6E4}">
                 <adec:decorative xmlns:adec="http://schemas.microsoft.com/office/drawing/2017/decorative" val="1"/>
@@ -7123,89 +8886,14 @@
         </p:nvSpPr>
         <p:spPr>
           <a:xfrm>
-            <a:off x="0" y="-2008"/>
-            <a:ext cx="5609220" cy="5840278"/>
+            <a:off x="0" y="0"/>
+            <a:ext cx="2013557" cy="6858000"/>
           </a:xfrm>
-          <a:custGeom>
+          <a:prstGeom prst="rect">
             <a:avLst/>
-            <a:gdLst>
-              <a:gd name="connsiteX0" fmla="*/ 0 w 5609220"/>
-              <a:gd name="connsiteY0" fmla="*/ 0 h 5840278"/>
-              <a:gd name="connsiteX1" fmla="*/ 4637091 w 5609220"/>
-              <a:gd name="connsiteY1" fmla="*/ 0 h 5840278"/>
-              <a:gd name="connsiteX2" fmla="*/ 4822569 w 5609220"/>
-              <a:gd name="connsiteY2" fmla="*/ 204077 h 5840278"/>
-              <a:gd name="connsiteX3" fmla="*/ 5609220 w 5609220"/>
-              <a:gd name="connsiteY3" fmla="*/ 2395363 h 5840278"/>
-              <a:gd name="connsiteX4" fmla="*/ 2164305 w 5609220"/>
-              <a:gd name="connsiteY4" fmla="*/ 5840278 h 5840278"/>
-              <a:gd name="connsiteX5" fmla="*/ 238220 w 5609220"/>
-              <a:gd name="connsiteY5" fmla="*/ 5251941 h 5840278"/>
-              <a:gd name="connsiteX6" fmla="*/ 0 w 5609220"/>
-              <a:gd name="connsiteY6" fmla="*/ 5073803 h 5840278"/>
-            </a:gdLst>
-            <a:ahLst/>
-            <a:cxnLst>
-              <a:cxn ang="0">
-                <a:pos x="connsiteX0" y="connsiteY0"/>
-              </a:cxn>
-              <a:cxn ang="0">
-                <a:pos x="connsiteX1" y="connsiteY1"/>
-              </a:cxn>
-              <a:cxn ang="0">
-                <a:pos x="connsiteX2" y="connsiteY2"/>
-              </a:cxn>
-              <a:cxn ang="0">
-                <a:pos x="connsiteX3" y="connsiteY3"/>
-              </a:cxn>
-              <a:cxn ang="0">
-                <a:pos x="connsiteX4" y="connsiteY4"/>
-              </a:cxn>
-              <a:cxn ang="0">
-                <a:pos x="connsiteX5" y="connsiteY5"/>
-              </a:cxn>
-              <a:cxn ang="0">
-                <a:pos x="connsiteX6" y="connsiteY6"/>
-              </a:cxn>
-            </a:cxnLst>
-            <a:rect l="l" t="t" r="r" b="b"/>
-            <a:pathLst>
-              <a:path w="5609220" h="5840278">
-                <a:moveTo>
-                  <a:pt x="0" y="0"/>
-                </a:moveTo>
-                <a:lnTo>
-                  <a:pt x="4637091" y="0"/>
-                </a:lnTo>
-                <a:lnTo>
-                  <a:pt x="4822569" y="204077"/>
-                </a:lnTo>
-                <a:cubicBezTo>
-                  <a:pt x="5314007" y="799562"/>
-                  <a:pt x="5609220" y="1562987"/>
-                  <a:pt x="5609220" y="2395363"/>
-                </a:cubicBezTo>
-                <a:cubicBezTo>
-                  <a:pt x="5609220" y="4297937"/>
-                  <a:pt x="4066879" y="5840278"/>
-                  <a:pt x="2164305" y="5840278"/>
-                </a:cubicBezTo>
-                <a:cubicBezTo>
-                  <a:pt x="1450840" y="5840278"/>
-                  <a:pt x="788032" y="5623387"/>
-                  <a:pt x="238220" y="5251941"/>
-                </a:cubicBezTo>
-                <a:lnTo>
-                  <a:pt x="0" y="5073803"/>
-                </a:lnTo>
-                <a:close/>
-              </a:path>
-            </a:pathLst>
-          </a:custGeom>
+          </a:prstGeom>
           <a:solidFill>
-            <a:schemeClr val="tx1">
-              <a:alpha val="20000"/>
-            </a:schemeClr>
+            <a:srgbClr val="474F39"/>
           </a:solidFill>
           <a:ln>
             <a:noFill/>
@@ -7267,559 +8955,61 @@
       </p:sp>
       <p:sp>
         <p:nvSpPr>
-          <p:cNvPr id="26" name="Freeform: Shape 25">
+          <p:cNvPr id="2" name="Nadpis 1">
             <a:extLst>
               <a:ext uri="{FF2B5EF4-FFF2-40B4-BE49-F238E27FC236}">
-                <a16:creationId xmlns:a16="http://schemas.microsoft.com/office/drawing/2014/main" id="{F6D92C2D-1D3D-4974-918C-06579FB354A9}"/>
-              </a:ext>
-              <a:ext uri="{C183D7F6-B498-43B3-948B-1728B52AA6E4}">
-                <adec:decorative xmlns:adec="http://schemas.microsoft.com/office/drawing/2017/decorative" val="1"/>
+                <a16:creationId xmlns:a16="http://schemas.microsoft.com/office/drawing/2014/main" id="{0D4AE374-763B-4AF7-A543-FE28CACF95A4}"/>
               </a:ext>
             </a:extLst>
           </p:cNvPr>
           <p:cNvSpPr>
-            <a:spLocks noGrp="1" noRot="1" noChangeAspect="1" noMove="1" noResize="1" noEditPoints="1" noAdjustHandles="1" noChangeArrowheads="1" noChangeShapeType="1" noTextEdit="1"/>
-          </p:cNvSpPr>
-          <p:nvPr>
-            <p:extLst>
-              <p:ext uri="{386F3935-93C4-4BCD-93E2-E3B085C9AB24}">
-                <p16:designElem xmlns:p16="http://schemas.microsoft.com/office/powerpoint/2015/main" val="1"/>
-              </p:ext>
-            </p:extLst>
+            <a:spLocks noGrp="1"/>
+          </p:cNvSpPr>
+          <p:nvPr>
+            <p:ph type="title"/>
           </p:nvPr>
         </p:nvSpPr>
         <p:spPr>
           <a:xfrm>
-            <a:off x="-2333" y="-2"/>
-            <a:ext cx="5441859" cy="5654940"/>
+            <a:off x="744249" y="188351"/>
+            <a:ext cx="2139628" cy="1901593"/>
           </a:xfrm>
-          <a:custGeom>
-            <a:avLst/>
-            <a:gdLst>
-              <a:gd name="connsiteX0" fmla="*/ 0 w 5441859"/>
-              <a:gd name="connsiteY0" fmla="*/ 0 h 5654940"/>
-              <a:gd name="connsiteX1" fmla="*/ 4400492 w 5441859"/>
-              <a:gd name="connsiteY1" fmla="*/ 0 h 5654940"/>
-              <a:gd name="connsiteX2" fmla="*/ 4484767 w 5441859"/>
-              <a:gd name="connsiteY2" fmla="*/ 76595 h 5654940"/>
-              <a:gd name="connsiteX3" fmla="*/ 5441859 w 5441859"/>
-              <a:gd name="connsiteY3" fmla="*/ 2387221 h 5654940"/>
-              <a:gd name="connsiteX4" fmla="*/ 2174140 w 5441859"/>
-              <a:gd name="connsiteY4" fmla="*/ 5654940 h 5654940"/>
-              <a:gd name="connsiteX5" fmla="*/ 156693 w 5441859"/>
-              <a:gd name="connsiteY5" fmla="*/ 4957981 h 5654940"/>
-              <a:gd name="connsiteX6" fmla="*/ 0 w 5441859"/>
-              <a:gd name="connsiteY6" fmla="*/ 4820612 h 5654940"/>
-            </a:gdLst>
-            <a:ahLst/>
-            <a:cxnLst>
-              <a:cxn ang="0">
-                <a:pos x="connsiteX0" y="connsiteY0"/>
-              </a:cxn>
-              <a:cxn ang="0">
-                <a:pos x="connsiteX1" y="connsiteY1"/>
-              </a:cxn>
-              <a:cxn ang="0">
-                <a:pos x="connsiteX2" y="connsiteY2"/>
-              </a:cxn>
-              <a:cxn ang="0">
-                <a:pos x="connsiteX3" y="connsiteY3"/>
-              </a:cxn>
-              <a:cxn ang="0">
-                <a:pos x="connsiteX4" y="connsiteY4"/>
-              </a:cxn>
-              <a:cxn ang="0">
-                <a:pos x="connsiteX5" y="connsiteY5"/>
-              </a:cxn>
-              <a:cxn ang="0">
-                <a:pos x="connsiteX6" y="connsiteY6"/>
-              </a:cxn>
-            </a:cxnLst>
-            <a:rect l="l" t="t" r="r" b="b"/>
-            <a:pathLst>
-              <a:path w="5441859" h="5654940">
-                <a:moveTo>
-                  <a:pt x="0" y="0"/>
-                </a:moveTo>
-                <a:lnTo>
-                  <a:pt x="4400492" y="0"/>
-                </a:lnTo>
-                <a:lnTo>
-                  <a:pt x="4484767" y="76595"/>
-                </a:lnTo>
-                <a:cubicBezTo>
-                  <a:pt x="5076108" y="667936"/>
-                  <a:pt x="5441859" y="1484866"/>
-                  <a:pt x="5441859" y="2387221"/>
-                </a:cubicBezTo>
-                <a:cubicBezTo>
-                  <a:pt x="5441859" y="4191932"/>
-                  <a:pt x="3978851" y="5654940"/>
-                  <a:pt x="2174140" y="5654940"/>
-                </a:cubicBezTo>
-                <a:cubicBezTo>
-                  <a:pt x="1412778" y="5654940"/>
-                  <a:pt x="712231" y="5394557"/>
-                  <a:pt x="156693" y="4957981"/>
-                </a:cubicBezTo>
-                <a:lnTo>
-                  <a:pt x="0" y="4820612"/>
-                </a:lnTo>
-                <a:close/>
-              </a:path>
-            </a:pathLst>
-          </a:custGeom>
-          <a:solidFill>
-            <a:schemeClr val="bg1">
-              <a:lumMod val="95000"/>
-              <a:lumOff val="5000"/>
-              <a:alpha val="80000"/>
-            </a:schemeClr>
-          </a:solidFill>
-          <a:ln>
-            <a:noFill/>
-          </a:ln>
-        </p:spPr>
-        <p:style>
-          <a:lnRef idx="2">
-            <a:schemeClr val="accent1">
-              <a:shade val="50000"/>
-            </a:schemeClr>
-          </a:lnRef>
-          <a:fillRef idx="1">
-            <a:schemeClr val="accent1"/>
-          </a:fillRef>
-          <a:effectRef idx="0">
-            <a:schemeClr val="accent1"/>
-          </a:effectRef>
-          <a:fontRef idx="minor">
-            <a:schemeClr val="lt1"/>
-          </a:fontRef>
-        </p:style>
-        <p:txBody>
-          <a:bodyPr rtlCol="0" anchor="ctr"/>
-          <a:lstStyle/>
-          <a:p>
-            <a:pPr marL="0" marR="0" lvl="0" indent="0" algn="ctr" defTabSz="914400" rtl="0" eaLnBrk="1" fontAlgn="auto" latinLnBrk="0" hangingPunct="1">
-              <a:lnSpc>
-                <a:spcPct val="100000"/>
-              </a:lnSpc>
-              <a:spcBef>
-                <a:spcPts val="0"/>
-              </a:spcBef>
-              <a:spcAft>
-                <a:spcPts val="0"/>
-              </a:spcAft>
-              <a:buClrTx/>
-              <a:buSzTx/>
-              <a:buFontTx/>
-              <a:buNone/>
-              <a:tabLst/>
-              <a:defRPr/>
-            </a:pPr>
-            <a:endParaRPr kumimoji="0" lang="en-US" sz="1800" b="0" i="0" u="none" strike="noStrike" kern="1200" cap="none" spc="0" normalizeH="0" baseline="0" noProof="0">
-              <a:ln>
-                <a:noFill/>
-              </a:ln>
-              <a:solidFill>
-                <a:prstClr val="white"/>
-              </a:solidFill>
-              <a:effectLst/>
-              <a:uLnTx/>
-              <a:uFillTx/>
-              <a:latin typeface="Calibri" panose="020F0502020204030204"/>
-              <a:ea typeface="+mn-ea"/>
-              <a:cs typeface="+mn-cs"/>
-            </a:endParaRPr>
-          </a:p>
-        </p:txBody>
-      </p:sp>
-      <p:sp>
-        <p:nvSpPr>
-          <p:cNvPr id="16" name="Nadpis 1">
-            <a:extLst>
-              <a:ext uri="{FF2B5EF4-FFF2-40B4-BE49-F238E27FC236}">
-                <a16:creationId xmlns:a16="http://schemas.microsoft.com/office/drawing/2014/main" id="{41D0CB60-F0D9-48DC-8C0D-78A43512DF8F}"/>
-              </a:ext>
-            </a:extLst>
-          </p:cNvPr>
-          <p:cNvSpPr txBox="1">
-            <a:spLocks/>
-          </p:cNvSpPr>
-          <p:nvPr/>
-        </p:nvSpPr>
-        <p:spPr>
-          <a:xfrm>
-            <a:off x="750242" y="632990"/>
-            <a:ext cx="4062643" cy="1043409"/>
-          </a:xfrm>
-          <a:prstGeom prst="rect">
-            <a:avLst/>
-          </a:prstGeom>
-        </p:spPr>
-        <p:txBody>
-          <a:bodyPr vert="horz" lIns="91440" tIns="45720" rIns="91440" bIns="45720" rtlCol="0" anchor="ctr">
-            <a:normAutofit/>
-          </a:bodyPr>
-          <a:lstStyle>
-            <a:lvl1pPr algn="l" defTabSz="914400" rtl="0" eaLnBrk="1" latinLnBrk="0" hangingPunct="1">
-              <a:lnSpc>
-                <a:spcPct val="90000"/>
-              </a:lnSpc>
-              <a:spcBef>
-                <a:spcPct val="0"/>
-              </a:spcBef>
-              <a:buNone/>
-              <a:defRPr sz="4400" kern="1200">
-                <a:solidFill>
-                  <a:schemeClr val="tx1"/>
-                </a:solidFill>
-                <a:latin typeface="+mj-lt"/>
-                <a:ea typeface="+mj-ea"/>
-                <a:cs typeface="+mj-cs"/>
-              </a:defRPr>
-            </a:lvl1pPr>
-          </a:lstStyle>
-          <a:p>
-            <a:pPr>
-              <a:spcAft>
-                <a:spcPts val="600"/>
-              </a:spcAft>
-            </a:pPr>
-            <a:r>
-              <a:rPr lang="cs-CZ" sz="3600" kern="1200" dirty="0">
-                <a:solidFill>
-                  <a:schemeClr val="tx1"/>
-                </a:solidFill>
-                <a:latin typeface="+mj-lt"/>
-                <a:ea typeface="+mj-ea"/>
-                <a:cs typeface="+mj-cs"/>
-              </a:rPr>
-              <a:t>Databáze</a:t>
-            </a:r>
-            <a:endParaRPr lang="en-US" sz="3600" kern="1200" dirty="0">
-              <a:solidFill>
-                <a:schemeClr val="tx1"/>
-              </a:solidFill>
-              <a:latin typeface="+mj-lt"/>
-              <a:ea typeface="+mj-ea"/>
-              <a:cs typeface="+mj-cs"/>
-            </a:endParaRPr>
-          </a:p>
-        </p:txBody>
-      </p:sp>
-      <p:pic>
-        <p:nvPicPr>
-          <p:cNvPr id="3" name="Zástupný obsah 2" descr="Obsah obrázku snímek obrazovky, text&#10;&#10;Popis byl vytvořen automaticky">
-            <a:extLst>
-              <a:ext uri="{FF2B5EF4-FFF2-40B4-BE49-F238E27FC236}">
-                <a16:creationId xmlns:a16="http://schemas.microsoft.com/office/drawing/2014/main" id="{3531289E-6465-419A-9557-40000A2D2D06}"/>
-              </a:ext>
-            </a:extLst>
-          </p:cNvPr>
-          <p:cNvPicPr>
-            <a:picLocks noGrp="1" noChangeAspect="1"/>
-          </p:cNvPicPr>
-          <p:nvPr>
-            <p:ph idx="1"/>
-          </p:nvPr>
-        </p:nvPicPr>
-        <p:blipFill>
-          <a:blip r:embed="rId2">
-            <a:extLst>
-              <a:ext uri="{28A0092B-C50C-407E-A947-70E740481C1C}">
-                <a14:useLocalDpi xmlns:a14="http://schemas.microsoft.com/office/drawing/2010/main" val="0"/>
-              </a:ext>
-            </a:extLst>
-          </a:blip>
-          <a:stretch>
-            <a:fillRect/>
-          </a:stretch>
-        </p:blipFill>
-        <p:spPr>
-          <a:xfrm>
-            <a:off x="32273" y="2810577"/>
-            <a:ext cx="7647898" cy="4047423"/>
-          </a:xfrm>
-        </p:spPr>
-      </p:pic>
-      <p:pic>
-        <p:nvPicPr>
-          <p:cNvPr id="5" name="Obrázek 4" descr="Obsah obrázku snímek obrazovky, text&#10;&#10;Popis byl vytvořen automaticky">
-            <a:extLst>
-              <a:ext uri="{FF2B5EF4-FFF2-40B4-BE49-F238E27FC236}">
-                <a16:creationId xmlns:a16="http://schemas.microsoft.com/office/drawing/2014/main" id="{6C65E3AE-DA5B-4715-A03C-33D87AC6D98E}"/>
-              </a:ext>
-            </a:extLst>
-          </p:cNvPr>
-          <p:cNvPicPr>
-            <a:picLocks noChangeAspect="1"/>
-          </p:cNvPicPr>
-          <p:nvPr/>
-        </p:nvPicPr>
-        <p:blipFill>
-          <a:blip r:embed="rId3">
-            <a:extLst>
-              <a:ext uri="{28A0092B-C50C-407E-A947-70E740481C1C}">
-                <a14:useLocalDpi xmlns:a14="http://schemas.microsoft.com/office/drawing/2010/main" val="0"/>
-              </a:ext>
-            </a:extLst>
-          </a:blip>
-          <a:stretch>
-            <a:fillRect/>
-          </a:stretch>
-        </p:blipFill>
-        <p:spPr>
-          <a:xfrm>
-            <a:off x="5698756" y="-2008"/>
-            <a:ext cx="6444844" cy="4476419"/>
-          </a:xfrm>
-          <a:prstGeom prst="rect">
-            <a:avLst/>
-          </a:prstGeom>
-        </p:spPr>
-      </p:pic>
-    </p:spTree>
-    <p:extLst>
-      <p:ext uri="{BB962C8B-B14F-4D97-AF65-F5344CB8AC3E}">
-        <p14:creationId xmlns:p14="http://schemas.microsoft.com/office/powerpoint/2010/main" val="314074230"/>
-      </p:ext>
-    </p:extLst>
-  </p:cSld>
-  <p:clrMapOvr>
-    <a:overrideClrMapping bg1="dk1" tx1="lt1" bg2="dk2" tx2="lt2" accent1="accent1" accent2="accent2" accent3="accent3" accent4="accent4" accent5="accent5" accent6="accent6" hlink="hlink" folHlink="folHlink"/>
-  </p:clrMapOvr>
-</p:sld>
-</file>
-
-<file path=ppt/slides/slide9.xml><?xml version="1.0" encoding="utf-8"?>
-<p:sld xmlns:a="http://schemas.openxmlformats.org/drawingml/2006/main" xmlns:r="http://schemas.openxmlformats.org/officeDocument/2006/relationships" xmlns:p="http://schemas.openxmlformats.org/presentationml/2006/main">
-  <p:cSld>
-    <p:bg>
-      <p:bgPr>
-        <a:solidFill>
-          <a:schemeClr val="bg1"/>
-        </a:solidFill>
-        <a:effectLst/>
-      </p:bgPr>
-    </p:bg>
-    <p:spTree>
-      <p:nvGrpSpPr>
-        <p:cNvPr id="1" name=""/>
-        <p:cNvGrpSpPr/>
-        <p:nvPr/>
-      </p:nvGrpSpPr>
-      <p:grpSpPr>
-        <a:xfrm>
-          <a:off x="0" y="0"/>
-          <a:ext cx="0" cy="0"/>
-          <a:chOff x="0" y="0"/>
-          <a:chExt cx="0" cy="0"/>
-        </a:xfrm>
-      </p:grpSpPr>
-      <p:sp>
-        <p:nvSpPr>
-          <p:cNvPr id="20" name="Rectangle 19">
-            <a:extLst>
-              <a:ext uri="{FF2B5EF4-FFF2-40B4-BE49-F238E27FC236}">
-                <a16:creationId xmlns:a16="http://schemas.microsoft.com/office/drawing/2014/main" id="{823AC064-BC96-4F32-8AE1-B2FD38754823}"/>
-              </a:ext>
-              <a:ext uri="{C183D7F6-B498-43B3-948B-1728B52AA6E4}">
-                <adec:decorative xmlns:adec="http://schemas.microsoft.com/office/drawing/2017/decorative" val="1"/>
-              </a:ext>
-            </a:extLst>
-          </p:cNvPr>
-          <p:cNvSpPr>
-            <a:spLocks noGrp="1" noRot="1" noChangeAspect="1" noMove="1" noResize="1" noEditPoints="1" noAdjustHandles="1" noChangeArrowheads="1" noChangeShapeType="1" noTextEdit="1"/>
-          </p:cNvSpPr>
-          <p:nvPr>
-            <p:extLst>
-              <p:ext uri="{386F3935-93C4-4BCD-93E2-E3B085C9AB24}">
-                <p16:designElem xmlns:p16="http://schemas.microsoft.com/office/powerpoint/2015/main" val="1"/>
-              </p:ext>
-            </p:extLst>
-          </p:nvPr>
-        </p:nvSpPr>
-        <p:spPr bwMode="ltGray">
-          <a:xfrm>
-            <a:off x="378068" y="343486"/>
-            <a:ext cx="11438793" cy="1844256"/>
-          </a:xfrm>
-          <a:prstGeom prst="rect">
+          <a:prstGeom prst="ellipse">
             <a:avLst/>
           </a:prstGeom>
           <a:solidFill>
-            <a:srgbClr val="404040"/>
+            <a:srgbClr val="262626"/>
           </a:solidFill>
-          <a:ln w="127000" cap="sq" cmpd="thinThick">
+          <a:ln w="174625" cmpd="thinThick">
             <a:solidFill>
-              <a:srgbClr val="404040"/>
+              <a:srgbClr val="262626"/>
             </a:solidFill>
           </a:ln>
         </p:spPr>
-        <p:style>
-          <a:lnRef idx="2">
-            <a:schemeClr val="accent1">
-              <a:shade val="50000"/>
-            </a:schemeClr>
-          </a:lnRef>
-          <a:fillRef idx="1">
-            <a:schemeClr val="accent1"/>
-          </a:fillRef>
-          <a:effectRef idx="0">
-            <a:schemeClr val="accent1"/>
-          </a:effectRef>
-          <a:fontRef idx="minor">
-            <a:schemeClr val="lt1"/>
-          </a:fontRef>
-        </p:style>
-        <p:txBody>
-          <a:bodyPr rtlCol="0" anchor="ctr"/>
-          <a:lstStyle/>
-          <a:p>
-            <a:pPr marL="0" marR="0" lvl="0" indent="0" algn="ctr" defTabSz="914400" rtl="0" eaLnBrk="1" fontAlgn="auto" latinLnBrk="0" hangingPunct="1">
-              <a:lnSpc>
-                <a:spcPct val="100000"/>
-              </a:lnSpc>
-              <a:spcBef>
-                <a:spcPts val="0"/>
-              </a:spcBef>
-              <a:spcAft>
-                <a:spcPts val="0"/>
-              </a:spcAft>
-              <a:buClrTx/>
-              <a:buSzTx/>
-              <a:buFontTx/>
-              <a:buNone/>
-              <a:tabLst/>
-              <a:defRPr/>
-            </a:pPr>
-            <a:endParaRPr kumimoji="0" lang="en-US" sz="1800" b="0" i="0" u="none" strike="noStrike" kern="1200" cap="none" spc="0" normalizeH="0" baseline="0" noProof="0">
-              <a:ln>
-                <a:noFill/>
-              </a:ln>
-              <a:solidFill>
-                <a:prstClr val="white"/>
-              </a:solidFill>
-              <a:effectLst/>
-              <a:uLnTx/>
-              <a:uFillTx/>
-              <a:latin typeface="Calibri" panose="020F0502020204030204"/>
-              <a:ea typeface="+mn-ea"/>
-              <a:cs typeface="+mn-cs"/>
-            </a:endParaRPr>
-          </a:p>
-        </p:txBody>
-      </p:sp>
-      <p:sp>
-        <p:nvSpPr>
-          <p:cNvPr id="2" name="Nadpis 1">
-            <a:extLst>
-              <a:ext uri="{FF2B5EF4-FFF2-40B4-BE49-F238E27FC236}">
-                <a16:creationId xmlns:a16="http://schemas.microsoft.com/office/drawing/2014/main" id="{857B6C76-6EEA-4448-9D2C-EB4BCA2563C8}"/>
-              </a:ext>
-            </a:extLst>
-          </p:cNvPr>
-          <p:cNvSpPr>
-            <a:spLocks noGrp="1"/>
-          </p:cNvSpPr>
-          <p:nvPr>
-            <p:ph type="title"/>
-          </p:nvPr>
-        </p:nvSpPr>
-        <p:spPr>
-          <a:xfrm>
-            <a:off x="526073" y="466578"/>
-            <a:ext cx="11139854" cy="930447"/>
-          </a:xfrm>
-        </p:spPr>
-        <p:txBody>
-          <a:bodyPr vert="horz" lIns="91440" tIns="45720" rIns="91440" bIns="45720" rtlCol="0" anchor="b">
+        <p:txBody>
+          <a:bodyPr>
             <a:normAutofit/>
           </a:bodyPr>
           <a:lstStyle/>
           <a:p>
             <a:pPr algn="ctr"/>
             <a:r>
-              <a:rPr lang="cs-CZ" sz="5400" kern="1200" dirty="0">
+              <a:rPr lang="cs-CZ" sz="2600" dirty="0">
                 <a:solidFill>
                   <a:srgbClr val="FFFFFF"/>
                 </a:solidFill>
-                <a:latin typeface="+mj-lt"/>
-                <a:ea typeface="+mj-ea"/>
-                <a:cs typeface="+mj-cs"/>
               </a:rPr>
-              <a:t>Uložení zadaného</a:t>
+              <a:t>Fragment</a:t>
             </a:r>
-            <a:endParaRPr lang="en-US" sz="5400" kern="1200" dirty="0">
-              <a:solidFill>
-                <a:srgbClr val="FFFFFF"/>
-              </a:solidFill>
-              <a:latin typeface="+mj-lt"/>
-              <a:ea typeface="+mj-ea"/>
-              <a:cs typeface="+mj-cs"/>
-            </a:endParaRPr>
-          </a:p>
-        </p:txBody>
-      </p:sp>
-      <p:cxnSp>
-        <p:nvCxnSpPr>
-          <p:cNvPr id="22" name="Straight Connector 21">
+          </a:p>
+        </p:txBody>
+      </p:sp>
+      <p:pic>
+        <p:nvPicPr>
+          <p:cNvPr id="8" name="Zástupný obsah 4">
             <a:extLst>
               <a:ext uri="{FF2B5EF4-FFF2-40B4-BE49-F238E27FC236}">
-                <a16:creationId xmlns:a16="http://schemas.microsoft.com/office/drawing/2014/main" id="{7E7C77BC-7138-40B1-A15B-20F57A494629}"/>
-              </a:ext>
-              <a:ext uri="{C183D7F6-B498-43B3-948B-1728B52AA6E4}">
-                <adec:decorative xmlns:adec="http://schemas.microsoft.com/office/drawing/2017/decorative" val="1"/>
-              </a:ext>
-            </a:extLst>
-          </p:cNvPr>
-          <p:cNvCxnSpPr>
-            <a:cxnSpLocks noGrp="1" noRot="1" noChangeAspect="1" noMove="1" noResize="1" noEditPoints="1" noAdjustHandles="1" noChangeArrowheads="1" noChangeShapeType="1"/>
-          </p:cNvCxnSpPr>
-          <p:nvPr>
-            <p:extLst>
-              <p:ext uri="{386F3935-93C4-4BCD-93E2-E3B085C9AB24}">
-                <p16:designElem xmlns:p16="http://schemas.microsoft.com/office/powerpoint/2015/main" val="1"/>
-              </p:ext>
-            </p:extLst>
-          </p:nvPr>
-        </p:nvCxnSpPr>
-        <p:spPr>
-          <a:xfrm>
-            <a:off x="2209800" y="1448631"/>
-            <a:ext cx="7772400" cy="0"/>
-          </a:xfrm>
-          <a:prstGeom prst="line">
-            <a:avLst/>
-          </a:prstGeom>
-          <a:ln w="22225">
-            <a:solidFill>
-              <a:srgbClr val="D9D9D9"/>
-            </a:solidFill>
-          </a:ln>
-        </p:spPr>
-        <p:style>
-          <a:lnRef idx="1">
-            <a:schemeClr val="accent1"/>
-          </a:lnRef>
-          <a:fillRef idx="0">
-            <a:schemeClr val="accent1"/>
-          </a:fillRef>
-          <a:effectRef idx="0">
-            <a:schemeClr val="accent1"/>
-          </a:effectRef>
-          <a:fontRef idx="minor">
-            <a:schemeClr val="tx1"/>
-          </a:fontRef>
-        </p:style>
-      </p:cxnSp>
-      <p:pic>
-        <p:nvPicPr>
-          <p:cNvPr id="4" name="Obrázek 3" descr="Obsah obrázku snímek obrazovky&#10;&#10;Popis byl vytvořen automaticky">
-            <a:extLst>
-              <a:ext uri="{FF2B5EF4-FFF2-40B4-BE49-F238E27FC236}">
-                <a16:creationId xmlns:a16="http://schemas.microsoft.com/office/drawing/2014/main" id="{F9AF779C-A59E-4C73-87B6-D05D10B2580C}"/>
+                <a16:creationId xmlns:a16="http://schemas.microsoft.com/office/drawing/2014/main" id="{B213A099-4B3B-4741-B29F-A65218844876}"/>
               </a:ext>
             </a:extLst>
           </p:cNvPr>
@@ -7842,8 +9032,8 @@
         </p:blipFill>
         <p:spPr>
           <a:xfrm>
-            <a:off x="1806993" y="1397025"/>
-            <a:ext cx="8963025" cy="5048250"/>
+            <a:off x="428729" y="2348746"/>
+            <a:ext cx="11334542" cy="4250452"/>
           </a:xfrm>
           <a:prstGeom prst="rect">
             <a:avLst/>
@@ -7853,7 +9043,7 @@
     </p:spTree>
     <p:extLst>
       <p:ext uri="{BB962C8B-B14F-4D97-AF65-F5344CB8AC3E}">
-        <p14:creationId xmlns:p14="http://schemas.microsoft.com/office/powerpoint/2010/main" val="2707370047"/>
+        <p14:creationId xmlns:p14="http://schemas.microsoft.com/office/powerpoint/2010/main" val="571122574"/>
       </p:ext>
     </p:extLst>
   </p:cSld>
